--- a/files/과제안내서_jay.pptx
+++ b/files/과제안내서_jay.pptx
@@ -1,38 +1,38 @@
 
 <file path=ppt/presentation.xml><?xml version="1.0" encoding="utf-8"?>
-<p:presentation xmlns:a="http://schemas.openxmlformats.org/drawingml/2006/main" xmlns:r="http://schemas.openxmlformats.org/officeDocument/2006/relationships" xmlns:mc="http://schemas.openxmlformats.org/markup-compatibility/2006" xmlns:mv="urn:schemas-microsoft-com:mac:vml" xmlns:p="http://schemas.openxmlformats.org/presentationml/2006/main" xmlns:c="http://schemas.openxmlformats.org/drawingml/2006/chart" xmlns:dgm="http://schemas.openxmlformats.org/drawingml/2006/diagram" xmlns:o="urn:schemas-microsoft-com:office:office" xmlns:v="urn:schemas-microsoft-com:vml" xmlns:pvml="urn:schemas-microsoft-com:office:powerpoint" xmlns:com="http://schemas.openxmlformats.org/drawingml/2006/compatibility" xmlns:p14="http://schemas.microsoft.com/office/powerpoint/2010/main" xmlns:p15="http://schemas.microsoft.com/office/powerpoint/2012/main" xmlns:ahyp="http://schemas.microsoft.com/office/drawing/2018/hyperlinkcolor" autoCompressPictures="0" embedTrueTypeFonts="1" strictFirstAndLastChars="0" saveSubsetFonts="1">
+<p:presentation xmlns:a="http://schemas.openxmlformats.org/drawingml/2006/main" xmlns:r="http://schemas.openxmlformats.org/officeDocument/2006/relationships" xmlns:p="http://schemas.openxmlformats.org/presentationml/2006/main" strictFirstAndLastChars="0" embedTrueTypeFonts="1" saveSubsetFonts="1" autoCompressPictures="0">
   <p:sldMasterIdLst>
-    <p:sldMasterId id="2147483648" r:id="rId4"/>
+    <p:sldMasterId id="2147483648" r:id="rId1"/>
   </p:sldMasterIdLst>
   <p:notesMasterIdLst>
-    <p:notesMasterId r:id="rId5"/>
+    <p:notesMasterId r:id="rId13"/>
   </p:notesMasterIdLst>
   <p:sldIdLst>
-    <p:sldId id="256" r:id="rId6"/>
-    <p:sldId id="257" r:id="rId7"/>
-    <p:sldId id="258" r:id="rId8"/>
-    <p:sldId id="259" r:id="rId9"/>
-    <p:sldId id="260" r:id="rId10"/>
-    <p:sldId id="261" r:id="rId11"/>
-    <p:sldId id="262" r:id="rId12"/>
-    <p:sldId id="263" r:id="rId13"/>
-    <p:sldId id="264" r:id="rId14"/>
-    <p:sldId id="265" r:id="rId15"/>
-    <p:sldId id="266" r:id="rId16"/>
+    <p:sldId id="256" r:id="rId2"/>
+    <p:sldId id="257" r:id="rId3"/>
+    <p:sldId id="258" r:id="rId4"/>
+    <p:sldId id="259" r:id="rId5"/>
+    <p:sldId id="260" r:id="rId6"/>
+    <p:sldId id="261" r:id="rId7"/>
+    <p:sldId id="262" r:id="rId8"/>
+    <p:sldId id="263" r:id="rId9"/>
+    <p:sldId id="264" r:id="rId10"/>
+    <p:sldId id="265" r:id="rId11"/>
+    <p:sldId id="266" r:id="rId12"/>
   </p:sldIdLst>
-  <p:sldSz cy="8229600" cx="14630400"/>
+  <p:sldSz cx="14630400" cy="8229600"/>
   <p:notesSz cx="8229600" cy="14630400"/>
   <p:embeddedFontLst>
     <p:embeddedFont>
-      <p:font typeface="Inter"/>
-      <p:regular r:id="rId17"/>
-      <p:bold r:id="rId18"/>
-      <p:italic r:id="rId19"/>
-      <p:boldItalic r:id="rId20"/>
+      <p:font typeface="Inter" panose="02000503000000020004" pitchFamily="2" charset="0"/>
+      <p:regular r:id=""/>
+      <p:bold r:id=""/>
+      <p:italic r:id=""/>
+      <p:boldItalic r:id=""/>
     </p:embeddedFont>
   </p:embeddedFontLst>
   <p:defaultTextStyle>
-    <a:defPPr lvl="0" marR="0" rtl="0" algn="l">
+    <a:defPPr marR="0" lvl="0" algn="l" rtl="0">
       <a:lnSpc>
         <a:spcPct val="100000"/>
       </a:lnSpc>
@@ -43,7 +43,7 @@
         <a:spcPts val="0"/>
       </a:spcAft>
     </a:defPPr>
-    <a:lvl1pPr lvl="0" marR="0" rtl="0" algn="l">
+    <a:lvl1pPr marR="0" lvl="0" algn="l" rtl="0">
       <a:lnSpc>
         <a:spcPct val="100000"/>
       </a:lnSpc>
@@ -57,7 +57,7 @@
         <a:srgbClr val="000000"/>
       </a:buClr>
       <a:buFont typeface="Arial"/>
-      <a:defRPr b="0" i="0" sz="1400" u="none" cap="none" strike="noStrike">
+      <a:defRPr sz="1400" b="0" i="0" u="none" strike="noStrike" cap="none">
         <a:solidFill>
           <a:srgbClr val="000000"/>
         </a:solidFill>
@@ -67,7 +67,7 @@
         <a:sym typeface="Arial"/>
       </a:defRPr>
     </a:lvl1pPr>
-    <a:lvl2pPr lvl="1" marR="0" rtl="0" algn="l">
+    <a:lvl2pPr marR="0" lvl="1" algn="l" rtl="0">
       <a:lnSpc>
         <a:spcPct val="100000"/>
       </a:lnSpc>
@@ -81,7 +81,7 @@
         <a:srgbClr val="000000"/>
       </a:buClr>
       <a:buFont typeface="Arial"/>
-      <a:defRPr b="0" i="0" sz="1400" u="none" cap="none" strike="noStrike">
+      <a:defRPr sz="1400" b="0" i="0" u="none" strike="noStrike" cap="none">
         <a:solidFill>
           <a:srgbClr val="000000"/>
         </a:solidFill>
@@ -91,7 +91,7 @@
         <a:sym typeface="Arial"/>
       </a:defRPr>
     </a:lvl2pPr>
-    <a:lvl3pPr lvl="2" marR="0" rtl="0" algn="l">
+    <a:lvl3pPr marR="0" lvl="2" algn="l" rtl="0">
       <a:lnSpc>
         <a:spcPct val="100000"/>
       </a:lnSpc>
@@ -105,7 +105,7 @@
         <a:srgbClr val="000000"/>
       </a:buClr>
       <a:buFont typeface="Arial"/>
-      <a:defRPr b="0" i="0" sz="1400" u="none" cap="none" strike="noStrike">
+      <a:defRPr sz="1400" b="0" i="0" u="none" strike="noStrike" cap="none">
         <a:solidFill>
           <a:srgbClr val="000000"/>
         </a:solidFill>
@@ -115,7 +115,7 @@
         <a:sym typeface="Arial"/>
       </a:defRPr>
     </a:lvl3pPr>
-    <a:lvl4pPr lvl="3" marR="0" rtl="0" algn="l">
+    <a:lvl4pPr marR="0" lvl="3" algn="l" rtl="0">
       <a:lnSpc>
         <a:spcPct val="100000"/>
       </a:lnSpc>
@@ -129,7 +129,7 @@
         <a:srgbClr val="000000"/>
       </a:buClr>
       <a:buFont typeface="Arial"/>
-      <a:defRPr b="0" i="0" sz="1400" u="none" cap="none" strike="noStrike">
+      <a:defRPr sz="1400" b="0" i="0" u="none" strike="noStrike" cap="none">
         <a:solidFill>
           <a:srgbClr val="000000"/>
         </a:solidFill>
@@ -139,7 +139,7 @@
         <a:sym typeface="Arial"/>
       </a:defRPr>
     </a:lvl4pPr>
-    <a:lvl5pPr lvl="4" marR="0" rtl="0" algn="l">
+    <a:lvl5pPr marR="0" lvl="4" algn="l" rtl="0">
       <a:lnSpc>
         <a:spcPct val="100000"/>
       </a:lnSpc>
@@ -153,7 +153,7 @@
         <a:srgbClr val="000000"/>
       </a:buClr>
       <a:buFont typeface="Arial"/>
-      <a:defRPr b="0" i="0" sz="1400" u="none" cap="none" strike="noStrike">
+      <a:defRPr sz="1400" b="0" i="0" u="none" strike="noStrike" cap="none">
         <a:solidFill>
           <a:srgbClr val="000000"/>
         </a:solidFill>
@@ -163,7 +163,7 @@
         <a:sym typeface="Arial"/>
       </a:defRPr>
     </a:lvl5pPr>
-    <a:lvl6pPr lvl="5" marR="0" rtl="0" algn="l">
+    <a:lvl6pPr marR="0" lvl="5" algn="l" rtl="0">
       <a:lnSpc>
         <a:spcPct val="100000"/>
       </a:lnSpc>
@@ -177,7 +177,7 @@
         <a:srgbClr val="000000"/>
       </a:buClr>
       <a:buFont typeface="Arial"/>
-      <a:defRPr b="0" i="0" sz="1400" u="none" cap="none" strike="noStrike">
+      <a:defRPr sz="1400" b="0" i="0" u="none" strike="noStrike" cap="none">
         <a:solidFill>
           <a:srgbClr val="000000"/>
         </a:solidFill>
@@ -187,7 +187,7 @@
         <a:sym typeface="Arial"/>
       </a:defRPr>
     </a:lvl6pPr>
-    <a:lvl7pPr lvl="6" marR="0" rtl="0" algn="l">
+    <a:lvl7pPr marR="0" lvl="6" algn="l" rtl="0">
       <a:lnSpc>
         <a:spcPct val="100000"/>
       </a:lnSpc>
@@ -201,7 +201,7 @@
         <a:srgbClr val="000000"/>
       </a:buClr>
       <a:buFont typeface="Arial"/>
-      <a:defRPr b="0" i="0" sz="1400" u="none" cap="none" strike="noStrike">
+      <a:defRPr sz="1400" b="0" i="0" u="none" strike="noStrike" cap="none">
         <a:solidFill>
           <a:srgbClr val="000000"/>
         </a:solidFill>
@@ -211,7 +211,7 @@
         <a:sym typeface="Arial"/>
       </a:defRPr>
     </a:lvl7pPr>
-    <a:lvl8pPr lvl="7" marR="0" rtl="0" algn="l">
+    <a:lvl8pPr marR="0" lvl="7" algn="l" rtl="0">
       <a:lnSpc>
         <a:spcPct val="100000"/>
       </a:lnSpc>
@@ -225,7 +225,7 @@
         <a:srgbClr val="000000"/>
       </a:buClr>
       <a:buFont typeface="Arial"/>
-      <a:defRPr b="0" i="0" sz="1400" u="none" cap="none" strike="noStrike">
+      <a:defRPr sz="1400" b="0" i="0" u="none" strike="noStrike" cap="none">
         <a:solidFill>
           <a:srgbClr val="000000"/>
         </a:solidFill>
@@ -235,7 +235,7 @@
         <a:sym typeface="Arial"/>
       </a:defRPr>
     </a:lvl8pPr>
-    <a:lvl9pPr lvl="8" marR="0" rtl="0" algn="l">
+    <a:lvl9pPr marR="0" lvl="8" algn="l" rtl="0">
       <a:lnSpc>
         <a:spcPct val="100000"/>
       </a:lnSpc>
@@ -249,7 +249,7 @@
         <a:srgbClr val="000000"/>
       </a:buClr>
       <a:buFont typeface="Arial"/>
-      <a:defRPr b="0" i="0" sz="1400" u="none" cap="none" strike="noStrike">
+      <a:defRPr sz="1400" b="0" i="0" u="none" strike="noStrike" cap="none">
         <a:solidFill>
           <a:srgbClr val="000000"/>
         </a:solidFill>
@@ -262,25 +262,26 @@
   </p:defaultTextStyle>
   <p:extLst>
     <p:ext uri="GoogleSlidesCustomDataVersion2">
-      <go:slidesCustomData xmlns:go="http://customooxmlschemas.google.com/" r:id="rId21" roundtripDataSignature="AMtx7mgPAKVmM2ghiDsUhdpOn7WH1x9Dvw=="/>
+      <go:slidesCustomData xmlns:go="http://customooxmlschemas.google.com/" xmlns:ahyp="http://schemas.microsoft.com/office/drawing/2018/hyperlinkcolor" xmlns:p15="http://schemas.microsoft.com/office/powerpoint/2012/main" xmlns:p14="http://schemas.microsoft.com/office/powerpoint/2010/main" xmlns:com="http://schemas.openxmlformats.org/drawingml/2006/compatibility" xmlns:pvml="urn:schemas-microsoft-com:office:powerpoint" xmlns:v="urn:schemas-microsoft-com:vml" xmlns:o="urn:schemas-microsoft-com:office:office" xmlns:dgm="http://schemas.openxmlformats.org/drawingml/2006/diagram" xmlns:c="http://schemas.openxmlformats.org/drawingml/2006/chart" xmlns:mv="urn:schemas-microsoft-com:mac:vml" xmlns:mc="http://schemas.openxmlformats.org/markup-compatibility/2006" xmlns="" r:id="rId21" roundtripDataSignature="AMtx7mgPAKVmM2ghiDsUhdpOn7WH1x9Dvw=="/>
     </p:ext>
   </p:extLst>
 </p:presentation>
 </file>
 
 <file path=ppt/notesMasters/notesMaster1.xml><?xml version="1.0" encoding="utf-8"?>
-<p:notesMaster xmlns:a="http://schemas.openxmlformats.org/drawingml/2006/main" xmlns:r="http://schemas.openxmlformats.org/officeDocument/2006/relationships" xmlns:mc="http://schemas.openxmlformats.org/markup-compatibility/2006" xmlns:mv="urn:schemas-microsoft-com:mac:vml" xmlns:p="http://schemas.openxmlformats.org/presentationml/2006/main" xmlns:c="http://schemas.openxmlformats.org/drawingml/2006/chart" xmlns:dgm="http://schemas.openxmlformats.org/drawingml/2006/diagram" xmlns:o="urn:schemas-microsoft-com:office:office" xmlns:v="urn:schemas-microsoft-com:vml" xmlns:pvml="urn:schemas-microsoft-com:office:powerpoint" xmlns:com="http://schemas.openxmlformats.org/drawingml/2006/compatibility" xmlns:p14="http://schemas.microsoft.com/office/powerpoint/2010/main" xmlns:p15="http://schemas.microsoft.com/office/powerpoint/2012/main" xmlns:ahyp="http://schemas.microsoft.com/office/drawing/2018/hyperlinkcolor">
+<p:notesMaster xmlns:a="http://schemas.openxmlformats.org/drawingml/2006/main" xmlns:r="http://schemas.openxmlformats.org/officeDocument/2006/relationships" xmlns:p="http://schemas.openxmlformats.org/presentationml/2006/main">
   <p:cSld>
     <p:bg>
       <p:bgPr>
         <a:solidFill>
           <a:schemeClr val="lt1"/>
         </a:solidFill>
+        <a:effectLst/>
       </p:bgPr>
     </p:bg>
     <p:spTree>
       <p:nvGrpSpPr>
-        <p:cNvPr id="2" name="Shape 2"/>
+        <p:cNvPr id="1" name="Shape 2"/>
         <p:cNvGrpSpPr/>
         <p:nvPr/>
       </p:nvGrpSpPr>
@@ -295,9 +296,11 @@
       <p:sp>
         <p:nvSpPr>
           <p:cNvPr id="3" name="Google Shape;3;n"/>
-          <p:cNvSpPr/>
+          <p:cNvSpPr>
+            <a:spLocks noGrp="1" noRot="1" noChangeAspect="1"/>
+          </p:cNvSpPr>
           <p:nvPr>
-            <p:ph idx="2" type="sldImg"/>
+            <p:ph type="sldImg" idx="2"/>
           </p:nvPr>
         </p:nvSpPr>
         <p:spPr>
@@ -306,9 +309,13 @@
             <a:ext cx="5486650" cy="5486400"/>
           </a:xfrm>
           <a:custGeom>
-            <a:rect b="b" l="l" r="r" t="t"/>
+            <a:avLst/>
+            <a:gdLst/>
+            <a:ahLst/>
+            <a:cxnLst/>
+            <a:rect l="l" t="t" r="r" b="b"/>
             <a:pathLst>
-              <a:path extrusionOk="0" h="120000" w="120000">
+              <a:path w="120000" h="120000" extrusionOk="0">
                 <a:moveTo>
                   <a:pt x="0" y="0"/>
                 </a:moveTo>
@@ -326,23 +333,25 @@
             </a:pathLst>
           </a:custGeom>
           <a:noFill/>
-          <a:ln cap="flat" cmpd="sng" w="9525">
+          <a:ln w="9525" cap="flat" cmpd="sng">
             <a:solidFill>
               <a:srgbClr val="000000"/>
             </a:solidFill>
             <a:prstDash val="solid"/>
             <a:round/>
-            <a:headEnd len="sm" w="sm" type="none"/>
-            <a:tailEnd len="sm" w="sm" type="none"/>
+            <a:headEnd type="none" w="sm" len="sm"/>
+            <a:tailEnd type="none" w="sm" len="sm"/>
           </a:ln>
         </p:spPr>
       </p:sp>
       <p:sp>
         <p:nvSpPr>
           <p:cNvPr id="4" name="Google Shape;4;n"/>
-          <p:cNvSpPr txBox="1"/>
+          <p:cNvSpPr txBox="1">
+            <a:spLocks noGrp="1"/>
+          </p:cNvSpPr>
           <p:nvPr>
-            <p:ph idx="1" type="body"/>
+            <p:ph type="body" idx="1"/>
           </p:nvPr>
         </p:nvSpPr>
         <p:spPr>
@@ -359,11 +368,11 @@
           </a:ln>
         </p:spPr>
         <p:txBody>
-          <a:bodyPr anchorCtr="0" anchor="t" bIns="91425" lIns="91425" spcFirstLastPara="1" rIns="91425" wrap="square" tIns="91425">
+          <a:bodyPr spcFirstLastPara="1" wrap="square" lIns="91425" tIns="91425" rIns="91425" bIns="91425" anchor="t" anchorCtr="0">
             <a:noAutofit/>
           </a:bodyPr>
           <a:lstStyle>
-            <a:lvl1pPr indent="-298450" lvl="0" marL="457200">
+            <a:lvl1pPr marL="457200" lvl="0" indent="-298450">
               <a:spcBef>
                 <a:spcPts val="0"/>
               </a:spcBef>
@@ -374,7 +383,7 @@
               <a:buChar char="●"/>
               <a:defRPr sz="1100"/>
             </a:lvl1pPr>
-            <a:lvl2pPr indent="-298450" lvl="1" marL="914400">
+            <a:lvl2pPr marL="914400" lvl="1" indent="-298450">
               <a:spcBef>
                 <a:spcPts val="0"/>
               </a:spcBef>
@@ -385,7 +394,7 @@
               <a:buChar char="○"/>
               <a:defRPr sz="1100"/>
             </a:lvl2pPr>
-            <a:lvl3pPr indent="-298450" lvl="2" marL="1371600">
+            <a:lvl3pPr marL="1371600" lvl="2" indent="-298450">
               <a:spcBef>
                 <a:spcPts val="0"/>
               </a:spcBef>
@@ -396,7 +405,7 @@
               <a:buChar char="■"/>
               <a:defRPr sz="1100"/>
             </a:lvl3pPr>
-            <a:lvl4pPr indent="-298450" lvl="3" marL="1828800">
+            <a:lvl4pPr marL="1828800" lvl="3" indent="-298450">
               <a:spcBef>
                 <a:spcPts val="0"/>
               </a:spcBef>
@@ -407,7 +416,7 @@
               <a:buChar char="●"/>
               <a:defRPr sz="1100"/>
             </a:lvl4pPr>
-            <a:lvl5pPr indent="-298450" lvl="4" marL="2286000">
+            <a:lvl5pPr marL="2286000" lvl="4" indent="-298450">
               <a:spcBef>
                 <a:spcPts val="0"/>
               </a:spcBef>
@@ -418,7 +427,7 @@
               <a:buChar char="○"/>
               <a:defRPr sz="1100"/>
             </a:lvl5pPr>
-            <a:lvl6pPr indent="-298450" lvl="5" marL="2743200">
+            <a:lvl6pPr marL="2743200" lvl="5" indent="-298450">
               <a:spcBef>
                 <a:spcPts val="0"/>
               </a:spcBef>
@@ -429,7 +438,7 @@
               <a:buChar char="■"/>
               <a:defRPr sz="1100"/>
             </a:lvl6pPr>
-            <a:lvl7pPr indent="-298450" lvl="6" marL="3200400">
+            <a:lvl7pPr marL="3200400" lvl="6" indent="-298450">
               <a:spcBef>
                 <a:spcPts val="0"/>
               </a:spcBef>
@@ -440,7 +449,7 @@
               <a:buChar char="●"/>
               <a:defRPr sz="1100"/>
             </a:lvl7pPr>
-            <a:lvl8pPr indent="-298450" lvl="7" marL="3657600">
+            <a:lvl8pPr marL="3657600" lvl="7" indent="-298450">
               <a:spcBef>
                 <a:spcPts val="0"/>
               </a:spcBef>
@@ -451,7 +460,7 @@
               <a:buChar char="○"/>
               <a:defRPr sz="1100"/>
             </a:lvl8pPr>
-            <a:lvl9pPr indent="-298450" lvl="8" marL="4114800">
+            <a:lvl9pPr marL="4114800" lvl="8" indent="-298450">
               <a:spcBef>
                 <a:spcPts val="0"/>
               </a:spcBef>
@@ -463,14 +472,16 @@
               <a:defRPr sz="1100"/>
             </a:lvl9pPr>
           </a:lstStyle>
-          <a:p/>
+          <a:p>
+            <a:endParaRPr/>
+          </a:p>
         </p:txBody>
       </p:sp>
     </p:spTree>
   </p:cSld>
-  <p:clrMap accent1="accent1" accent2="accent2" accent3="accent3" accent4="accent4" accent5="accent5" accent6="accent6" bg1="lt1" bg2="dk2" tx1="dk1" tx2="lt2" folHlink="folHlink" hlink="hlink"/>
+  <p:clrMap bg1="lt1" tx1="dk1" bg2="dk2" tx2="lt2" accent1="accent1" accent2="accent2" accent3="accent3" accent4="accent4" accent5="accent5" accent6="accent6" hlink="hlink" folHlink="folHlink"/>
   <p:notesStyle>
-    <a:defPPr lvl="0" marR="0" rtl="0" algn="l">
+    <a:defPPr marR="0" lvl="0" algn="l" rtl="0">
       <a:lnSpc>
         <a:spcPct val="100000"/>
       </a:lnSpc>
@@ -481,7 +492,7 @@
         <a:spcPts val="0"/>
       </a:spcAft>
     </a:defPPr>
-    <a:lvl1pPr lvl="0" marR="0" rtl="0" algn="l">
+    <a:lvl1pPr marR="0" lvl="0" algn="l" rtl="0">
       <a:lnSpc>
         <a:spcPct val="100000"/>
       </a:lnSpc>
@@ -495,7 +506,7 @@
         <a:srgbClr val="000000"/>
       </a:buClr>
       <a:buFont typeface="Arial"/>
-      <a:defRPr b="0" i="0" sz="1400" u="none" cap="none" strike="noStrike">
+      <a:defRPr sz="1400" b="0" i="0" u="none" strike="noStrike" cap="none">
         <a:solidFill>
           <a:srgbClr val="000000"/>
         </a:solidFill>
@@ -505,7 +516,7 @@
         <a:sym typeface="Arial"/>
       </a:defRPr>
     </a:lvl1pPr>
-    <a:lvl2pPr lvl="1" marR="0" rtl="0" algn="l">
+    <a:lvl2pPr marR="0" lvl="1" algn="l" rtl="0">
       <a:lnSpc>
         <a:spcPct val="100000"/>
       </a:lnSpc>
@@ -519,7 +530,7 @@
         <a:srgbClr val="000000"/>
       </a:buClr>
       <a:buFont typeface="Arial"/>
-      <a:defRPr b="0" i="0" sz="1400" u="none" cap="none" strike="noStrike">
+      <a:defRPr sz="1400" b="0" i="0" u="none" strike="noStrike" cap="none">
         <a:solidFill>
           <a:srgbClr val="000000"/>
         </a:solidFill>
@@ -529,7 +540,7 @@
         <a:sym typeface="Arial"/>
       </a:defRPr>
     </a:lvl2pPr>
-    <a:lvl3pPr lvl="2" marR="0" rtl="0" algn="l">
+    <a:lvl3pPr marR="0" lvl="2" algn="l" rtl="0">
       <a:lnSpc>
         <a:spcPct val="100000"/>
       </a:lnSpc>
@@ -543,7 +554,7 @@
         <a:srgbClr val="000000"/>
       </a:buClr>
       <a:buFont typeface="Arial"/>
-      <a:defRPr b="0" i="0" sz="1400" u="none" cap="none" strike="noStrike">
+      <a:defRPr sz="1400" b="0" i="0" u="none" strike="noStrike" cap="none">
         <a:solidFill>
           <a:srgbClr val="000000"/>
         </a:solidFill>
@@ -553,7 +564,7 @@
         <a:sym typeface="Arial"/>
       </a:defRPr>
     </a:lvl3pPr>
-    <a:lvl4pPr lvl="3" marR="0" rtl="0" algn="l">
+    <a:lvl4pPr marR="0" lvl="3" algn="l" rtl="0">
       <a:lnSpc>
         <a:spcPct val="100000"/>
       </a:lnSpc>
@@ -567,7 +578,7 @@
         <a:srgbClr val="000000"/>
       </a:buClr>
       <a:buFont typeface="Arial"/>
-      <a:defRPr b="0" i="0" sz="1400" u="none" cap="none" strike="noStrike">
+      <a:defRPr sz="1400" b="0" i="0" u="none" strike="noStrike" cap="none">
         <a:solidFill>
           <a:srgbClr val="000000"/>
         </a:solidFill>
@@ -577,7 +588,7 @@
         <a:sym typeface="Arial"/>
       </a:defRPr>
     </a:lvl4pPr>
-    <a:lvl5pPr lvl="4" marR="0" rtl="0" algn="l">
+    <a:lvl5pPr marR="0" lvl="4" algn="l" rtl="0">
       <a:lnSpc>
         <a:spcPct val="100000"/>
       </a:lnSpc>
@@ -591,7 +602,7 @@
         <a:srgbClr val="000000"/>
       </a:buClr>
       <a:buFont typeface="Arial"/>
-      <a:defRPr b="0" i="0" sz="1400" u="none" cap="none" strike="noStrike">
+      <a:defRPr sz="1400" b="0" i="0" u="none" strike="noStrike" cap="none">
         <a:solidFill>
           <a:srgbClr val="000000"/>
         </a:solidFill>
@@ -601,7 +612,7 @@
         <a:sym typeface="Arial"/>
       </a:defRPr>
     </a:lvl5pPr>
-    <a:lvl6pPr lvl="5" marR="0" rtl="0" algn="l">
+    <a:lvl6pPr marR="0" lvl="5" algn="l" rtl="0">
       <a:lnSpc>
         <a:spcPct val="100000"/>
       </a:lnSpc>
@@ -615,7 +626,7 @@
         <a:srgbClr val="000000"/>
       </a:buClr>
       <a:buFont typeface="Arial"/>
-      <a:defRPr b="0" i="0" sz="1400" u="none" cap="none" strike="noStrike">
+      <a:defRPr sz="1400" b="0" i="0" u="none" strike="noStrike" cap="none">
         <a:solidFill>
           <a:srgbClr val="000000"/>
         </a:solidFill>
@@ -625,7 +636,7 @@
         <a:sym typeface="Arial"/>
       </a:defRPr>
     </a:lvl6pPr>
-    <a:lvl7pPr lvl="6" marR="0" rtl="0" algn="l">
+    <a:lvl7pPr marR="0" lvl="6" algn="l" rtl="0">
       <a:lnSpc>
         <a:spcPct val="100000"/>
       </a:lnSpc>
@@ -639,7 +650,7 @@
         <a:srgbClr val="000000"/>
       </a:buClr>
       <a:buFont typeface="Arial"/>
-      <a:defRPr b="0" i="0" sz="1400" u="none" cap="none" strike="noStrike">
+      <a:defRPr sz="1400" b="0" i="0" u="none" strike="noStrike" cap="none">
         <a:solidFill>
           <a:srgbClr val="000000"/>
         </a:solidFill>
@@ -649,7 +660,7 @@
         <a:sym typeface="Arial"/>
       </a:defRPr>
     </a:lvl7pPr>
-    <a:lvl8pPr lvl="7" marR="0" rtl="0" algn="l">
+    <a:lvl8pPr marR="0" lvl="7" algn="l" rtl="0">
       <a:lnSpc>
         <a:spcPct val="100000"/>
       </a:lnSpc>
@@ -663,7 +674,7 @@
         <a:srgbClr val="000000"/>
       </a:buClr>
       <a:buFont typeface="Arial"/>
-      <a:defRPr b="0" i="0" sz="1400" u="none" cap="none" strike="noStrike">
+      <a:defRPr sz="1400" b="0" i="0" u="none" strike="noStrike" cap="none">
         <a:solidFill>
           <a:srgbClr val="000000"/>
         </a:solidFill>
@@ -673,7 +684,7 @@
         <a:sym typeface="Arial"/>
       </a:defRPr>
     </a:lvl8pPr>
-    <a:lvl9pPr lvl="8" marR="0" rtl="0" algn="l">
+    <a:lvl9pPr marR="0" lvl="8" algn="l" rtl="0">
       <a:lnSpc>
         <a:spcPct val="100000"/>
       </a:lnSpc>
@@ -687,7 +698,7 @@
         <a:srgbClr val="000000"/>
       </a:buClr>
       <a:buFont typeface="Arial"/>
-      <a:defRPr b="0" i="0" sz="1400" u="none" cap="none" strike="noStrike">
+      <a:defRPr sz="1400" b="0" i="0" u="none" strike="noStrike" cap="none">
         <a:solidFill>
           <a:srgbClr val="000000"/>
         </a:solidFill>
@@ -702,11 +713,11 @@
 </file>
 
 <file path=ppt/notesSlides/notesSlide1.xml><?xml version="1.0" encoding="utf-8"?>
-<p:notes xmlns:a="http://schemas.openxmlformats.org/drawingml/2006/main" xmlns:r="http://schemas.openxmlformats.org/officeDocument/2006/relationships" xmlns:mc="http://schemas.openxmlformats.org/markup-compatibility/2006" xmlns:mv="urn:schemas-microsoft-com:mac:vml" xmlns:p="http://schemas.openxmlformats.org/presentationml/2006/main" xmlns:c="http://schemas.openxmlformats.org/drawingml/2006/chart" xmlns:dgm="http://schemas.openxmlformats.org/drawingml/2006/diagram" xmlns:o="urn:schemas-microsoft-com:office:office" xmlns:v="urn:schemas-microsoft-com:vml" xmlns:pvml="urn:schemas-microsoft-com:office:powerpoint" xmlns:com="http://schemas.openxmlformats.org/drawingml/2006/compatibility" xmlns:p14="http://schemas.microsoft.com/office/powerpoint/2010/main" xmlns:p15="http://schemas.microsoft.com/office/powerpoint/2012/main" xmlns:ahyp="http://schemas.microsoft.com/office/drawing/2018/hyperlinkcolor" showMasterPhAnim="0" showMasterSp="0">
+<p:notes xmlns:a="http://schemas.openxmlformats.org/drawingml/2006/main" xmlns:r="http://schemas.openxmlformats.org/officeDocument/2006/relationships" xmlns:p="http://schemas.openxmlformats.org/presentationml/2006/main" showMasterSp="0" showMasterPhAnim="0">
   <p:cSld>
     <p:spTree>
       <p:nvGrpSpPr>
-        <p:cNvPr id="7" name="Shape 7"/>
+        <p:cNvPr id="1" name="Shape 7"/>
         <p:cNvGrpSpPr/>
         <p:nvPr/>
       </p:nvGrpSpPr>
@@ -721,9 +732,11 @@
       <p:sp>
         <p:nvSpPr>
           <p:cNvPr id="8" name="Google Shape;8;p1:notes"/>
-          <p:cNvSpPr/>
+          <p:cNvSpPr>
+            <a:spLocks noGrp="1" noRot="1" noChangeAspect="1"/>
+          </p:cNvSpPr>
           <p:nvPr>
-            <p:ph idx="2" type="sldImg"/>
+            <p:ph type="sldImg" idx="2"/>
           </p:nvPr>
         </p:nvSpPr>
         <p:spPr>
@@ -732,9 +745,13 @@
             <a:ext cx="3000000" cy="3000000"/>
           </a:xfrm>
           <a:custGeom>
-            <a:rect b="b" l="l" r="r" t="t"/>
+            <a:avLst/>
+            <a:gdLst/>
+            <a:ahLst/>
+            <a:cxnLst/>
+            <a:rect l="l" t="t" r="r" b="b"/>
             <a:pathLst>
-              <a:path extrusionOk="0" h="120000" w="120000">
+              <a:path w="120000" h="120000" extrusionOk="0">
                 <a:moveTo>
                   <a:pt x="0" y="0"/>
                 </a:moveTo>
@@ -760,9 +777,11 @@
       <p:sp>
         <p:nvSpPr>
           <p:cNvPr id="9" name="Google Shape;9;p1:notes"/>
-          <p:cNvSpPr txBox="1"/>
+          <p:cNvSpPr txBox="1">
+            <a:spLocks noGrp="1"/>
+          </p:cNvSpPr>
           <p:nvPr>
-            <p:ph idx="1" type="body"/>
+            <p:ph type="body" idx="1"/>
           </p:nvPr>
         </p:nvSpPr>
         <p:spPr>
@@ -779,23 +798,20 @@
           </a:ln>
         </p:spPr>
         <p:txBody>
-          <a:bodyPr anchorCtr="0" anchor="t" bIns="45700" lIns="91425" spcFirstLastPara="1" rIns="91425" wrap="square" tIns="45700">
+          <a:bodyPr spcFirstLastPara="1" wrap="square" lIns="91425" tIns="45700" rIns="91425" bIns="45700" anchor="t" anchorCtr="0">
             <a:noAutofit/>
           </a:bodyPr>
           <a:lstStyle/>
           <a:p>
-            <a:pPr indent="0" lvl="0" marL="0" marR="0" rtl="0" algn="l">
-              <a:spcBef>
-                <a:spcPts val="0"/>
-              </a:spcBef>
-              <a:spcAft>
-                <a:spcPts val="0"/>
-              </a:spcAft>
-              <a:buNone/>
-            </a:pPr>
-            <a:r>
-              <a:t/>
-            </a:r>
+            <a:pPr marL="0" marR="0" lvl="0" indent="0" algn="l" rtl="0">
+              <a:spcBef>
+                <a:spcPts val="0"/>
+              </a:spcBef>
+              <a:spcAft>
+                <a:spcPts val="0"/>
+              </a:spcAft>
+              <a:buNone/>
+            </a:pPr>
             <a:endParaRPr sz="1200">
               <a:solidFill>
                 <a:schemeClr val="dk1"/>
@@ -811,9 +827,11 @@
       <p:sp>
         <p:nvSpPr>
           <p:cNvPr id="10" name="Google Shape;10;p1:notes"/>
-          <p:cNvSpPr txBox="1"/>
+          <p:cNvSpPr txBox="1">
+            <a:spLocks noGrp="1"/>
+          </p:cNvSpPr>
           <p:nvPr>
-            <p:ph idx="12" type="sldNum"/>
+            <p:ph type="sldNum" idx="12"/>
           </p:nvPr>
         </p:nvSpPr>
         <p:spPr>
@@ -830,12 +848,12 @@
           </a:ln>
         </p:spPr>
         <p:txBody>
-          <a:bodyPr anchorCtr="0" anchor="t" bIns="45700" lIns="91425" spcFirstLastPara="1" rIns="91425" wrap="square" tIns="45700">
+          <a:bodyPr spcFirstLastPara="1" wrap="square" lIns="91425" tIns="45700" rIns="91425" bIns="45700" anchor="t" anchorCtr="0">
             <a:noAutofit/>
           </a:bodyPr>
           <a:lstStyle/>
           <a:p>
-            <a:pPr indent="0" lvl="0" marL="0" marR="0" rtl="0" algn="l">
+            <a:pPr marL="0" marR="0" lvl="0" indent="0" algn="l" rtl="0">
               <a:spcBef>
                 <a:spcPts val="0"/>
               </a:spcBef>
@@ -845,7 +863,7 @@
               <a:buNone/>
             </a:pPr>
             <a:fld id="{00000000-1234-1234-1234-123412341234}" type="slidenum">
-              <a:rPr b="0" i="0" lang="en-US" sz="1800" u="none" cap="none" strike="noStrike">
+              <a:rPr lang="en-US" sz="1800" b="0" i="0" u="none" strike="noStrike" cap="none">
                 <a:solidFill>
                   <a:schemeClr val="dk1"/>
                 </a:solidFill>
@@ -854,7 +872,7 @@
                 <a:cs typeface="Calibri"/>
                 <a:sym typeface="Calibri"/>
               </a:rPr>
-              <a:t>‹#›</a:t>
+              <a:t>1</a:t>
             </a:fld>
             <a:endParaRPr sz="1800">
               <a:solidFill>
@@ -877,11 +895,11 @@
 </file>
 
 <file path=ppt/notesSlides/notesSlide10.xml><?xml version="1.0" encoding="utf-8"?>
-<p:notes xmlns:a="http://schemas.openxmlformats.org/drawingml/2006/main" xmlns:r="http://schemas.openxmlformats.org/officeDocument/2006/relationships" xmlns:mc="http://schemas.openxmlformats.org/markup-compatibility/2006" xmlns:mv="urn:schemas-microsoft-com:mac:vml" xmlns:p="http://schemas.openxmlformats.org/presentationml/2006/main" xmlns:c="http://schemas.openxmlformats.org/drawingml/2006/chart" xmlns:dgm="http://schemas.openxmlformats.org/drawingml/2006/diagram" xmlns:o="urn:schemas-microsoft-com:office:office" xmlns:v="urn:schemas-microsoft-com:vml" xmlns:pvml="urn:schemas-microsoft-com:office:powerpoint" xmlns:com="http://schemas.openxmlformats.org/drawingml/2006/compatibility" xmlns:p14="http://schemas.microsoft.com/office/powerpoint/2010/main" xmlns:p15="http://schemas.microsoft.com/office/powerpoint/2012/main" xmlns:ahyp="http://schemas.microsoft.com/office/drawing/2018/hyperlinkcolor" showMasterPhAnim="0" showMasterSp="0">
+<p:notes xmlns:a="http://schemas.openxmlformats.org/drawingml/2006/main" xmlns:r="http://schemas.openxmlformats.org/officeDocument/2006/relationships" xmlns:p="http://schemas.openxmlformats.org/presentationml/2006/main" showMasterSp="0" showMasterPhAnim="0">
   <p:cSld>
     <p:spTree>
       <p:nvGrpSpPr>
-        <p:cNvPr id="162" name="Shape 162"/>
+        <p:cNvPr id="1" name="Shape 162"/>
         <p:cNvGrpSpPr/>
         <p:nvPr/>
       </p:nvGrpSpPr>
@@ -896,9 +914,11 @@
       <p:sp>
         <p:nvSpPr>
           <p:cNvPr id="163" name="Google Shape;163;p11:notes"/>
-          <p:cNvSpPr/>
+          <p:cNvSpPr>
+            <a:spLocks noGrp="1" noRot="1" noChangeAspect="1"/>
+          </p:cNvSpPr>
           <p:nvPr>
-            <p:ph idx="2" type="sldImg"/>
+            <p:ph type="sldImg" idx="2"/>
           </p:nvPr>
         </p:nvSpPr>
         <p:spPr>
@@ -907,9 +927,13 @@
             <a:ext cx="3000000" cy="3000000"/>
           </a:xfrm>
           <a:custGeom>
-            <a:rect b="b" l="l" r="r" t="t"/>
+            <a:avLst/>
+            <a:gdLst/>
+            <a:ahLst/>
+            <a:cxnLst/>
+            <a:rect l="l" t="t" r="r" b="b"/>
             <a:pathLst>
-              <a:path extrusionOk="0" h="120000" w="120000">
+              <a:path w="120000" h="120000" extrusionOk="0">
                 <a:moveTo>
                   <a:pt x="0" y="0"/>
                 </a:moveTo>
@@ -935,9 +959,11 @@
       <p:sp>
         <p:nvSpPr>
           <p:cNvPr id="164" name="Google Shape;164;p11:notes"/>
-          <p:cNvSpPr txBox="1"/>
+          <p:cNvSpPr txBox="1">
+            <a:spLocks noGrp="1"/>
+          </p:cNvSpPr>
           <p:nvPr>
-            <p:ph idx="1" type="body"/>
+            <p:ph type="body" idx="1"/>
           </p:nvPr>
         </p:nvSpPr>
         <p:spPr>
@@ -954,23 +980,20 @@
           </a:ln>
         </p:spPr>
         <p:txBody>
-          <a:bodyPr anchorCtr="0" anchor="t" bIns="45700" lIns="91425" spcFirstLastPara="1" rIns="91425" wrap="square" tIns="45700">
+          <a:bodyPr spcFirstLastPara="1" wrap="square" lIns="91425" tIns="45700" rIns="91425" bIns="45700" anchor="t" anchorCtr="0">
             <a:noAutofit/>
           </a:bodyPr>
           <a:lstStyle/>
           <a:p>
-            <a:pPr indent="0" lvl="0" marL="0" marR="0" rtl="0" algn="l">
-              <a:spcBef>
-                <a:spcPts val="0"/>
-              </a:spcBef>
-              <a:spcAft>
-                <a:spcPts val="0"/>
-              </a:spcAft>
-              <a:buNone/>
-            </a:pPr>
-            <a:r>
-              <a:t/>
-            </a:r>
+            <a:pPr marL="0" marR="0" lvl="0" indent="0" algn="l" rtl="0">
+              <a:spcBef>
+                <a:spcPts val="0"/>
+              </a:spcBef>
+              <a:spcAft>
+                <a:spcPts val="0"/>
+              </a:spcAft>
+              <a:buNone/>
+            </a:pPr>
             <a:endParaRPr sz="1200">
               <a:solidFill>
                 <a:schemeClr val="dk1"/>
@@ -986,9 +1009,11 @@
       <p:sp>
         <p:nvSpPr>
           <p:cNvPr id="165" name="Google Shape;165;p11:notes"/>
-          <p:cNvSpPr txBox="1"/>
+          <p:cNvSpPr txBox="1">
+            <a:spLocks noGrp="1"/>
+          </p:cNvSpPr>
           <p:nvPr>
-            <p:ph idx="12" type="sldNum"/>
+            <p:ph type="sldNum" idx="12"/>
           </p:nvPr>
         </p:nvSpPr>
         <p:spPr>
@@ -1005,12 +1030,12 @@
           </a:ln>
         </p:spPr>
         <p:txBody>
-          <a:bodyPr anchorCtr="0" anchor="t" bIns="45700" lIns="91425" spcFirstLastPara="1" rIns="91425" wrap="square" tIns="45700">
+          <a:bodyPr spcFirstLastPara="1" wrap="square" lIns="91425" tIns="45700" rIns="91425" bIns="45700" anchor="t" anchorCtr="0">
             <a:noAutofit/>
           </a:bodyPr>
           <a:lstStyle/>
           <a:p>
-            <a:pPr indent="0" lvl="0" marL="0" marR="0" rtl="0" algn="l">
+            <a:pPr marL="0" marR="0" lvl="0" indent="0" algn="l" rtl="0">
               <a:spcBef>
                 <a:spcPts val="0"/>
               </a:spcBef>
@@ -1029,7 +1054,7 @@
                 <a:cs typeface="Calibri"/>
                 <a:sym typeface="Calibri"/>
               </a:rPr>
-              <a:t>‹#›</a:t>
+              <a:t>10</a:t>
             </a:fld>
             <a:endParaRPr sz="1800">
               <a:solidFill>
@@ -1052,11 +1077,11 @@
 </file>
 
 <file path=ppt/notesSlides/notesSlide11.xml><?xml version="1.0" encoding="utf-8"?>
-<p:notes xmlns:a="http://schemas.openxmlformats.org/drawingml/2006/main" xmlns:r="http://schemas.openxmlformats.org/officeDocument/2006/relationships" xmlns:mc="http://schemas.openxmlformats.org/markup-compatibility/2006" xmlns:mv="urn:schemas-microsoft-com:mac:vml" xmlns:p="http://schemas.openxmlformats.org/presentationml/2006/main" xmlns:c="http://schemas.openxmlformats.org/drawingml/2006/chart" xmlns:dgm="http://schemas.openxmlformats.org/drawingml/2006/diagram" xmlns:o="urn:schemas-microsoft-com:office:office" xmlns:v="urn:schemas-microsoft-com:vml" xmlns:pvml="urn:schemas-microsoft-com:office:powerpoint" xmlns:com="http://schemas.openxmlformats.org/drawingml/2006/compatibility" xmlns:p14="http://schemas.microsoft.com/office/powerpoint/2010/main" xmlns:p15="http://schemas.microsoft.com/office/powerpoint/2012/main" xmlns:ahyp="http://schemas.microsoft.com/office/drawing/2018/hyperlinkcolor" showMasterPhAnim="0" showMasterSp="0">
+<p:notes xmlns:a="http://schemas.openxmlformats.org/drawingml/2006/main" xmlns:r="http://schemas.openxmlformats.org/officeDocument/2006/relationships" xmlns:p="http://schemas.openxmlformats.org/presentationml/2006/main" showMasterSp="0" showMasterPhAnim="0">
   <p:cSld>
     <p:spTree>
       <p:nvGrpSpPr>
-        <p:cNvPr id="181" name="Shape 181"/>
+        <p:cNvPr id="1" name="Shape 181"/>
         <p:cNvGrpSpPr/>
         <p:nvPr/>
       </p:nvGrpSpPr>
@@ -1071,9 +1096,11 @@
       <p:sp>
         <p:nvSpPr>
           <p:cNvPr id="182" name="Google Shape;182;p13:notes"/>
-          <p:cNvSpPr/>
+          <p:cNvSpPr>
+            <a:spLocks noGrp="1" noRot="1" noChangeAspect="1"/>
+          </p:cNvSpPr>
           <p:nvPr>
-            <p:ph idx="2" type="sldImg"/>
+            <p:ph type="sldImg" idx="2"/>
           </p:nvPr>
         </p:nvSpPr>
         <p:spPr>
@@ -1082,9 +1109,13 @@
             <a:ext cx="3000000" cy="3000000"/>
           </a:xfrm>
           <a:custGeom>
-            <a:rect b="b" l="l" r="r" t="t"/>
+            <a:avLst/>
+            <a:gdLst/>
+            <a:ahLst/>
+            <a:cxnLst/>
+            <a:rect l="l" t="t" r="r" b="b"/>
             <a:pathLst>
-              <a:path extrusionOk="0" h="120000" w="120000">
+              <a:path w="120000" h="120000" extrusionOk="0">
                 <a:moveTo>
                   <a:pt x="0" y="0"/>
                 </a:moveTo>
@@ -1110,9 +1141,11 @@
       <p:sp>
         <p:nvSpPr>
           <p:cNvPr id="183" name="Google Shape;183;p13:notes"/>
-          <p:cNvSpPr txBox="1"/>
+          <p:cNvSpPr txBox="1">
+            <a:spLocks noGrp="1"/>
+          </p:cNvSpPr>
           <p:nvPr>
-            <p:ph idx="1" type="body"/>
+            <p:ph type="body" idx="1"/>
           </p:nvPr>
         </p:nvSpPr>
         <p:spPr>
@@ -1129,23 +1162,20 @@
           </a:ln>
         </p:spPr>
         <p:txBody>
-          <a:bodyPr anchorCtr="0" anchor="t" bIns="45700" lIns="91425" spcFirstLastPara="1" rIns="91425" wrap="square" tIns="45700">
+          <a:bodyPr spcFirstLastPara="1" wrap="square" lIns="91425" tIns="45700" rIns="91425" bIns="45700" anchor="t" anchorCtr="0">
             <a:noAutofit/>
           </a:bodyPr>
           <a:lstStyle/>
           <a:p>
-            <a:pPr indent="0" lvl="0" marL="0" marR="0" rtl="0" algn="l">
-              <a:spcBef>
-                <a:spcPts val="0"/>
-              </a:spcBef>
-              <a:spcAft>
-                <a:spcPts val="0"/>
-              </a:spcAft>
-              <a:buNone/>
-            </a:pPr>
-            <a:r>
-              <a:t/>
-            </a:r>
+            <a:pPr marL="0" marR="0" lvl="0" indent="0" algn="l" rtl="0">
+              <a:spcBef>
+                <a:spcPts val="0"/>
+              </a:spcBef>
+              <a:spcAft>
+                <a:spcPts val="0"/>
+              </a:spcAft>
+              <a:buNone/>
+            </a:pPr>
             <a:endParaRPr sz="1200">
               <a:solidFill>
                 <a:schemeClr val="dk1"/>
@@ -1161,9 +1191,11 @@
       <p:sp>
         <p:nvSpPr>
           <p:cNvPr id="184" name="Google Shape;184;p13:notes"/>
-          <p:cNvSpPr txBox="1"/>
+          <p:cNvSpPr txBox="1">
+            <a:spLocks noGrp="1"/>
+          </p:cNvSpPr>
           <p:nvPr>
-            <p:ph idx="12" type="sldNum"/>
+            <p:ph type="sldNum" idx="12"/>
           </p:nvPr>
         </p:nvSpPr>
         <p:spPr>
@@ -1180,12 +1212,12 @@
           </a:ln>
         </p:spPr>
         <p:txBody>
-          <a:bodyPr anchorCtr="0" anchor="t" bIns="45700" lIns="91425" spcFirstLastPara="1" rIns="91425" wrap="square" tIns="45700">
+          <a:bodyPr spcFirstLastPara="1" wrap="square" lIns="91425" tIns="45700" rIns="91425" bIns="45700" anchor="t" anchorCtr="0">
             <a:noAutofit/>
           </a:bodyPr>
           <a:lstStyle/>
           <a:p>
-            <a:pPr indent="0" lvl="0" marL="0" marR="0" rtl="0" algn="l">
+            <a:pPr marL="0" marR="0" lvl="0" indent="0" algn="l" rtl="0">
               <a:spcBef>
                 <a:spcPts val="0"/>
               </a:spcBef>
@@ -1204,7 +1236,7 @@
                 <a:cs typeface="Calibri"/>
                 <a:sym typeface="Calibri"/>
               </a:rPr>
-              <a:t>‹#›</a:t>
+              <a:t>11</a:t>
             </a:fld>
             <a:endParaRPr sz="1800">
               <a:solidFill>
@@ -1227,11 +1259,11 @@
 </file>
 
 <file path=ppt/notesSlides/notesSlide2.xml><?xml version="1.0" encoding="utf-8"?>
-<p:notes xmlns:a="http://schemas.openxmlformats.org/drawingml/2006/main" xmlns:r="http://schemas.openxmlformats.org/officeDocument/2006/relationships" xmlns:mc="http://schemas.openxmlformats.org/markup-compatibility/2006" xmlns:mv="urn:schemas-microsoft-com:mac:vml" xmlns:p="http://schemas.openxmlformats.org/presentationml/2006/main" xmlns:c="http://schemas.openxmlformats.org/drawingml/2006/chart" xmlns:dgm="http://schemas.openxmlformats.org/drawingml/2006/diagram" xmlns:o="urn:schemas-microsoft-com:office:office" xmlns:v="urn:schemas-microsoft-com:vml" xmlns:pvml="urn:schemas-microsoft-com:office:powerpoint" xmlns:com="http://schemas.openxmlformats.org/drawingml/2006/compatibility" xmlns:p14="http://schemas.microsoft.com/office/powerpoint/2010/main" xmlns:p15="http://schemas.microsoft.com/office/powerpoint/2012/main" xmlns:ahyp="http://schemas.microsoft.com/office/drawing/2018/hyperlinkcolor" showMasterPhAnim="0" showMasterSp="0">
+<p:notes xmlns:a="http://schemas.openxmlformats.org/drawingml/2006/main" xmlns:r="http://schemas.openxmlformats.org/officeDocument/2006/relationships" xmlns:p="http://schemas.openxmlformats.org/presentationml/2006/main" showMasterSp="0" showMasterPhAnim="0">
   <p:cSld>
     <p:spTree>
       <p:nvGrpSpPr>
-        <p:cNvPr id="14" name="Shape 14"/>
+        <p:cNvPr id="1" name="Shape 14"/>
         <p:cNvGrpSpPr/>
         <p:nvPr/>
       </p:nvGrpSpPr>
@@ -1246,9 +1278,11 @@
       <p:sp>
         <p:nvSpPr>
           <p:cNvPr id="15" name="Google Shape;15;p3:notes"/>
-          <p:cNvSpPr/>
+          <p:cNvSpPr>
+            <a:spLocks noGrp="1" noRot="1" noChangeAspect="1"/>
+          </p:cNvSpPr>
           <p:nvPr>
-            <p:ph idx="2" type="sldImg"/>
+            <p:ph type="sldImg" idx="2"/>
           </p:nvPr>
         </p:nvSpPr>
         <p:spPr>
@@ -1257,9 +1291,13 @@
             <a:ext cx="3000000" cy="3000000"/>
           </a:xfrm>
           <a:custGeom>
-            <a:rect b="b" l="l" r="r" t="t"/>
+            <a:avLst/>
+            <a:gdLst/>
+            <a:ahLst/>
+            <a:cxnLst/>
+            <a:rect l="l" t="t" r="r" b="b"/>
             <a:pathLst>
-              <a:path extrusionOk="0" h="120000" w="120000">
+              <a:path w="120000" h="120000" extrusionOk="0">
                 <a:moveTo>
                   <a:pt x="0" y="0"/>
                 </a:moveTo>
@@ -1285,9 +1323,11 @@
       <p:sp>
         <p:nvSpPr>
           <p:cNvPr id="16" name="Google Shape;16;p3:notes"/>
-          <p:cNvSpPr txBox="1"/>
+          <p:cNvSpPr txBox="1">
+            <a:spLocks noGrp="1"/>
+          </p:cNvSpPr>
           <p:nvPr>
-            <p:ph idx="1" type="body"/>
+            <p:ph type="body" idx="1"/>
           </p:nvPr>
         </p:nvSpPr>
         <p:spPr>
@@ -1304,23 +1344,20 @@
           </a:ln>
         </p:spPr>
         <p:txBody>
-          <a:bodyPr anchorCtr="0" anchor="t" bIns="45700" lIns="91425" spcFirstLastPara="1" rIns="91425" wrap="square" tIns="45700">
+          <a:bodyPr spcFirstLastPara="1" wrap="square" lIns="91425" tIns="45700" rIns="91425" bIns="45700" anchor="t" anchorCtr="0">
             <a:noAutofit/>
           </a:bodyPr>
           <a:lstStyle/>
           <a:p>
-            <a:pPr indent="0" lvl="0" marL="0" marR="0" rtl="0" algn="l">
-              <a:spcBef>
-                <a:spcPts val="0"/>
-              </a:spcBef>
-              <a:spcAft>
-                <a:spcPts val="0"/>
-              </a:spcAft>
-              <a:buNone/>
-            </a:pPr>
-            <a:r>
-              <a:t/>
-            </a:r>
+            <a:pPr marL="0" marR="0" lvl="0" indent="0" algn="l" rtl="0">
+              <a:spcBef>
+                <a:spcPts val="0"/>
+              </a:spcBef>
+              <a:spcAft>
+                <a:spcPts val="0"/>
+              </a:spcAft>
+              <a:buNone/>
+            </a:pPr>
             <a:endParaRPr sz="1200">
               <a:solidFill>
                 <a:schemeClr val="dk1"/>
@@ -1336,9 +1373,11 @@
       <p:sp>
         <p:nvSpPr>
           <p:cNvPr id="17" name="Google Shape;17;p3:notes"/>
-          <p:cNvSpPr txBox="1"/>
+          <p:cNvSpPr txBox="1">
+            <a:spLocks noGrp="1"/>
+          </p:cNvSpPr>
           <p:nvPr>
-            <p:ph idx="12" type="sldNum"/>
+            <p:ph type="sldNum" idx="12"/>
           </p:nvPr>
         </p:nvSpPr>
         <p:spPr>
@@ -1355,12 +1394,12 @@
           </a:ln>
         </p:spPr>
         <p:txBody>
-          <a:bodyPr anchorCtr="0" anchor="t" bIns="45700" lIns="91425" spcFirstLastPara="1" rIns="91425" wrap="square" tIns="45700">
+          <a:bodyPr spcFirstLastPara="1" wrap="square" lIns="91425" tIns="45700" rIns="91425" bIns="45700" anchor="t" anchorCtr="0">
             <a:noAutofit/>
           </a:bodyPr>
           <a:lstStyle/>
           <a:p>
-            <a:pPr indent="0" lvl="0" marL="0" marR="0" rtl="0" algn="l">
+            <a:pPr marL="0" marR="0" lvl="0" indent="0" algn="l" rtl="0">
               <a:spcBef>
                 <a:spcPts val="0"/>
               </a:spcBef>
@@ -1379,7 +1418,7 @@
                 <a:cs typeface="Calibri"/>
                 <a:sym typeface="Calibri"/>
               </a:rPr>
-              <a:t>‹#›</a:t>
+              <a:t>2</a:t>
             </a:fld>
             <a:endParaRPr sz="1800">
               <a:solidFill>
@@ -1402,11 +1441,11 @@
 </file>
 
 <file path=ppt/notesSlides/notesSlide3.xml><?xml version="1.0" encoding="utf-8"?>
-<p:notes xmlns:a="http://schemas.openxmlformats.org/drawingml/2006/main" xmlns:r="http://schemas.openxmlformats.org/officeDocument/2006/relationships" xmlns:mc="http://schemas.openxmlformats.org/markup-compatibility/2006" xmlns:mv="urn:schemas-microsoft-com:mac:vml" xmlns:p="http://schemas.openxmlformats.org/presentationml/2006/main" xmlns:c="http://schemas.openxmlformats.org/drawingml/2006/chart" xmlns:dgm="http://schemas.openxmlformats.org/drawingml/2006/diagram" xmlns:o="urn:schemas-microsoft-com:office:office" xmlns:v="urn:schemas-microsoft-com:vml" xmlns:pvml="urn:schemas-microsoft-com:office:powerpoint" xmlns:com="http://schemas.openxmlformats.org/drawingml/2006/compatibility" xmlns:p14="http://schemas.microsoft.com/office/powerpoint/2010/main" xmlns:p15="http://schemas.microsoft.com/office/powerpoint/2012/main" xmlns:ahyp="http://schemas.microsoft.com/office/drawing/2018/hyperlinkcolor" showMasterPhAnim="0" showMasterSp="0">
+<p:notes xmlns:a="http://schemas.openxmlformats.org/drawingml/2006/main" xmlns:r="http://schemas.openxmlformats.org/officeDocument/2006/relationships" xmlns:p="http://schemas.openxmlformats.org/presentationml/2006/main" showMasterSp="0" showMasterPhAnim="0">
   <p:cSld>
     <p:spTree>
       <p:nvGrpSpPr>
-        <p:cNvPr id="37" name="Shape 37"/>
+        <p:cNvPr id="1" name="Shape 37"/>
         <p:cNvGrpSpPr/>
         <p:nvPr/>
       </p:nvGrpSpPr>
@@ -1421,20 +1460,26 @@
       <p:sp>
         <p:nvSpPr>
           <p:cNvPr id="38" name="Google Shape;38;p4:notes"/>
-          <p:cNvSpPr/>
+          <p:cNvSpPr>
+            <a:spLocks noGrp="1" noRot="1" noChangeAspect="1"/>
+          </p:cNvSpPr>
           <p:nvPr>
-            <p:ph idx="2" type="sldImg"/>
+            <p:ph type="sldImg" idx="2"/>
           </p:nvPr>
         </p:nvSpPr>
         <p:spPr>
           <a:xfrm>
-            <a:off x="0" y="0"/>
-            <a:ext cx="3000000" cy="3000000"/>
+            <a:off x="-1166813" y="0"/>
+            <a:ext cx="5334001" cy="3000375"/>
           </a:xfrm>
           <a:custGeom>
-            <a:rect b="b" l="l" r="r" t="t"/>
+            <a:avLst/>
+            <a:gdLst/>
+            <a:ahLst/>
+            <a:cxnLst/>
+            <a:rect l="l" t="t" r="r" b="b"/>
             <a:pathLst>
-              <a:path extrusionOk="0" h="120000" w="120000">
+              <a:path w="120000" h="120000" extrusionOk="0">
                 <a:moveTo>
                   <a:pt x="0" y="0"/>
                 </a:moveTo>
@@ -1460,9 +1505,11 @@
       <p:sp>
         <p:nvSpPr>
           <p:cNvPr id="39" name="Google Shape;39;p4:notes"/>
-          <p:cNvSpPr txBox="1"/>
+          <p:cNvSpPr txBox="1">
+            <a:spLocks noGrp="1"/>
+          </p:cNvSpPr>
           <p:nvPr>
-            <p:ph idx="1" type="body"/>
+            <p:ph type="body" idx="1"/>
           </p:nvPr>
         </p:nvSpPr>
         <p:spPr>
@@ -1479,23 +1526,20 @@
           </a:ln>
         </p:spPr>
         <p:txBody>
-          <a:bodyPr anchorCtr="0" anchor="t" bIns="45700" lIns="91425" spcFirstLastPara="1" rIns="91425" wrap="square" tIns="45700">
+          <a:bodyPr spcFirstLastPara="1" wrap="square" lIns="91425" tIns="45700" rIns="91425" bIns="45700" anchor="t" anchorCtr="0">
             <a:noAutofit/>
           </a:bodyPr>
           <a:lstStyle/>
           <a:p>
-            <a:pPr indent="0" lvl="0" marL="0" marR="0" rtl="0" algn="l">
-              <a:spcBef>
-                <a:spcPts val="0"/>
-              </a:spcBef>
-              <a:spcAft>
-                <a:spcPts val="0"/>
-              </a:spcAft>
-              <a:buNone/>
-            </a:pPr>
-            <a:r>
-              <a:t/>
-            </a:r>
+            <a:pPr marL="0" marR="0" lvl="0" indent="0" algn="l" rtl="0">
+              <a:spcBef>
+                <a:spcPts val="0"/>
+              </a:spcBef>
+              <a:spcAft>
+                <a:spcPts val="0"/>
+              </a:spcAft>
+              <a:buNone/>
+            </a:pPr>
             <a:endParaRPr sz="1200">
               <a:solidFill>
                 <a:schemeClr val="dk1"/>
@@ -1511,9 +1555,11 @@
       <p:sp>
         <p:nvSpPr>
           <p:cNvPr id="40" name="Google Shape;40;p4:notes"/>
-          <p:cNvSpPr txBox="1"/>
+          <p:cNvSpPr txBox="1">
+            <a:spLocks noGrp="1"/>
+          </p:cNvSpPr>
           <p:nvPr>
-            <p:ph idx="12" type="sldNum"/>
+            <p:ph type="sldNum" idx="12"/>
           </p:nvPr>
         </p:nvSpPr>
         <p:spPr>
@@ -1530,12 +1576,12 @@
           </a:ln>
         </p:spPr>
         <p:txBody>
-          <a:bodyPr anchorCtr="0" anchor="t" bIns="45700" lIns="91425" spcFirstLastPara="1" rIns="91425" wrap="square" tIns="45700">
+          <a:bodyPr spcFirstLastPara="1" wrap="square" lIns="91425" tIns="45700" rIns="91425" bIns="45700" anchor="t" anchorCtr="0">
             <a:noAutofit/>
           </a:bodyPr>
           <a:lstStyle/>
           <a:p>
-            <a:pPr indent="0" lvl="0" marL="0" marR="0" rtl="0" algn="l">
+            <a:pPr marL="0" marR="0" lvl="0" indent="0" algn="l" rtl="0">
               <a:spcBef>
                 <a:spcPts val="0"/>
               </a:spcBef>
@@ -1554,7 +1600,7 @@
                 <a:cs typeface="Calibri"/>
                 <a:sym typeface="Calibri"/>
               </a:rPr>
-              <a:t>‹#›</a:t>
+              <a:t>3</a:t>
             </a:fld>
             <a:endParaRPr sz="1800">
               <a:solidFill>
@@ -1577,11 +1623,11 @@
 </file>
 
 <file path=ppt/notesSlides/notesSlide4.xml><?xml version="1.0" encoding="utf-8"?>
-<p:notes xmlns:a="http://schemas.openxmlformats.org/drawingml/2006/main" xmlns:r="http://schemas.openxmlformats.org/officeDocument/2006/relationships" xmlns:mc="http://schemas.openxmlformats.org/markup-compatibility/2006" xmlns:mv="urn:schemas-microsoft-com:mac:vml" xmlns:p="http://schemas.openxmlformats.org/presentationml/2006/main" xmlns:c="http://schemas.openxmlformats.org/drawingml/2006/chart" xmlns:dgm="http://schemas.openxmlformats.org/drawingml/2006/diagram" xmlns:o="urn:schemas-microsoft-com:office:office" xmlns:v="urn:schemas-microsoft-com:vml" xmlns:pvml="urn:schemas-microsoft-com:office:powerpoint" xmlns:com="http://schemas.openxmlformats.org/drawingml/2006/compatibility" xmlns:p14="http://schemas.microsoft.com/office/powerpoint/2010/main" xmlns:p15="http://schemas.microsoft.com/office/powerpoint/2012/main" xmlns:ahyp="http://schemas.microsoft.com/office/drawing/2018/hyperlinkcolor" showMasterPhAnim="0" showMasterSp="0">
+<p:notes xmlns:a="http://schemas.openxmlformats.org/drawingml/2006/main" xmlns:r="http://schemas.openxmlformats.org/officeDocument/2006/relationships" xmlns:p="http://schemas.openxmlformats.org/presentationml/2006/main" showMasterSp="0" showMasterPhAnim="0">
   <p:cSld>
     <p:spTree>
       <p:nvGrpSpPr>
-        <p:cNvPr id="52" name="Shape 52"/>
+        <p:cNvPr id="1" name="Shape 52"/>
         <p:cNvGrpSpPr/>
         <p:nvPr/>
       </p:nvGrpSpPr>
@@ -1596,9 +1642,11 @@
       <p:sp>
         <p:nvSpPr>
           <p:cNvPr id="53" name="Google Shape;53;p5:notes"/>
-          <p:cNvSpPr/>
+          <p:cNvSpPr>
+            <a:spLocks noGrp="1" noRot="1" noChangeAspect="1"/>
+          </p:cNvSpPr>
           <p:nvPr>
-            <p:ph idx="2" type="sldImg"/>
+            <p:ph type="sldImg" idx="2"/>
           </p:nvPr>
         </p:nvSpPr>
         <p:spPr>
@@ -1607,9 +1655,13 @@
             <a:ext cx="3000000" cy="3000000"/>
           </a:xfrm>
           <a:custGeom>
-            <a:rect b="b" l="l" r="r" t="t"/>
+            <a:avLst/>
+            <a:gdLst/>
+            <a:ahLst/>
+            <a:cxnLst/>
+            <a:rect l="l" t="t" r="r" b="b"/>
             <a:pathLst>
-              <a:path extrusionOk="0" h="120000" w="120000">
+              <a:path w="120000" h="120000" extrusionOk="0">
                 <a:moveTo>
                   <a:pt x="0" y="0"/>
                 </a:moveTo>
@@ -1635,9 +1687,11 @@
       <p:sp>
         <p:nvSpPr>
           <p:cNvPr id="54" name="Google Shape;54;p5:notes"/>
-          <p:cNvSpPr txBox="1"/>
+          <p:cNvSpPr txBox="1">
+            <a:spLocks noGrp="1"/>
+          </p:cNvSpPr>
           <p:nvPr>
-            <p:ph idx="1" type="body"/>
+            <p:ph type="body" idx="1"/>
           </p:nvPr>
         </p:nvSpPr>
         <p:spPr>
@@ -1654,23 +1708,20 @@
           </a:ln>
         </p:spPr>
         <p:txBody>
-          <a:bodyPr anchorCtr="0" anchor="t" bIns="45700" lIns="91425" spcFirstLastPara="1" rIns="91425" wrap="square" tIns="45700">
+          <a:bodyPr spcFirstLastPara="1" wrap="square" lIns="91425" tIns="45700" rIns="91425" bIns="45700" anchor="t" anchorCtr="0">
             <a:noAutofit/>
           </a:bodyPr>
           <a:lstStyle/>
           <a:p>
-            <a:pPr indent="0" lvl="0" marL="0" marR="0" rtl="0" algn="l">
-              <a:spcBef>
-                <a:spcPts val="0"/>
-              </a:spcBef>
-              <a:spcAft>
-                <a:spcPts val="0"/>
-              </a:spcAft>
-              <a:buNone/>
-            </a:pPr>
-            <a:r>
-              <a:t/>
-            </a:r>
+            <a:pPr marL="0" marR="0" lvl="0" indent="0" algn="l" rtl="0">
+              <a:spcBef>
+                <a:spcPts val="0"/>
+              </a:spcBef>
+              <a:spcAft>
+                <a:spcPts val="0"/>
+              </a:spcAft>
+              <a:buNone/>
+            </a:pPr>
             <a:endParaRPr sz="1200">
               <a:solidFill>
                 <a:schemeClr val="dk1"/>
@@ -1686,9 +1737,11 @@
       <p:sp>
         <p:nvSpPr>
           <p:cNvPr id="55" name="Google Shape;55;p5:notes"/>
-          <p:cNvSpPr txBox="1"/>
+          <p:cNvSpPr txBox="1">
+            <a:spLocks noGrp="1"/>
+          </p:cNvSpPr>
           <p:nvPr>
-            <p:ph idx="12" type="sldNum"/>
+            <p:ph type="sldNum" idx="12"/>
           </p:nvPr>
         </p:nvSpPr>
         <p:spPr>
@@ -1705,12 +1758,12 @@
           </a:ln>
         </p:spPr>
         <p:txBody>
-          <a:bodyPr anchorCtr="0" anchor="t" bIns="45700" lIns="91425" spcFirstLastPara="1" rIns="91425" wrap="square" tIns="45700">
+          <a:bodyPr spcFirstLastPara="1" wrap="square" lIns="91425" tIns="45700" rIns="91425" bIns="45700" anchor="t" anchorCtr="0">
             <a:noAutofit/>
           </a:bodyPr>
           <a:lstStyle/>
           <a:p>
-            <a:pPr indent="0" lvl="0" marL="0" marR="0" rtl="0" algn="l">
+            <a:pPr marL="0" marR="0" lvl="0" indent="0" algn="l" rtl="0">
               <a:spcBef>
                 <a:spcPts val="0"/>
               </a:spcBef>
@@ -1729,7 +1782,7 @@
                 <a:cs typeface="Calibri"/>
                 <a:sym typeface="Calibri"/>
               </a:rPr>
-              <a:t>‹#›</a:t>
+              <a:t>4</a:t>
             </a:fld>
             <a:endParaRPr sz="1800">
               <a:solidFill>
@@ -1752,11 +1805,11 @@
 </file>
 
 <file path=ppt/notesSlides/notesSlide5.xml><?xml version="1.0" encoding="utf-8"?>
-<p:notes xmlns:a="http://schemas.openxmlformats.org/drawingml/2006/main" xmlns:r="http://schemas.openxmlformats.org/officeDocument/2006/relationships" xmlns:mc="http://schemas.openxmlformats.org/markup-compatibility/2006" xmlns:mv="urn:schemas-microsoft-com:mac:vml" xmlns:p="http://schemas.openxmlformats.org/presentationml/2006/main" xmlns:c="http://schemas.openxmlformats.org/drawingml/2006/chart" xmlns:dgm="http://schemas.openxmlformats.org/drawingml/2006/diagram" xmlns:o="urn:schemas-microsoft-com:office:office" xmlns:v="urn:schemas-microsoft-com:vml" xmlns:pvml="urn:schemas-microsoft-com:office:powerpoint" xmlns:com="http://schemas.openxmlformats.org/drawingml/2006/compatibility" xmlns:p14="http://schemas.microsoft.com/office/powerpoint/2010/main" xmlns:p15="http://schemas.microsoft.com/office/powerpoint/2012/main" xmlns:ahyp="http://schemas.microsoft.com/office/drawing/2018/hyperlinkcolor" showMasterPhAnim="0" showMasterSp="0">
+<p:notes xmlns:a="http://schemas.openxmlformats.org/drawingml/2006/main" xmlns:r="http://schemas.openxmlformats.org/officeDocument/2006/relationships" xmlns:p="http://schemas.openxmlformats.org/presentationml/2006/main" showMasterSp="0" showMasterPhAnim="0">
   <p:cSld>
     <p:spTree>
       <p:nvGrpSpPr>
-        <p:cNvPr id="80" name="Shape 80"/>
+        <p:cNvPr id="1" name="Shape 80"/>
         <p:cNvGrpSpPr/>
         <p:nvPr/>
       </p:nvGrpSpPr>
@@ -1771,9 +1824,11 @@
       <p:sp>
         <p:nvSpPr>
           <p:cNvPr id="81" name="Google Shape;81;p6:notes"/>
-          <p:cNvSpPr/>
+          <p:cNvSpPr>
+            <a:spLocks noGrp="1" noRot="1" noChangeAspect="1"/>
+          </p:cNvSpPr>
           <p:nvPr>
-            <p:ph idx="2" type="sldImg"/>
+            <p:ph type="sldImg" idx="2"/>
           </p:nvPr>
         </p:nvSpPr>
         <p:spPr>
@@ -1782,9 +1837,13 @@
             <a:ext cx="3000000" cy="3000000"/>
           </a:xfrm>
           <a:custGeom>
-            <a:rect b="b" l="l" r="r" t="t"/>
+            <a:avLst/>
+            <a:gdLst/>
+            <a:ahLst/>
+            <a:cxnLst/>
+            <a:rect l="l" t="t" r="r" b="b"/>
             <a:pathLst>
-              <a:path extrusionOk="0" h="120000" w="120000">
+              <a:path w="120000" h="120000" extrusionOk="0">
                 <a:moveTo>
                   <a:pt x="0" y="0"/>
                 </a:moveTo>
@@ -1810,9 +1869,11 @@
       <p:sp>
         <p:nvSpPr>
           <p:cNvPr id="82" name="Google Shape;82;p6:notes"/>
-          <p:cNvSpPr txBox="1"/>
+          <p:cNvSpPr txBox="1">
+            <a:spLocks noGrp="1"/>
+          </p:cNvSpPr>
           <p:nvPr>
-            <p:ph idx="1" type="body"/>
+            <p:ph type="body" idx="1"/>
           </p:nvPr>
         </p:nvSpPr>
         <p:spPr>
@@ -1829,23 +1890,20 @@
           </a:ln>
         </p:spPr>
         <p:txBody>
-          <a:bodyPr anchorCtr="0" anchor="t" bIns="45700" lIns="91425" spcFirstLastPara="1" rIns="91425" wrap="square" tIns="45700">
+          <a:bodyPr spcFirstLastPara="1" wrap="square" lIns="91425" tIns="45700" rIns="91425" bIns="45700" anchor="t" anchorCtr="0">
             <a:noAutofit/>
           </a:bodyPr>
           <a:lstStyle/>
           <a:p>
-            <a:pPr indent="0" lvl="0" marL="0" marR="0" rtl="0" algn="l">
-              <a:spcBef>
-                <a:spcPts val="0"/>
-              </a:spcBef>
-              <a:spcAft>
-                <a:spcPts val="0"/>
-              </a:spcAft>
-              <a:buNone/>
-            </a:pPr>
-            <a:r>
-              <a:t/>
-            </a:r>
+            <a:pPr marL="0" marR="0" lvl="0" indent="0" algn="l" rtl="0">
+              <a:spcBef>
+                <a:spcPts val="0"/>
+              </a:spcBef>
+              <a:spcAft>
+                <a:spcPts val="0"/>
+              </a:spcAft>
+              <a:buNone/>
+            </a:pPr>
             <a:endParaRPr sz="1200">
               <a:solidFill>
                 <a:schemeClr val="dk1"/>
@@ -1861,9 +1919,11 @@
       <p:sp>
         <p:nvSpPr>
           <p:cNvPr id="83" name="Google Shape;83;p6:notes"/>
-          <p:cNvSpPr txBox="1"/>
+          <p:cNvSpPr txBox="1">
+            <a:spLocks noGrp="1"/>
+          </p:cNvSpPr>
           <p:nvPr>
-            <p:ph idx="12" type="sldNum"/>
+            <p:ph type="sldNum" idx="12"/>
           </p:nvPr>
         </p:nvSpPr>
         <p:spPr>
@@ -1880,12 +1940,12 @@
           </a:ln>
         </p:spPr>
         <p:txBody>
-          <a:bodyPr anchorCtr="0" anchor="t" bIns="45700" lIns="91425" spcFirstLastPara="1" rIns="91425" wrap="square" tIns="45700">
+          <a:bodyPr spcFirstLastPara="1" wrap="square" lIns="91425" tIns="45700" rIns="91425" bIns="45700" anchor="t" anchorCtr="0">
             <a:noAutofit/>
           </a:bodyPr>
           <a:lstStyle/>
           <a:p>
-            <a:pPr indent="0" lvl="0" marL="0" marR="0" rtl="0" algn="l">
+            <a:pPr marL="0" marR="0" lvl="0" indent="0" algn="l" rtl="0">
               <a:spcBef>
                 <a:spcPts val="0"/>
               </a:spcBef>
@@ -1904,7 +1964,7 @@
                 <a:cs typeface="Calibri"/>
                 <a:sym typeface="Calibri"/>
               </a:rPr>
-              <a:t>‹#›</a:t>
+              <a:t>5</a:t>
             </a:fld>
             <a:endParaRPr sz="1800">
               <a:solidFill>
@@ -1927,11 +1987,11 @@
 </file>
 
 <file path=ppt/notesSlides/notesSlide6.xml><?xml version="1.0" encoding="utf-8"?>
-<p:notes xmlns:a="http://schemas.openxmlformats.org/drawingml/2006/main" xmlns:r="http://schemas.openxmlformats.org/officeDocument/2006/relationships" xmlns:mc="http://schemas.openxmlformats.org/markup-compatibility/2006" xmlns:mv="urn:schemas-microsoft-com:mac:vml" xmlns:p="http://schemas.openxmlformats.org/presentationml/2006/main" xmlns:c="http://schemas.openxmlformats.org/drawingml/2006/chart" xmlns:dgm="http://schemas.openxmlformats.org/drawingml/2006/diagram" xmlns:o="urn:schemas-microsoft-com:office:office" xmlns:v="urn:schemas-microsoft-com:vml" xmlns:pvml="urn:schemas-microsoft-com:office:powerpoint" xmlns:com="http://schemas.openxmlformats.org/drawingml/2006/compatibility" xmlns:p14="http://schemas.microsoft.com/office/powerpoint/2010/main" xmlns:p15="http://schemas.microsoft.com/office/powerpoint/2012/main" xmlns:ahyp="http://schemas.microsoft.com/office/drawing/2018/hyperlinkcolor" showMasterPhAnim="0" showMasterSp="0">
+<p:notes xmlns:a="http://schemas.openxmlformats.org/drawingml/2006/main" xmlns:r="http://schemas.openxmlformats.org/officeDocument/2006/relationships" xmlns:p="http://schemas.openxmlformats.org/presentationml/2006/main" showMasterSp="0" showMasterPhAnim="0">
   <p:cSld>
     <p:spTree>
       <p:nvGrpSpPr>
-        <p:cNvPr id="95" name="Shape 95"/>
+        <p:cNvPr id="1" name="Shape 95"/>
         <p:cNvGrpSpPr/>
         <p:nvPr/>
       </p:nvGrpSpPr>
@@ -1946,9 +2006,11 @@
       <p:sp>
         <p:nvSpPr>
           <p:cNvPr id="96" name="Google Shape;96;p7:notes"/>
-          <p:cNvSpPr/>
+          <p:cNvSpPr>
+            <a:spLocks noGrp="1" noRot="1" noChangeAspect="1"/>
+          </p:cNvSpPr>
           <p:nvPr>
-            <p:ph idx="2" type="sldImg"/>
+            <p:ph type="sldImg" idx="2"/>
           </p:nvPr>
         </p:nvSpPr>
         <p:spPr>
@@ -1957,9 +2019,13 @@
             <a:ext cx="3000000" cy="3000000"/>
           </a:xfrm>
           <a:custGeom>
-            <a:rect b="b" l="l" r="r" t="t"/>
+            <a:avLst/>
+            <a:gdLst/>
+            <a:ahLst/>
+            <a:cxnLst/>
+            <a:rect l="l" t="t" r="r" b="b"/>
             <a:pathLst>
-              <a:path extrusionOk="0" h="120000" w="120000">
+              <a:path w="120000" h="120000" extrusionOk="0">
                 <a:moveTo>
                   <a:pt x="0" y="0"/>
                 </a:moveTo>
@@ -1985,9 +2051,11 @@
       <p:sp>
         <p:nvSpPr>
           <p:cNvPr id="97" name="Google Shape;97;p7:notes"/>
-          <p:cNvSpPr txBox="1"/>
+          <p:cNvSpPr txBox="1">
+            <a:spLocks noGrp="1"/>
+          </p:cNvSpPr>
           <p:nvPr>
-            <p:ph idx="1" type="body"/>
+            <p:ph type="body" idx="1"/>
           </p:nvPr>
         </p:nvSpPr>
         <p:spPr>
@@ -2004,23 +2072,20 @@
           </a:ln>
         </p:spPr>
         <p:txBody>
-          <a:bodyPr anchorCtr="0" anchor="t" bIns="45700" lIns="91425" spcFirstLastPara="1" rIns="91425" wrap="square" tIns="45700">
+          <a:bodyPr spcFirstLastPara="1" wrap="square" lIns="91425" tIns="45700" rIns="91425" bIns="45700" anchor="t" anchorCtr="0">
             <a:noAutofit/>
           </a:bodyPr>
           <a:lstStyle/>
           <a:p>
-            <a:pPr indent="0" lvl="0" marL="0" marR="0" rtl="0" algn="l">
-              <a:spcBef>
-                <a:spcPts val="0"/>
-              </a:spcBef>
-              <a:spcAft>
-                <a:spcPts val="0"/>
-              </a:spcAft>
-              <a:buNone/>
-            </a:pPr>
-            <a:r>
-              <a:t/>
-            </a:r>
+            <a:pPr marL="0" marR="0" lvl="0" indent="0" algn="l" rtl="0">
+              <a:spcBef>
+                <a:spcPts val="0"/>
+              </a:spcBef>
+              <a:spcAft>
+                <a:spcPts val="0"/>
+              </a:spcAft>
+              <a:buNone/>
+            </a:pPr>
             <a:endParaRPr sz="1200">
               <a:solidFill>
                 <a:schemeClr val="dk1"/>
@@ -2036,9 +2101,11 @@
       <p:sp>
         <p:nvSpPr>
           <p:cNvPr id="98" name="Google Shape;98;p7:notes"/>
-          <p:cNvSpPr txBox="1"/>
+          <p:cNvSpPr txBox="1">
+            <a:spLocks noGrp="1"/>
+          </p:cNvSpPr>
           <p:nvPr>
-            <p:ph idx="12" type="sldNum"/>
+            <p:ph type="sldNum" idx="12"/>
           </p:nvPr>
         </p:nvSpPr>
         <p:spPr>
@@ -2055,12 +2122,12 @@
           </a:ln>
         </p:spPr>
         <p:txBody>
-          <a:bodyPr anchorCtr="0" anchor="t" bIns="45700" lIns="91425" spcFirstLastPara="1" rIns="91425" wrap="square" tIns="45700">
+          <a:bodyPr spcFirstLastPara="1" wrap="square" lIns="91425" tIns="45700" rIns="91425" bIns="45700" anchor="t" anchorCtr="0">
             <a:noAutofit/>
           </a:bodyPr>
           <a:lstStyle/>
           <a:p>
-            <a:pPr indent="0" lvl="0" marL="0" marR="0" rtl="0" algn="l">
+            <a:pPr marL="0" marR="0" lvl="0" indent="0" algn="l" rtl="0">
               <a:spcBef>
                 <a:spcPts val="0"/>
               </a:spcBef>
@@ -2079,7 +2146,7 @@
                 <a:cs typeface="Calibri"/>
                 <a:sym typeface="Calibri"/>
               </a:rPr>
-              <a:t>‹#›</a:t>
+              <a:t>6</a:t>
             </a:fld>
             <a:endParaRPr sz="1800">
               <a:solidFill>
@@ -2102,11 +2169,11 @@
 </file>
 
 <file path=ppt/notesSlides/notesSlide7.xml><?xml version="1.0" encoding="utf-8"?>
-<p:notes xmlns:a="http://schemas.openxmlformats.org/drawingml/2006/main" xmlns:r="http://schemas.openxmlformats.org/officeDocument/2006/relationships" xmlns:mc="http://schemas.openxmlformats.org/markup-compatibility/2006" xmlns:mv="urn:schemas-microsoft-com:mac:vml" xmlns:p="http://schemas.openxmlformats.org/presentationml/2006/main" xmlns:c="http://schemas.openxmlformats.org/drawingml/2006/chart" xmlns:dgm="http://schemas.openxmlformats.org/drawingml/2006/diagram" xmlns:o="urn:schemas-microsoft-com:office:office" xmlns:v="urn:schemas-microsoft-com:vml" xmlns:pvml="urn:schemas-microsoft-com:office:powerpoint" xmlns:com="http://schemas.openxmlformats.org/drawingml/2006/compatibility" xmlns:p14="http://schemas.microsoft.com/office/powerpoint/2010/main" xmlns:p15="http://schemas.microsoft.com/office/powerpoint/2012/main" xmlns:ahyp="http://schemas.microsoft.com/office/drawing/2018/hyperlinkcolor" showMasterPhAnim="0" showMasterSp="0">
+<p:notes xmlns:a="http://schemas.openxmlformats.org/drawingml/2006/main" xmlns:r="http://schemas.openxmlformats.org/officeDocument/2006/relationships" xmlns:p="http://schemas.openxmlformats.org/presentationml/2006/main" showMasterSp="0" showMasterPhAnim="0">
   <p:cSld>
     <p:spTree>
       <p:nvGrpSpPr>
-        <p:cNvPr id="110" name="Shape 110"/>
+        <p:cNvPr id="1" name="Shape 110"/>
         <p:cNvGrpSpPr/>
         <p:nvPr/>
       </p:nvGrpSpPr>
@@ -2121,9 +2188,11 @@
       <p:sp>
         <p:nvSpPr>
           <p:cNvPr id="111" name="Google Shape;111;p8:notes"/>
-          <p:cNvSpPr/>
+          <p:cNvSpPr>
+            <a:spLocks noGrp="1" noRot="1" noChangeAspect="1"/>
+          </p:cNvSpPr>
           <p:nvPr>
-            <p:ph idx="2" type="sldImg"/>
+            <p:ph type="sldImg" idx="2"/>
           </p:nvPr>
         </p:nvSpPr>
         <p:spPr>
@@ -2132,9 +2201,13 @@
             <a:ext cx="3000000" cy="3000000"/>
           </a:xfrm>
           <a:custGeom>
-            <a:rect b="b" l="l" r="r" t="t"/>
+            <a:avLst/>
+            <a:gdLst/>
+            <a:ahLst/>
+            <a:cxnLst/>
+            <a:rect l="l" t="t" r="r" b="b"/>
             <a:pathLst>
-              <a:path extrusionOk="0" h="120000" w="120000">
+              <a:path w="120000" h="120000" extrusionOk="0">
                 <a:moveTo>
                   <a:pt x="0" y="0"/>
                 </a:moveTo>
@@ -2160,9 +2233,11 @@
       <p:sp>
         <p:nvSpPr>
           <p:cNvPr id="112" name="Google Shape;112;p8:notes"/>
-          <p:cNvSpPr txBox="1"/>
+          <p:cNvSpPr txBox="1">
+            <a:spLocks noGrp="1"/>
+          </p:cNvSpPr>
           <p:nvPr>
-            <p:ph idx="1" type="body"/>
+            <p:ph type="body" idx="1"/>
           </p:nvPr>
         </p:nvSpPr>
         <p:spPr>
@@ -2179,23 +2254,20 @@
           </a:ln>
         </p:spPr>
         <p:txBody>
-          <a:bodyPr anchorCtr="0" anchor="t" bIns="45700" lIns="91425" spcFirstLastPara="1" rIns="91425" wrap="square" tIns="45700">
+          <a:bodyPr spcFirstLastPara="1" wrap="square" lIns="91425" tIns="45700" rIns="91425" bIns="45700" anchor="t" anchorCtr="0">
             <a:noAutofit/>
           </a:bodyPr>
           <a:lstStyle/>
           <a:p>
-            <a:pPr indent="0" lvl="0" marL="0" marR="0" rtl="0" algn="l">
-              <a:spcBef>
-                <a:spcPts val="0"/>
-              </a:spcBef>
-              <a:spcAft>
-                <a:spcPts val="0"/>
-              </a:spcAft>
-              <a:buNone/>
-            </a:pPr>
-            <a:r>
-              <a:t/>
-            </a:r>
+            <a:pPr marL="0" marR="0" lvl="0" indent="0" algn="l" rtl="0">
+              <a:spcBef>
+                <a:spcPts val="0"/>
+              </a:spcBef>
+              <a:spcAft>
+                <a:spcPts val="0"/>
+              </a:spcAft>
+              <a:buNone/>
+            </a:pPr>
             <a:endParaRPr sz="1200">
               <a:solidFill>
                 <a:schemeClr val="dk1"/>
@@ -2211,9 +2283,11 @@
       <p:sp>
         <p:nvSpPr>
           <p:cNvPr id="113" name="Google Shape;113;p8:notes"/>
-          <p:cNvSpPr txBox="1"/>
+          <p:cNvSpPr txBox="1">
+            <a:spLocks noGrp="1"/>
+          </p:cNvSpPr>
           <p:nvPr>
-            <p:ph idx="12" type="sldNum"/>
+            <p:ph type="sldNum" idx="12"/>
           </p:nvPr>
         </p:nvSpPr>
         <p:spPr>
@@ -2230,12 +2304,12 @@
           </a:ln>
         </p:spPr>
         <p:txBody>
-          <a:bodyPr anchorCtr="0" anchor="t" bIns="45700" lIns="91425" spcFirstLastPara="1" rIns="91425" wrap="square" tIns="45700">
+          <a:bodyPr spcFirstLastPara="1" wrap="square" lIns="91425" tIns="45700" rIns="91425" bIns="45700" anchor="t" anchorCtr="0">
             <a:noAutofit/>
           </a:bodyPr>
           <a:lstStyle/>
           <a:p>
-            <a:pPr indent="0" lvl="0" marL="0" marR="0" rtl="0" algn="l">
+            <a:pPr marL="0" marR="0" lvl="0" indent="0" algn="l" rtl="0">
               <a:spcBef>
                 <a:spcPts val="0"/>
               </a:spcBef>
@@ -2254,7 +2328,7 @@
                 <a:cs typeface="Calibri"/>
                 <a:sym typeface="Calibri"/>
               </a:rPr>
-              <a:t>‹#›</a:t>
+              <a:t>7</a:t>
             </a:fld>
             <a:endParaRPr sz="1800">
               <a:solidFill>
@@ -2277,11 +2351,11 @@
 </file>
 
 <file path=ppt/notesSlides/notesSlide8.xml><?xml version="1.0" encoding="utf-8"?>
-<p:notes xmlns:a="http://schemas.openxmlformats.org/drawingml/2006/main" xmlns:r="http://schemas.openxmlformats.org/officeDocument/2006/relationships" xmlns:mc="http://schemas.openxmlformats.org/markup-compatibility/2006" xmlns:mv="urn:schemas-microsoft-com:mac:vml" xmlns:p="http://schemas.openxmlformats.org/presentationml/2006/main" xmlns:c="http://schemas.openxmlformats.org/drawingml/2006/chart" xmlns:dgm="http://schemas.openxmlformats.org/drawingml/2006/diagram" xmlns:o="urn:schemas-microsoft-com:office:office" xmlns:v="urn:schemas-microsoft-com:vml" xmlns:pvml="urn:schemas-microsoft-com:office:powerpoint" xmlns:com="http://schemas.openxmlformats.org/drawingml/2006/compatibility" xmlns:p14="http://schemas.microsoft.com/office/powerpoint/2010/main" xmlns:p15="http://schemas.microsoft.com/office/powerpoint/2012/main" xmlns:ahyp="http://schemas.microsoft.com/office/drawing/2018/hyperlinkcolor" showMasterPhAnim="0" showMasterSp="0">
+<p:notes xmlns:a="http://schemas.openxmlformats.org/drawingml/2006/main" xmlns:r="http://schemas.openxmlformats.org/officeDocument/2006/relationships" xmlns:p="http://schemas.openxmlformats.org/presentationml/2006/main" showMasterSp="0" showMasterPhAnim="0">
   <p:cSld>
     <p:spTree>
       <p:nvGrpSpPr>
-        <p:cNvPr id="126" name="Shape 126"/>
+        <p:cNvPr id="1" name="Shape 126"/>
         <p:cNvGrpSpPr/>
         <p:nvPr/>
       </p:nvGrpSpPr>
@@ -2296,9 +2370,11 @@
       <p:sp>
         <p:nvSpPr>
           <p:cNvPr id="127" name="Google Shape;127;p9:notes"/>
-          <p:cNvSpPr/>
+          <p:cNvSpPr>
+            <a:spLocks noGrp="1" noRot="1" noChangeAspect="1"/>
+          </p:cNvSpPr>
           <p:nvPr>
-            <p:ph idx="2" type="sldImg"/>
+            <p:ph type="sldImg" idx="2"/>
           </p:nvPr>
         </p:nvSpPr>
         <p:spPr>
@@ -2307,9 +2383,13 @@
             <a:ext cx="3000000" cy="3000000"/>
           </a:xfrm>
           <a:custGeom>
-            <a:rect b="b" l="l" r="r" t="t"/>
+            <a:avLst/>
+            <a:gdLst/>
+            <a:ahLst/>
+            <a:cxnLst/>
+            <a:rect l="l" t="t" r="r" b="b"/>
             <a:pathLst>
-              <a:path extrusionOk="0" h="120000" w="120000">
+              <a:path w="120000" h="120000" extrusionOk="0">
                 <a:moveTo>
                   <a:pt x="0" y="0"/>
                 </a:moveTo>
@@ -2335,9 +2415,11 @@
       <p:sp>
         <p:nvSpPr>
           <p:cNvPr id="128" name="Google Shape;128;p9:notes"/>
-          <p:cNvSpPr txBox="1"/>
+          <p:cNvSpPr txBox="1">
+            <a:spLocks noGrp="1"/>
+          </p:cNvSpPr>
           <p:nvPr>
-            <p:ph idx="1" type="body"/>
+            <p:ph type="body" idx="1"/>
           </p:nvPr>
         </p:nvSpPr>
         <p:spPr>
@@ -2354,23 +2436,20 @@
           </a:ln>
         </p:spPr>
         <p:txBody>
-          <a:bodyPr anchorCtr="0" anchor="t" bIns="45700" lIns="91425" spcFirstLastPara="1" rIns="91425" wrap="square" tIns="45700">
+          <a:bodyPr spcFirstLastPara="1" wrap="square" lIns="91425" tIns="45700" rIns="91425" bIns="45700" anchor="t" anchorCtr="0">
             <a:noAutofit/>
           </a:bodyPr>
           <a:lstStyle/>
           <a:p>
-            <a:pPr indent="0" lvl="0" marL="0" marR="0" rtl="0" algn="l">
-              <a:spcBef>
-                <a:spcPts val="0"/>
-              </a:spcBef>
-              <a:spcAft>
-                <a:spcPts val="0"/>
-              </a:spcAft>
-              <a:buNone/>
-            </a:pPr>
-            <a:r>
-              <a:t/>
-            </a:r>
+            <a:pPr marL="0" marR="0" lvl="0" indent="0" algn="l" rtl="0">
+              <a:spcBef>
+                <a:spcPts val="0"/>
+              </a:spcBef>
+              <a:spcAft>
+                <a:spcPts val="0"/>
+              </a:spcAft>
+              <a:buNone/>
+            </a:pPr>
             <a:endParaRPr sz="1200">
               <a:solidFill>
                 <a:schemeClr val="dk1"/>
@@ -2386,9 +2465,11 @@
       <p:sp>
         <p:nvSpPr>
           <p:cNvPr id="129" name="Google Shape;129;p9:notes"/>
-          <p:cNvSpPr txBox="1"/>
+          <p:cNvSpPr txBox="1">
+            <a:spLocks noGrp="1"/>
+          </p:cNvSpPr>
           <p:nvPr>
-            <p:ph idx="12" type="sldNum"/>
+            <p:ph type="sldNum" idx="12"/>
           </p:nvPr>
         </p:nvSpPr>
         <p:spPr>
@@ -2405,12 +2486,12 @@
           </a:ln>
         </p:spPr>
         <p:txBody>
-          <a:bodyPr anchorCtr="0" anchor="t" bIns="45700" lIns="91425" spcFirstLastPara="1" rIns="91425" wrap="square" tIns="45700">
+          <a:bodyPr spcFirstLastPara="1" wrap="square" lIns="91425" tIns="45700" rIns="91425" bIns="45700" anchor="t" anchorCtr="0">
             <a:noAutofit/>
           </a:bodyPr>
           <a:lstStyle/>
           <a:p>
-            <a:pPr indent="0" lvl="0" marL="0" marR="0" rtl="0" algn="l">
+            <a:pPr marL="0" marR="0" lvl="0" indent="0" algn="l" rtl="0">
               <a:spcBef>
                 <a:spcPts val="0"/>
               </a:spcBef>
@@ -2429,7 +2510,7 @@
                 <a:cs typeface="Calibri"/>
                 <a:sym typeface="Calibri"/>
               </a:rPr>
-              <a:t>‹#›</a:t>
+              <a:t>8</a:t>
             </a:fld>
             <a:endParaRPr sz="1800">
               <a:solidFill>
@@ -2452,11 +2533,11 @@
 </file>
 
 <file path=ppt/notesSlides/notesSlide9.xml><?xml version="1.0" encoding="utf-8"?>
-<p:notes xmlns:a="http://schemas.openxmlformats.org/drawingml/2006/main" xmlns:r="http://schemas.openxmlformats.org/officeDocument/2006/relationships" xmlns:mc="http://schemas.openxmlformats.org/markup-compatibility/2006" xmlns:mv="urn:schemas-microsoft-com:mac:vml" xmlns:p="http://schemas.openxmlformats.org/presentationml/2006/main" xmlns:c="http://schemas.openxmlformats.org/drawingml/2006/chart" xmlns:dgm="http://schemas.openxmlformats.org/drawingml/2006/diagram" xmlns:o="urn:schemas-microsoft-com:office:office" xmlns:v="urn:schemas-microsoft-com:vml" xmlns:pvml="urn:schemas-microsoft-com:office:powerpoint" xmlns:com="http://schemas.openxmlformats.org/drawingml/2006/compatibility" xmlns:p14="http://schemas.microsoft.com/office/powerpoint/2010/main" xmlns:p15="http://schemas.microsoft.com/office/powerpoint/2012/main" xmlns:ahyp="http://schemas.microsoft.com/office/drawing/2018/hyperlinkcolor" showMasterPhAnim="0" showMasterSp="0">
+<p:notes xmlns:a="http://schemas.openxmlformats.org/drawingml/2006/main" xmlns:r="http://schemas.openxmlformats.org/officeDocument/2006/relationships" xmlns:p="http://schemas.openxmlformats.org/presentationml/2006/main" showMasterSp="0" showMasterPhAnim="0">
   <p:cSld>
     <p:spTree>
       <p:nvGrpSpPr>
-        <p:cNvPr id="148" name="Shape 148"/>
+        <p:cNvPr id="1" name="Shape 148"/>
         <p:cNvGrpSpPr/>
         <p:nvPr/>
       </p:nvGrpSpPr>
@@ -2471,9 +2552,11 @@
       <p:sp>
         <p:nvSpPr>
           <p:cNvPr id="149" name="Google Shape;149;p10:notes"/>
-          <p:cNvSpPr/>
+          <p:cNvSpPr>
+            <a:spLocks noGrp="1" noRot="1" noChangeAspect="1"/>
+          </p:cNvSpPr>
           <p:nvPr>
-            <p:ph idx="2" type="sldImg"/>
+            <p:ph type="sldImg" idx="2"/>
           </p:nvPr>
         </p:nvSpPr>
         <p:spPr>
@@ -2482,9 +2565,13 @@
             <a:ext cx="3000000" cy="3000000"/>
           </a:xfrm>
           <a:custGeom>
-            <a:rect b="b" l="l" r="r" t="t"/>
+            <a:avLst/>
+            <a:gdLst/>
+            <a:ahLst/>
+            <a:cxnLst/>
+            <a:rect l="l" t="t" r="r" b="b"/>
             <a:pathLst>
-              <a:path extrusionOk="0" h="120000" w="120000">
+              <a:path w="120000" h="120000" extrusionOk="0">
                 <a:moveTo>
                   <a:pt x="0" y="0"/>
                 </a:moveTo>
@@ -2510,9 +2597,11 @@
       <p:sp>
         <p:nvSpPr>
           <p:cNvPr id="150" name="Google Shape;150;p10:notes"/>
-          <p:cNvSpPr txBox="1"/>
+          <p:cNvSpPr txBox="1">
+            <a:spLocks noGrp="1"/>
+          </p:cNvSpPr>
           <p:nvPr>
-            <p:ph idx="1" type="body"/>
+            <p:ph type="body" idx="1"/>
           </p:nvPr>
         </p:nvSpPr>
         <p:spPr>
@@ -2529,23 +2618,20 @@
           </a:ln>
         </p:spPr>
         <p:txBody>
-          <a:bodyPr anchorCtr="0" anchor="t" bIns="45700" lIns="91425" spcFirstLastPara="1" rIns="91425" wrap="square" tIns="45700">
+          <a:bodyPr spcFirstLastPara="1" wrap="square" lIns="91425" tIns="45700" rIns="91425" bIns="45700" anchor="t" anchorCtr="0">
             <a:noAutofit/>
           </a:bodyPr>
           <a:lstStyle/>
           <a:p>
-            <a:pPr indent="0" lvl="0" marL="0" marR="0" rtl="0" algn="l">
-              <a:spcBef>
-                <a:spcPts val="0"/>
-              </a:spcBef>
-              <a:spcAft>
-                <a:spcPts val="0"/>
-              </a:spcAft>
-              <a:buNone/>
-            </a:pPr>
-            <a:r>
-              <a:t/>
-            </a:r>
+            <a:pPr marL="0" marR="0" lvl="0" indent="0" algn="l" rtl="0">
+              <a:spcBef>
+                <a:spcPts val="0"/>
+              </a:spcBef>
+              <a:spcAft>
+                <a:spcPts val="0"/>
+              </a:spcAft>
+              <a:buNone/>
+            </a:pPr>
             <a:endParaRPr sz="1200">
               <a:solidFill>
                 <a:schemeClr val="dk1"/>
@@ -2561,9 +2647,11 @@
       <p:sp>
         <p:nvSpPr>
           <p:cNvPr id="151" name="Google Shape;151;p10:notes"/>
-          <p:cNvSpPr txBox="1"/>
+          <p:cNvSpPr txBox="1">
+            <a:spLocks noGrp="1"/>
+          </p:cNvSpPr>
           <p:nvPr>
-            <p:ph idx="12" type="sldNum"/>
+            <p:ph type="sldNum" idx="12"/>
           </p:nvPr>
         </p:nvSpPr>
         <p:spPr>
@@ -2580,12 +2668,12 @@
           </a:ln>
         </p:spPr>
         <p:txBody>
-          <a:bodyPr anchorCtr="0" anchor="t" bIns="45700" lIns="91425" spcFirstLastPara="1" rIns="91425" wrap="square" tIns="45700">
+          <a:bodyPr spcFirstLastPara="1" wrap="square" lIns="91425" tIns="45700" rIns="91425" bIns="45700" anchor="t" anchorCtr="0">
             <a:noAutofit/>
           </a:bodyPr>
           <a:lstStyle/>
           <a:p>
-            <a:pPr indent="0" lvl="0" marL="0" marR="0" rtl="0" algn="l">
+            <a:pPr marL="0" marR="0" lvl="0" indent="0" algn="l" rtl="0">
               <a:spcBef>
                 <a:spcPts val="0"/>
               </a:spcBef>
@@ -2604,7 +2692,7 @@
                 <a:cs typeface="Calibri"/>
                 <a:sym typeface="Calibri"/>
               </a:rPr>
-              <a:t>‹#›</a:t>
+              <a:t>9</a:t>
             </a:fld>
             <a:endParaRPr sz="1800">
               <a:solidFill>
@@ -2627,18 +2715,19 @@
 </file>
 
 <file path=ppt/slideLayouts/slideLayout1.xml><?xml version="1.0" encoding="utf-8"?>
-<p:sldLayout xmlns:a="http://schemas.openxmlformats.org/drawingml/2006/main" xmlns:r="http://schemas.openxmlformats.org/officeDocument/2006/relationships" xmlns:mc="http://schemas.openxmlformats.org/markup-compatibility/2006" xmlns:mv="urn:schemas-microsoft-com:mac:vml" xmlns:p="http://schemas.openxmlformats.org/presentationml/2006/main" xmlns:c="http://schemas.openxmlformats.org/drawingml/2006/chart" xmlns:dgm="http://schemas.openxmlformats.org/drawingml/2006/diagram" xmlns:o="urn:schemas-microsoft-com:office:office" xmlns:v="urn:schemas-microsoft-com:vml" xmlns:pvml="urn:schemas-microsoft-com:office:powerpoint" xmlns:com="http://schemas.openxmlformats.org/drawingml/2006/compatibility" xmlns:p14="http://schemas.microsoft.com/office/powerpoint/2010/main" xmlns:p15="http://schemas.microsoft.com/office/powerpoint/2012/main" xmlns:ahyp="http://schemas.microsoft.com/office/drawing/2018/hyperlinkcolor" matchingName="DEFAULT">
+<p:sldLayout xmlns:a="http://schemas.openxmlformats.org/drawingml/2006/main" xmlns:r="http://schemas.openxmlformats.org/officeDocument/2006/relationships" xmlns:p="http://schemas.openxmlformats.org/presentationml/2006/main" matchingName="DEFAULT">
   <p:cSld name="DEFAULT">
     <p:bg>
       <p:bgPr>
         <a:solidFill>
           <a:schemeClr val="lt1"/>
         </a:solidFill>
+        <a:effectLst/>
       </p:bgPr>
     </p:bg>
     <p:spTree>
       <p:nvGrpSpPr>
-        <p:cNvPr id="6" name="Shape 6"/>
+        <p:cNvPr id="1" name="Shape 6"/>
         <p:cNvGrpSpPr/>
         <p:nvPr/>
       </p:nvGrpSpPr>
@@ -2659,18 +2748,19 @@
 </file>
 
 <file path=ppt/slideMasters/slideMaster1.xml><?xml version="1.0" encoding="utf-8"?>
-<p:sldMaster xmlns:a="http://schemas.openxmlformats.org/drawingml/2006/main" xmlns:r="http://schemas.openxmlformats.org/officeDocument/2006/relationships" xmlns:mc="http://schemas.openxmlformats.org/markup-compatibility/2006" xmlns:mv="urn:schemas-microsoft-com:mac:vml" xmlns:p="http://schemas.openxmlformats.org/presentationml/2006/main" xmlns:c="http://schemas.openxmlformats.org/drawingml/2006/chart" xmlns:dgm="http://schemas.openxmlformats.org/drawingml/2006/diagram" xmlns:o="urn:schemas-microsoft-com:office:office" xmlns:v="urn:schemas-microsoft-com:vml" xmlns:pvml="urn:schemas-microsoft-com:office:powerpoint" xmlns:com="http://schemas.openxmlformats.org/drawingml/2006/compatibility" xmlns:p14="http://schemas.microsoft.com/office/powerpoint/2010/main" xmlns:p15="http://schemas.microsoft.com/office/powerpoint/2012/main" xmlns:ahyp="http://schemas.microsoft.com/office/drawing/2018/hyperlinkcolor">
+<p:sldMaster xmlns:a="http://schemas.openxmlformats.org/drawingml/2006/main" xmlns:r="http://schemas.openxmlformats.org/officeDocument/2006/relationships" xmlns:p="http://schemas.openxmlformats.org/presentationml/2006/main">
   <p:cSld>
     <p:bg>
       <p:bgPr>
         <a:solidFill>
           <a:schemeClr val="lt1"/>
         </a:solidFill>
+        <a:effectLst/>
       </p:bgPr>
     </p:bg>
     <p:spTree>
       <p:nvGrpSpPr>
-        <p:cNvPr id="5" name="Shape 5"/>
+        <p:cNvPr id="1" name="Shape 5"/>
         <p:cNvGrpSpPr/>
         <p:nvPr/>
       </p:nvGrpSpPr>
@@ -2684,14 +2774,14 @@
       </p:grpSpPr>
     </p:spTree>
   </p:cSld>
-  <p:clrMap accent1="accent1" accent2="accent2" accent3="accent3" accent4="accent4" accent5="accent5" accent6="accent6" bg1="lt1" bg2="dk2" tx1="dk1" tx2="lt2" folHlink="folHlink" hlink="hlink"/>
+  <p:clrMap bg1="lt1" tx1="dk1" bg2="dk2" tx2="lt2" accent1="accent1" accent2="accent2" accent3="accent3" accent4="accent4" accent5="accent5" accent6="accent6" hlink="hlink" folHlink="folHlink"/>
   <p:sldLayoutIdLst>
     <p:sldLayoutId id="2147483649" r:id="rId1"/>
   </p:sldLayoutIdLst>
-  <p:hf dt="0" ftr="0" hdr="0" sldNum="0"/>
+  <p:hf sldNum="0" hdr="0" ftr="0" dt="0"/>
   <p:txStyles>
     <p:titleStyle>
-      <a:defPPr lvl="0" marR="0" rtl="0" algn="l">
+      <a:defPPr marR="0" lvl="0" algn="l" rtl="0">
         <a:lnSpc>
           <a:spcPct val="100000"/>
         </a:lnSpc>
@@ -2702,7 +2792,7 @@
           <a:spcPts val="0"/>
         </a:spcAft>
       </a:defPPr>
-      <a:lvl1pPr lvl="0" marR="0" rtl="0" algn="l">
+      <a:lvl1pPr marR="0" lvl="0" algn="l" rtl="0">
         <a:lnSpc>
           <a:spcPct val="100000"/>
         </a:lnSpc>
@@ -2716,7 +2806,7 @@
           <a:srgbClr val="000000"/>
         </a:buClr>
         <a:buFont typeface="Arial"/>
-        <a:defRPr b="0" i="0" sz="1400" u="none" cap="none" strike="noStrike">
+        <a:defRPr sz="1400" b="0" i="0" u="none" strike="noStrike" cap="none">
           <a:solidFill>
             <a:srgbClr val="000000"/>
           </a:solidFill>
@@ -2726,7 +2816,7 @@
           <a:sym typeface="Arial"/>
         </a:defRPr>
       </a:lvl1pPr>
-      <a:lvl2pPr lvl="1" marR="0" rtl="0" algn="l">
+      <a:lvl2pPr marR="0" lvl="1" algn="l" rtl="0">
         <a:lnSpc>
           <a:spcPct val="100000"/>
         </a:lnSpc>
@@ -2740,7 +2830,7 @@
           <a:srgbClr val="000000"/>
         </a:buClr>
         <a:buFont typeface="Arial"/>
-        <a:defRPr b="0" i="0" sz="1400" u="none" cap="none" strike="noStrike">
+        <a:defRPr sz="1400" b="0" i="0" u="none" strike="noStrike" cap="none">
           <a:solidFill>
             <a:srgbClr val="000000"/>
           </a:solidFill>
@@ -2750,7 +2840,7 @@
           <a:sym typeface="Arial"/>
         </a:defRPr>
       </a:lvl2pPr>
-      <a:lvl3pPr lvl="2" marR="0" rtl="0" algn="l">
+      <a:lvl3pPr marR="0" lvl="2" algn="l" rtl="0">
         <a:lnSpc>
           <a:spcPct val="100000"/>
         </a:lnSpc>
@@ -2764,7 +2854,7 @@
           <a:srgbClr val="000000"/>
         </a:buClr>
         <a:buFont typeface="Arial"/>
-        <a:defRPr b="0" i="0" sz="1400" u="none" cap="none" strike="noStrike">
+        <a:defRPr sz="1400" b="0" i="0" u="none" strike="noStrike" cap="none">
           <a:solidFill>
             <a:srgbClr val="000000"/>
           </a:solidFill>
@@ -2774,7 +2864,7 @@
           <a:sym typeface="Arial"/>
         </a:defRPr>
       </a:lvl3pPr>
-      <a:lvl4pPr lvl="3" marR="0" rtl="0" algn="l">
+      <a:lvl4pPr marR="0" lvl="3" algn="l" rtl="0">
         <a:lnSpc>
           <a:spcPct val="100000"/>
         </a:lnSpc>
@@ -2788,7 +2878,7 @@
           <a:srgbClr val="000000"/>
         </a:buClr>
         <a:buFont typeface="Arial"/>
-        <a:defRPr b="0" i="0" sz="1400" u="none" cap="none" strike="noStrike">
+        <a:defRPr sz="1400" b="0" i="0" u="none" strike="noStrike" cap="none">
           <a:solidFill>
             <a:srgbClr val="000000"/>
           </a:solidFill>
@@ -2798,7 +2888,7 @@
           <a:sym typeface="Arial"/>
         </a:defRPr>
       </a:lvl4pPr>
-      <a:lvl5pPr lvl="4" marR="0" rtl="0" algn="l">
+      <a:lvl5pPr marR="0" lvl="4" algn="l" rtl="0">
         <a:lnSpc>
           <a:spcPct val="100000"/>
         </a:lnSpc>
@@ -2812,7 +2902,7 @@
           <a:srgbClr val="000000"/>
         </a:buClr>
         <a:buFont typeface="Arial"/>
-        <a:defRPr b="0" i="0" sz="1400" u="none" cap="none" strike="noStrike">
+        <a:defRPr sz="1400" b="0" i="0" u="none" strike="noStrike" cap="none">
           <a:solidFill>
             <a:srgbClr val="000000"/>
           </a:solidFill>
@@ -2822,7 +2912,7 @@
           <a:sym typeface="Arial"/>
         </a:defRPr>
       </a:lvl5pPr>
-      <a:lvl6pPr lvl="5" marR="0" rtl="0" algn="l">
+      <a:lvl6pPr marR="0" lvl="5" algn="l" rtl="0">
         <a:lnSpc>
           <a:spcPct val="100000"/>
         </a:lnSpc>
@@ -2836,7 +2926,7 @@
           <a:srgbClr val="000000"/>
         </a:buClr>
         <a:buFont typeface="Arial"/>
-        <a:defRPr b="0" i="0" sz="1400" u="none" cap="none" strike="noStrike">
+        <a:defRPr sz="1400" b="0" i="0" u="none" strike="noStrike" cap="none">
           <a:solidFill>
             <a:srgbClr val="000000"/>
           </a:solidFill>
@@ -2846,7 +2936,7 @@
           <a:sym typeface="Arial"/>
         </a:defRPr>
       </a:lvl6pPr>
-      <a:lvl7pPr lvl="6" marR="0" rtl="0" algn="l">
+      <a:lvl7pPr marR="0" lvl="6" algn="l" rtl="0">
         <a:lnSpc>
           <a:spcPct val="100000"/>
         </a:lnSpc>
@@ -2860,7 +2950,7 @@
           <a:srgbClr val="000000"/>
         </a:buClr>
         <a:buFont typeface="Arial"/>
-        <a:defRPr b="0" i="0" sz="1400" u="none" cap="none" strike="noStrike">
+        <a:defRPr sz="1400" b="0" i="0" u="none" strike="noStrike" cap="none">
           <a:solidFill>
             <a:srgbClr val="000000"/>
           </a:solidFill>
@@ -2870,7 +2960,7 @@
           <a:sym typeface="Arial"/>
         </a:defRPr>
       </a:lvl7pPr>
-      <a:lvl8pPr lvl="7" marR="0" rtl="0" algn="l">
+      <a:lvl8pPr marR="0" lvl="7" algn="l" rtl="0">
         <a:lnSpc>
           <a:spcPct val="100000"/>
         </a:lnSpc>
@@ -2884,7 +2974,7 @@
           <a:srgbClr val="000000"/>
         </a:buClr>
         <a:buFont typeface="Arial"/>
-        <a:defRPr b="0" i="0" sz="1400" u="none" cap="none" strike="noStrike">
+        <a:defRPr sz="1400" b="0" i="0" u="none" strike="noStrike" cap="none">
           <a:solidFill>
             <a:srgbClr val="000000"/>
           </a:solidFill>
@@ -2894,7 +2984,7 @@
           <a:sym typeface="Arial"/>
         </a:defRPr>
       </a:lvl8pPr>
-      <a:lvl9pPr lvl="8" marR="0" rtl="0" algn="l">
+      <a:lvl9pPr marR="0" lvl="8" algn="l" rtl="0">
         <a:lnSpc>
           <a:spcPct val="100000"/>
         </a:lnSpc>
@@ -2908,7 +2998,7 @@
           <a:srgbClr val="000000"/>
         </a:buClr>
         <a:buFont typeface="Arial"/>
-        <a:defRPr b="0" i="0" sz="1400" u="none" cap="none" strike="noStrike">
+        <a:defRPr sz="1400" b="0" i="0" u="none" strike="noStrike" cap="none">
           <a:solidFill>
             <a:srgbClr val="000000"/>
           </a:solidFill>
@@ -2920,7 +3010,7 @@
       </a:lvl9pPr>
     </p:titleStyle>
     <p:bodyStyle>
-      <a:defPPr lvl="0" marR="0" rtl="0" algn="l">
+      <a:defPPr marR="0" lvl="0" algn="l" rtl="0">
         <a:lnSpc>
           <a:spcPct val="100000"/>
         </a:lnSpc>
@@ -2931,7 +3021,7 @@
           <a:spcPts val="0"/>
         </a:spcAft>
       </a:defPPr>
-      <a:lvl1pPr lvl="0" marR="0" rtl="0" algn="l">
+      <a:lvl1pPr marR="0" lvl="0" algn="l" rtl="0">
         <a:lnSpc>
           <a:spcPct val="100000"/>
         </a:lnSpc>
@@ -2945,7 +3035,7 @@
           <a:srgbClr val="000000"/>
         </a:buClr>
         <a:buFont typeface="Arial"/>
-        <a:defRPr b="0" i="0" sz="1400" u="none" cap="none" strike="noStrike">
+        <a:defRPr sz="1400" b="0" i="0" u="none" strike="noStrike" cap="none">
           <a:solidFill>
             <a:srgbClr val="000000"/>
           </a:solidFill>
@@ -2955,7 +3045,7 @@
           <a:sym typeface="Arial"/>
         </a:defRPr>
       </a:lvl1pPr>
-      <a:lvl2pPr lvl="1" marR="0" rtl="0" algn="l">
+      <a:lvl2pPr marR="0" lvl="1" algn="l" rtl="0">
         <a:lnSpc>
           <a:spcPct val="100000"/>
         </a:lnSpc>
@@ -2969,7 +3059,7 @@
           <a:srgbClr val="000000"/>
         </a:buClr>
         <a:buFont typeface="Arial"/>
-        <a:defRPr b="0" i="0" sz="1400" u="none" cap="none" strike="noStrike">
+        <a:defRPr sz="1400" b="0" i="0" u="none" strike="noStrike" cap="none">
           <a:solidFill>
             <a:srgbClr val="000000"/>
           </a:solidFill>
@@ -2979,7 +3069,7 @@
           <a:sym typeface="Arial"/>
         </a:defRPr>
       </a:lvl2pPr>
-      <a:lvl3pPr lvl="2" marR="0" rtl="0" algn="l">
+      <a:lvl3pPr marR="0" lvl="2" algn="l" rtl="0">
         <a:lnSpc>
           <a:spcPct val="100000"/>
         </a:lnSpc>
@@ -2993,7 +3083,7 @@
           <a:srgbClr val="000000"/>
         </a:buClr>
         <a:buFont typeface="Arial"/>
-        <a:defRPr b="0" i="0" sz="1400" u="none" cap="none" strike="noStrike">
+        <a:defRPr sz="1400" b="0" i="0" u="none" strike="noStrike" cap="none">
           <a:solidFill>
             <a:srgbClr val="000000"/>
           </a:solidFill>
@@ -3003,7 +3093,7 @@
           <a:sym typeface="Arial"/>
         </a:defRPr>
       </a:lvl3pPr>
-      <a:lvl4pPr lvl="3" marR="0" rtl="0" algn="l">
+      <a:lvl4pPr marR="0" lvl="3" algn="l" rtl="0">
         <a:lnSpc>
           <a:spcPct val="100000"/>
         </a:lnSpc>
@@ -3017,7 +3107,7 @@
           <a:srgbClr val="000000"/>
         </a:buClr>
         <a:buFont typeface="Arial"/>
-        <a:defRPr b="0" i="0" sz="1400" u="none" cap="none" strike="noStrike">
+        <a:defRPr sz="1400" b="0" i="0" u="none" strike="noStrike" cap="none">
           <a:solidFill>
             <a:srgbClr val="000000"/>
           </a:solidFill>
@@ -3027,7 +3117,7 @@
           <a:sym typeface="Arial"/>
         </a:defRPr>
       </a:lvl4pPr>
-      <a:lvl5pPr lvl="4" marR="0" rtl="0" algn="l">
+      <a:lvl5pPr marR="0" lvl="4" algn="l" rtl="0">
         <a:lnSpc>
           <a:spcPct val="100000"/>
         </a:lnSpc>
@@ -3041,7 +3131,7 @@
           <a:srgbClr val="000000"/>
         </a:buClr>
         <a:buFont typeface="Arial"/>
-        <a:defRPr b="0" i="0" sz="1400" u="none" cap="none" strike="noStrike">
+        <a:defRPr sz="1400" b="0" i="0" u="none" strike="noStrike" cap="none">
           <a:solidFill>
             <a:srgbClr val="000000"/>
           </a:solidFill>
@@ -3051,7 +3141,7 @@
           <a:sym typeface="Arial"/>
         </a:defRPr>
       </a:lvl5pPr>
-      <a:lvl6pPr lvl="5" marR="0" rtl="0" algn="l">
+      <a:lvl6pPr marR="0" lvl="5" algn="l" rtl="0">
         <a:lnSpc>
           <a:spcPct val="100000"/>
         </a:lnSpc>
@@ -3065,7 +3155,7 @@
           <a:srgbClr val="000000"/>
         </a:buClr>
         <a:buFont typeface="Arial"/>
-        <a:defRPr b="0" i="0" sz="1400" u="none" cap="none" strike="noStrike">
+        <a:defRPr sz="1400" b="0" i="0" u="none" strike="noStrike" cap="none">
           <a:solidFill>
             <a:srgbClr val="000000"/>
           </a:solidFill>
@@ -3075,7 +3165,7 @@
           <a:sym typeface="Arial"/>
         </a:defRPr>
       </a:lvl6pPr>
-      <a:lvl7pPr lvl="6" marR="0" rtl="0" algn="l">
+      <a:lvl7pPr marR="0" lvl="6" algn="l" rtl="0">
         <a:lnSpc>
           <a:spcPct val="100000"/>
         </a:lnSpc>
@@ -3089,7 +3179,7 @@
           <a:srgbClr val="000000"/>
         </a:buClr>
         <a:buFont typeface="Arial"/>
-        <a:defRPr b="0" i="0" sz="1400" u="none" cap="none" strike="noStrike">
+        <a:defRPr sz="1400" b="0" i="0" u="none" strike="noStrike" cap="none">
           <a:solidFill>
             <a:srgbClr val="000000"/>
           </a:solidFill>
@@ -3099,7 +3189,7 @@
           <a:sym typeface="Arial"/>
         </a:defRPr>
       </a:lvl7pPr>
-      <a:lvl8pPr lvl="7" marR="0" rtl="0" algn="l">
+      <a:lvl8pPr marR="0" lvl="7" algn="l" rtl="0">
         <a:lnSpc>
           <a:spcPct val="100000"/>
         </a:lnSpc>
@@ -3113,7 +3203,7 @@
           <a:srgbClr val="000000"/>
         </a:buClr>
         <a:buFont typeface="Arial"/>
-        <a:defRPr b="0" i="0" sz="1400" u="none" cap="none" strike="noStrike">
+        <a:defRPr sz="1400" b="0" i="0" u="none" strike="noStrike" cap="none">
           <a:solidFill>
             <a:srgbClr val="000000"/>
           </a:solidFill>
@@ -3123,7 +3213,7 @@
           <a:sym typeface="Arial"/>
         </a:defRPr>
       </a:lvl8pPr>
-      <a:lvl9pPr lvl="8" marR="0" rtl="0" algn="l">
+      <a:lvl9pPr marR="0" lvl="8" algn="l" rtl="0">
         <a:lnSpc>
           <a:spcPct val="100000"/>
         </a:lnSpc>
@@ -3137,7 +3227,7 @@
           <a:srgbClr val="000000"/>
         </a:buClr>
         <a:buFont typeface="Arial"/>
-        <a:defRPr b="0" i="0" sz="1400" u="none" cap="none" strike="noStrike">
+        <a:defRPr sz="1400" b="0" i="0" u="none" strike="noStrike" cap="none">
           <a:solidFill>
             <a:srgbClr val="000000"/>
           </a:solidFill>
@@ -3149,7 +3239,7 @@
       </a:lvl9pPr>
     </p:bodyStyle>
     <p:otherStyle>
-      <a:defPPr lvl="0" marR="0" rtl="0" algn="l">
+      <a:defPPr marR="0" lvl="0" algn="l" rtl="0">
         <a:lnSpc>
           <a:spcPct val="100000"/>
         </a:lnSpc>
@@ -3160,7 +3250,7 @@
           <a:spcPts val="0"/>
         </a:spcAft>
       </a:defPPr>
-      <a:lvl1pPr lvl="0" marR="0" rtl="0" algn="l">
+      <a:lvl1pPr marR="0" lvl="0" algn="l" rtl="0">
         <a:lnSpc>
           <a:spcPct val="100000"/>
         </a:lnSpc>
@@ -3174,7 +3264,7 @@
           <a:srgbClr val="000000"/>
         </a:buClr>
         <a:buFont typeface="Arial"/>
-        <a:defRPr b="0" i="0" sz="1400" u="none" cap="none" strike="noStrike">
+        <a:defRPr sz="1400" b="0" i="0" u="none" strike="noStrike" cap="none">
           <a:solidFill>
             <a:srgbClr val="000000"/>
           </a:solidFill>
@@ -3184,7 +3274,7 @@
           <a:sym typeface="Arial"/>
         </a:defRPr>
       </a:lvl1pPr>
-      <a:lvl2pPr lvl="1" marR="0" rtl="0" algn="l">
+      <a:lvl2pPr marR="0" lvl="1" algn="l" rtl="0">
         <a:lnSpc>
           <a:spcPct val="100000"/>
         </a:lnSpc>
@@ -3198,7 +3288,7 @@
           <a:srgbClr val="000000"/>
         </a:buClr>
         <a:buFont typeface="Arial"/>
-        <a:defRPr b="0" i="0" sz="1400" u="none" cap="none" strike="noStrike">
+        <a:defRPr sz="1400" b="0" i="0" u="none" strike="noStrike" cap="none">
           <a:solidFill>
             <a:srgbClr val="000000"/>
           </a:solidFill>
@@ -3208,7 +3298,7 @@
           <a:sym typeface="Arial"/>
         </a:defRPr>
       </a:lvl2pPr>
-      <a:lvl3pPr lvl="2" marR="0" rtl="0" algn="l">
+      <a:lvl3pPr marR="0" lvl="2" algn="l" rtl="0">
         <a:lnSpc>
           <a:spcPct val="100000"/>
         </a:lnSpc>
@@ -3222,7 +3312,7 @@
           <a:srgbClr val="000000"/>
         </a:buClr>
         <a:buFont typeface="Arial"/>
-        <a:defRPr b="0" i="0" sz="1400" u="none" cap="none" strike="noStrike">
+        <a:defRPr sz="1400" b="0" i="0" u="none" strike="noStrike" cap="none">
           <a:solidFill>
             <a:srgbClr val="000000"/>
           </a:solidFill>
@@ -3232,7 +3322,7 @@
           <a:sym typeface="Arial"/>
         </a:defRPr>
       </a:lvl3pPr>
-      <a:lvl4pPr lvl="3" marR="0" rtl="0" algn="l">
+      <a:lvl4pPr marR="0" lvl="3" algn="l" rtl="0">
         <a:lnSpc>
           <a:spcPct val="100000"/>
         </a:lnSpc>
@@ -3246,7 +3336,7 @@
           <a:srgbClr val="000000"/>
         </a:buClr>
         <a:buFont typeface="Arial"/>
-        <a:defRPr b="0" i="0" sz="1400" u="none" cap="none" strike="noStrike">
+        <a:defRPr sz="1400" b="0" i="0" u="none" strike="noStrike" cap="none">
           <a:solidFill>
             <a:srgbClr val="000000"/>
           </a:solidFill>
@@ -3256,7 +3346,7 @@
           <a:sym typeface="Arial"/>
         </a:defRPr>
       </a:lvl4pPr>
-      <a:lvl5pPr lvl="4" marR="0" rtl="0" algn="l">
+      <a:lvl5pPr marR="0" lvl="4" algn="l" rtl="0">
         <a:lnSpc>
           <a:spcPct val="100000"/>
         </a:lnSpc>
@@ -3270,7 +3360,7 @@
           <a:srgbClr val="000000"/>
         </a:buClr>
         <a:buFont typeface="Arial"/>
-        <a:defRPr b="0" i="0" sz="1400" u="none" cap="none" strike="noStrike">
+        <a:defRPr sz="1400" b="0" i="0" u="none" strike="noStrike" cap="none">
           <a:solidFill>
             <a:srgbClr val="000000"/>
           </a:solidFill>
@@ -3280,7 +3370,7 @@
           <a:sym typeface="Arial"/>
         </a:defRPr>
       </a:lvl5pPr>
-      <a:lvl6pPr lvl="5" marR="0" rtl="0" algn="l">
+      <a:lvl6pPr marR="0" lvl="5" algn="l" rtl="0">
         <a:lnSpc>
           <a:spcPct val="100000"/>
         </a:lnSpc>
@@ -3294,7 +3384,7 @@
           <a:srgbClr val="000000"/>
         </a:buClr>
         <a:buFont typeface="Arial"/>
-        <a:defRPr b="0" i="0" sz="1400" u="none" cap="none" strike="noStrike">
+        <a:defRPr sz="1400" b="0" i="0" u="none" strike="noStrike" cap="none">
           <a:solidFill>
             <a:srgbClr val="000000"/>
           </a:solidFill>
@@ -3304,7 +3394,7 @@
           <a:sym typeface="Arial"/>
         </a:defRPr>
       </a:lvl6pPr>
-      <a:lvl7pPr lvl="6" marR="0" rtl="0" algn="l">
+      <a:lvl7pPr marR="0" lvl="6" algn="l" rtl="0">
         <a:lnSpc>
           <a:spcPct val="100000"/>
         </a:lnSpc>
@@ -3318,7 +3408,7 @@
           <a:srgbClr val="000000"/>
         </a:buClr>
         <a:buFont typeface="Arial"/>
-        <a:defRPr b="0" i="0" sz="1400" u="none" cap="none" strike="noStrike">
+        <a:defRPr sz="1400" b="0" i="0" u="none" strike="noStrike" cap="none">
           <a:solidFill>
             <a:srgbClr val="000000"/>
           </a:solidFill>
@@ -3328,7 +3418,7 @@
           <a:sym typeface="Arial"/>
         </a:defRPr>
       </a:lvl7pPr>
-      <a:lvl8pPr lvl="7" marR="0" rtl="0" algn="l">
+      <a:lvl8pPr marR="0" lvl="7" algn="l" rtl="0">
         <a:lnSpc>
           <a:spcPct val="100000"/>
         </a:lnSpc>
@@ -3342,7 +3432,7 @@
           <a:srgbClr val="000000"/>
         </a:buClr>
         <a:buFont typeface="Arial"/>
-        <a:defRPr b="0" i="0" sz="1400" u="none" cap="none" strike="noStrike">
+        <a:defRPr sz="1400" b="0" i="0" u="none" strike="noStrike" cap="none">
           <a:solidFill>
             <a:srgbClr val="000000"/>
           </a:solidFill>
@@ -3352,7 +3442,7 @@
           <a:sym typeface="Arial"/>
         </a:defRPr>
       </a:lvl8pPr>
-      <a:lvl9pPr lvl="8" marR="0" rtl="0" algn="l">
+      <a:lvl9pPr marR="0" lvl="8" algn="l" rtl="0">
         <a:lnSpc>
           <a:spcPct val="100000"/>
         </a:lnSpc>
@@ -3366,7 +3456,7 @@
           <a:srgbClr val="000000"/>
         </a:buClr>
         <a:buFont typeface="Arial"/>
-        <a:defRPr b="0" i="0" sz="1400" u="none" cap="none" strike="noStrike">
+        <a:defRPr sz="1400" b="0" i="0" u="none" strike="noStrike" cap="none">
           <a:solidFill>
             <a:srgbClr val="000000"/>
           </a:solidFill>
@@ -3382,11 +3472,11 @@
 </file>
 
 <file path=ppt/slides/slide1.xml><?xml version="1.0" encoding="utf-8"?>
-<p:sld xmlns:a="http://schemas.openxmlformats.org/drawingml/2006/main" xmlns:r="http://schemas.openxmlformats.org/officeDocument/2006/relationships" xmlns:mc="http://schemas.openxmlformats.org/markup-compatibility/2006" xmlns:mv="urn:schemas-microsoft-com:mac:vml" xmlns:p="http://schemas.openxmlformats.org/presentationml/2006/main" xmlns:c="http://schemas.openxmlformats.org/drawingml/2006/chart" xmlns:dgm="http://schemas.openxmlformats.org/drawingml/2006/diagram" xmlns:o="urn:schemas-microsoft-com:office:office" xmlns:v="urn:schemas-microsoft-com:vml" xmlns:pvml="urn:schemas-microsoft-com:office:powerpoint" xmlns:com="http://schemas.openxmlformats.org/drawingml/2006/compatibility" xmlns:p14="http://schemas.microsoft.com/office/powerpoint/2010/main" xmlns:p15="http://schemas.microsoft.com/office/powerpoint/2012/main" xmlns:ahyp="http://schemas.microsoft.com/office/drawing/2018/hyperlinkcolor">
+<p:sld xmlns:a="http://schemas.openxmlformats.org/drawingml/2006/main" xmlns:r="http://schemas.openxmlformats.org/officeDocument/2006/relationships" xmlns:p="http://schemas.openxmlformats.org/presentationml/2006/main">
   <p:cSld>
     <p:spTree>
       <p:nvGrpSpPr>
-        <p:cNvPr id="11" name="Shape 11"/>
+        <p:cNvPr id="1" name="Shape 11"/>
         <p:cNvGrpSpPr/>
         <p:nvPr/>
       </p:nvGrpSpPr>
@@ -3418,12 +3508,12 @@
           </a:ln>
         </p:spPr>
         <p:txBody>
-          <a:bodyPr anchorCtr="0" anchor="t" bIns="45700" lIns="91425" spcFirstLastPara="1" rIns="91425" wrap="square" tIns="45700">
+          <a:bodyPr spcFirstLastPara="1" wrap="square" lIns="91425" tIns="45700" rIns="91425" bIns="45700" anchor="t" anchorCtr="0">
             <a:noAutofit/>
           </a:bodyPr>
           <a:lstStyle/>
           <a:p>
-            <a:pPr indent="0" lvl="0" marL="0" marR="0" rtl="0" algn="ctr">
+            <a:pPr marL="0" marR="0" lvl="0" indent="0" algn="ctr" rtl="0">
               <a:lnSpc>
                 <a:spcPct val="124995"/>
               </a:lnSpc>
@@ -3441,7 +3531,7 @@
               <a:buNone/>
             </a:pPr>
             <a:r>
-              <a:rPr b="1" i="0" lang="en-US" sz="5249" u="none" cap="none" strike="noStrike">
+              <a:rPr lang="en-US" sz="5249" b="1" i="0" u="none" strike="noStrike" cap="none" dirty="0" err="1">
                 <a:solidFill>
                   <a:srgbClr val="000000"/>
                 </a:solidFill>
@@ -3450,9 +3540,57 @@
                 <a:cs typeface="Calibri"/>
                 <a:sym typeface="Calibri"/>
               </a:rPr>
-              <a:t>실무 과제 안내</a:t>
-            </a:r>
-            <a:endParaRPr b="0" i="0" sz="5249" u="none" cap="none" strike="noStrike">
+              <a:t>실무</a:t>
+            </a:r>
+            <a:r>
+              <a:rPr lang="en-US" sz="5249" b="1" i="0" u="none" strike="noStrike" cap="none" dirty="0">
+                <a:solidFill>
+                  <a:srgbClr val="000000"/>
+                </a:solidFill>
+                <a:latin typeface="Calibri"/>
+                <a:ea typeface="Calibri"/>
+                <a:cs typeface="Calibri"/>
+                <a:sym typeface="Calibri"/>
+              </a:rPr>
+              <a:t> </a:t>
+            </a:r>
+            <a:r>
+              <a:rPr lang="en-US" sz="5249" b="1" i="0" u="none" strike="noStrike" cap="none" dirty="0" err="1">
+                <a:solidFill>
+                  <a:srgbClr val="000000"/>
+                </a:solidFill>
+                <a:latin typeface="Calibri"/>
+                <a:ea typeface="Calibri"/>
+                <a:cs typeface="Calibri"/>
+                <a:sym typeface="Calibri"/>
+              </a:rPr>
+              <a:t>과제</a:t>
+            </a:r>
+            <a:r>
+              <a:rPr lang="en-US" sz="5249" b="1" i="0" u="none" strike="noStrike" cap="none" dirty="0">
+                <a:solidFill>
+                  <a:srgbClr val="000000"/>
+                </a:solidFill>
+                <a:latin typeface="Calibri"/>
+                <a:ea typeface="Calibri"/>
+                <a:cs typeface="Calibri"/>
+                <a:sym typeface="Calibri"/>
+              </a:rPr>
+              <a:t> </a:t>
+            </a:r>
+            <a:r>
+              <a:rPr lang="en-US" sz="5249" b="1" i="0" u="none" strike="noStrike" cap="none" dirty="0" err="1">
+                <a:solidFill>
+                  <a:srgbClr val="000000"/>
+                </a:solidFill>
+                <a:latin typeface="Calibri"/>
+                <a:ea typeface="Calibri"/>
+                <a:cs typeface="Calibri"/>
+                <a:sym typeface="Calibri"/>
+              </a:rPr>
+              <a:t>안내</a:t>
+            </a:r>
+            <a:endParaRPr sz="5249" b="0" i="0" u="none" strike="noStrike" cap="none" dirty="0">
               <a:solidFill>
                 <a:schemeClr val="dk1"/>
               </a:solidFill>
@@ -3484,12 +3622,12 @@
           </a:ln>
         </p:spPr>
         <p:txBody>
-          <a:bodyPr anchorCtr="0" anchor="t" bIns="45700" lIns="91425" spcFirstLastPara="1" rIns="91425" wrap="square" tIns="45700">
+          <a:bodyPr spcFirstLastPara="1" wrap="square" lIns="91425" tIns="45700" rIns="91425" bIns="45700" anchor="t" anchorCtr="0">
             <a:noAutofit/>
           </a:bodyPr>
           <a:lstStyle/>
           <a:p>
-            <a:pPr indent="0" lvl="0" marL="0" marR="0" rtl="0" algn="ctr">
+            <a:pPr marL="0" marR="0" lvl="0" indent="0" algn="ctr" rtl="0">
               <a:lnSpc>
                 <a:spcPct val="139181"/>
               </a:lnSpc>
@@ -3507,7 +3645,7 @@
               <a:buNone/>
             </a:pPr>
             <a:r>
-              <a:rPr b="1" i="0" lang="en-US" sz="2200" u="none" cap="none" strike="noStrike">
+              <a:rPr lang="en-US" sz="2200" b="1" i="0" u="none" strike="noStrike" cap="none">
                 <a:solidFill>
                   <a:srgbClr val="272525"/>
                 </a:solidFill>
@@ -3518,7 +3656,7 @@
               </a:rPr>
               <a:t>jay_</a:t>
             </a:r>
-            <a:endParaRPr b="0" i="0" sz="2200" u="none" cap="none" strike="noStrike">
+            <a:endParaRPr sz="2200" b="0" i="0" u="none" strike="noStrike" cap="none">
               <a:solidFill>
                 <a:schemeClr val="dk1"/>
               </a:solidFill>
@@ -3539,11 +3677,11 @@
 </file>
 
 <file path=ppt/slides/slide10.xml><?xml version="1.0" encoding="utf-8"?>
-<p:sld xmlns:a="http://schemas.openxmlformats.org/drawingml/2006/main" xmlns:r="http://schemas.openxmlformats.org/officeDocument/2006/relationships" xmlns:mc="http://schemas.openxmlformats.org/markup-compatibility/2006" xmlns:mv="urn:schemas-microsoft-com:mac:vml" xmlns:p="http://schemas.openxmlformats.org/presentationml/2006/main" xmlns:c="http://schemas.openxmlformats.org/drawingml/2006/chart" xmlns:dgm="http://schemas.openxmlformats.org/drawingml/2006/diagram" xmlns:o="urn:schemas-microsoft-com:office:office" xmlns:v="urn:schemas-microsoft-com:vml" xmlns:pvml="urn:schemas-microsoft-com:office:powerpoint" xmlns:com="http://schemas.openxmlformats.org/drawingml/2006/compatibility" xmlns:p14="http://schemas.microsoft.com/office/powerpoint/2010/main" xmlns:p15="http://schemas.microsoft.com/office/powerpoint/2012/main" xmlns:ahyp="http://schemas.microsoft.com/office/drawing/2018/hyperlinkcolor">
+<p:sld xmlns:a="http://schemas.openxmlformats.org/drawingml/2006/main" xmlns:r="http://schemas.openxmlformats.org/officeDocument/2006/relationships" xmlns:p="http://schemas.openxmlformats.org/presentationml/2006/main">
   <p:cSld>
     <p:spTree>
       <p:nvGrpSpPr>
-        <p:cNvPr id="166" name="Shape 166"/>
+        <p:cNvPr id="1" name="Shape 166"/>
         <p:cNvGrpSpPr/>
         <p:nvPr/>
       </p:nvGrpSpPr>
@@ -3575,12 +3713,12 @@
           </a:ln>
         </p:spPr>
         <p:txBody>
-          <a:bodyPr anchorCtr="0" anchor="t" bIns="45700" lIns="91425" spcFirstLastPara="1" rIns="91425" wrap="square" tIns="45700">
+          <a:bodyPr spcFirstLastPara="1" wrap="square" lIns="91425" tIns="45700" rIns="91425" bIns="45700" anchor="t" anchorCtr="0">
             <a:noAutofit/>
           </a:bodyPr>
           <a:lstStyle/>
           <a:p>
-            <a:pPr indent="0" lvl="0" marL="0" marR="0" rtl="0" algn="l">
+            <a:pPr marL="0" marR="0" lvl="0" indent="0" algn="l" rtl="0">
               <a:lnSpc>
                 <a:spcPct val="124272"/>
               </a:lnSpc>
@@ -3598,7 +3736,7 @@
               <a:buNone/>
             </a:pPr>
             <a:r>
-              <a:rPr b="1" lang="en-US" sz="2200">
+              <a:rPr lang="en-US" sz="2200" b="1">
                 <a:solidFill>
                   <a:schemeClr val="dk1"/>
                 </a:solidFill>
@@ -3641,12 +3779,12 @@
           </a:ln>
         </p:spPr>
         <p:txBody>
-          <a:bodyPr anchorCtr="0" anchor="t" bIns="45700" lIns="91425" spcFirstLastPara="1" rIns="91425" wrap="square" tIns="45700">
+          <a:bodyPr spcFirstLastPara="1" wrap="square" lIns="91425" tIns="45700" rIns="91425" bIns="45700" anchor="t" anchorCtr="0">
             <a:noAutofit/>
           </a:bodyPr>
           <a:lstStyle/>
           <a:p>
-            <a:pPr indent="0" lvl="0" marL="0" rtl="0" algn="l">
+            <a:pPr marL="0" lvl="0" indent="0" algn="l" rtl="0">
               <a:lnSpc>
                 <a:spcPct val="170875"/>
               </a:lnSpc>
@@ -3664,7 +3802,7 @@
               <a:buNone/>
             </a:pPr>
             <a:r>
-              <a:rPr b="1" lang="en-US" sz="1600">
+              <a:rPr lang="en-US" sz="1600" b="1">
                 <a:solidFill>
                   <a:schemeClr val="dk1"/>
                 </a:solidFill>
@@ -3707,12 +3845,12 @@
           </a:ln>
         </p:spPr>
         <p:txBody>
-          <a:bodyPr anchorCtr="0" anchor="t" bIns="45700" lIns="91425" spcFirstLastPara="1" rIns="91425" wrap="square" tIns="45700">
+          <a:bodyPr spcFirstLastPara="1" wrap="square" lIns="91425" tIns="45700" rIns="91425" bIns="45700" anchor="t" anchorCtr="0">
             <a:noAutofit/>
           </a:bodyPr>
           <a:lstStyle/>
           <a:p>
-            <a:pPr indent="0" lvl="0" marL="0" marR="0" rtl="0" algn="l">
+            <a:pPr marL="0" marR="0" lvl="0" indent="0" algn="l" rtl="0">
               <a:lnSpc>
                 <a:spcPct val="126318"/>
               </a:lnSpc>
@@ -3730,7 +3868,7 @@
               <a:buNone/>
             </a:pPr>
             <a:r>
-              <a:rPr b="1" lang="en-US" sz="2200">
+              <a:rPr lang="en-US" sz="2200" b="1">
                 <a:solidFill>
                   <a:schemeClr val="dk1"/>
                 </a:solidFill>
@@ -3773,12 +3911,12 @@
           </a:ln>
         </p:spPr>
         <p:txBody>
-          <a:bodyPr anchorCtr="0" anchor="t" bIns="45700" lIns="91425" spcFirstLastPara="1" rIns="91425" wrap="square" tIns="45700">
+          <a:bodyPr spcFirstLastPara="1" wrap="square" lIns="91425" tIns="45700" rIns="91425" bIns="45700" anchor="t" anchorCtr="0">
             <a:noAutofit/>
           </a:bodyPr>
           <a:lstStyle/>
           <a:p>
-            <a:pPr indent="0" lvl="0" marL="0" marR="0" rtl="0" algn="l">
+            <a:pPr marL="0" marR="0" lvl="0" indent="0" algn="l" rtl="0">
               <a:lnSpc>
                 <a:spcPct val="151444"/>
               </a:lnSpc>
@@ -3796,7 +3934,7 @@
               <a:buNone/>
             </a:pPr>
             <a:r>
-              <a:rPr b="1" lang="en-US" sz="3600">
+              <a:rPr lang="en-US" sz="3600" b="1">
                 <a:solidFill>
                   <a:schemeClr val="dk1"/>
                 </a:solidFill>
@@ -3839,12 +3977,12 @@
           </a:ln>
         </p:spPr>
         <p:txBody>
-          <a:bodyPr anchorCtr="0" anchor="t" bIns="45700" lIns="91425" spcFirstLastPara="1" rIns="91425" wrap="square" tIns="45700">
+          <a:bodyPr spcFirstLastPara="1" wrap="square" lIns="91425" tIns="45700" rIns="91425" bIns="45700" anchor="t" anchorCtr="0">
             <a:spAutoFit/>
           </a:bodyPr>
           <a:lstStyle/>
           <a:p>
-            <a:pPr indent="0" lvl="0" marL="0" marR="0" rtl="0" algn="l">
+            <a:pPr marL="0" marR="0" lvl="0" indent="0" algn="l" rtl="0">
               <a:lnSpc>
                 <a:spcPct val="174937"/>
               </a:lnSpc>
@@ -3876,7 +4014,7 @@
             <a:endParaRPr/>
           </a:p>
           <a:p>
-            <a:pPr indent="0" lvl="0" marL="0" marR="0" rtl="0" algn="l">
+            <a:pPr marL="0" marR="0" lvl="0" indent="0" algn="l" rtl="0">
               <a:lnSpc>
                 <a:spcPct val="174937"/>
               </a:lnSpc>
@@ -3930,13 +4068,25 @@
         <a:graphic>
           <a:graphicData uri="http://schemas.openxmlformats.org/drawingml/2006/table">
             <a:tbl>
-              <a:tblPr bandRow="1" firstRow="1">
+              <a:tblPr firstRow="1" bandRow="1">
                 <a:noFill/>
                 <a:tableStyleId>{F971A4A4-1EB2-4C0C-B97F-A777C13EA5F1}</a:tableStyleId>
               </a:tblPr>
               <a:tblGrid>
-                <a:gridCol w="530750"/>
-                <a:gridCol w="4405450"/>
+                <a:gridCol w="530750">
+                  <a:extLst>
+                    <a:ext uri="{9D8B030D-6E8A-4147-A177-3AD203B41FA5}">
+                      <a16:colId xmlns:a16="http://schemas.microsoft.com/office/drawing/2014/main" val="20000"/>
+                    </a:ext>
+                  </a:extLst>
+                </a:gridCol>
+                <a:gridCol w="4405450">
+                  <a:extLst>
+                    <a:ext uri="{9D8B030D-6E8A-4147-A177-3AD203B41FA5}">
+                      <a16:colId xmlns:a16="http://schemas.microsoft.com/office/drawing/2014/main" val="20001"/>
+                    </a:ext>
+                  </a:extLst>
+                </a:gridCol>
               </a:tblGrid>
               <a:tr h="645375">
                 <a:tc>
@@ -3944,7 +4094,7 @@
                     <a:bodyPr/>
                     <a:lstStyle/>
                     <a:p>
-                      <a:pPr indent="0" lvl="0" marL="0" marR="0" rtl="0" algn="ctr">
+                      <a:pPr marL="0" marR="0" lvl="0" indent="0" algn="ctr" rtl="0">
                         <a:lnSpc>
                           <a:spcPct val="150000"/>
                         </a:lnSpc>
@@ -3957,7 +4107,7 @@
                         <a:buNone/>
                       </a:pPr>
                       <a:r>
-                        <a:rPr b="1" lang="en-US" sz="1600" u="none" cap="none" strike="noStrike">
+                        <a:rPr lang="en-US" sz="1600" b="1" u="none" strike="noStrike" cap="none">
                           <a:solidFill>
                             <a:schemeClr val="dk1"/>
                           </a:solidFill>
@@ -3968,7 +4118,7 @@
                         </a:rPr>
                         <a:t>FR1</a:t>
                       </a:r>
-                      <a:endParaRPr b="1" sz="1600" u="none" cap="none" strike="noStrike">
+                      <a:endParaRPr sz="1600" b="1" u="none" strike="noStrike" cap="none">
                         <a:solidFill>
                           <a:schemeClr val="dk1"/>
                         </a:solidFill>
@@ -3979,7 +4129,7 @@
                       </a:endParaRPr>
                     </a:p>
                   </a:txBody>
-                  <a:tcPr marT="45725" marB="45725" marR="91450" marL="91450">
+                  <a:tcPr marL="91450" marR="91450" marT="45725" marB="45725">
                     <a:solidFill>
                       <a:srgbClr val="E0E0E0"/>
                     </a:solidFill>
@@ -3990,7 +4140,7 @@
                     <a:bodyPr/>
                     <a:lstStyle/>
                     <a:p>
-                      <a:pPr indent="0" lvl="0" marL="0" marR="0" rtl="0" algn="l">
+                      <a:pPr marL="0" marR="0" lvl="0" indent="0" algn="l" rtl="0">
                         <a:lnSpc>
                           <a:spcPct val="150000"/>
                         </a:lnSpc>
@@ -4008,7 +4158,7 @@
                         <a:buNone/>
                       </a:pPr>
                       <a:r>
-                        <a:rPr b="0" lang="en-US" sz="1600" u="none" cap="none" strike="noStrike">
+                        <a:rPr lang="en-US" sz="1600" b="0" u="none" strike="noStrike" cap="none">
                           <a:solidFill>
                             <a:srgbClr val="272525"/>
                           </a:solidFill>
@@ -4019,7 +4169,7 @@
                         </a:rPr>
                         <a:t>일정을 추가할 수 있어야 합니다.</a:t>
                       </a:r>
-                      <a:endParaRPr b="0" sz="1600" u="none" cap="none" strike="noStrike">
+                      <a:endParaRPr sz="1600" b="0" u="none" strike="noStrike" cap="none">
                         <a:solidFill>
                           <a:schemeClr val="lt1"/>
                         </a:solidFill>
@@ -4030,12 +4180,17 @@
                       </a:endParaRPr>
                     </a:p>
                   </a:txBody>
-                  <a:tcPr marT="45725" marB="45725" marR="91450" marL="91450">
+                  <a:tcPr marL="91450" marR="91450" marT="45725" marB="45725">
                     <a:solidFill>
                       <a:schemeClr val="lt1"/>
                     </a:solidFill>
                   </a:tcPr>
                 </a:tc>
+                <a:extLst>
+                  <a:ext uri="{0D108BD9-81ED-4DB2-BD59-A6C34878D82A}">
+                    <a16:rowId xmlns:a16="http://schemas.microsoft.com/office/drawing/2014/main" val="10000"/>
+                  </a:ext>
+                </a:extLst>
               </a:tr>
               <a:tr h="603975">
                 <a:tc>
@@ -4043,7 +4198,7 @@
                     <a:bodyPr/>
                     <a:lstStyle/>
                     <a:p>
-                      <a:pPr indent="0" lvl="0" marL="0" marR="0" rtl="0" algn="ctr">
+                      <a:pPr marL="0" marR="0" lvl="0" indent="0" algn="ctr" rtl="0">
                         <a:lnSpc>
                           <a:spcPct val="150000"/>
                         </a:lnSpc>
@@ -4061,7 +4216,7 @@
                         <a:buNone/>
                       </a:pPr>
                       <a:r>
-                        <a:rPr b="1" lang="en-US" sz="1600" u="none" cap="none" strike="noStrike">
+                        <a:rPr lang="en-US" sz="1600" b="1" u="none" strike="noStrike" cap="none">
                           <a:solidFill>
                             <a:schemeClr val="dk1"/>
                           </a:solidFill>
@@ -4072,7 +4227,7 @@
                         </a:rPr>
                         <a:t>FR2</a:t>
                       </a:r>
-                      <a:endParaRPr b="1" sz="1600" u="none" cap="none" strike="noStrike">
+                      <a:endParaRPr sz="1600" b="1" u="none" strike="noStrike" cap="none">
                         <a:solidFill>
                           <a:schemeClr val="dk1"/>
                         </a:solidFill>
@@ -4083,7 +4238,7 @@
                       </a:endParaRPr>
                     </a:p>
                   </a:txBody>
-                  <a:tcPr marT="45725" marB="45725" marR="91450" marL="91450">
+                  <a:tcPr marL="91450" marR="91450" marT="45725" marB="45725">
                     <a:solidFill>
                       <a:srgbClr val="E0E0E0"/>
                     </a:solidFill>
@@ -4094,7 +4249,7 @@
                     <a:bodyPr/>
                     <a:lstStyle/>
                     <a:p>
-                      <a:pPr indent="0" lvl="0" marL="0" marR="0" rtl="0" algn="l">
+                      <a:pPr marL="0" marR="0" lvl="0" indent="0" algn="l" rtl="0">
                         <a:lnSpc>
                           <a:spcPct val="150000"/>
                         </a:lnSpc>
@@ -4112,7 +4267,7 @@
                         <a:buNone/>
                       </a:pPr>
                       <a:r>
-                        <a:rPr lang="en-US" sz="1600" u="none" cap="none" strike="noStrike">
+                        <a:rPr lang="en-US" sz="1600" u="none" strike="noStrike" cap="none">
                           <a:solidFill>
                             <a:srgbClr val="272525"/>
                           </a:solidFill>
@@ -4123,7 +4278,7 @@
                         </a:rPr>
                         <a:t>일정을 삭제할 수 있어야 합니다.</a:t>
                       </a:r>
-                      <a:endParaRPr sz="1600" u="none" cap="none" strike="noStrike">
+                      <a:endParaRPr sz="1600" u="none" strike="noStrike" cap="none">
                         <a:solidFill>
                           <a:schemeClr val="dk1"/>
                         </a:solidFill>
@@ -4134,12 +4289,17 @@
                       </a:endParaRPr>
                     </a:p>
                   </a:txBody>
-                  <a:tcPr marT="45725" marB="45725" marR="91450" marL="91450">
+                  <a:tcPr marL="91450" marR="91450" marT="45725" marB="45725">
                     <a:solidFill>
                       <a:schemeClr val="lt1"/>
                     </a:solidFill>
                   </a:tcPr>
                 </a:tc>
+                <a:extLst>
+                  <a:ext uri="{0D108BD9-81ED-4DB2-BD59-A6C34878D82A}">
+                    <a16:rowId xmlns:a16="http://schemas.microsoft.com/office/drawing/2014/main" val="10001"/>
+                  </a:ext>
+                </a:extLst>
               </a:tr>
             </a:tbl>
           </a:graphicData>
@@ -4165,12 +4325,12 @@
           </a:ln>
         </p:spPr>
         <p:txBody>
-          <a:bodyPr anchorCtr="0" anchor="t" bIns="45700" lIns="91425" spcFirstLastPara="1" rIns="91425" wrap="square" tIns="45700">
+          <a:bodyPr spcFirstLastPara="1" wrap="square" lIns="91425" tIns="45700" rIns="91425" bIns="45700" anchor="t" anchorCtr="0">
             <a:noAutofit/>
           </a:bodyPr>
           <a:lstStyle/>
           <a:p>
-            <a:pPr indent="0" lvl="0" marL="0" marR="0" rtl="0" algn="l">
+            <a:pPr marL="0" marR="0" lvl="0" indent="0" algn="l" rtl="0">
               <a:lnSpc>
                 <a:spcPct val="124272"/>
               </a:lnSpc>
@@ -4188,7 +4348,7 @@
               <a:buNone/>
             </a:pPr>
             <a:r>
-              <a:rPr b="1" lang="en-US" sz="2200">
+              <a:rPr lang="en-US" sz="2200" b="1">
                 <a:solidFill>
                   <a:srgbClr val="000000"/>
                 </a:solidFill>
@@ -4231,12 +4391,12 @@
           </a:ln>
         </p:spPr>
         <p:txBody>
-          <a:bodyPr anchorCtr="0" anchor="t" bIns="45700" lIns="91425" spcFirstLastPara="1" rIns="91425" wrap="square" tIns="45700">
+          <a:bodyPr spcFirstLastPara="1" wrap="square" lIns="91425" tIns="45700" rIns="91425" bIns="45700" anchor="t" anchorCtr="0">
             <a:noAutofit/>
           </a:bodyPr>
           <a:lstStyle/>
           <a:p>
-            <a:pPr indent="0" lvl="0" marL="0" marR="0" rtl="0" algn="l">
+            <a:pPr marL="0" marR="0" lvl="0" indent="0" algn="l" rtl="0">
               <a:lnSpc>
                 <a:spcPct val="170875"/>
               </a:lnSpc>
@@ -4254,7 +4414,7 @@
               <a:buNone/>
             </a:pPr>
             <a:r>
-              <a:rPr b="1" lang="en-US" sz="1600">
+              <a:rPr lang="en-US" sz="1600" b="1">
                 <a:solidFill>
                   <a:srgbClr val="000000"/>
                 </a:solidFill>
@@ -4266,7 +4426,7 @@
               <a:t>요구사항(</a:t>
             </a:r>
             <a:r>
-              <a:rPr b="1" lang="en-US" sz="1600">
+              <a:rPr lang="en-US" sz="1600" b="1">
                 <a:latin typeface="Calibri"/>
                 <a:ea typeface="Calibri"/>
                 <a:cs typeface="Calibri"/>
@@ -4299,13 +4459,25 @@
         <a:graphic>
           <a:graphicData uri="http://schemas.openxmlformats.org/drawingml/2006/table">
             <a:tbl>
-              <a:tblPr bandRow="1" firstRow="1">
+              <a:tblPr firstRow="1" bandRow="1">
                 <a:noFill/>
                 <a:tableStyleId>{F971A4A4-1EB2-4C0C-B97F-A777C13EA5F1}</a:tableStyleId>
               </a:tblPr>
               <a:tblGrid>
-                <a:gridCol w="596025"/>
-                <a:gridCol w="4947100"/>
+                <a:gridCol w="596025">
+                  <a:extLst>
+                    <a:ext uri="{9D8B030D-6E8A-4147-A177-3AD203B41FA5}">
+                      <a16:colId xmlns:a16="http://schemas.microsoft.com/office/drawing/2014/main" val="20000"/>
+                    </a:ext>
+                  </a:extLst>
+                </a:gridCol>
+                <a:gridCol w="4947100">
+                  <a:extLst>
+                    <a:ext uri="{9D8B030D-6E8A-4147-A177-3AD203B41FA5}">
+                      <a16:colId xmlns:a16="http://schemas.microsoft.com/office/drawing/2014/main" val="20001"/>
+                    </a:ext>
+                  </a:extLst>
+                </a:gridCol>
               </a:tblGrid>
               <a:tr h="668100">
                 <a:tc>
@@ -4313,7 +4485,7 @@
                     <a:bodyPr/>
                     <a:lstStyle/>
                     <a:p>
-                      <a:pPr indent="0" lvl="0" marL="0" marR="0" rtl="0" algn="ctr">
+                      <a:pPr marL="0" marR="0" lvl="0" indent="0" algn="ctr" rtl="0">
                         <a:lnSpc>
                           <a:spcPct val="150000"/>
                         </a:lnSpc>
@@ -4326,7 +4498,7 @@
                         <a:buNone/>
                       </a:pPr>
                       <a:r>
-                        <a:rPr b="1" lang="en-US" sz="1600" u="none" cap="none" strike="noStrike">
+                        <a:rPr lang="en-US" sz="1600" b="1" u="none" strike="noStrike" cap="none">
                           <a:solidFill>
                             <a:schemeClr val="dk1"/>
                           </a:solidFill>
@@ -4337,7 +4509,7 @@
                         </a:rPr>
                         <a:t>FR1</a:t>
                       </a:r>
-                      <a:endParaRPr b="1" sz="1600" u="none" cap="none" strike="noStrike">
+                      <a:endParaRPr sz="1600" b="1" u="none" strike="noStrike" cap="none">
                         <a:solidFill>
                           <a:schemeClr val="dk1"/>
                         </a:solidFill>
@@ -4348,7 +4520,7 @@
                       </a:endParaRPr>
                     </a:p>
                   </a:txBody>
-                  <a:tcPr marT="45725" marB="45725" marR="91450" marL="91450">
+                  <a:tcPr marL="91450" marR="91450" marT="45725" marB="45725">
                     <a:solidFill>
                       <a:srgbClr val="E0E0E0"/>
                     </a:solidFill>
@@ -4359,7 +4531,7 @@
                     <a:bodyPr/>
                     <a:lstStyle/>
                     <a:p>
-                      <a:pPr indent="0" lvl="0" marL="0" marR="0" rtl="0" algn="l">
+                      <a:pPr marL="0" marR="0" lvl="0" indent="0" algn="l" rtl="0">
                         <a:lnSpc>
                           <a:spcPct val="150000"/>
                         </a:lnSpc>
@@ -4377,7 +4549,7 @@
                         <a:buNone/>
                       </a:pPr>
                       <a:r>
-                        <a:rPr b="0" lang="en-US" sz="1600" u="none" cap="none" strike="noStrike">
+                        <a:rPr lang="en-US" sz="1600" b="0" u="none" strike="noStrike" cap="none">
                           <a:solidFill>
                             <a:schemeClr val="dk1"/>
                           </a:solidFill>
@@ -4388,7 +4560,7 @@
                         </a:rPr>
                         <a:t>아이디 중복 체크가 되어야 합니다.</a:t>
                       </a:r>
-                      <a:endParaRPr b="0" sz="1600" u="none" cap="none" strike="noStrike">
+                      <a:endParaRPr sz="1600" b="0" u="none" strike="noStrike" cap="none">
                         <a:solidFill>
                           <a:schemeClr val="dk1"/>
                         </a:solidFill>
@@ -4399,12 +4571,17 @@
                       </a:endParaRPr>
                     </a:p>
                   </a:txBody>
-                  <a:tcPr marT="45725" marB="45725" marR="91450" marL="91450">
+                  <a:tcPr marL="91450" marR="91450" marT="45725" marB="45725">
                     <a:solidFill>
                       <a:schemeClr val="lt1"/>
                     </a:solidFill>
                   </a:tcPr>
                 </a:tc>
+                <a:extLst>
+                  <a:ext uri="{0D108BD9-81ED-4DB2-BD59-A6C34878D82A}">
+                    <a16:rowId xmlns:a16="http://schemas.microsoft.com/office/drawing/2014/main" val="10000"/>
+                  </a:ext>
+                </a:extLst>
               </a:tr>
               <a:tr h="625250">
                 <a:tc>
@@ -4412,7 +4589,7 @@
                     <a:bodyPr/>
                     <a:lstStyle/>
                     <a:p>
-                      <a:pPr indent="0" lvl="0" marL="0" marR="0" rtl="0" algn="ctr">
+                      <a:pPr marL="0" marR="0" lvl="0" indent="0" algn="ctr" rtl="0">
                         <a:lnSpc>
                           <a:spcPct val="150000"/>
                         </a:lnSpc>
@@ -4430,7 +4607,7 @@
                         <a:buNone/>
                       </a:pPr>
                       <a:r>
-                        <a:rPr b="1" lang="en-US" sz="1600" u="none" cap="none" strike="noStrike">
+                        <a:rPr lang="en-US" sz="1600" b="1" u="none" strike="noStrike" cap="none">
                           <a:solidFill>
                             <a:schemeClr val="dk1"/>
                           </a:solidFill>
@@ -4441,7 +4618,7 @@
                         </a:rPr>
                         <a:t>FR2</a:t>
                       </a:r>
-                      <a:endParaRPr b="1" sz="1600" u="none" cap="none" strike="noStrike">
+                      <a:endParaRPr sz="1600" b="1" u="none" strike="noStrike" cap="none">
                         <a:solidFill>
                           <a:schemeClr val="dk1"/>
                         </a:solidFill>
@@ -4452,7 +4629,7 @@
                       </a:endParaRPr>
                     </a:p>
                   </a:txBody>
-                  <a:tcPr marT="45725" marB="45725" marR="91450" marL="91450">
+                  <a:tcPr marL="91450" marR="91450" marT="45725" marB="45725">
                     <a:solidFill>
                       <a:srgbClr val="E0E0E0"/>
                     </a:solidFill>
@@ -4463,7 +4640,7 @@
                     <a:bodyPr/>
                     <a:lstStyle/>
                     <a:p>
-                      <a:pPr indent="0" lvl="0" marL="0" marR="0" rtl="0" algn="l">
+                      <a:pPr marL="0" marR="0" lvl="0" indent="0" algn="l" rtl="0">
                         <a:lnSpc>
                           <a:spcPct val="150000"/>
                         </a:lnSpc>
@@ -4481,7 +4658,7 @@
                         <a:buNone/>
                       </a:pPr>
                       <a:r>
-                        <a:rPr lang="en-US" sz="1600" u="none" cap="none" strike="noStrike">
+                        <a:rPr lang="en-US" sz="1600" u="none" strike="noStrike" cap="none">
                           <a:solidFill>
                             <a:schemeClr val="dk1"/>
                           </a:solidFill>
@@ -4492,7 +4669,7 @@
                         </a:rPr>
                         <a:t>비밀번호에 본인만의 규칙을 만들어주세요. </a:t>
                       </a:r>
-                      <a:endParaRPr sz="1600" u="none" cap="none" strike="noStrike">
+                      <a:endParaRPr sz="1600" u="none" strike="noStrike" cap="none">
                         <a:solidFill>
                           <a:schemeClr val="dk1"/>
                         </a:solidFill>
@@ -4503,7 +4680,7 @@
                       </a:endParaRPr>
                     </a:p>
                     <a:p>
-                      <a:pPr indent="0" lvl="0" marL="0" marR="0" rtl="0" algn="l">
+                      <a:pPr marL="0" marR="0" lvl="0" indent="0" algn="l" rtl="0">
                         <a:lnSpc>
                           <a:spcPct val="150000"/>
                         </a:lnSpc>
@@ -4521,7 +4698,7 @@
                         <a:buNone/>
                       </a:pPr>
                       <a:r>
-                        <a:rPr lang="en-US" sz="1600" u="none" cap="none" strike="noStrike">
+                        <a:rPr lang="en-US" sz="1600" u="none" strike="noStrike" cap="none">
                           <a:solidFill>
                             <a:schemeClr val="dk1"/>
                           </a:solidFill>
@@ -4535,12 +4712,17 @@
                       <a:endParaRPr/>
                     </a:p>
                   </a:txBody>
-                  <a:tcPr marT="45725" marB="45725" marR="91450" marL="91450">
+                  <a:tcPr marL="91450" marR="91450" marT="45725" marB="45725">
                     <a:solidFill>
                       <a:schemeClr val="lt1"/>
                     </a:solidFill>
                   </a:tcPr>
                 </a:tc>
+                <a:extLst>
+                  <a:ext uri="{0D108BD9-81ED-4DB2-BD59-A6C34878D82A}">
+                    <a16:rowId xmlns:a16="http://schemas.microsoft.com/office/drawing/2014/main" val="10001"/>
+                  </a:ext>
+                </a:extLst>
               </a:tr>
             </a:tbl>
           </a:graphicData>
@@ -4566,12 +4748,12 @@
           </a:ln>
         </p:spPr>
         <p:txBody>
-          <a:bodyPr anchorCtr="0" anchor="t" bIns="45700" lIns="91425" spcFirstLastPara="1" rIns="91425" wrap="square" tIns="45700">
+          <a:bodyPr spcFirstLastPara="1" wrap="square" lIns="91425" tIns="45700" rIns="91425" bIns="45700" anchor="t" anchorCtr="0">
             <a:noAutofit/>
           </a:bodyPr>
           <a:lstStyle/>
           <a:p>
-            <a:pPr indent="0" lvl="0" marL="0" marR="0" rtl="0" algn="l">
+            <a:pPr marL="0" marR="0" lvl="0" indent="0" algn="l" rtl="0">
               <a:lnSpc>
                 <a:spcPct val="124272"/>
               </a:lnSpc>
@@ -4589,7 +4771,7 @@
               <a:buNone/>
             </a:pPr>
             <a:r>
-              <a:rPr b="1" lang="en-US" sz="2200">
+              <a:rPr lang="en-US" sz="2200" b="1">
                 <a:solidFill>
                   <a:srgbClr val="000000"/>
                 </a:solidFill>
@@ -4625,40 +4807,37 @@
           </a:xfrm>
           <a:prstGeom prst="roundRect">
             <a:avLst>
-              <a:gd fmla="val 2829" name="adj"/>
+              <a:gd name="adj" fmla="val 2829"/>
             </a:avLst>
           </a:prstGeom>
           <a:solidFill>
             <a:srgbClr val="E0E0E0"/>
           </a:solidFill>
-          <a:ln cap="flat" cmpd="sng" w="9525">
+          <a:ln w="9525" cap="flat" cmpd="sng">
             <a:solidFill>
               <a:srgbClr val="B5B7E3"/>
             </a:solidFill>
             <a:prstDash val="solid"/>
             <a:round/>
-            <a:headEnd len="sm" w="sm" type="none"/>
-            <a:tailEnd len="sm" w="sm" type="none"/>
+            <a:headEnd type="none" w="sm" len="sm"/>
+            <a:tailEnd type="none" w="sm" len="sm"/>
           </a:ln>
         </p:spPr>
         <p:txBody>
-          <a:bodyPr anchorCtr="0" anchor="ctr" bIns="91425" lIns="91425" spcFirstLastPara="1" rIns="91425" wrap="square" tIns="91425">
+          <a:bodyPr spcFirstLastPara="1" wrap="square" lIns="91425" tIns="91425" rIns="91425" bIns="91425" anchor="ctr" anchorCtr="0">
             <a:noAutofit/>
           </a:bodyPr>
           <a:lstStyle/>
           <a:p>
-            <a:pPr indent="0" lvl="0" marL="0" rtl="0" algn="l">
-              <a:spcBef>
-                <a:spcPts val="0"/>
-              </a:spcBef>
-              <a:spcAft>
-                <a:spcPts val="0"/>
-              </a:spcAft>
-              <a:buNone/>
-            </a:pPr>
-            <a:r>
-              <a:t/>
-            </a:r>
+            <a:pPr marL="0" lvl="0" indent="0" algn="l" rtl="0">
+              <a:spcBef>
+                <a:spcPts val="0"/>
+              </a:spcBef>
+              <a:spcAft>
+                <a:spcPts val="0"/>
+              </a:spcAft>
+              <a:buNone/>
+            </a:pPr>
             <a:endParaRPr/>
           </a:p>
         </p:txBody>
@@ -4676,40 +4855,37 @@
           </a:xfrm>
           <a:prstGeom prst="roundRect">
             <a:avLst>
-              <a:gd fmla="val 2829" name="adj"/>
+              <a:gd name="adj" fmla="val 2829"/>
             </a:avLst>
           </a:prstGeom>
           <a:solidFill>
             <a:srgbClr val="E0E0E0"/>
           </a:solidFill>
-          <a:ln cap="flat" cmpd="sng" w="9525">
+          <a:ln w="9525" cap="flat" cmpd="sng">
             <a:solidFill>
               <a:srgbClr val="B5B7E3"/>
             </a:solidFill>
             <a:prstDash val="solid"/>
             <a:round/>
-            <a:headEnd len="sm" w="sm" type="none"/>
-            <a:tailEnd len="sm" w="sm" type="none"/>
+            <a:headEnd type="none" w="sm" len="sm"/>
+            <a:tailEnd type="none" w="sm" len="sm"/>
           </a:ln>
         </p:spPr>
         <p:txBody>
-          <a:bodyPr anchorCtr="0" anchor="ctr" bIns="91425" lIns="91425" spcFirstLastPara="1" rIns="91425" wrap="square" tIns="91425">
+          <a:bodyPr spcFirstLastPara="1" wrap="square" lIns="91425" tIns="91425" rIns="91425" bIns="91425" anchor="ctr" anchorCtr="0">
             <a:noAutofit/>
           </a:bodyPr>
           <a:lstStyle/>
           <a:p>
-            <a:pPr indent="0" lvl="0" marL="0" rtl="0" algn="l">
-              <a:spcBef>
-                <a:spcPts val="0"/>
-              </a:spcBef>
-              <a:spcAft>
-                <a:spcPts val="0"/>
-              </a:spcAft>
-              <a:buNone/>
-            </a:pPr>
-            <a:r>
-              <a:t/>
-            </a:r>
+            <a:pPr marL="0" lvl="0" indent="0" algn="l" rtl="0">
+              <a:spcBef>
+                <a:spcPts val="0"/>
+              </a:spcBef>
+              <a:spcAft>
+                <a:spcPts val="0"/>
+              </a:spcAft>
+              <a:buNone/>
+            </a:pPr>
             <a:endParaRPr/>
           </a:p>
         </p:txBody>
@@ -4736,12 +4912,12 @@
           </a:ln>
         </p:spPr>
         <p:txBody>
-          <a:bodyPr anchorCtr="0" anchor="t" bIns="45700" lIns="91425" spcFirstLastPara="1" rIns="91425" wrap="square" tIns="45700">
+          <a:bodyPr spcFirstLastPara="1" wrap="square" lIns="91425" tIns="45700" rIns="91425" bIns="45700" anchor="t" anchorCtr="0">
             <a:spAutoFit/>
           </a:bodyPr>
           <a:lstStyle/>
           <a:p>
-            <a:pPr indent="0" lvl="0" marL="0" marR="0" rtl="0" algn="l">
+            <a:pPr marL="0" marR="0" lvl="0" indent="0" algn="l" rtl="0">
               <a:lnSpc>
                 <a:spcPct val="130000"/>
               </a:lnSpc>
@@ -4754,7 +4930,7 @@
               <a:buNone/>
             </a:pPr>
             <a:r>
-              <a:rPr b="1" lang="en-US" sz="1800">
+              <a:rPr lang="en-US" sz="1800" b="1">
                 <a:solidFill>
                   <a:srgbClr val="272525"/>
                 </a:solidFill>
@@ -4765,7 +4941,7 @@
               </a:rPr>
               <a:t>repository 주소</a:t>
             </a:r>
-            <a:endParaRPr b="1" sz="1800">
+            <a:endParaRPr sz="1800" b="1">
               <a:solidFill>
                 <a:srgbClr val="272525"/>
               </a:solidFill>
@@ -4776,7 +4952,7 @@
             </a:endParaRPr>
           </a:p>
           <a:p>
-            <a:pPr indent="0" lvl="0" marL="0" marR="0" rtl="0" algn="l">
+            <a:pPr marL="0" marR="0" lvl="0" indent="0" algn="l" rtl="0">
               <a:lnSpc>
                 <a:spcPct val="130000"/>
               </a:lnSpc>
@@ -4816,7 +4992,7 @@
             </a:endParaRPr>
           </a:p>
           <a:p>
-            <a:pPr indent="0" lvl="0" marL="0" marR="0" rtl="0" algn="l">
+            <a:pPr marL="0" marR="0" lvl="0" indent="0" algn="l" rtl="0">
               <a:lnSpc>
                 <a:spcPct val="130000"/>
               </a:lnSpc>
@@ -4841,7 +5017,7 @@
               <a:t>(Project 1/2 는 </a:t>
             </a:r>
             <a:r>
-              <a:rPr b="1" lang="en-US" sz="1600">
+              <a:rPr lang="en-US" sz="1600" b="1">
                 <a:solidFill>
                   <a:srgbClr val="272525"/>
                 </a:solidFill>
@@ -4898,12 +5074,12 @@
           </a:ln>
         </p:spPr>
         <p:txBody>
-          <a:bodyPr anchorCtr="0" anchor="t" bIns="45700" lIns="91425" spcFirstLastPara="1" rIns="91425" wrap="square" tIns="45700">
+          <a:bodyPr spcFirstLastPara="1" wrap="square" lIns="91425" tIns="45700" rIns="91425" bIns="45700" anchor="t" anchorCtr="0">
             <a:spAutoFit/>
           </a:bodyPr>
           <a:lstStyle/>
           <a:p>
-            <a:pPr indent="0" lvl="0" marL="0" marR="0" rtl="0" algn="l">
+            <a:pPr marL="0" marR="0" lvl="0" indent="0" algn="l" rtl="0">
               <a:lnSpc>
                 <a:spcPct val="130000"/>
               </a:lnSpc>
@@ -4921,7 +5097,7 @@
               <a:buNone/>
             </a:pPr>
             <a:r>
-              <a:rPr b="1" lang="en-US" sz="1800">
+              <a:rPr lang="en-US" sz="1800" b="1">
                 <a:solidFill>
                   <a:srgbClr val="272525"/>
                 </a:solidFill>
@@ -4932,7 +5108,7 @@
               </a:rPr>
               <a:t>문서</a:t>
             </a:r>
-            <a:endParaRPr b="1" sz="1800">
+            <a:endParaRPr sz="1800" b="1">
               <a:solidFill>
                 <a:srgbClr val="272525"/>
               </a:solidFill>
@@ -4943,7 +5119,7 @@
             </a:endParaRPr>
           </a:p>
           <a:p>
-            <a:pPr indent="0" lvl="0" marL="0" marR="0" rtl="0" algn="l">
+            <a:pPr marL="0" marR="0" lvl="0" indent="0" algn="l" rtl="0">
               <a:lnSpc>
                 <a:spcPct val="130000"/>
               </a:lnSpc>
@@ -4975,7 +5151,7 @@
             <a:endParaRPr/>
           </a:p>
           <a:p>
-            <a:pPr indent="0" lvl="0" marL="0" marR="0" rtl="0" algn="l">
+            <a:pPr marL="0" marR="0" lvl="0" indent="0" algn="l" rtl="0">
               <a:lnSpc>
                 <a:spcPct val="130000"/>
               </a:lnSpc>
@@ -5005,7 +5181,7 @@
               <a:t>문서 각각 작성(</a:t>
             </a:r>
             <a:r>
-              <a:rPr b="1" lang="en-US" sz="1600">
+              <a:rPr lang="en-US" sz="1600" b="1">
                 <a:solidFill>
                   <a:srgbClr val="272525"/>
                 </a:solidFill>
@@ -5039,7 +5215,7 @@
             </a:endParaRPr>
           </a:p>
           <a:p>
-            <a:pPr indent="0" lvl="0" marL="0" marR="0" rtl="0" algn="l">
+            <a:pPr marL="0" marR="0" lvl="0" indent="0" algn="l" rtl="0">
               <a:lnSpc>
                 <a:spcPct val="130000"/>
               </a:lnSpc>
@@ -5090,11 +5266,11 @@
 </file>
 
 <file path=ppt/slides/slide11.xml><?xml version="1.0" encoding="utf-8"?>
-<p:sld xmlns:a="http://schemas.openxmlformats.org/drawingml/2006/main" xmlns:r="http://schemas.openxmlformats.org/officeDocument/2006/relationships" xmlns:mc="http://schemas.openxmlformats.org/markup-compatibility/2006" xmlns:mv="urn:schemas-microsoft-com:mac:vml" xmlns:p="http://schemas.openxmlformats.org/presentationml/2006/main" xmlns:c="http://schemas.openxmlformats.org/drawingml/2006/chart" xmlns:dgm="http://schemas.openxmlformats.org/drawingml/2006/diagram" xmlns:o="urn:schemas-microsoft-com:office:office" xmlns:v="urn:schemas-microsoft-com:vml" xmlns:pvml="urn:schemas-microsoft-com:office:powerpoint" xmlns:com="http://schemas.openxmlformats.org/drawingml/2006/compatibility" xmlns:p14="http://schemas.microsoft.com/office/powerpoint/2010/main" xmlns:p15="http://schemas.microsoft.com/office/powerpoint/2012/main" xmlns:ahyp="http://schemas.microsoft.com/office/drawing/2018/hyperlinkcolor">
+<p:sld xmlns:a="http://schemas.openxmlformats.org/drawingml/2006/main" xmlns:r="http://schemas.openxmlformats.org/officeDocument/2006/relationships" xmlns:p="http://schemas.openxmlformats.org/presentationml/2006/main">
   <p:cSld>
     <p:spTree>
       <p:nvGrpSpPr>
-        <p:cNvPr id="185" name="Shape 185"/>
+        <p:cNvPr id="1" name="Shape 185"/>
         <p:cNvGrpSpPr/>
         <p:nvPr/>
       </p:nvGrpSpPr>
@@ -5126,12 +5302,12 @@
           </a:ln>
         </p:spPr>
         <p:txBody>
-          <a:bodyPr anchorCtr="0" anchor="t" bIns="45700" lIns="91425" spcFirstLastPara="1" rIns="91425" wrap="square" tIns="45700">
+          <a:bodyPr spcFirstLastPara="1" wrap="square" lIns="91425" tIns="45700" rIns="91425" bIns="45700" anchor="t" anchorCtr="0">
             <a:noAutofit/>
           </a:bodyPr>
           <a:lstStyle/>
           <a:p>
-            <a:pPr indent="0" lvl="0" marL="0" marR="0" rtl="0" algn="l">
+            <a:pPr marL="0" marR="0" lvl="0" indent="0" algn="l" rtl="0">
               <a:lnSpc>
                 <a:spcPct val="124272"/>
               </a:lnSpc>
@@ -5149,7 +5325,7 @@
               <a:buNone/>
             </a:pPr>
             <a:r>
-              <a:rPr b="1" lang="en-US" sz="4400">
+              <a:rPr lang="en-US" sz="4400" b="1">
                 <a:solidFill>
                   <a:srgbClr val="000000"/>
                 </a:solidFill>
@@ -5192,12 +5368,12 @@
           </a:ln>
         </p:spPr>
         <p:txBody>
-          <a:bodyPr anchorCtr="0" anchor="t" bIns="45700" lIns="91425" spcFirstLastPara="1" rIns="91425" wrap="square" tIns="45700">
+          <a:bodyPr spcFirstLastPara="1" wrap="square" lIns="91425" tIns="45700" rIns="91425" bIns="45700" anchor="t" anchorCtr="0">
             <a:spAutoFit/>
           </a:bodyPr>
           <a:lstStyle/>
           <a:p>
-            <a:pPr indent="0" lvl="0" marL="0" marR="0" rtl="0" algn="l">
+            <a:pPr marL="0" marR="0" lvl="0" indent="0" algn="l" rtl="0">
               <a:lnSpc>
                 <a:spcPct val="150000"/>
               </a:lnSpc>
@@ -5237,7 +5413,7 @@
             </a:endParaRPr>
           </a:p>
           <a:p>
-            <a:pPr indent="0" lvl="0" marL="0" marR="0" rtl="0" algn="l">
+            <a:pPr marL="0" marR="0" lvl="0" indent="0" algn="l" rtl="0">
               <a:lnSpc>
                 <a:spcPct val="150000"/>
               </a:lnSpc>
@@ -5288,11 +5464,11 @@
 </file>
 
 <file path=ppt/slides/slide2.xml><?xml version="1.0" encoding="utf-8"?>
-<p:sld xmlns:a="http://schemas.openxmlformats.org/drawingml/2006/main" xmlns:r="http://schemas.openxmlformats.org/officeDocument/2006/relationships" xmlns:mc="http://schemas.openxmlformats.org/markup-compatibility/2006" xmlns:mv="urn:schemas-microsoft-com:mac:vml" xmlns:p="http://schemas.openxmlformats.org/presentationml/2006/main" xmlns:c="http://schemas.openxmlformats.org/drawingml/2006/chart" xmlns:dgm="http://schemas.openxmlformats.org/drawingml/2006/diagram" xmlns:o="urn:schemas-microsoft-com:office:office" xmlns:v="urn:schemas-microsoft-com:vml" xmlns:pvml="urn:schemas-microsoft-com:office:powerpoint" xmlns:com="http://schemas.openxmlformats.org/drawingml/2006/compatibility" xmlns:p14="http://schemas.microsoft.com/office/powerpoint/2010/main" xmlns:p15="http://schemas.microsoft.com/office/powerpoint/2012/main" xmlns:ahyp="http://schemas.microsoft.com/office/drawing/2018/hyperlinkcolor">
+<p:sld xmlns:a="http://schemas.openxmlformats.org/drawingml/2006/main" xmlns:r="http://schemas.openxmlformats.org/officeDocument/2006/relationships" xmlns:p="http://schemas.openxmlformats.org/presentationml/2006/main">
   <p:cSld>
     <p:spTree>
       <p:nvGrpSpPr>
-        <p:cNvPr id="18" name="Shape 18"/>
+        <p:cNvPr id="1" name="Shape 18"/>
         <p:cNvGrpSpPr/>
         <p:nvPr/>
       </p:nvGrpSpPr>
@@ -5326,23 +5502,20 @@
           </a:ln>
         </p:spPr>
         <p:txBody>
-          <a:bodyPr anchorCtr="0" anchor="ctr" bIns="91425" lIns="91425" spcFirstLastPara="1" rIns="91425" wrap="square" tIns="91425">
+          <a:bodyPr spcFirstLastPara="1" wrap="square" lIns="91425" tIns="91425" rIns="91425" bIns="91425" anchor="ctr" anchorCtr="0">
             <a:noAutofit/>
           </a:bodyPr>
           <a:lstStyle/>
           <a:p>
-            <a:pPr indent="0" lvl="0" marL="0" rtl="0" algn="l">
-              <a:spcBef>
-                <a:spcPts val="0"/>
-              </a:spcBef>
-              <a:spcAft>
-                <a:spcPts val="0"/>
-              </a:spcAft>
-              <a:buNone/>
-            </a:pPr>
-            <a:r>
-              <a:t/>
-            </a:r>
+            <a:pPr marL="0" lvl="0" indent="0" algn="l" rtl="0">
+              <a:spcBef>
+                <a:spcPts val="0"/>
+              </a:spcBef>
+              <a:spcAft>
+                <a:spcPts val="0"/>
+              </a:spcAft>
+              <a:buNone/>
+            </a:pPr>
             <a:endParaRPr/>
           </a:p>
         </p:txBody>
@@ -5369,23 +5542,20 @@
           </a:ln>
         </p:spPr>
         <p:txBody>
-          <a:bodyPr anchorCtr="0" anchor="ctr" bIns="91425" lIns="91425" spcFirstLastPara="1" rIns="91425" wrap="square" tIns="91425">
+          <a:bodyPr spcFirstLastPara="1" wrap="square" lIns="91425" tIns="91425" rIns="91425" bIns="91425" anchor="ctr" anchorCtr="0">
             <a:noAutofit/>
           </a:bodyPr>
           <a:lstStyle/>
           <a:p>
-            <a:pPr indent="0" lvl="0" marL="0" rtl="0" algn="l">
-              <a:spcBef>
-                <a:spcPts val="0"/>
-              </a:spcBef>
-              <a:spcAft>
-                <a:spcPts val="0"/>
-              </a:spcAft>
-              <a:buNone/>
-            </a:pPr>
-            <a:r>
-              <a:t/>
-            </a:r>
+            <a:pPr marL="0" lvl="0" indent="0" algn="l" rtl="0">
+              <a:spcBef>
+                <a:spcPts val="0"/>
+              </a:spcBef>
+              <a:spcAft>
+                <a:spcPts val="0"/>
+              </a:spcAft>
+              <a:buNone/>
+            </a:pPr>
             <a:endParaRPr/>
           </a:p>
         </p:txBody>
@@ -5403,40 +5573,37 @@
           </a:xfrm>
           <a:prstGeom prst="roundRect">
             <a:avLst>
-              <a:gd fmla="val 10974" name="adj"/>
+              <a:gd name="adj" fmla="val 10974"/>
             </a:avLst>
           </a:prstGeom>
           <a:solidFill>
             <a:srgbClr val="E0E0E0"/>
           </a:solidFill>
-          <a:ln cap="flat" cmpd="sng" w="9525">
+          <a:ln w="9525" cap="flat" cmpd="sng">
             <a:solidFill>
               <a:srgbClr val="B5B7E3"/>
             </a:solidFill>
             <a:prstDash val="solid"/>
             <a:round/>
-            <a:headEnd len="sm" w="sm" type="none"/>
-            <a:tailEnd len="sm" w="sm" type="none"/>
+            <a:headEnd type="none" w="sm" len="sm"/>
+            <a:tailEnd type="none" w="sm" len="sm"/>
           </a:ln>
         </p:spPr>
         <p:txBody>
-          <a:bodyPr anchorCtr="0" anchor="ctr" bIns="91425" lIns="91425" spcFirstLastPara="1" rIns="91425" wrap="square" tIns="91425">
+          <a:bodyPr spcFirstLastPara="1" wrap="square" lIns="91425" tIns="91425" rIns="91425" bIns="91425" anchor="ctr" anchorCtr="0">
             <a:noAutofit/>
           </a:bodyPr>
           <a:lstStyle/>
           <a:p>
-            <a:pPr indent="0" lvl="0" marL="0" rtl="0" algn="l">
-              <a:spcBef>
-                <a:spcPts val="0"/>
-              </a:spcBef>
-              <a:spcAft>
-                <a:spcPts val="0"/>
-              </a:spcAft>
-              <a:buNone/>
-            </a:pPr>
-            <a:r>
-              <a:t/>
-            </a:r>
+            <a:pPr marL="0" lvl="0" indent="0" algn="l" rtl="0">
+              <a:spcBef>
+                <a:spcPts val="0"/>
+              </a:spcBef>
+              <a:spcAft>
+                <a:spcPts val="0"/>
+              </a:spcAft>
+              <a:buNone/>
+            </a:pPr>
             <a:endParaRPr/>
           </a:p>
         </p:txBody>
@@ -5463,12 +5630,12 @@
           </a:ln>
         </p:spPr>
         <p:txBody>
-          <a:bodyPr anchorCtr="0" anchor="t" bIns="45700" lIns="91425" spcFirstLastPara="1" rIns="91425" wrap="square" tIns="45700">
+          <a:bodyPr spcFirstLastPara="1" wrap="square" lIns="91425" tIns="45700" rIns="91425" bIns="45700" anchor="t" anchorCtr="0">
             <a:noAutofit/>
           </a:bodyPr>
           <a:lstStyle/>
           <a:p>
-            <a:pPr indent="0" lvl="0" marL="0" marR="0" rtl="0" algn="ctr">
+            <a:pPr marL="0" marR="0" lvl="0" indent="0" algn="ctr" rtl="0">
               <a:lnSpc>
                 <a:spcPct val="125038"/>
               </a:lnSpc>
@@ -5486,7 +5653,7 @@
               <a:buNone/>
             </a:pPr>
             <a:r>
-              <a:rPr b="1" lang="en-US" sz="2624">
+              <a:rPr lang="en-US" sz="2624" b="1">
                 <a:solidFill>
                   <a:srgbClr val="272525"/>
                 </a:solidFill>
@@ -5529,12 +5696,12 @@
           </a:ln>
         </p:spPr>
         <p:txBody>
-          <a:bodyPr anchorCtr="0" anchor="t" bIns="45700" lIns="91425" spcFirstLastPara="1" rIns="91425" wrap="square" tIns="45700">
+          <a:bodyPr spcFirstLastPara="1" wrap="square" lIns="91425" tIns="45700" rIns="91425" bIns="45700" anchor="t" anchorCtr="0">
             <a:noAutofit/>
           </a:bodyPr>
           <a:lstStyle/>
           <a:p>
-            <a:pPr indent="0" lvl="0" marL="0" marR="0" rtl="0" algn="ctr">
+            <a:pPr marL="0" marR="0" lvl="0" indent="0" algn="ctr" rtl="0">
               <a:lnSpc>
                 <a:spcPct val="124272"/>
               </a:lnSpc>
@@ -5552,7 +5719,7 @@
               <a:buNone/>
             </a:pPr>
             <a:r>
-              <a:rPr b="1" lang="en-US" sz="2200">
+              <a:rPr lang="en-US" sz="2200" b="1">
                 <a:solidFill>
                   <a:srgbClr val="272525"/>
                 </a:solidFill>
@@ -5595,12 +5762,12 @@
           </a:ln>
         </p:spPr>
         <p:txBody>
-          <a:bodyPr anchorCtr="0" anchor="t" bIns="45700" lIns="91425" spcFirstLastPara="1" rIns="91425" wrap="square" tIns="45700">
+          <a:bodyPr spcFirstLastPara="1" wrap="square" lIns="91425" tIns="45700" rIns="91425" bIns="45700" anchor="t" anchorCtr="0">
             <a:noAutofit/>
           </a:bodyPr>
           <a:lstStyle/>
           <a:p>
-            <a:pPr indent="0" lvl="0" marL="0" marR="0" rtl="0" algn="ctr">
+            <a:pPr marL="0" marR="0" lvl="0" indent="0" algn="ctr" rtl="0">
               <a:lnSpc>
                 <a:spcPct val="155500"/>
               </a:lnSpc>
@@ -5663,23 +5830,20 @@
           </a:ln>
         </p:spPr>
         <p:txBody>
-          <a:bodyPr anchorCtr="0" anchor="ctr" bIns="91425" lIns="91425" spcFirstLastPara="1" rIns="91425" wrap="square" tIns="91425">
+          <a:bodyPr spcFirstLastPara="1" wrap="square" lIns="91425" tIns="91425" rIns="91425" bIns="91425" anchor="ctr" anchorCtr="0">
             <a:noAutofit/>
           </a:bodyPr>
           <a:lstStyle/>
           <a:p>
-            <a:pPr indent="0" lvl="0" marL="0" rtl="0" algn="l">
-              <a:spcBef>
-                <a:spcPts val="0"/>
-              </a:spcBef>
-              <a:spcAft>
-                <a:spcPts val="0"/>
-              </a:spcAft>
-              <a:buNone/>
-            </a:pPr>
-            <a:r>
-              <a:t/>
-            </a:r>
+            <a:pPr marL="0" lvl="0" indent="0" algn="l" rtl="0">
+              <a:spcBef>
+                <a:spcPts val="0"/>
+              </a:spcBef>
+              <a:spcAft>
+                <a:spcPts val="0"/>
+              </a:spcAft>
+              <a:buNone/>
+            </a:pPr>
             <a:endParaRPr/>
           </a:p>
         </p:txBody>
@@ -5697,40 +5861,37 @@
           </a:xfrm>
           <a:prstGeom prst="roundRect">
             <a:avLst>
-              <a:gd fmla="val 10974" name="adj"/>
+              <a:gd name="adj" fmla="val 10974"/>
             </a:avLst>
           </a:prstGeom>
           <a:solidFill>
             <a:srgbClr val="E0E0E0"/>
           </a:solidFill>
-          <a:ln cap="flat" cmpd="sng" w="9525">
+          <a:ln w="9525" cap="flat" cmpd="sng">
             <a:solidFill>
               <a:srgbClr val="B5B7E3"/>
             </a:solidFill>
             <a:prstDash val="solid"/>
             <a:round/>
-            <a:headEnd len="sm" w="sm" type="none"/>
-            <a:tailEnd len="sm" w="sm" type="none"/>
+            <a:headEnd type="none" w="sm" len="sm"/>
+            <a:tailEnd type="none" w="sm" len="sm"/>
           </a:ln>
         </p:spPr>
         <p:txBody>
-          <a:bodyPr anchorCtr="0" anchor="ctr" bIns="91425" lIns="91425" spcFirstLastPara="1" rIns="91425" wrap="square" tIns="91425">
+          <a:bodyPr spcFirstLastPara="1" wrap="square" lIns="91425" tIns="91425" rIns="91425" bIns="91425" anchor="ctr" anchorCtr="0">
             <a:noAutofit/>
           </a:bodyPr>
           <a:lstStyle/>
           <a:p>
-            <a:pPr indent="0" lvl="0" marL="0" rtl="0" algn="l">
-              <a:spcBef>
-                <a:spcPts val="0"/>
-              </a:spcBef>
-              <a:spcAft>
-                <a:spcPts val="0"/>
-              </a:spcAft>
-              <a:buNone/>
-            </a:pPr>
-            <a:r>
-              <a:t/>
-            </a:r>
+            <a:pPr marL="0" lvl="0" indent="0" algn="l" rtl="0">
+              <a:spcBef>
+                <a:spcPts val="0"/>
+              </a:spcBef>
+              <a:spcAft>
+                <a:spcPts val="0"/>
+              </a:spcAft>
+              <a:buNone/>
+            </a:pPr>
             <a:endParaRPr/>
           </a:p>
         </p:txBody>
@@ -5757,12 +5918,12 @@
           </a:ln>
         </p:spPr>
         <p:txBody>
-          <a:bodyPr anchorCtr="0" anchor="t" bIns="45700" lIns="91425" spcFirstLastPara="1" rIns="91425" wrap="square" tIns="45700">
+          <a:bodyPr spcFirstLastPara="1" wrap="square" lIns="91425" tIns="45700" rIns="91425" bIns="45700" anchor="t" anchorCtr="0">
             <a:noAutofit/>
           </a:bodyPr>
           <a:lstStyle/>
           <a:p>
-            <a:pPr indent="0" lvl="0" marL="0" marR="0" rtl="0" algn="ctr">
+            <a:pPr marL="0" marR="0" lvl="0" indent="0" algn="ctr" rtl="0">
               <a:lnSpc>
                 <a:spcPct val="125038"/>
               </a:lnSpc>
@@ -5780,7 +5941,7 @@
               <a:buNone/>
             </a:pPr>
             <a:r>
-              <a:rPr b="1" lang="en-US" sz="2624">
+              <a:rPr lang="en-US" sz="2624" b="1">
                 <a:solidFill>
                   <a:srgbClr val="272525"/>
                 </a:solidFill>
@@ -5823,12 +5984,12 @@
           </a:ln>
         </p:spPr>
         <p:txBody>
-          <a:bodyPr anchorCtr="0" anchor="t" bIns="45700" lIns="91425" spcFirstLastPara="1" rIns="91425" wrap="square" tIns="45700">
+          <a:bodyPr spcFirstLastPara="1" wrap="square" lIns="91425" tIns="45700" rIns="91425" bIns="45700" anchor="t" anchorCtr="0">
             <a:noAutofit/>
           </a:bodyPr>
           <a:lstStyle/>
           <a:p>
-            <a:pPr indent="0" lvl="0" marL="0" marR="0" rtl="0" algn="ctr">
+            <a:pPr marL="0" marR="0" lvl="0" indent="0" algn="ctr" rtl="0">
               <a:lnSpc>
                 <a:spcPct val="124272"/>
               </a:lnSpc>
@@ -5846,7 +6007,7 @@
               <a:buNone/>
             </a:pPr>
             <a:r>
-              <a:rPr b="1" lang="en-US" sz="2200">
+              <a:rPr lang="en-US" sz="2200" b="1" dirty="0">
                 <a:solidFill>
                   <a:srgbClr val="272525"/>
                 </a:solidFill>
@@ -5855,7 +6016,43 @@
                 <a:cs typeface="Calibri"/>
                 <a:sym typeface="Calibri"/>
               </a:rPr>
-              <a:t>{3,5}주차 발표</a:t>
+              <a:t>{3,5}</a:t>
+            </a:r>
+            <a:r>
+              <a:rPr lang="en-US" sz="2200" b="1" dirty="0" err="1">
+                <a:solidFill>
+                  <a:srgbClr val="272525"/>
+                </a:solidFill>
+                <a:latin typeface="Calibri"/>
+                <a:ea typeface="Calibri"/>
+                <a:cs typeface="Calibri"/>
+                <a:sym typeface="Calibri"/>
+              </a:rPr>
+              <a:t>주차</a:t>
+            </a:r>
+            <a:r>
+              <a:rPr lang="en-US" sz="2200" b="1" dirty="0">
+                <a:solidFill>
+                  <a:srgbClr val="272525"/>
+                </a:solidFill>
+                <a:latin typeface="Calibri"/>
+                <a:ea typeface="Calibri"/>
+                <a:cs typeface="Calibri"/>
+                <a:sym typeface="Calibri"/>
+              </a:rPr>
+              <a:t> </a:t>
+            </a:r>
+            <a:r>
+              <a:rPr lang="en-US" sz="2200" b="1">
+                <a:solidFill>
+                  <a:srgbClr val="272525"/>
+                </a:solidFill>
+                <a:latin typeface="Calibri"/>
+                <a:ea typeface="Calibri"/>
+                <a:cs typeface="Calibri"/>
+                <a:sym typeface="Calibri"/>
+              </a:rPr>
+              <a:t>발표</a:t>
             </a:r>
             <a:endParaRPr sz="2200">
               <a:solidFill>
@@ -5889,12 +6086,12 @@
           </a:ln>
         </p:spPr>
         <p:txBody>
-          <a:bodyPr anchorCtr="0" anchor="t" bIns="45700" lIns="91425" spcFirstLastPara="1" rIns="91425" wrap="square" tIns="45700">
+          <a:bodyPr spcFirstLastPara="1" wrap="square" lIns="91425" tIns="45700" rIns="91425" bIns="45700" anchor="t" anchorCtr="0">
             <a:noAutofit/>
           </a:bodyPr>
           <a:lstStyle/>
           <a:p>
-            <a:pPr indent="0" lvl="0" marL="0" marR="0" rtl="0" algn="ctr">
+            <a:pPr marL="0" marR="0" lvl="0" indent="0" algn="ctr" rtl="0">
               <a:lnSpc>
                 <a:spcPct val="155500"/>
               </a:lnSpc>
@@ -5957,23 +6154,20 @@
           </a:ln>
         </p:spPr>
         <p:txBody>
-          <a:bodyPr anchorCtr="0" anchor="ctr" bIns="91425" lIns="91425" spcFirstLastPara="1" rIns="91425" wrap="square" tIns="91425">
+          <a:bodyPr spcFirstLastPara="1" wrap="square" lIns="91425" tIns="91425" rIns="91425" bIns="91425" anchor="ctr" anchorCtr="0">
             <a:noAutofit/>
           </a:bodyPr>
           <a:lstStyle/>
           <a:p>
-            <a:pPr indent="0" lvl="0" marL="0" rtl="0" algn="l">
-              <a:spcBef>
-                <a:spcPts val="0"/>
-              </a:spcBef>
-              <a:spcAft>
-                <a:spcPts val="0"/>
-              </a:spcAft>
-              <a:buNone/>
-            </a:pPr>
-            <a:r>
-              <a:t/>
-            </a:r>
+            <a:pPr marL="0" lvl="0" indent="0" algn="l" rtl="0">
+              <a:spcBef>
+                <a:spcPts val="0"/>
+              </a:spcBef>
+              <a:spcAft>
+                <a:spcPts val="0"/>
+              </a:spcAft>
+              <a:buNone/>
+            </a:pPr>
             <a:endParaRPr/>
           </a:p>
         </p:txBody>
@@ -5991,40 +6185,37 @@
           </a:xfrm>
           <a:prstGeom prst="roundRect">
             <a:avLst>
-              <a:gd fmla="val 10974" name="adj"/>
+              <a:gd name="adj" fmla="val 10974"/>
             </a:avLst>
           </a:prstGeom>
           <a:solidFill>
             <a:srgbClr val="E0E0E0"/>
           </a:solidFill>
-          <a:ln cap="flat" cmpd="sng" w="9525">
+          <a:ln w="9525" cap="flat" cmpd="sng">
             <a:solidFill>
               <a:srgbClr val="B5B7E3"/>
             </a:solidFill>
             <a:prstDash val="solid"/>
             <a:round/>
-            <a:headEnd len="sm" w="sm" type="none"/>
-            <a:tailEnd len="sm" w="sm" type="none"/>
+            <a:headEnd type="none" w="sm" len="sm"/>
+            <a:tailEnd type="none" w="sm" len="sm"/>
           </a:ln>
         </p:spPr>
         <p:txBody>
-          <a:bodyPr anchorCtr="0" anchor="ctr" bIns="91425" lIns="91425" spcFirstLastPara="1" rIns="91425" wrap="square" tIns="91425">
+          <a:bodyPr spcFirstLastPara="1" wrap="square" lIns="91425" tIns="91425" rIns="91425" bIns="91425" anchor="ctr" anchorCtr="0">
             <a:noAutofit/>
           </a:bodyPr>
           <a:lstStyle/>
           <a:p>
-            <a:pPr indent="0" lvl="0" marL="0" rtl="0" algn="l">
-              <a:spcBef>
-                <a:spcPts val="0"/>
-              </a:spcBef>
-              <a:spcAft>
-                <a:spcPts val="0"/>
-              </a:spcAft>
-              <a:buNone/>
-            </a:pPr>
-            <a:r>
-              <a:t/>
-            </a:r>
+            <a:pPr marL="0" lvl="0" indent="0" algn="l" rtl="0">
+              <a:spcBef>
+                <a:spcPts val="0"/>
+              </a:spcBef>
+              <a:spcAft>
+                <a:spcPts val="0"/>
+              </a:spcAft>
+              <a:buNone/>
+            </a:pPr>
             <a:endParaRPr/>
           </a:p>
         </p:txBody>
@@ -6051,12 +6242,12 @@
           </a:ln>
         </p:spPr>
         <p:txBody>
-          <a:bodyPr anchorCtr="0" anchor="t" bIns="45700" lIns="91425" spcFirstLastPara="1" rIns="91425" wrap="square" tIns="45700">
+          <a:bodyPr spcFirstLastPara="1" wrap="square" lIns="91425" tIns="45700" rIns="91425" bIns="45700" anchor="t" anchorCtr="0">
             <a:noAutofit/>
           </a:bodyPr>
           <a:lstStyle/>
           <a:p>
-            <a:pPr indent="0" lvl="0" marL="0" marR="0" rtl="0" algn="ctr">
+            <a:pPr marL="0" marR="0" lvl="0" indent="0" algn="ctr" rtl="0">
               <a:lnSpc>
                 <a:spcPct val="125038"/>
               </a:lnSpc>
@@ -6074,7 +6265,7 @@
               <a:buNone/>
             </a:pPr>
             <a:r>
-              <a:rPr b="1" lang="en-US" sz="2624">
+              <a:rPr lang="en-US" sz="2624" b="1">
                 <a:solidFill>
                   <a:srgbClr val="272525"/>
                 </a:solidFill>
@@ -6117,12 +6308,12 @@
           </a:ln>
         </p:spPr>
         <p:txBody>
-          <a:bodyPr anchorCtr="0" anchor="t" bIns="45700" lIns="91425" spcFirstLastPara="1" rIns="91425" wrap="square" tIns="45700">
+          <a:bodyPr spcFirstLastPara="1" wrap="square" lIns="91425" tIns="45700" rIns="91425" bIns="45700" anchor="t" anchorCtr="0">
             <a:noAutofit/>
           </a:bodyPr>
           <a:lstStyle/>
           <a:p>
-            <a:pPr indent="0" lvl="0" marL="0" marR="0" rtl="0" algn="ctr">
+            <a:pPr marL="0" marR="0" lvl="0" indent="0" algn="ctr" rtl="0">
               <a:lnSpc>
                 <a:spcPct val="124272"/>
               </a:lnSpc>
@@ -6140,7 +6331,7 @@
               <a:buNone/>
             </a:pPr>
             <a:r>
-              <a:rPr b="1" lang="en-US" sz="2200">
+              <a:rPr lang="en-US" sz="2200" b="1">
                 <a:solidFill>
                   <a:srgbClr val="272525"/>
                 </a:solidFill>
@@ -6183,12 +6374,12 @@
           </a:ln>
         </p:spPr>
         <p:txBody>
-          <a:bodyPr anchorCtr="0" anchor="t" bIns="45700" lIns="91425" spcFirstLastPara="1" rIns="91425" wrap="square" tIns="45700">
+          <a:bodyPr spcFirstLastPara="1" wrap="square" lIns="91425" tIns="45700" rIns="91425" bIns="45700" anchor="t" anchorCtr="0">
             <a:noAutofit/>
           </a:bodyPr>
           <a:lstStyle/>
           <a:p>
-            <a:pPr indent="0" lvl="0" marL="0" marR="0" rtl="0" algn="l">
+            <a:pPr marL="0" marR="0" lvl="0" indent="0" algn="l" rtl="0">
               <a:lnSpc>
                 <a:spcPct val="155500"/>
               </a:lnSpc>
@@ -6252,7 +6443,7 @@
             </a:endParaRPr>
           </a:p>
           <a:p>
-            <a:pPr indent="0" lvl="0" marL="0" marR="0" rtl="0" algn="l">
+            <a:pPr marL="0" marR="0" lvl="0" indent="0" algn="l" rtl="0">
               <a:lnSpc>
                 <a:spcPct val="155500"/>
               </a:lnSpc>
@@ -6314,12 +6505,12 @@
           </a:ln>
         </p:spPr>
         <p:txBody>
-          <a:bodyPr anchorCtr="0" anchor="t" bIns="45700" lIns="91425" spcFirstLastPara="1" rIns="91425" wrap="square" tIns="45700">
+          <a:bodyPr spcFirstLastPara="1" wrap="square" lIns="91425" tIns="45700" rIns="91425" bIns="45700" anchor="t" anchorCtr="0">
             <a:noAutofit/>
           </a:bodyPr>
           <a:lstStyle/>
           <a:p>
-            <a:pPr indent="0" lvl="0" marL="0" marR="0" rtl="0" algn="l">
+            <a:pPr marL="0" marR="0" lvl="0" indent="0" algn="l" rtl="0">
               <a:lnSpc>
                 <a:spcPct val="151444"/>
               </a:lnSpc>
@@ -6337,7 +6528,7 @@
               <a:buNone/>
             </a:pPr>
             <a:r>
-              <a:rPr b="1" lang="en-US" sz="3600">
+              <a:rPr lang="en-US" sz="3600" b="1">
                 <a:solidFill>
                   <a:srgbClr val="000000"/>
                 </a:solidFill>
@@ -6380,12 +6571,12 @@
           </a:ln>
         </p:spPr>
         <p:txBody>
-          <a:bodyPr anchorCtr="0" anchor="t" bIns="45700" lIns="91425" spcFirstLastPara="1" rIns="91425" wrap="square" tIns="45700">
+          <a:bodyPr spcFirstLastPara="1" wrap="square" lIns="91425" tIns="45700" rIns="91425" bIns="45700" anchor="t" anchorCtr="0">
             <a:noAutofit/>
           </a:bodyPr>
           <a:lstStyle/>
           <a:p>
-            <a:pPr indent="0" lvl="0" marL="0" marR="0" rtl="0" algn="l">
+            <a:pPr marL="0" marR="0" lvl="0" indent="0" algn="l" rtl="0">
               <a:lnSpc>
                 <a:spcPct val="174937"/>
               </a:lnSpc>
@@ -6435,11 +6626,11 @@
 </file>
 
 <file path=ppt/slides/slide3.xml><?xml version="1.0" encoding="utf-8"?>
-<p:sld xmlns:a="http://schemas.openxmlformats.org/drawingml/2006/main" xmlns:r="http://schemas.openxmlformats.org/officeDocument/2006/relationships" xmlns:mc="http://schemas.openxmlformats.org/markup-compatibility/2006" xmlns:mv="urn:schemas-microsoft-com:mac:vml" xmlns:p="http://schemas.openxmlformats.org/presentationml/2006/main" xmlns:c="http://schemas.openxmlformats.org/drawingml/2006/chart" xmlns:dgm="http://schemas.openxmlformats.org/drawingml/2006/diagram" xmlns:o="urn:schemas-microsoft-com:office:office" xmlns:v="urn:schemas-microsoft-com:vml" xmlns:pvml="urn:schemas-microsoft-com:office:powerpoint" xmlns:com="http://schemas.openxmlformats.org/drawingml/2006/compatibility" xmlns:p14="http://schemas.microsoft.com/office/powerpoint/2010/main" xmlns:p15="http://schemas.microsoft.com/office/powerpoint/2012/main" xmlns:ahyp="http://schemas.microsoft.com/office/drawing/2018/hyperlinkcolor">
+<p:sld xmlns:a="http://schemas.openxmlformats.org/drawingml/2006/main" xmlns:r="http://schemas.openxmlformats.org/officeDocument/2006/relationships" xmlns:p="http://schemas.openxmlformats.org/presentationml/2006/main">
   <p:cSld>
     <p:spTree>
       <p:nvGrpSpPr>
-        <p:cNvPr id="41" name="Shape 41"/>
+        <p:cNvPr id="1" name="Shape 41"/>
         <p:cNvGrpSpPr/>
         <p:nvPr/>
       </p:nvGrpSpPr>
@@ -6459,8 +6650,8 @@
         </p:nvSpPr>
         <p:spPr>
           <a:xfrm>
-            <a:off x="8473200" y="3021800"/>
-            <a:ext cx="5247300" cy="1072500"/>
+            <a:off x="7926705" y="3021806"/>
+            <a:ext cx="5439748" cy="1072500"/>
           </a:xfrm>
           <a:prstGeom prst="rect">
             <a:avLst/>
@@ -6471,12 +6662,12 @@
           </a:ln>
         </p:spPr>
         <p:txBody>
-          <a:bodyPr anchorCtr="0" anchor="t" bIns="45700" lIns="91425" spcFirstLastPara="1" rIns="91425" wrap="square" tIns="45700">
+          <a:bodyPr spcFirstLastPara="1" wrap="square" lIns="91425" tIns="45700" rIns="91425" bIns="45700" anchor="t" anchorCtr="0">
             <a:noAutofit/>
           </a:bodyPr>
           <a:lstStyle/>
           <a:p>
-            <a:pPr indent="0" lvl="0" marL="0" rtl="0" algn="l">
+            <a:pPr marL="0" lvl="0" indent="0" algn="l" rtl="0">
               <a:lnSpc>
                 <a:spcPct val="158066"/>
               </a:lnSpc>
@@ -6494,7 +6685,7 @@
               <a:buNone/>
             </a:pPr>
             <a:r>
-              <a:rPr lang="en-US" sz="1500">
+              <a:rPr lang="en-US" sz="1500" dirty="0" err="1">
                 <a:solidFill>
                   <a:srgbClr val="272525"/>
                 </a:solidFill>
@@ -6503,9 +6694,93 @@
                 <a:cs typeface="Calibri"/>
                 <a:sym typeface="Calibri"/>
               </a:rPr>
-              <a:t>본인만의 Repository를 만들어 보시고, </a:t>
-            </a:r>
-            <a:endParaRPr sz="1500">
+              <a:t>본인만의</a:t>
+            </a:r>
+            <a:r>
+              <a:rPr lang="en-US" sz="1500" dirty="0">
+                <a:solidFill>
+                  <a:srgbClr val="272525"/>
+                </a:solidFill>
+                <a:latin typeface="Calibri"/>
+                <a:ea typeface="Calibri"/>
+                <a:cs typeface="Calibri"/>
+                <a:sym typeface="Calibri"/>
+              </a:rPr>
+              <a:t> </a:t>
+            </a:r>
+            <a:r>
+              <a:rPr lang="en-US" sz="1500" dirty="0" err="1">
+                <a:solidFill>
+                  <a:srgbClr val="272525"/>
+                </a:solidFill>
+                <a:latin typeface="Calibri"/>
+                <a:ea typeface="Calibri"/>
+                <a:cs typeface="Calibri"/>
+                <a:sym typeface="Calibri"/>
+              </a:rPr>
+              <a:t>Repository를</a:t>
+            </a:r>
+            <a:r>
+              <a:rPr lang="en-US" sz="1500" dirty="0">
+                <a:solidFill>
+                  <a:srgbClr val="272525"/>
+                </a:solidFill>
+                <a:latin typeface="Calibri"/>
+                <a:ea typeface="Calibri"/>
+                <a:cs typeface="Calibri"/>
+                <a:sym typeface="Calibri"/>
+              </a:rPr>
+              <a:t> </a:t>
+            </a:r>
+            <a:r>
+              <a:rPr lang="en-US" sz="1500" dirty="0" err="1">
+                <a:solidFill>
+                  <a:srgbClr val="272525"/>
+                </a:solidFill>
+                <a:latin typeface="Calibri"/>
+                <a:ea typeface="Calibri"/>
+                <a:cs typeface="Calibri"/>
+                <a:sym typeface="Calibri"/>
+              </a:rPr>
+              <a:t>만들어</a:t>
+            </a:r>
+            <a:r>
+              <a:rPr lang="en-US" sz="1500" dirty="0">
+                <a:solidFill>
+                  <a:srgbClr val="272525"/>
+                </a:solidFill>
+                <a:latin typeface="Calibri"/>
+                <a:ea typeface="Calibri"/>
+                <a:cs typeface="Calibri"/>
+                <a:sym typeface="Calibri"/>
+              </a:rPr>
+              <a:t> </a:t>
+            </a:r>
+            <a:r>
+              <a:rPr lang="en-US" sz="1500" dirty="0" err="1">
+                <a:solidFill>
+                  <a:srgbClr val="272525"/>
+                </a:solidFill>
+                <a:latin typeface="Calibri"/>
+                <a:ea typeface="Calibri"/>
+                <a:cs typeface="Calibri"/>
+                <a:sym typeface="Calibri"/>
+              </a:rPr>
+              <a:t>보시고</a:t>
+            </a:r>
+            <a:r>
+              <a:rPr lang="en-US" sz="1500" dirty="0">
+                <a:solidFill>
+                  <a:srgbClr val="272525"/>
+                </a:solidFill>
+                <a:latin typeface="Calibri"/>
+                <a:ea typeface="Calibri"/>
+                <a:cs typeface="Calibri"/>
+                <a:sym typeface="Calibri"/>
+              </a:rPr>
+              <a:t>, </a:t>
+            </a:r>
+            <a:endParaRPr sz="1500" dirty="0">
               <a:solidFill>
                 <a:srgbClr val="272525"/>
               </a:solidFill>
@@ -6516,7 +6791,7 @@
             </a:endParaRPr>
           </a:p>
           <a:p>
-            <a:pPr indent="0" lvl="0" marL="0" rtl="0" algn="l">
+            <a:pPr marL="0" lvl="0" indent="0" algn="l" rtl="0">
               <a:lnSpc>
                 <a:spcPct val="158066"/>
               </a:lnSpc>
@@ -6534,7 +6809,7 @@
               <a:buNone/>
             </a:pPr>
             <a:r>
-              <a:rPr lang="en-US" sz="1500">
+              <a:rPr lang="en-US" sz="1500" dirty="0" err="1">
                 <a:solidFill>
                   <a:srgbClr val="272525"/>
                 </a:solidFill>
@@ -6543,9 +6818,117 @@
                 <a:cs typeface="Calibri"/>
                 <a:sym typeface="Calibri"/>
               </a:rPr>
-              <a:t>간단한 자기소개 페이지를 만들어서 공유해주세요. </a:t>
-            </a:r>
-            <a:endParaRPr sz="1500">
+              <a:t>간단한</a:t>
+            </a:r>
+            <a:r>
+              <a:rPr lang="en-US" sz="1500" dirty="0">
+                <a:solidFill>
+                  <a:srgbClr val="272525"/>
+                </a:solidFill>
+                <a:latin typeface="Calibri"/>
+                <a:ea typeface="Calibri"/>
+                <a:cs typeface="Calibri"/>
+                <a:sym typeface="Calibri"/>
+              </a:rPr>
+              <a:t> </a:t>
+            </a:r>
+            <a:r>
+              <a:rPr lang="en-US" sz="1500" dirty="0" err="1">
+                <a:solidFill>
+                  <a:srgbClr val="272525"/>
+                </a:solidFill>
+                <a:latin typeface="Calibri"/>
+                <a:ea typeface="Calibri"/>
+                <a:cs typeface="Calibri"/>
+                <a:sym typeface="Calibri"/>
+              </a:rPr>
+              <a:t>자기소개</a:t>
+            </a:r>
+            <a:r>
+              <a:rPr lang="en-US" sz="1500" dirty="0">
+                <a:solidFill>
+                  <a:srgbClr val="272525"/>
+                </a:solidFill>
+                <a:latin typeface="Calibri"/>
+                <a:ea typeface="Calibri"/>
+                <a:cs typeface="Calibri"/>
+                <a:sym typeface="Calibri"/>
+              </a:rPr>
+              <a:t> </a:t>
+            </a:r>
+            <a:r>
+              <a:rPr lang="en-US" sz="1500" dirty="0" err="1">
+                <a:solidFill>
+                  <a:srgbClr val="272525"/>
+                </a:solidFill>
+                <a:latin typeface="Calibri"/>
+                <a:ea typeface="Calibri"/>
+                <a:cs typeface="Calibri"/>
+                <a:sym typeface="Calibri"/>
+              </a:rPr>
+              <a:t>페이지를</a:t>
+            </a:r>
+            <a:r>
+              <a:rPr lang="en-US" sz="1500" dirty="0">
+                <a:solidFill>
+                  <a:srgbClr val="272525"/>
+                </a:solidFill>
+                <a:latin typeface="Calibri"/>
+                <a:ea typeface="Calibri"/>
+                <a:cs typeface="Calibri"/>
+                <a:sym typeface="Calibri"/>
+              </a:rPr>
+              <a:t> </a:t>
+            </a:r>
+            <a:r>
+              <a:rPr lang="en-US" sz="1500" dirty="0" err="1">
+                <a:solidFill>
+                  <a:srgbClr val="272525"/>
+                </a:solidFill>
+                <a:latin typeface="Calibri"/>
+                <a:ea typeface="Calibri"/>
+                <a:cs typeface="Calibri"/>
+                <a:sym typeface="Calibri"/>
+              </a:rPr>
+              <a:t>만들어서</a:t>
+            </a:r>
+            <a:r>
+              <a:rPr lang="en-US" sz="1500" dirty="0">
+                <a:solidFill>
+                  <a:srgbClr val="272525"/>
+                </a:solidFill>
+                <a:latin typeface="Calibri"/>
+                <a:ea typeface="Calibri"/>
+                <a:cs typeface="Calibri"/>
+                <a:sym typeface="Calibri"/>
+              </a:rPr>
+              <a:t> </a:t>
+            </a:r>
+            <a:r>
+              <a:rPr lang="en-US" sz="1500" dirty="0" err="1">
+                <a:solidFill>
+                  <a:srgbClr val="272525"/>
+                </a:solidFill>
+                <a:latin typeface="Calibri"/>
+                <a:ea typeface="Calibri"/>
+                <a:cs typeface="Calibri"/>
+                <a:sym typeface="Calibri"/>
+              </a:rPr>
+              <a:t>공유해주세요</a:t>
+            </a:r>
+            <a:r>
+              <a:rPr lang="en-US" sz="1500" dirty="0">
+                <a:solidFill>
+                  <a:srgbClr val="272525"/>
+                </a:solidFill>
+                <a:latin typeface="Calibri"/>
+                <a:ea typeface="Calibri"/>
+                <a:cs typeface="Calibri"/>
+                <a:sym typeface="Calibri"/>
+              </a:rPr>
+              <a:t>. </a:t>
+            </a:r>
+            <a:endParaRPr sz="1500" dirty="0">
               <a:solidFill>
                 <a:srgbClr val="272525"/>
               </a:solidFill>
@@ -6556,7 +6939,7 @@
             </a:endParaRPr>
           </a:p>
           <a:p>
-            <a:pPr indent="0" lvl="0" marL="0" rtl="0" algn="l">
+            <a:pPr marL="0" lvl="0" indent="0" algn="l" rtl="0">
               <a:lnSpc>
                 <a:spcPct val="158066"/>
               </a:lnSpc>
@@ -6574,7 +6957,7 @@
               <a:buNone/>
             </a:pPr>
             <a:r>
-              <a:rPr b="1" lang="en-US" sz="1500">
+              <a:rPr lang="en-US" sz="1500" b="1" dirty="0" err="1">
                 <a:solidFill>
                   <a:srgbClr val="00B050"/>
                 </a:solidFill>
@@ -6583,10 +6966,58 @@
                 <a:cs typeface="Calibri"/>
                 <a:sym typeface="Calibri"/>
               </a:rPr>
-              <a:t>html과 css를 활용</a:t>
-            </a:r>
-            <a:r>
-              <a:rPr lang="en-US" sz="1500">
+              <a:t>html과</a:t>
+            </a:r>
+            <a:r>
+              <a:rPr lang="en-US" sz="1500" b="1" dirty="0">
+                <a:solidFill>
+                  <a:srgbClr val="00B050"/>
+                </a:solidFill>
+                <a:latin typeface="Calibri"/>
+                <a:ea typeface="Calibri"/>
+                <a:cs typeface="Calibri"/>
+                <a:sym typeface="Calibri"/>
+              </a:rPr>
+              <a:t> </a:t>
+            </a:r>
+            <a:r>
+              <a:rPr lang="en-US" sz="1500" b="1" dirty="0" err="1">
+                <a:solidFill>
+                  <a:srgbClr val="00B050"/>
+                </a:solidFill>
+                <a:latin typeface="Calibri"/>
+                <a:ea typeface="Calibri"/>
+                <a:cs typeface="Calibri"/>
+                <a:sym typeface="Calibri"/>
+              </a:rPr>
+              <a:t>css를</a:t>
+            </a:r>
+            <a:r>
+              <a:rPr lang="en-US" sz="1500" b="1" dirty="0">
+                <a:solidFill>
+                  <a:srgbClr val="00B050"/>
+                </a:solidFill>
+                <a:latin typeface="Calibri"/>
+                <a:ea typeface="Calibri"/>
+                <a:cs typeface="Calibri"/>
+                <a:sym typeface="Calibri"/>
+              </a:rPr>
+              <a:t> </a:t>
+            </a:r>
+            <a:r>
+              <a:rPr lang="en-US" sz="1500" b="1" dirty="0" err="1">
+                <a:solidFill>
+                  <a:srgbClr val="00B050"/>
+                </a:solidFill>
+                <a:latin typeface="Calibri"/>
+                <a:ea typeface="Calibri"/>
+                <a:cs typeface="Calibri"/>
+                <a:sym typeface="Calibri"/>
+              </a:rPr>
+              <a:t>활용</a:t>
+            </a:r>
+            <a:r>
+              <a:rPr lang="en-US" sz="1500" dirty="0" err="1">
                 <a:solidFill>
                   <a:srgbClr val="272525"/>
                 </a:solidFill>
@@ -6595,10 +7026,46 @@
                 <a:cs typeface="Calibri"/>
                 <a:sym typeface="Calibri"/>
               </a:rPr>
-              <a:t>해서 만들어주세요.   </a:t>
-            </a:r>
-            <a:r>
-              <a:rPr b="1" lang="en-US" sz="1500">
+              <a:t>해서</a:t>
+            </a:r>
+            <a:r>
+              <a:rPr lang="en-US" sz="1500" dirty="0">
+                <a:solidFill>
+                  <a:srgbClr val="272525"/>
+                </a:solidFill>
+                <a:latin typeface="Calibri"/>
+                <a:ea typeface="Calibri"/>
+                <a:cs typeface="Calibri"/>
+                <a:sym typeface="Calibri"/>
+              </a:rPr>
+              <a:t> </a:t>
+            </a:r>
+            <a:r>
+              <a:rPr lang="en-US" sz="1500" dirty="0" err="1">
+                <a:solidFill>
+                  <a:srgbClr val="272525"/>
+                </a:solidFill>
+                <a:latin typeface="Calibri"/>
+                <a:ea typeface="Calibri"/>
+                <a:cs typeface="Calibri"/>
+                <a:sym typeface="Calibri"/>
+              </a:rPr>
+              <a:t>만들어주세요</a:t>
+            </a:r>
+            <a:r>
+              <a:rPr lang="en-US" sz="1500" dirty="0">
+                <a:solidFill>
+                  <a:srgbClr val="272525"/>
+                </a:solidFill>
+                <a:latin typeface="Calibri"/>
+                <a:ea typeface="Calibri"/>
+                <a:cs typeface="Calibri"/>
+                <a:sym typeface="Calibri"/>
+              </a:rPr>
+              <a:t>.   </a:t>
+            </a:r>
+            <a:r>
+              <a:rPr lang="en-US" sz="1500" b="1" dirty="0">
                 <a:solidFill>
                   <a:srgbClr val="FF0000"/>
                 </a:solidFill>
@@ -6607,9 +7074,81 @@
                 <a:cs typeface="Calibri"/>
                 <a:sym typeface="Calibri"/>
               </a:rPr>
-              <a:t>(README.md 파일 아님)</a:t>
-            </a:r>
-            <a:endParaRPr b="1" sz="1500">
+              <a:t>(</a:t>
+            </a:r>
+            <a:r>
+              <a:rPr lang="en-US" sz="1500" b="1" dirty="0" err="1">
+                <a:solidFill>
+                  <a:srgbClr val="FF0000"/>
+                </a:solidFill>
+                <a:latin typeface="Calibri"/>
+                <a:ea typeface="Calibri"/>
+                <a:cs typeface="Calibri"/>
+                <a:sym typeface="Calibri"/>
+              </a:rPr>
+              <a:t>README.md</a:t>
+            </a:r>
+            <a:r>
+              <a:rPr lang="en-US" sz="1500" b="1" dirty="0">
+                <a:solidFill>
+                  <a:srgbClr val="FF0000"/>
+                </a:solidFill>
+                <a:latin typeface="Calibri"/>
+                <a:ea typeface="Calibri"/>
+                <a:cs typeface="Calibri"/>
+                <a:sym typeface="Calibri"/>
+              </a:rPr>
+              <a:t> </a:t>
+            </a:r>
+            <a:r>
+              <a:rPr lang="en-US" sz="1500" b="1" dirty="0" err="1">
+                <a:solidFill>
+                  <a:srgbClr val="FF0000"/>
+                </a:solidFill>
+                <a:latin typeface="Calibri"/>
+                <a:ea typeface="Calibri"/>
+                <a:cs typeface="Calibri"/>
+                <a:sym typeface="Calibri"/>
+              </a:rPr>
+              <a:t>파일</a:t>
+            </a:r>
+            <a:r>
+              <a:rPr lang="en-US" sz="1500" b="1" dirty="0">
+                <a:solidFill>
+                  <a:srgbClr val="FF0000"/>
+                </a:solidFill>
+                <a:latin typeface="Calibri"/>
+                <a:ea typeface="Calibri"/>
+                <a:cs typeface="Calibri"/>
+                <a:sym typeface="Calibri"/>
+              </a:rPr>
+              <a:t> </a:t>
+            </a:r>
+            <a:r>
+              <a:rPr lang="en-US" sz="1500" b="1" dirty="0" err="1">
+                <a:solidFill>
+                  <a:srgbClr val="FF0000"/>
+                </a:solidFill>
+                <a:latin typeface="Calibri"/>
+                <a:ea typeface="Calibri"/>
+                <a:cs typeface="Calibri"/>
+                <a:sym typeface="Calibri"/>
+              </a:rPr>
+              <a:t>아님</a:t>
+            </a:r>
+            <a:r>
+              <a:rPr lang="en-US" sz="1500" b="1" dirty="0">
+                <a:solidFill>
+                  <a:srgbClr val="FF0000"/>
+                </a:solidFill>
+                <a:latin typeface="Calibri"/>
+                <a:ea typeface="Calibri"/>
+                <a:cs typeface="Calibri"/>
+                <a:sym typeface="Calibri"/>
+              </a:rPr>
+              <a:t>)</a:t>
+            </a:r>
+            <a:endParaRPr sz="1500" b="1" dirty="0">
               <a:solidFill>
                 <a:srgbClr val="FF0000"/>
               </a:solidFill>
@@ -6620,25 +7159,17 @@
             </a:endParaRPr>
           </a:p>
           <a:p>
-            <a:pPr indent="0" lvl="0" marL="0" rtl="0" algn="l">
+            <a:pPr lvl="1">
               <a:lnSpc>
                 <a:spcPct val="158066"/>
               </a:lnSpc>
-              <a:spcBef>
-                <a:spcPts val="0"/>
-              </a:spcBef>
-              <a:spcAft>
-                <a:spcPts val="0"/>
-              </a:spcAft>
               <a:buClr>
                 <a:srgbClr val="272525"/>
               </a:buClr>
               <a:buSzPts val="1500"/>
-              <a:buFont typeface="Calibri"/>
-              <a:buNone/>
-            </a:pPr>
-            <a:r>
-              <a:rPr b="1" lang="en-US" sz="1500" u="sng">
+            </a:pPr>
+            <a:r>
+              <a:rPr lang="en-US" sz="1500" b="1" u="sng" dirty="0">
                 <a:solidFill>
                   <a:schemeClr val="hlink"/>
                 </a:solidFill>
@@ -6650,7 +7181,7 @@
               </a:rPr>
               <a:t>참고영상</a:t>
             </a:r>
-            <a:endParaRPr b="1" sz="1500">
+            <a:endParaRPr sz="1500" b="1" dirty="0">
               <a:solidFill>
                 <a:srgbClr val="272525"/>
               </a:solidFill>
@@ -6670,7 +7201,7 @@
         </p:nvSpPr>
         <p:spPr>
           <a:xfrm>
-            <a:off x="2110276" y="1388025"/>
+            <a:off x="983478" y="1309136"/>
             <a:ext cx="8118000" cy="470400"/>
           </a:xfrm>
           <a:prstGeom prst="rect">
@@ -6682,12 +7213,12 @@
           </a:ln>
         </p:spPr>
         <p:txBody>
-          <a:bodyPr anchorCtr="0" anchor="t" bIns="45700" lIns="91425" spcFirstLastPara="1" rIns="91425" wrap="square" tIns="45700">
+          <a:bodyPr spcFirstLastPara="1" wrap="square" lIns="91425" tIns="45700" rIns="91425" bIns="45700" anchor="t" anchorCtr="0">
             <a:noAutofit/>
           </a:bodyPr>
           <a:lstStyle/>
           <a:p>
-            <a:pPr indent="0" lvl="0" marL="0" marR="0" rtl="0" algn="l">
+            <a:pPr marL="0" marR="0" lvl="0" indent="0" algn="l" rtl="0">
               <a:lnSpc>
                 <a:spcPct val="126318"/>
               </a:lnSpc>
@@ -6705,7 +7236,7 @@
               <a:buNone/>
             </a:pPr>
             <a:r>
-              <a:rPr b="1" lang="en-US" sz="2200">
+              <a:rPr lang="en-US" sz="2200" b="1" dirty="0" err="1">
                 <a:solidFill>
                   <a:srgbClr val="000000"/>
                 </a:solidFill>
@@ -6714,18 +7245,111 @@
                 <a:cs typeface="Calibri"/>
                 <a:sym typeface="Calibri"/>
               </a:rPr>
-              <a:t>주제: 개발 환경 구축 </a:t>
-            </a:r>
-            <a:r>
-              <a:rPr b="1" lang="en-US" sz="2200">
-                <a:latin typeface="Calibri"/>
-                <a:ea typeface="Calibri"/>
-                <a:cs typeface="Calibri"/>
-                <a:sym typeface="Calibri"/>
-              </a:rPr>
-              <a:t> / HTML &amp; CSS 실습</a:t>
-            </a:r>
-            <a:endParaRPr sz="2200">
+              <a:t>주제</a:t>
+            </a:r>
+            <a:r>
+              <a:rPr lang="en-US" sz="2200" b="1" dirty="0">
+                <a:solidFill>
+                  <a:srgbClr val="000000"/>
+                </a:solidFill>
+                <a:latin typeface="Calibri"/>
+                <a:ea typeface="Calibri"/>
+                <a:cs typeface="Calibri"/>
+                <a:sym typeface="Calibri"/>
+              </a:rPr>
+              <a:t>: </a:t>
+            </a:r>
+            <a:r>
+              <a:rPr lang="en-US" sz="2200" b="1" dirty="0" err="1">
+                <a:solidFill>
+                  <a:srgbClr val="000000"/>
+                </a:solidFill>
+                <a:latin typeface="Calibri"/>
+                <a:ea typeface="Calibri"/>
+                <a:cs typeface="Calibri"/>
+                <a:sym typeface="Calibri"/>
+              </a:rPr>
+              <a:t>개발</a:t>
+            </a:r>
+            <a:r>
+              <a:rPr lang="en-US" sz="2200" b="1" dirty="0">
+                <a:solidFill>
+                  <a:srgbClr val="000000"/>
+                </a:solidFill>
+                <a:latin typeface="Calibri"/>
+                <a:ea typeface="Calibri"/>
+                <a:cs typeface="Calibri"/>
+                <a:sym typeface="Calibri"/>
+              </a:rPr>
+              <a:t> </a:t>
+            </a:r>
+            <a:r>
+              <a:rPr lang="en-US" sz="2200" b="1" dirty="0" err="1">
+                <a:solidFill>
+                  <a:srgbClr val="000000"/>
+                </a:solidFill>
+                <a:latin typeface="Calibri"/>
+                <a:ea typeface="Calibri"/>
+                <a:cs typeface="Calibri"/>
+                <a:sym typeface="Calibri"/>
+              </a:rPr>
+              <a:t>환경</a:t>
+            </a:r>
+            <a:r>
+              <a:rPr lang="en-US" sz="2200" b="1" dirty="0">
+                <a:solidFill>
+                  <a:srgbClr val="000000"/>
+                </a:solidFill>
+                <a:latin typeface="Calibri"/>
+                <a:ea typeface="Calibri"/>
+                <a:cs typeface="Calibri"/>
+                <a:sym typeface="Calibri"/>
+              </a:rPr>
+              <a:t> </a:t>
+            </a:r>
+            <a:r>
+              <a:rPr lang="en-US" sz="2200" b="1" dirty="0" err="1">
+                <a:solidFill>
+                  <a:srgbClr val="000000"/>
+                </a:solidFill>
+                <a:latin typeface="Calibri"/>
+                <a:ea typeface="Calibri"/>
+                <a:cs typeface="Calibri"/>
+                <a:sym typeface="Calibri"/>
+              </a:rPr>
+              <a:t>구축</a:t>
+            </a:r>
+            <a:r>
+              <a:rPr lang="en-US" sz="2200" b="1" dirty="0">
+                <a:solidFill>
+                  <a:srgbClr val="000000"/>
+                </a:solidFill>
+                <a:latin typeface="Calibri"/>
+                <a:ea typeface="Calibri"/>
+                <a:cs typeface="Calibri"/>
+                <a:sym typeface="Calibri"/>
+              </a:rPr>
+              <a:t> </a:t>
+            </a:r>
+            <a:r>
+              <a:rPr lang="en-US" sz="2200" b="1" dirty="0">
+                <a:latin typeface="Calibri"/>
+                <a:ea typeface="Calibri"/>
+                <a:cs typeface="Calibri"/>
+                <a:sym typeface="Calibri"/>
+              </a:rPr>
+              <a:t> / HTML &amp; CSS </a:t>
+            </a:r>
+            <a:r>
+              <a:rPr lang="en-US" sz="2200" b="1" dirty="0" err="1">
+                <a:latin typeface="Calibri"/>
+                <a:ea typeface="Calibri"/>
+                <a:cs typeface="Calibri"/>
+                <a:sym typeface="Calibri"/>
+              </a:rPr>
+              <a:t>실습</a:t>
+            </a:r>
+            <a:endParaRPr sz="2200" dirty="0">
               <a:solidFill>
                 <a:schemeClr val="dk1"/>
               </a:solidFill>
@@ -6745,46 +7369,43 @@
         </p:nvSpPr>
         <p:spPr>
           <a:xfrm>
-            <a:off x="2233614" y="2474952"/>
+            <a:off x="2001573" y="2474958"/>
             <a:ext cx="423300" cy="423300"/>
           </a:xfrm>
           <a:prstGeom prst="roundRect">
             <a:avLst>
-              <a:gd fmla="val 12958" name="adj"/>
+              <a:gd name="adj" fmla="val 12958"/>
             </a:avLst>
           </a:prstGeom>
           <a:solidFill>
             <a:srgbClr val="E0E0E0"/>
           </a:solidFill>
-          <a:ln cap="flat" cmpd="sng" w="9525">
+          <a:ln w="9525" cap="flat" cmpd="sng">
             <a:solidFill>
               <a:srgbClr val="B5B7E3"/>
             </a:solidFill>
             <a:prstDash val="solid"/>
             <a:round/>
-            <a:headEnd len="sm" w="sm" type="none"/>
-            <a:tailEnd len="sm" w="sm" type="none"/>
+            <a:headEnd type="none" w="sm" len="sm"/>
+            <a:tailEnd type="none" w="sm" len="sm"/>
           </a:ln>
         </p:spPr>
         <p:txBody>
-          <a:bodyPr anchorCtr="0" anchor="ctr" bIns="91425" lIns="91425" spcFirstLastPara="1" rIns="91425" wrap="square" tIns="91425">
+          <a:bodyPr spcFirstLastPara="1" wrap="square" lIns="91425" tIns="91425" rIns="91425" bIns="91425" anchor="ctr" anchorCtr="0">
             <a:noAutofit/>
           </a:bodyPr>
           <a:lstStyle/>
           <a:p>
-            <a:pPr indent="0" lvl="0" marL="0" rtl="0" algn="l">
-              <a:spcBef>
-                <a:spcPts val="0"/>
-              </a:spcBef>
-              <a:spcAft>
-                <a:spcPts val="0"/>
-              </a:spcAft>
-              <a:buNone/>
-            </a:pPr>
-            <a:r>
-              <a:t/>
-            </a:r>
-            <a:endParaRPr/>
+            <a:pPr marL="0" lvl="0" indent="0" algn="l" rtl="0">
+              <a:spcBef>
+                <a:spcPts val="0"/>
+              </a:spcBef>
+              <a:spcAft>
+                <a:spcPts val="0"/>
+              </a:spcAft>
+              <a:buNone/>
+            </a:pPr>
+            <a:endParaRPr dirty="0"/>
           </a:p>
         </p:txBody>
       </p:sp>
@@ -6796,7 +7417,7 @@
         </p:nvSpPr>
         <p:spPr>
           <a:xfrm>
-            <a:off x="2378513" y="2491145"/>
+            <a:off x="2146473" y="2491145"/>
             <a:ext cx="133500" cy="352800"/>
           </a:xfrm>
           <a:prstGeom prst="rect">
@@ -6810,12 +7431,12 @@
           </a:ln>
         </p:spPr>
         <p:txBody>
-          <a:bodyPr anchorCtr="0" anchor="t" bIns="45700" lIns="91425" spcFirstLastPara="1" rIns="91425" wrap="square" tIns="45700">
+          <a:bodyPr spcFirstLastPara="1" wrap="square" lIns="91425" tIns="45700" rIns="91425" bIns="45700" anchor="t" anchorCtr="0">
             <a:noAutofit/>
           </a:bodyPr>
           <a:lstStyle/>
           <a:p>
-            <a:pPr indent="0" lvl="0" marL="0" marR="0" rtl="0" algn="ctr">
+            <a:pPr marL="0" marR="0" lvl="0" indent="0" algn="ctr" rtl="0">
               <a:lnSpc>
                 <a:spcPct val="126318"/>
               </a:lnSpc>
@@ -6833,7 +7454,7 @@
               <a:buNone/>
             </a:pPr>
             <a:r>
-              <a:rPr b="1" lang="en-US" sz="2200">
+              <a:rPr lang="en-US" sz="2200" b="1" dirty="0">
                 <a:solidFill>
                   <a:srgbClr val="272525"/>
                 </a:solidFill>
@@ -6844,7 +7465,7 @@
               </a:rPr>
               <a:t>1</a:t>
             </a:r>
-            <a:endParaRPr sz="2200">
+            <a:endParaRPr sz="2200" dirty="0">
               <a:solidFill>
                 <a:schemeClr val="dk1"/>
               </a:solidFill>
@@ -6864,7 +7485,7 @@
         </p:nvSpPr>
         <p:spPr>
           <a:xfrm>
-            <a:off x="2845126" y="2520550"/>
+            <a:off x="2613086" y="2520550"/>
             <a:ext cx="2241300" cy="294000"/>
           </a:xfrm>
           <a:prstGeom prst="rect">
@@ -6876,12 +7497,12 @@
           </a:ln>
         </p:spPr>
         <p:txBody>
-          <a:bodyPr anchorCtr="0" anchor="t" bIns="45700" lIns="91425" spcFirstLastPara="1" rIns="91425" wrap="square" tIns="45700">
+          <a:bodyPr spcFirstLastPara="1" wrap="square" lIns="91425" tIns="45700" rIns="91425" bIns="45700" anchor="t" anchorCtr="0">
             <a:noAutofit/>
           </a:bodyPr>
           <a:lstStyle/>
           <a:p>
-            <a:pPr indent="0" lvl="0" marL="0" marR="0" rtl="0" algn="l">
+            <a:pPr marL="0" marR="0" lvl="0" indent="0" algn="l" rtl="0">
               <a:lnSpc>
                 <a:spcPct val="128666"/>
               </a:lnSpc>
@@ -6899,7 +7520,7 @@
               <a:buNone/>
             </a:pPr>
             <a:r>
-              <a:rPr b="1" lang="en-US" sz="2200">
+              <a:rPr lang="en-US" sz="2200" b="1" dirty="0" err="1">
                 <a:solidFill>
                   <a:srgbClr val="272525"/>
                 </a:solidFill>
@@ -6908,9 +7529,33 @@
                 <a:cs typeface="Calibri"/>
                 <a:sym typeface="Calibri"/>
               </a:rPr>
-              <a:t>개발환경 구축</a:t>
-            </a:r>
-            <a:endParaRPr sz="2200">
+              <a:t>개발환경</a:t>
+            </a:r>
+            <a:r>
+              <a:rPr lang="en-US" sz="2200" b="1" dirty="0">
+                <a:solidFill>
+                  <a:srgbClr val="272525"/>
+                </a:solidFill>
+                <a:latin typeface="Calibri"/>
+                <a:ea typeface="Calibri"/>
+                <a:cs typeface="Calibri"/>
+                <a:sym typeface="Calibri"/>
+              </a:rPr>
+              <a:t> </a:t>
+            </a:r>
+            <a:r>
+              <a:rPr lang="en-US" sz="2200" b="1" dirty="0" err="1">
+                <a:solidFill>
+                  <a:srgbClr val="272525"/>
+                </a:solidFill>
+                <a:latin typeface="Calibri"/>
+                <a:ea typeface="Calibri"/>
+                <a:cs typeface="Calibri"/>
+                <a:sym typeface="Calibri"/>
+              </a:rPr>
+              <a:t>구축</a:t>
+            </a:r>
+            <a:endParaRPr sz="2200" dirty="0">
               <a:solidFill>
                 <a:schemeClr val="dk1"/>
               </a:solidFill>
@@ -6930,7 +7575,7 @@
         </p:nvSpPr>
         <p:spPr>
           <a:xfrm>
-            <a:off x="2845118" y="3021806"/>
+            <a:off x="2613078" y="3021806"/>
             <a:ext cx="3764400" cy="665100"/>
           </a:xfrm>
           <a:prstGeom prst="rect">
@@ -6942,12 +7587,12 @@
           </a:ln>
         </p:spPr>
         <p:txBody>
-          <a:bodyPr anchorCtr="0" anchor="t" bIns="45700" lIns="91425" spcFirstLastPara="1" rIns="91425" wrap="square" tIns="45700">
+          <a:bodyPr spcFirstLastPara="1" wrap="square" lIns="91425" tIns="45700" rIns="91425" bIns="45700" anchor="t" anchorCtr="0">
             <a:noAutofit/>
           </a:bodyPr>
           <a:lstStyle/>
           <a:p>
-            <a:pPr indent="0" lvl="0" marL="0" marR="0" rtl="0" algn="l">
+            <a:pPr marL="0" marR="0" lvl="0" indent="0" algn="l" rtl="0">
               <a:lnSpc>
                 <a:spcPct val="158066"/>
               </a:lnSpc>
@@ -6987,7 +7632,7 @@
             </a:endParaRPr>
           </a:p>
           <a:p>
-            <a:pPr indent="0" lvl="0" marL="0" marR="0" rtl="0" algn="l">
+            <a:pPr marL="0" marR="0" lvl="0" indent="0" algn="l" rtl="0">
               <a:lnSpc>
                 <a:spcPct val="158066"/>
               </a:lnSpc>
@@ -7036,45 +7681,42 @@
         </p:nvSpPr>
         <p:spPr>
           <a:xfrm>
-            <a:off x="7861695" y="2474952"/>
+            <a:off x="7315200" y="2474958"/>
             <a:ext cx="423300" cy="423300"/>
           </a:xfrm>
           <a:prstGeom prst="roundRect">
             <a:avLst>
-              <a:gd fmla="val 12958" name="adj"/>
+              <a:gd name="adj" fmla="val 12958"/>
             </a:avLst>
           </a:prstGeom>
           <a:solidFill>
             <a:srgbClr val="E0E0E0"/>
           </a:solidFill>
-          <a:ln cap="flat" cmpd="sng" w="9525">
+          <a:ln w="9525" cap="flat" cmpd="sng">
             <a:solidFill>
               <a:srgbClr val="B5B7E3"/>
             </a:solidFill>
             <a:prstDash val="solid"/>
             <a:round/>
-            <a:headEnd len="sm" w="sm" type="none"/>
-            <a:tailEnd len="sm" w="sm" type="none"/>
+            <a:headEnd type="none" w="sm" len="sm"/>
+            <a:tailEnd type="none" w="sm" len="sm"/>
           </a:ln>
         </p:spPr>
         <p:txBody>
-          <a:bodyPr anchorCtr="0" anchor="ctr" bIns="91425" lIns="91425" spcFirstLastPara="1" rIns="91425" wrap="square" tIns="91425">
+          <a:bodyPr spcFirstLastPara="1" wrap="square" lIns="91425" tIns="91425" rIns="91425" bIns="91425" anchor="ctr" anchorCtr="0">
             <a:noAutofit/>
           </a:bodyPr>
           <a:lstStyle/>
           <a:p>
-            <a:pPr indent="0" lvl="0" marL="0" rtl="0" algn="l">
-              <a:spcBef>
-                <a:spcPts val="0"/>
-              </a:spcBef>
-              <a:spcAft>
-                <a:spcPts val="0"/>
-              </a:spcAft>
-              <a:buNone/>
-            </a:pPr>
-            <a:r>
-              <a:t/>
-            </a:r>
+            <a:pPr marL="0" lvl="0" indent="0" algn="l" rtl="0">
+              <a:spcBef>
+                <a:spcPts val="0"/>
+              </a:spcBef>
+              <a:spcAft>
+                <a:spcPts val="0"/>
+              </a:spcAft>
+              <a:buNone/>
+            </a:pPr>
             <a:endParaRPr/>
           </a:p>
         </p:txBody>
@@ -7087,7 +7729,7 @@
         </p:nvSpPr>
         <p:spPr>
           <a:xfrm>
-            <a:off x="7987544" y="2491145"/>
+            <a:off x="7441049" y="2491151"/>
             <a:ext cx="171600" cy="352800"/>
           </a:xfrm>
           <a:prstGeom prst="rect">
@@ -7101,12 +7743,12 @@
           </a:ln>
         </p:spPr>
         <p:txBody>
-          <a:bodyPr anchorCtr="0" anchor="t" bIns="45700" lIns="91425" spcFirstLastPara="1" rIns="91425" wrap="square" tIns="45700">
+          <a:bodyPr spcFirstLastPara="1" wrap="square" lIns="91425" tIns="45700" rIns="91425" bIns="45700" anchor="t" anchorCtr="0">
             <a:noAutofit/>
           </a:bodyPr>
           <a:lstStyle/>
           <a:p>
-            <a:pPr indent="0" lvl="0" marL="0" marR="0" rtl="0" algn="ctr">
+            <a:pPr marL="0" marR="0" lvl="0" indent="0" algn="ctr" rtl="0">
               <a:lnSpc>
                 <a:spcPct val="126318"/>
               </a:lnSpc>
@@ -7124,7 +7766,7 @@
               <a:buNone/>
             </a:pPr>
             <a:r>
-              <a:rPr b="1" lang="en-US" sz="2200">
+              <a:rPr lang="en-US" sz="2200" b="1">
                 <a:solidFill>
                   <a:srgbClr val="272525"/>
                 </a:solidFill>
@@ -7155,7 +7797,7 @@
         </p:nvSpPr>
         <p:spPr>
           <a:xfrm>
-            <a:off x="8473200" y="2520550"/>
+            <a:off x="7926705" y="2520556"/>
             <a:ext cx="2890800" cy="294000"/>
           </a:xfrm>
           <a:prstGeom prst="rect">
@@ -7167,12 +7809,12 @@
           </a:ln>
         </p:spPr>
         <p:txBody>
-          <a:bodyPr anchorCtr="0" anchor="t" bIns="45700" lIns="91425" spcFirstLastPara="1" rIns="91425" wrap="square" tIns="45700">
+          <a:bodyPr spcFirstLastPara="1" wrap="square" lIns="91425" tIns="45700" rIns="91425" bIns="45700" anchor="t" anchorCtr="0">
             <a:noAutofit/>
           </a:bodyPr>
           <a:lstStyle/>
           <a:p>
-            <a:pPr indent="0" lvl="0" marL="0" marR="0" rtl="0" algn="l">
+            <a:pPr marL="0" marR="0" lvl="0" indent="0" algn="l" rtl="0">
               <a:lnSpc>
                 <a:spcPct val="128666"/>
               </a:lnSpc>
@@ -7190,7 +7832,7 @@
               <a:buNone/>
             </a:pPr>
             <a:r>
-              <a:rPr b="1" lang="en-US" sz="2200">
+              <a:rPr lang="en-US" sz="2200" b="1">
                 <a:solidFill>
                   <a:srgbClr val="272525"/>
                 </a:solidFill>
@@ -7221,7 +7863,7 @@
         </p:nvSpPr>
         <p:spPr>
           <a:xfrm>
-            <a:off x="2052623" y="515175"/>
+            <a:off x="983478" y="468174"/>
             <a:ext cx="5394000" cy="692400"/>
           </a:xfrm>
           <a:prstGeom prst="rect">
@@ -7233,12 +7875,12 @@
           </a:ln>
         </p:spPr>
         <p:txBody>
-          <a:bodyPr anchorCtr="0" anchor="t" bIns="45700" lIns="91425" spcFirstLastPara="1" rIns="91425" wrap="square" tIns="45700">
+          <a:bodyPr spcFirstLastPara="1" wrap="square" lIns="91425" tIns="45700" rIns="91425" bIns="45700" anchor="t" anchorCtr="0">
             <a:noAutofit/>
           </a:bodyPr>
           <a:lstStyle/>
           <a:p>
-            <a:pPr indent="0" lvl="0" marL="0" marR="0" rtl="0" algn="l">
+            <a:pPr marL="0" marR="0" lvl="0" indent="0" algn="l" rtl="0">
               <a:lnSpc>
                 <a:spcPct val="151444"/>
               </a:lnSpc>
@@ -7256,7 +7898,7 @@
               <a:buNone/>
             </a:pPr>
             <a:r>
-              <a:rPr b="1" lang="en-US" sz="3600">
+              <a:rPr lang="en-US" sz="3600" b="1" dirty="0">
                 <a:solidFill>
                   <a:srgbClr val="000000"/>
                 </a:solidFill>
@@ -7265,10 +7907,82 @@
                 <a:cs typeface="Calibri"/>
                 <a:sym typeface="Calibri"/>
               </a:rPr>
-              <a:t>1주 차 과제 안내</a:t>
-            </a:r>
-            <a:r>
-              <a:rPr b="1" lang="en-US" sz="3600">
+              <a:t>1주 </a:t>
+            </a:r>
+            <a:r>
+              <a:rPr lang="en-US" sz="3600" b="1" dirty="0" err="1">
+                <a:solidFill>
+                  <a:srgbClr val="000000"/>
+                </a:solidFill>
+                <a:latin typeface="Calibri"/>
+                <a:ea typeface="Calibri"/>
+                <a:cs typeface="Calibri"/>
+                <a:sym typeface="Calibri"/>
+              </a:rPr>
+              <a:t>차</a:t>
+            </a:r>
+            <a:r>
+              <a:rPr lang="en-US" sz="3600" b="1" dirty="0">
+                <a:solidFill>
+                  <a:srgbClr val="000000"/>
+                </a:solidFill>
+                <a:latin typeface="Calibri"/>
+                <a:ea typeface="Calibri"/>
+                <a:cs typeface="Calibri"/>
+                <a:sym typeface="Calibri"/>
+              </a:rPr>
+              <a:t> </a:t>
+            </a:r>
+            <a:r>
+              <a:rPr lang="en-US" sz="3600" b="1" dirty="0" err="1">
+                <a:solidFill>
+                  <a:srgbClr val="000000"/>
+                </a:solidFill>
+                <a:latin typeface="Calibri"/>
+                <a:ea typeface="Calibri"/>
+                <a:cs typeface="Calibri"/>
+                <a:sym typeface="Calibri"/>
+              </a:rPr>
+              <a:t>과제</a:t>
+            </a:r>
+            <a:r>
+              <a:rPr lang="en-US" sz="3600" b="1" dirty="0">
+                <a:solidFill>
+                  <a:srgbClr val="000000"/>
+                </a:solidFill>
+                <a:latin typeface="Calibri"/>
+                <a:ea typeface="Calibri"/>
+                <a:cs typeface="Calibri"/>
+                <a:sym typeface="Calibri"/>
+              </a:rPr>
+              <a:t> </a:t>
+            </a:r>
+            <a:r>
+              <a:rPr lang="en-US" sz="3600" b="1" dirty="0" err="1">
+                <a:solidFill>
+                  <a:srgbClr val="000000"/>
+                </a:solidFill>
+                <a:latin typeface="Calibri"/>
+                <a:ea typeface="Calibri"/>
+                <a:cs typeface="Calibri"/>
+                <a:sym typeface="Calibri"/>
+              </a:rPr>
+              <a:t>안내</a:t>
+            </a:r>
+            <a:r>
+              <a:rPr lang="ko-KR" altLang="en-US" sz="3600" b="1" dirty="0">
+                <a:solidFill>
+                  <a:srgbClr val="000000"/>
+                </a:solidFill>
+                <a:latin typeface="Calibri"/>
+                <a:ea typeface="Calibri"/>
+                <a:cs typeface="Calibri"/>
+                <a:sym typeface="Calibri"/>
+              </a:rPr>
+              <a:t> </a:t>
+            </a:r>
+            <a:r>
+              <a:rPr lang="en-US" sz="3600" b="1" dirty="0">
                 <a:latin typeface="Calibri"/>
                 <a:ea typeface="Calibri"/>
                 <a:cs typeface="Calibri"/>
@@ -7276,7 +7990,7 @@
               </a:rPr>
               <a:t>(cont’d)</a:t>
             </a:r>
-            <a:endParaRPr sz="3600">
+            <a:endParaRPr sz="3600" dirty="0">
               <a:solidFill>
                 <a:schemeClr val="dk1"/>
               </a:solidFill>
@@ -7297,11 +8011,11 @@
 </file>
 
 <file path=ppt/slides/slide4.xml><?xml version="1.0" encoding="utf-8"?>
-<p:sld xmlns:a="http://schemas.openxmlformats.org/drawingml/2006/main" xmlns:r="http://schemas.openxmlformats.org/officeDocument/2006/relationships" xmlns:mc="http://schemas.openxmlformats.org/markup-compatibility/2006" xmlns:mv="urn:schemas-microsoft-com:mac:vml" xmlns:p="http://schemas.openxmlformats.org/presentationml/2006/main" xmlns:c="http://schemas.openxmlformats.org/drawingml/2006/chart" xmlns:dgm="http://schemas.openxmlformats.org/drawingml/2006/diagram" xmlns:o="urn:schemas-microsoft-com:office:office" xmlns:v="urn:schemas-microsoft-com:vml" xmlns:pvml="urn:schemas-microsoft-com:office:powerpoint" xmlns:com="http://schemas.openxmlformats.org/drawingml/2006/compatibility" xmlns:p14="http://schemas.microsoft.com/office/powerpoint/2010/main" xmlns:p15="http://schemas.microsoft.com/office/powerpoint/2012/main" xmlns:ahyp="http://schemas.microsoft.com/office/drawing/2018/hyperlinkcolor">
+<p:sld xmlns:a="http://schemas.openxmlformats.org/drawingml/2006/main" xmlns:r="http://schemas.openxmlformats.org/officeDocument/2006/relationships" xmlns:p="http://schemas.openxmlformats.org/presentationml/2006/main">
   <p:cSld>
     <p:spTree>
       <p:nvGrpSpPr>
-        <p:cNvPr id="56" name="Shape 56"/>
+        <p:cNvPr id="1" name="Shape 56"/>
         <p:cNvGrpSpPr/>
         <p:nvPr/>
       </p:nvGrpSpPr>
@@ -7333,12 +8047,12 @@
           </a:ln>
         </p:spPr>
         <p:txBody>
-          <a:bodyPr anchorCtr="0" anchor="t" bIns="45700" lIns="91425" spcFirstLastPara="1" rIns="91425" wrap="square" tIns="45700">
+          <a:bodyPr spcFirstLastPara="1" wrap="square" lIns="91425" tIns="45700" rIns="91425" bIns="45700" anchor="t" anchorCtr="0">
             <a:noAutofit/>
           </a:bodyPr>
           <a:lstStyle/>
           <a:p>
-            <a:pPr indent="0" lvl="0" marL="0" marR="0" rtl="0" algn="l">
+            <a:pPr marL="0" marR="0" lvl="0" indent="0" algn="l" rtl="0">
               <a:lnSpc>
                 <a:spcPct val="151444"/>
               </a:lnSpc>
@@ -7356,7 +8070,7 @@
               <a:buNone/>
             </a:pPr>
             <a:r>
-              <a:rPr b="1" lang="en-US" sz="3600">
+              <a:rPr lang="en-US" sz="3600" b="1">
                 <a:solidFill>
                   <a:srgbClr val="000000"/>
                 </a:solidFill>
@@ -7366,7 +8080,7 @@
                 <a:sym typeface="Calibri"/>
                 <a:extLst>
                   <a:ext uri="http://customooxmlschemas.google.com/">
-                    <go:slidesCustomData xmlns:go="http://customooxmlschemas.google.com/" textRoundtripDataId="0"/>
+                    <go:slidesCustomData xmlns:go="http://customooxmlschemas.google.com/" xmlns:ahyp="http://schemas.microsoft.com/office/drawing/2018/hyperlinkcolor" xmlns:p15="http://schemas.microsoft.com/office/powerpoint/2012/main" xmlns:p14="http://schemas.microsoft.com/office/powerpoint/2010/main" xmlns:com="http://schemas.openxmlformats.org/drawingml/2006/compatibility" xmlns:pvml="urn:schemas-microsoft-com:office:powerpoint" xmlns:v="urn:schemas-microsoft-com:vml" xmlns:o="urn:schemas-microsoft-com:office:office" xmlns:dgm="http://schemas.openxmlformats.org/drawingml/2006/diagram" xmlns:c="http://schemas.openxmlformats.org/drawingml/2006/chart" xmlns:mv="urn:schemas-microsoft-com:mac:vml" xmlns:mc="http://schemas.openxmlformats.org/markup-compatibility/2006" xmlns="" textRoundtripDataId="0"/>
                   </a:ext>
                 </a:extLst>
               </a:rPr>
@@ -7397,40 +8111,37 @@
           </a:xfrm>
           <a:prstGeom prst="roundRect">
             <a:avLst>
-              <a:gd fmla="val 12958" name="adj"/>
+              <a:gd name="adj" fmla="val 12958"/>
             </a:avLst>
           </a:prstGeom>
           <a:solidFill>
             <a:srgbClr val="E0E0E0"/>
           </a:solidFill>
-          <a:ln cap="flat" cmpd="sng" w="9525">
+          <a:ln w="9525" cap="flat" cmpd="sng">
             <a:solidFill>
               <a:srgbClr val="B5B7E3"/>
             </a:solidFill>
             <a:prstDash val="solid"/>
             <a:round/>
-            <a:headEnd len="sm" w="sm" type="none"/>
-            <a:tailEnd len="sm" w="sm" type="none"/>
+            <a:headEnd type="none" w="sm" len="sm"/>
+            <a:tailEnd type="none" w="sm" len="sm"/>
           </a:ln>
         </p:spPr>
         <p:txBody>
-          <a:bodyPr anchorCtr="0" anchor="ctr" bIns="91425" lIns="91425" spcFirstLastPara="1" rIns="91425" wrap="square" tIns="91425">
+          <a:bodyPr spcFirstLastPara="1" wrap="square" lIns="91425" tIns="91425" rIns="91425" bIns="91425" anchor="ctr" anchorCtr="0">
             <a:noAutofit/>
           </a:bodyPr>
           <a:lstStyle/>
           <a:p>
-            <a:pPr indent="0" lvl="0" marL="0" rtl="0" algn="l">
-              <a:spcBef>
-                <a:spcPts val="0"/>
-              </a:spcBef>
-              <a:spcAft>
-                <a:spcPts val="0"/>
-              </a:spcAft>
-              <a:buNone/>
-            </a:pPr>
-            <a:r>
-              <a:t/>
-            </a:r>
+            <a:pPr marL="0" lvl="0" indent="0" algn="l" rtl="0">
+              <a:spcBef>
+                <a:spcPts val="0"/>
+              </a:spcBef>
+              <a:spcAft>
+                <a:spcPts val="0"/>
+              </a:spcAft>
+              <a:buNone/>
+            </a:pPr>
             <a:endParaRPr/>
           </a:p>
         </p:txBody>
@@ -7457,12 +8168,12 @@
           </a:ln>
         </p:spPr>
         <p:txBody>
-          <a:bodyPr anchorCtr="0" anchor="t" bIns="45700" lIns="91425" spcFirstLastPara="1" rIns="91425" wrap="square" tIns="45700">
+          <a:bodyPr spcFirstLastPara="1" wrap="square" lIns="91425" tIns="45700" rIns="91425" bIns="45700" anchor="t" anchorCtr="0">
             <a:noAutofit/>
           </a:bodyPr>
           <a:lstStyle/>
           <a:p>
-            <a:pPr indent="0" lvl="0" marL="0" marR="0" rtl="0" algn="ctr">
+            <a:pPr marL="0" marR="0" lvl="0" indent="0" algn="ctr" rtl="0">
               <a:lnSpc>
                 <a:spcPct val="126318"/>
               </a:lnSpc>
@@ -7480,7 +8191,7 @@
               <a:buNone/>
             </a:pPr>
             <a:r>
-              <a:rPr b="1" lang="en-US" sz="2200">
+              <a:rPr lang="en-US" sz="2200" b="1">
                 <a:solidFill>
                   <a:srgbClr val="272525"/>
                 </a:solidFill>
@@ -7523,12 +8234,12 @@
           </a:ln>
         </p:spPr>
         <p:txBody>
-          <a:bodyPr anchorCtr="0" anchor="t" bIns="45700" lIns="91425" spcFirstLastPara="1" rIns="91425" wrap="square" tIns="45700">
+          <a:bodyPr spcFirstLastPara="1" wrap="square" lIns="91425" tIns="45700" rIns="91425" bIns="45700" anchor="t" anchorCtr="0">
             <a:noAutofit/>
           </a:bodyPr>
           <a:lstStyle/>
           <a:p>
-            <a:pPr indent="0" lvl="0" marL="0" marR="0" rtl="0" algn="l">
+            <a:pPr marL="0" marR="0" lvl="0" indent="0" algn="l" rtl="0">
               <a:lnSpc>
                 <a:spcPct val="128666"/>
               </a:lnSpc>
@@ -7546,7 +8257,7 @@
               <a:buNone/>
             </a:pPr>
             <a:r>
-              <a:rPr b="1" lang="en-US" sz="2200">
+              <a:rPr lang="en-US" sz="2200" b="1">
                 <a:solidFill>
                   <a:srgbClr val="272525"/>
                 </a:solidFill>
@@ -7589,12 +8300,12 @@
           </a:ln>
         </p:spPr>
         <p:txBody>
-          <a:bodyPr anchorCtr="0" anchor="t" bIns="45700" lIns="91425" spcFirstLastPara="1" rIns="91425" wrap="square" tIns="45700">
+          <a:bodyPr spcFirstLastPara="1" wrap="square" lIns="91425" tIns="45700" rIns="91425" bIns="45700" anchor="t" anchorCtr="0">
             <a:noAutofit/>
           </a:bodyPr>
           <a:lstStyle/>
           <a:p>
-            <a:pPr indent="0" lvl="0" marL="0" rtl="0" algn="l">
+            <a:pPr marL="0" lvl="0" indent="0" algn="l" rtl="0">
               <a:lnSpc>
                 <a:spcPct val="130000"/>
               </a:lnSpc>
@@ -7633,7 +8344,7 @@
             </a:endParaRPr>
           </a:p>
           <a:p>
-            <a:pPr indent="0" lvl="0" marL="0" rtl="0" algn="l">
+            <a:pPr marL="0" lvl="0" indent="0" algn="l" rtl="0">
               <a:lnSpc>
                 <a:spcPct val="130000"/>
               </a:lnSpc>
@@ -7686,40 +8397,37 @@
           </a:xfrm>
           <a:prstGeom prst="roundRect">
             <a:avLst>
-              <a:gd fmla="val 12958" name="adj"/>
+              <a:gd name="adj" fmla="val 12958"/>
             </a:avLst>
           </a:prstGeom>
           <a:solidFill>
             <a:srgbClr val="E0E0E0"/>
           </a:solidFill>
-          <a:ln cap="flat" cmpd="sng" w="9525">
+          <a:ln w="9525" cap="flat" cmpd="sng">
             <a:solidFill>
               <a:srgbClr val="B5B7E3"/>
             </a:solidFill>
             <a:prstDash val="solid"/>
             <a:round/>
-            <a:headEnd len="sm" w="sm" type="none"/>
-            <a:tailEnd len="sm" w="sm" type="none"/>
+            <a:headEnd type="none" w="sm" len="sm"/>
+            <a:tailEnd type="none" w="sm" len="sm"/>
           </a:ln>
         </p:spPr>
         <p:txBody>
-          <a:bodyPr anchorCtr="0" anchor="ctr" bIns="91425" lIns="91425" spcFirstLastPara="1" rIns="91425" wrap="square" tIns="91425">
+          <a:bodyPr spcFirstLastPara="1" wrap="square" lIns="91425" tIns="91425" rIns="91425" bIns="91425" anchor="ctr" anchorCtr="0">
             <a:noAutofit/>
           </a:bodyPr>
           <a:lstStyle/>
           <a:p>
-            <a:pPr indent="0" lvl="0" marL="0" rtl="0" algn="l">
-              <a:spcBef>
-                <a:spcPts val="0"/>
-              </a:spcBef>
-              <a:spcAft>
-                <a:spcPts val="0"/>
-              </a:spcAft>
-              <a:buNone/>
-            </a:pPr>
-            <a:r>
-              <a:t/>
-            </a:r>
+            <a:pPr marL="0" lvl="0" indent="0" algn="l" rtl="0">
+              <a:spcBef>
+                <a:spcPts val="0"/>
+              </a:spcBef>
+              <a:spcAft>
+                <a:spcPts val="0"/>
+              </a:spcAft>
+              <a:buNone/>
+            </a:pPr>
             <a:endParaRPr/>
           </a:p>
         </p:txBody>
@@ -7746,12 +8454,12 @@
           </a:ln>
         </p:spPr>
         <p:txBody>
-          <a:bodyPr anchorCtr="0" anchor="t" bIns="45700" lIns="91425" spcFirstLastPara="1" rIns="91425" wrap="square" tIns="45700">
+          <a:bodyPr spcFirstLastPara="1" wrap="square" lIns="91425" tIns="45700" rIns="91425" bIns="45700" anchor="t" anchorCtr="0">
             <a:noAutofit/>
           </a:bodyPr>
           <a:lstStyle/>
           <a:p>
-            <a:pPr indent="0" lvl="0" marL="0" marR="0" rtl="0" algn="ctr">
+            <a:pPr marL="0" marR="0" lvl="0" indent="0" algn="ctr" rtl="0">
               <a:lnSpc>
                 <a:spcPct val="126318"/>
               </a:lnSpc>
@@ -7769,7 +8477,7 @@
               <a:buNone/>
             </a:pPr>
             <a:r>
-              <a:rPr b="1" lang="en-US" sz="2200">
+              <a:rPr lang="en-US" sz="2200" b="1">
                 <a:solidFill>
                   <a:srgbClr val="272525"/>
                 </a:solidFill>
@@ -7812,12 +8520,12 @@
           </a:ln>
         </p:spPr>
         <p:txBody>
-          <a:bodyPr anchorCtr="0" anchor="t" bIns="45700" lIns="91425" spcFirstLastPara="1" rIns="91425" wrap="square" tIns="45700">
+          <a:bodyPr spcFirstLastPara="1" wrap="square" lIns="91425" tIns="45700" rIns="91425" bIns="45700" anchor="t" anchorCtr="0">
             <a:noAutofit/>
           </a:bodyPr>
           <a:lstStyle/>
           <a:p>
-            <a:pPr indent="0" lvl="0" marL="0" rtl="0" algn="l">
+            <a:pPr marL="0" lvl="0" indent="0" algn="l" rtl="0">
               <a:lnSpc>
                 <a:spcPct val="130000"/>
               </a:lnSpc>
@@ -7834,7 +8542,7 @@
               <a:buNone/>
             </a:pPr>
             <a:r>
-              <a:rPr b="1" lang="en-US" sz="2200">
+              <a:rPr lang="en-US" sz="2200" b="1">
                 <a:solidFill>
                   <a:schemeClr val="dk1"/>
                 </a:solidFill>
@@ -7877,12 +8585,12 @@
           </a:ln>
         </p:spPr>
         <p:txBody>
-          <a:bodyPr anchorCtr="0" anchor="t" bIns="45700" lIns="91425" spcFirstLastPara="1" rIns="91425" wrap="square" tIns="45700">
+          <a:bodyPr spcFirstLastPara="1" wrap="square" lIns="91425" tIns="45700" rIns="91425" bIns="45700" anchor="t" anchorCtr="0">
             <a:noAutofit/>
           </a:bodyPr>
           <a:lstStyle/>
           <a:p>
-            <a:pPr indent="0" lvl="0" marL="0" rtl="0" algn="l">
+            <a:pPr marL="0" lvl="0" indent="0" algn="l" rtl="0">
               <a:lnSpc>
                 <a:spcPct val="130000"/>
               </a:lnSpc>
@@ -7899,7 +8607,7 @@
               <a:buNone/>
             </a:pPr>
             <a:r>
-              <a:rPr lang="en-US" sz="1600">
+              <a:rPr lang="en-US" sz="1600" dirty="0">
                 <a:solidFill>
                   <a:schemeClr val="dk1"/>
                 </a:solidFill>
@@ -7908,9 +8616,129 @@
                 <a:cs typeface="Calibri"/>
                 <a:sym typeface="Calibri"/>
               </a:rPr>
-              <a:t>    - HTML의 Layout 과 css layout 종류 설명 (flex, grid, float)</a:t>
-            </a:r>
-            <a:endParaRPr sz="1600">
+              <a:t>    - </a:t>
+            </a:r>
+            <a:r>
+              <a:rPr lang="en-US" sz="1600" dirty="0" err="1">
+                <a:solidFill>
+                  <a:schemeClr val="dk1"/>
+                </a:solidFill>
+                <a:latin typeface="Calibri"/>
+                <a:ea typeface="Calibri"/>
+                <a:cs typeface="Calibri"/>
+                <a:sym typeface="Calibri"/>
+              </a:rPr>
+              <a:t>HTML의</a:t>
+            </a:r>
+            <a:r>
+              <a:rPr lang="en-US" sz="1600" dirty="0">
+                <a:solidFill>
+                  <a:schemeClr val="dk1"/>
+                </a:solidFill>
+                <a:latin typeface="Calibri"/>
+                <a:ea typeface="Calibri"/>
+                <a:cs typeface="Calibri"/>
+                <a:sym typeface="Calibri"/>
+              </a:rPr>
+              <a:t> Layout </a:t>
+            </a:r>
+            <a:r>
+              <a:rPr lang="en-US" sz="1600" dirty="0" err="1">
+                <a:solidFill>
+                  <a:schemeClr val="dk1"/>
+                </a:solidFill>
+                <a:latin typeface="Calibri"/>
+                <a:ea typeface="Calibri"/>
+                <a:cs typeface="Calibri"/>
+                <a:sym typeface="Calibri"/>
+              </a:rPr>
+              <a:t>과</a:t>
+            </a:r>
+            <a:r>
+              <a:rPr lang="en-US" sz="1600" dirty="0">
+                <a:solidFill>
+                  <a:schemeClr val="dk1"/>
+                </a:solidFill>
+                <a:latin typeface="Calibri"/>
+                <a:ea typeface="Calibri"/>
+                <a:cs typeface="Calibri"/>
+                <a:sym typeface="Calibri"/>
+              </a:rPr>
+              <a:t> </a:t>
+            </a:r>
+            <a:r>
+              <a:rPr lang="en-US" sz="1600" dirty="0" err="1">
+                <a:solidFill>
+                  <a:schemeClr val="dk1"/>
+                </a:solidFill>
+                <a:latin typeface="Calibri"/>
+                <a:ea typeface="Calibri"/>
+                <a:cs typeface="Calibri"/>
+                <a:sym typeface="Calibri"/>
+              </a:rPr>
+              <a:t>css</a:t>
+            </a:r>
+            <a:r>
+              <a:rPr lang="en-US" sz="1600" dirty="0">
+                <a:solidFill>
+                  <a:schemeClr val="dk1"/>
+                </a:solidFill>
+                <a:latin typeface="Calibri"/>
+                <a:ea typeface="Calibri"/>
+                <a:cs typeface="Calibri"/>
+                <a:sym typeface="Calibri"/>
+              </a:rPr>
+              <a:t> layout </a:t>
+            </a:r>
+            <a:r>
+              <a:rPr lang="en-US" sz="1600" dirty="0" err="1">
+                <a:solidFill>
+                  <a:schemeClr val="dk1"/>
+                </a:solidFill>
+                <a:latin typeface="Calibri"/>
+                <a:ea typeface="Calibri"/>
+                <a:cs typeface="Calibri"/>
+                <a:sym typeface="Calibri"/>
+              </a:rPr>
+              <a:t>종류</a:t>
+            </a:r>
+            <a:r>
+              <a:rPr lang="en-US" sz="1600" dirty="0">
+                <a:solidFill>
+                  <a:schemeClr val="dk1"/>
+                </a:solidFill>
+                <a:latin typeface="Calibri"/>
+                <a:ea typeface="Calibri"/>
+                <a:cs typeface="Calibri"/>
+                <a:sym typeface="Calibri"/>
+              </a:rPr>
+              <a:t> </a:t>
+            </a:r>
+            <a:r>
+              <a:rPr lang="en-US" sz="1600" dirty="0" err="1">
+                <a:solidFill>
+                  <a:schemeClr val="dk1"/>
+                </a:solidFill>
+                <a:latin typeface="Calibri"/>
+                <a:ea typeface="Calibri"/>
+                <a:cs typeface="Calibri"/>
+                <a:sym typeface="Calibri"/>
+              </a:rPr>
+              <a:t>설명</a:t>
+            </a:r>
+            <a:r>
+              <a:rPr lang="en-US" sz="1600" dirty="0">
+                <a:solidFill>
+                  <a:schemeClr val="dk1"/>
+                </a:solidFill>
+                <a:latin typeface="Calibri"/>
+                <a:ea typeface="Calibri"/>
+                <a:cs typeface="Calibri"/>
+                <a:sym typeface="Calibri"/>
+              </a:rPr>
+              <a:t> (flex, grid, float)</a:t>
+            </a:r>
+            <a:endParaRPr sz="1600" dirty="0">
               <a:solidFill>
                 <a:schemeClr val="dk1"/>
               </a:solidFill>
@@ -7921,7 +8749,7 @@
             </a:endParaRPr>
           </a:p>
           <a:p>
-            <a:pPr indent="0" lvl="0" marL="0" rtl="0" algn="l">
+            <a:pPr marL="0" lvl="0" indent="0" algn="l" rtl="0">
               <a:lnSpc>
                 <a:spcPct val="130000"/>
               </a:lnSpc>
@@ -7938,7 +8766,7 @@
               <a:buNone/>
             </a:pPr>
             <a:r>
-              <a:rPr lang="en-US" sz="1600">
+              <a:rPr lang="en-US" sz="1600" dirty="0">
                 <a:solidFill>
                   <a:schemeClr val="dk1"/>
                 </a:solidFill>
@@ -7947,10 +8775,94 @@
                 <a:cs typeface="Calibri"/>
                 <a:sym typeface="Calibri"/>
               </a:rPr>
-              <a:t>    - 각각의 예제 코드 작성</a:t>
+              <a:t>    - </a:t>
+            </a:r>
+            <a:r>
+              <a:rPr lang="en-US" sz="1600" dirty="0" err="1">
+                <a:solidFill>
+                  <a:schemeClr val="dk1"/>
+                </a:solidFill>
+                <a:latin typeface="Calibri"/>
+                <a:ea typeface="Calibri"/>
+                <a:cs typeface="Calibri"/>
+                <a:sym typeface="Calibri"/>
+              </a:rPr>
+              <a:t>각각의</a:t>
+            </a:r>
+            <a:r>
+              <a:rPr lang="en-US" sz="1600" dirty="0">
+                <a:solidFill>
+                  <a:schemeClr val="dk1"/>
+                </a:solidFill>
+                <a:latin typeface="Calibri"/>
+                <a:ea typeface="Calibri"/>
+                <a:cs typeface="Calibri"/>
+                <a:sym typeface="Calibri"/>
+              </a:rPr>
+              <a:t> </a:t>
+            </a:r>
+            <a:r>
+              <a:rPr lang="en-US" sz="1600" dirty="0" err="1">
+                <a:solidFill>
+                  <a:schemeClr val="dk1"/>
+                </a:solidFill>
+                <a:latin typeface="Calibri"/>
+                <a:ea typeface="Calibri"/>
+                <a:cs typeface="Calibri"/>
+                <a:sym typeface="Calibri"/>
+              </a:rPr>
+              <a:t>예제</a:t>
+            </a:r>
+            <a:r>
+              <a:rPr lang="en-US" sz="1600" dirty="0">
+                <a:solidFill>
+                  <a:schemeClr val="dk1"/>
+                </a:solidFill>
+                <a:latin typeface="Calibri"/>
+                <a:ea typeface="Calibri"/>
+                <a:cs typeface="Calibri"/>
+                <a:sym typeface="Calibri"/>
+              </a:rPr>
+              <a:t> </a:t>
+            </a:r>
+            <a:r>
+              <a:rPr lang="en-US" sz="1600" dirty="0" err="1">
+                <a:solidFill>
+                  <a:schemeClr val="dk1"/>
+                </a:solidFill>
+                <a:latin typeface="Calibri"/>
+                <a:ea typeface="Calibri"/>
+                <a:cs typeface="Calibri"/>
+                <a:sym typeface="Calibri"/>
+              </a:rPr>
+              <a:t>코드</a:t>
+            </a:r>
+            <a:r>
+              <a:rPr lang="en-US" sz="1600" dirty="0">
+                <a:solidFill>
+                  <a:schemeClr val="dk1"/>
+                </a:solidFill>
+                <a:latin typeface="Calibri"/>
+                <a:ea typeface="Calibri"/>
+                <a:cs typeface="Calibri"/>
+                <a:sym typeface="Calibri"/>
+              </a:rPr>
+              <a:t> </a:t>
+            </a:r>
+            <a:r>
+              <a:rPr lang="en-US" sz="1600" dirty="0" err="1">
+                <a:solidFill>
+                  <a:schemeClr val="dk1"/>
+                </a:solidFill>
+                <a:latin typeface="Calibri"/>
+                <a:ea typeface="Calibri"/>
+                <a:cs typeface="Calibri"/>
+                <a:sym typeface="Calibri"/>
+              </a:rPr>
+              <a:t>작성</a:t>
             </a:r>
             <a:br>
-              <a:rPr lang="en-US" sz="1600">
+              <a:rPr lang="en-US" sz="1600" dirty="0">
                 <a:solidFill>
                   <a:schemeClr val="dk1"/>
                 </a:solidFill>
@@ -7961,7 +8873,7 @@
               </a:rPr>
             </a:br>
             <a:r>
-              <a:rPr lang="en-US" sz="1600">
+              <a:rPr lang="en-US" sz="1600" dirty="0">
                 <a:solidFill>
                   <a:schemeClr val="dk1"/>
                 </a:solidFill>
@@ -7973,7 +8885,7 @@
               <a:t>    * </a:t>
             </a:r>
             <a:r>
-              <a:rPr b="1" lang="en-US" sz="1600" u="sng">
+              <a:rPr lang="en-US" sz="1600" b="1" u="sng" dirty="0">
                 <a:solidFill>
                   <a:schemeClr val="hlink"/>
                 </a:solidFill>
@@ -7985,7 +8897,7 @@
               </a:rPr>
               <a:t>참고 링크</a:t>
             </a:r>
-            <a:endParaRPr sz="1600">
+            <a:endParaRPr sz="1600" dirty="0">
               <a:solidFill>
                 <a:schemeClr val="dk1"/>
               </a:solidFill>
@@ -8010,40 +8922,37 @@
           </a:xfrm>
           <a:prstGeom prst="roundRect">
             <a:avLst>
-              <a:gd fmla="val 12958" name="adj"/>
+              <a:gd name="adj" fmla="val 12958"/>
             </a:avLst>
           </a:prstGeom>
           <a:solidFill>
             <a:srgbClr val="E0E0E0"/>
           </a:solidFill>
-          <a:ln cap="flat" cmpd="sng" w="9525">
+          <a:ln w="9525" cap="flat" cmpd="sng">
             <a:solidFill>
               <a:srgbClr val="B5B7E3"/>
             </a:solidFill>
             <a:prstDash val="solid"/>
             <a:round/>
-            <a:headEnd len="sm" w="sm" type="none"/>
-            <a:tailEnd len="sm" w="sm" type="none"/>
+            <a:headEnd type="none" w="sm" len="sm"/>
+            <a:tailEnd type="none" w="sm" len="sm"/>
           </a:ln>
         </p:spPr>
         <p:txBody>
-          <a:bodyPr anchorCtr="0" anchor="ctr" bIns="91425" lIns="91425" spcFirstLastPara="1" rIns="91425" wrap="square" tIns="91425">
+          <a:bodyPr spcFirstLastPara="1" wrap="square" lIns="91425" tIns="91425" rIns="91425" bIns="91425" anchor="ctr" anchorCtr="0">
             <a:noAutofit/>
           </a:bodyPr>
           <a:lstStyle/>
           <a:p>
-            <a:pPr indent="0" lvl="0" marL="0" rtl="0" algn="l">
-              <a:spcBef>
-                <a:spcPts val="0"/>
-              </a:spcBef>
-              <a:spcAft>
-                <a:spcPts val="0"/>
-              </a:spcAft>
-              <a:buNone/>
-            </a:pPr>
-            <a:r>
-              <a:t/>
-            </a:r>
+            <a:pPr marL="0" lvl="0" indent="0" algn="l" rtl="0">
+              <a:spcBef>
+                <a:spcPts val="0"/>
+              </a:spcBef>
+              <a:spcAft>
+                <a:spcPts val="0"/>
+              </a:spcAft>
+              <a:buNone/>
+            </a:pPr>
             <a:endParaRPr/>
           </a:p>
         </p:txBody>
@@ -8070,12 +8979,12 @@
           </a:ln>
         </p:spPr>
         <p:txBody>
-          <a:bodyPr anchorCtr="0" anchor="t" bIns="45700" lIns="91425" spcFirstLastPara="1" rIns="91425" wrap="square" tIns="45700">
+          <a:bodyPr spcFirstLastPara="1" wrap="square" lIns="91425" tIns="45700" rIns="91425" bIns="45700" anchor="t" anchorCtr="0">
             <a:noAutofit/>
           </a:bodyPr>
           <a:lstStyle/>
           <a:p>
-            <a:pPr indent="0" lvl="0" marL="0" marR="0" rtl="0" algn="l">
+            <a:pPr marL="0" marR="0" lvl="0" indent="0" algn="l" rtl="0">
               <a:lnSpc>
                 <a:spcPct val="126318"/>
               </a:lnSpc>
@@ -8093,7 +9002,7 @@
               <a:buNone/>
             </a:pPr>
             <a:r>
-              <a:rPr b="1" lang="en-US" sz="2200">
+              <a:rPr lang="en-US" sz="2200" b="1">
                 <a:solidFill>
                   <a:srgbClr val="272525"/>
                 </a:solidFill>
@@ -8136,12 +9045,12 @@
           </a:ln>
         </p:spPr>
         <p:txBody>
-          <a:bodyPr anchorCtr="0" anchor="t" bIns="45700" lIns="91425" spcFirstLastPara="1" rIns="91425" wrap="square" tIns="45700">
+          <a:bodyPr spcFirstLastPara="1" wrap="square" lIns="91425" tIns="45700" rIns="91425" bIns="45700" anchor="t" anchorCtr="0">
             <a:noAutofit/>
           </a:bodyPr>
           <a:lstStyle/>
           <a:p>
-            <a:pPr indent="0" lvl="0" marL="0" rtl="0" algn="l">
+            <a:pPr marL="0" lvl="0" indent="0" algn="l" rtl="0">
               <a:lnSpc>
                 <a:spcPct val="130000"/>
               </a:lnSpc>
@@ -8158,7 +9067,7 @@
               <a:buNone/>
             </a:pPr>
             <a:r>
-              <a:rPr b="1" lang="en-US" sz="2200">
+              <a:rPr lang="en-US" sz="2200" b="1">
                 <a:solidFill>
                   <a:schemeClr val="dk1"/>
                 </a:solidFill>
@@ -8201,12 +9110,12 @@
           </a:ln>
         </p:spPr>
         <p:txBody>
-          <a:bodyPr anchorCtr="0" anchor="t" bIns="45700" lIns="91425" spcFirstLastPara="1" rIns="91425" wrap="square" tIns="45700">
+          <a:bodyPr spcFirstLastPara="1" wrap="square" lIns="91425" tIns="45700" rIns="91425" bIns="45700" anchor="t" anchorCtr="0">
             <a:noAutofit/>
           </a:bodyPr>
           <a:lstStyle/>
           <a:p>
-            <a:pPr indent="0" lvl="0" marL="0" rtl="0" algn="l">
+            <a:pPr marL="0" lvl="0" indent="0" algn="l" rtl="0">
               <a:lnSpc>
                 <a:spcPct val="130000"/>
               </a:lnSpc>
@@ -8253,7 +9162,7 @@
             </a:endParaRPr>
           </a:p>
           <a:p>
-            <a:pPr indent="0" lvl="0" marL="0" rtl="0" algn="l">
+            <a:pPr marL="0" lvl="0" indent="0" algn="l" rtl="0">
               <a:lnSpc>
                 <a:spcPct val="130000"/>
               </a:lnSpc>
@@ -8292,7 +9201,7 @@
             </a:endParaRPr>
           </a:p>
           <a:p>
-            <a:pPr indent="0" lvl="0" marL="0" rtl="0" algn="l">
+            <a:pPr marL="0" lvl="0" indent="0" algn="l" rtl="0">
               <a:lnSpc>
                 <a:spcPct val="130000"/>
               </a:lnSpc>
@@ -8321,7 +9230,7 @@
               <a:t>    * </a:t>
             </a:r>
             <a:r>
-              <a:rPr b="1" lang="en-US" sz="1600" u="sng">
+              <a:rPr lang="en-US" sz="1600" b="1" u="sng">
                 <a:solidFill>
                   <a:schemeClr val="hlink"/>
                 </a:solidFill>
@@ -8358,40 +9267,37 @@
           </a:xfrm>
           <a:prstGeom prst="roundRect">
             <a:avLst>
-              <a:gd fmla="val 4670" name="adj"/>
+              <a:gd name="adj" fmla="val 4670"/>
             </a:avLst>
           </a:prstGeom>
           <a:solidFill>
             <a:srgbClr val="E0E0E0"/>
           </a:solidFill>
-          <a:ln cap="flat" cmpd="sng" w="9525">
+          <a:ln w="9525" cap="flat" cmpd="sng">
             <a:solidFill>
               <a:srgbClr val="B5B7E3"/>
             </a:solidFill>
             <a:prstDash val="solid"/>
             <a:round/>
-            <a:headEnd len="sm" w="sm" type="none"/>
-            <a:tailEnd len="sm" w="sm" type="none"/>
+            <a:headEnd type="none" w="sm" len="sm"/>
+            <a:tailEnd type="none" w="sm" len="sm"/>
           </a:ln>
         </p:spPr>
         <p:txBody>
-          <a:bodyPr anchorCtr="0" anchor="ctr" bIns="45700" lIns="91425" spcFirstLastPara="1" rIns="91425" wrap="square" tIns="45700">
+          <a:bodyPr spcFirstLastPara="1" wrap="square" lIns="91425" tIns="45700" rIns="91425" bIns="45700" anchor="ctr" anchorCtr="0">
             <a:noAutofit/>
           </a:bodyPr>
           <a:lstStyle/>
           <a:p>
-            <a:pPr indent="0" lvl="0" marL="0" marR="0" rtl="0" algn="l">
-              <a:spcBef>
-                <a:spcPts val="0"/>
-              </a:spcBef>
-              <a:spcAft>
-                <a:spcPts val="0"/>
-              </a:spcAft>
-              <a:buNone/>
-            </a:pPr>
-            <a:r>
-              <a:t/>
-            </a:r>
+            <a:pPr marL="0" marR="0" lvl="0" indent="0" algn="l" rtl="0">
+              <a:spcBef>
+                <a:spcPts val="0"/>
+              </a:spcBef>
+              <a:spcAft>
+                <a:spcPts val="0"/>
+              </a:spcAft>
+              <a:buNone/>
+            </a:pPr>
             <a:endParaRPr sz="1800">
               <a:solidFill>
                 <a:schemeClr val="dk1"/>
@@ -8424,12 +9330,12 @@
           </a:ln>
         </p:spPr>
         <p:txBody>
-          <a:bodyPr anchorCtr="0" anchor="ctr" bIns="45700" lIns="91425" spcFirstLastPara="1" rIns="91425" wrap="square" tIns="45700">
+          <a:bodyPr spcFirstLastPara="1" wrap="square" lIns="91425" tIns="45700" rIns="91425" bIns="45700" anchor="ctr" anchorCtr="0">
             <a:spAutoFit/>
           </a:bodyPr>
           <a:lstStyle/>
           <a:p>
-            <a:pPr indent="0" lvl="0" marL="0" rtl="0" algn="l">
+            <a:pPr marL="0" lvl="0" indent="0" algn="l" rtl="0">
               <a:lnSpc>
                 <a:spcPct val="130000"/>
               </a:lnSpc>
@@ -8446,7 +9352,7 @@
               <a:buNone/>
             </a:pPr>
             <a:r>
-              <a:rPr b="1" lang="en-US" sz="1800">
+              <a:rPr lang="en-US" sz="1800" b="1" dirty="0">
                 <a:solidFill>
                   <a:srgbClr val="272525"/>
                 </a:solidFill>
@@ -8455,9 +9361,21 @@
                 <a:cs typeface="Calibri"/>
                 <a:sym typeface="Calibri"/>
               </a:rPr>
-              <a:t>repository 주소</a:t>
-            </a:r>
-            <a:endParaRPr sz="1600">
+              <a:t>repository </a:t>
+            </a:r>
+            <a:r>
+              <a:rPr lang="en-US" sz="1800" b="1" dirty="0" err="1">
+                <a:solidFill>
+                  <a:srgbClr val="272525"/>
+                </a:solidFill>
+                <a:latin typeface="Calibri"/>
+                <a:ea typeface="Calibri"/>
+                <a:cs typeface="Calibri"/>
+                <a:sym typeface="Calibri"/>
+              </a:rPr>
+              <a:t>주소</a:t>
+            </a:r>
+            <a:endParaRPr sz="1600" dirty="0">
               <a:solidFill>
                 <a:srgbClr val="272525"/>
               </a:solidFill>
@@ -8468,7 +9386,7 @@
             </a:endParaRPr>
           </a:p>
           <a:p>
-            <a:pPr indent="0" lvl="0" marL="0" rtl="0" algn="l">
+            <a:pPr marL="0" lvl="0" indent="0" algn="l" rtl="0">
               <a:lnSpc>
                 <a:spcPct val="130000"/>
               </a:lnSpc>
@@ -8481,7 +9399,7 @@
               <a:buNone/>
             </a:pPr>
             <a:r>
-              <a:rPr lang="en-US" sz="1600">
+              <a:rPr lang="en-US" sz="1600" dirty="0" err="1">
                 <a:solidFill>
                   <a:srgbClr val="272525"/>
                 </a:solidFill>
@@ -8490,10 +9408,10 @@
                 <a:cs typeface="Calibri"/>
                 <a:sym typeface="Calibri"/>
               </a:rPr>
-              <a:t>자기소개서 구현</a:t>
-            </a:r>
-            <a:r>
-              <a:rPr lang="en-US" sz="1600">
+              <a:t>자기소개서</a:t>
+            </a:r>
+            <a:r>
+              <a:rPr lang="en-US" sz="1600" dirty="0">
                 <a:solidFill>
                   <a:srgbClr val="272525"/>
                 </a:solidFill>
@@ -8502,10 +9420,10 @@
                 <a:cs typeface="Calibri"/>
                 <a:sym typeface="Calibri"/>
               </a:rPr>
-              <a:t> 사항이</a:t>
-            </a:r>
-            <a:r>
-              <a:rPr lang="en-US" sz="1600">
+              <a:t> </a:t>
+            </a:r>
+            <a:r>
+              <a:rPr lang="en-US" sz="1600" dirty="0" err="1">
                 <a:solidFill>
                   <a:srgbClr val="272525"/>
                 </a:solidFill>
@@ -8514,9 +9432,81 @@
                 <a:cs typeface="Calibri"/>
                 <a:sym typeface="Calibri"/>
               </a:rPr>
-              <a:t> 포함된 Repository 링크</a:t>
-            </a:r>
-            <a:endParaRPr sz="1600">
+              <a:t>구현</a:t>
+            </a:r>
+            <a:r>
+              <a:rPr lang="en-US" sz="1600" dirty="0">
+                <a:solidFill>
+                  <a:srgbClr val="272525"/>
+                </a:solidFill>
+                <a:latin typeface="Calibri"/>
+                <a:ea typeface="Calibri"/>
+                <a:cs typeface="Calibri"/>
+                <a:sym typeface="Calibri"/>
+              </a:rPr>
+              <a:t> </a:t>
+            </a:r>
+            <a:r>
+              <a:rPr lang="en-US" sz="1600" dirty="0" err="1">
+                <a:solidFill>
+                  <a:srgbClr val="272525"/>
+                </a:solidFill>
+                <a:latin typeface="Calibri"/>
+                <a:ea typeface="Calibri"/>
+                <a:cs typeface="Calibri"/>
+                <a:sym typeface="Calibri"/>
+              </a:rPr>
+              <a:t>사항이</a:t>
+            </a:r>
+            <a:r>
+              <a:rPr lang="en-US" sz="1600" dirty="0">
+                <a:solidFill>
+                  <a:srgbClr val="272525"/>
+                </a:solidFill>
+                <a:latin typeface="Calibri"/>
+                <a:ea typeface="Calibri"/>
+                <a:cs typeface="Calibri"/>
+                <a:sym typeface="Calibri"/>
+              </a:rPr>
+              <a:t> </a:t>
+            </a:r>
+            <a:r>
+              <a:rPr lang="en-US" sz="1600" dirty="0" err="1">
+                <a:solidFill>
+                  <a:srgbClr val="272525"/>
+                </a:solidFill>
+                <a:latin typeface="Calibri"/>
+                <a:ea typeface="Calibri"/>
+                <a:cs typeface="Calibri"/>
+                <a:sym typeface="Calibri"/>
+              </a:rPr>
+              <a:t>포함된</a:t>
+            </a:r>
+            <a:r>
+              <a:rPr lang="en-US" sz="1600" dirty="0">
+                <a:solidFill>
+                  <a:srgbClr val="272525"/>
+                </a:solidFill>
+                <a:latin typeface="Calibri"/>
+                <a:ea typeface="Calibri"/>
+                <a:cs typeface="Calibri"/>
+                <a:sym typeface="Calibri"/>
+              </a:rPr>
+              <a:t> Repository </a:t>
+            </a:r>
+            <a:r>
+              <a:rPr lang="en-US" sz="1600" dirty="0" err="1">
+                <a:solidFill>
+                  <a:srgbClr val="272525"/>
+                </a:solidFill>
+                <a:latin typeface="Calibri"/>
+                <a:ea typeface="Calibri"/>
+                <a:cs typeface="Calibri"/>
+                <a:sym typeface="Calibri"/>
+              </a:rPr>
+              <a:t>링크</a:t>
+            </a:r>
+            <a:endParaRPr sz="1600" dirty="0">
               <a:solidFill>
                 <a:srgbClr val="272525"/>
               </a:solidFill>
@@ -8527,7 +9517,7 @@
             </a:endParaRPr>
           </a:p>
           <a:p>
-            <a:pPr indent="0" lvl="0" marL="0" rtl="0" algn="l">
+            <a:pPr marL="0" lvl="0" indent="0" algn="l" rtl="0">
               <a:lnSpc>
                 <a:spcPct val="130000"/>
               </a:lnSpc>
@@ -8544,7 +9534,7 @@
               <a:buNone/>
             </a:pPr>
             <a:r>
-              <a:rPr lang="en-US" sz="1600">
+              <a:rPr lang="en-US" sz="1600" dirty="0" err="1">
                 <a:solidFill>
                   <a:srgbClr val="272525"/>
                 </a:solidFill>
@@ -8553,9 +9543,93 @@
                 <a:cs typeface="Calibri"/>
                 <a:sym typeface="Calibri"/>
               </a:rPr>
-              <a:t>기본개념이 정리된 ms office파일 </a:t>
-            </a:r>
-            <a:endParaRPr sz="1600">
+              <a:t>기본개념이</a:t>
+            </a:r>
+            <a:r>
+              <a:rPr lang="en-US" sz="1600" dirty="0">
+                <a:solidFill>
+                  <a:srgbClr val="272525"/>
+                </a:solidFill>
+                <a:latin typeface="Calibri"/>
+                <a:ea typeface="Calibri"/>
+                <a:cs typeface="Calibri"/>
+                <a:sym typeface="Calibri"/>
+              </a:rPr>
+              <a:t> </a:t>
+            </a:r>
+            <a:r>
+              <a:rPr lang="en-US" sz="1600" dirty="0" err="1">
+                <a:solidFill>
+                  <a:srgbClr val="272525"/>
+                </a:solidFill>
+                <a:latin typeface="Calibri"/>
+                <a:ea typeface="Calibri"/>
+                <a:cs typeface="Calibri"/>
+                <a:sym typeface="Calibri"/>
+              </a:rPr>
+              <a:t>정리된</a:t>
+            </a:r>
+            <a:r>
+              <a:rPr lang="en-US" sz="1600" dirty="0">
+                <a:solidFill>
+                  <a:srgbClr val="272525"/>
+                </a:solidFill>
+                <a:latin typeface="Calibri"/>
+                <a:ea typeface="Calibri"/>
+                <a:cs typeface="Calibri"/>
+                <a:sym typeface="Calibri"/>
+              </a:rPr>
+              <a:t> </a:t>
+            </a:r>
+            <a:r>
+              <a:rPr lang="en-US" sz="1600" dirty="0" err="1">
+                <a:solidFill>
+                  <a:srgbClr val="272525"/>
+                </a:solidFill>
+                <a:latin typeface="Calibri"/>
+                <a:ea typeface="Calibri"/>
+                <a:cs typeface="Calibri"/>
+                <a:sym typeface="Calibri"/>
+              </a:rPr>
+              <a:t>ms</a:t>
+            </a:r>
+            <a:r>
+              <a:rPr lang="en-US" sz="1600" dirty="0">
+                <a:solidFill>
+                  <a:srgbClr val="272525"/>
+                </a:solidFill>
+                <a:latin typeface="Calibri"/>
+                <a:ea typeface="Calibri"/>
+                <a:cs typeface="Calibri"/>
+                <a:sym typeface="Calibri"/>
+              </a:rPr>
+              <a:t> </a:t>
+            </a:r>
+            <a:r>
+              <a:rPr lang="en-US" sz="1600" dirty="0" err="1">
+                <a:solidFill>
+                  <a:srgbClr val="272525"/>
+                </a:solidFill>
+                <a:latin typeface="Calibri"/>
+                <a:ea typeface="Calibri"/>
+                <a:cs typeface="Calibri"/>
+                <a:sym typeface="Calibri"/>
+              </a:rPr>
+              <a:t>office파일</a:t>
+            </a:r>
+            <a:r>
+              <a:rPr lang="en-US" sz="1600" dirty="0">
+                <a:solidFill>
+                  <a:srgbClr val="272525"/>
+                </a:solidFill>
+                <a:latin typeface="Calibri"/>
+                <a:ea typeface="Calibri"/>
+                <a:cs typeface="Calibri"/>
+                <a:sym typeface="Calibri"/>
+              </a:rPr>
+              <a:t> </a:t>
+            </a:r>
+            <a:endParaRPr sz="1600" dirty="0">
               <a:solidFill>
                 <a:srgbClr val="272525"/>
               </a:solidFill>
@@ -8587,12 +9661,12 @@
           </a:ln>
         </p:spPr>
         <p:txBody>
-          <a:bodyPr anchorCtr="0" anchor="t" bIns="45700" lIns="91425" spcFirstLastPara="1" rIns="91425" wrap="square" tIns="45700">
+          <a:bodyPr spcFirstLastPara="1" wrap="square" lIns="91425" tIns="45700" rIns="91425" bIns="45700" anchor="t" anchorCtr="0">
             <a:noAutofit/>
           </a:bodyPr>
           <a:lstStyle/>
           <a:p>
-            <a:pPr indent="0" lvl="0" marL="0" marR="0" rtl="0" algn="l">
+            <a:pPr marL="0" marR="0" lvl="0" indent="0" algn="l" rtl="0">
               <a:lnSpc>
                 <a:spcPct val="126318"/>
               </a:lnSpc>
@@ -8610,7 +9684,7 @@
               <a:buNone/>
             </a:pPr>
             <a:r>
-              <a:rPr b="1" lang="en-US" sz="2200">
+              <a:rPr lang="en-US" sz="2200" b="1">
                 <a:solidFill>
                   <a:srgbClr val="FF0000"/>
                 </a:solidFill>
@@ -8646,40 +9720,37 @@
           </a:xfrm>
           <a:prstGeom prst="roundRect">
             <a:avLst>
-              <a:gd fmla="val 12958" name="adj"/>
+              <a:gd name="adj" fmla="val 12958"/>
             </a:avLst>
           </a:prstGeom>
           <a:solidFill>
             <a:srgbClr val="E0E0E0"/>
           </a:solidFill>
-          <a:ln cap="flat" cmpd="sng" w="9525">
+          <a:ln w="9525" cap="flat" cmpd="sng">
             <a:solidFill>
               <a:srgbClr val="B5B7E3"/>
             </a:solidFill>
             <a:prstDash val="solid"/>
             <a:round/>
-            <a:headEnd len="sm" w="sm" type="none"/>
-            <a:tailEnd len="sm" w="sm" type="none"/>
+            <a:headEnd type="none" w="sm" len="sm"/>
+            <a:tailEnd type="none" w="sm" len="sm"/>
           </a:ln>
         </p:spPr>
         <p:txBody>
-          <a:bodyPr anchorCtr="0" anchor="ctr" bIns="91425" lIns="91425" spcFirstLastPara="1" rIns="91425" wrap="square" tIns="91425">
+          <a:bodyPr spcFirstLastPara="1" wrap="square" lIns="91425" tIns="91425" rIns="91425" bIns="91425" anchor="ctr" anchorCtr="0">
             <a:noAutofit/>
           </a:bodyPr>
           <a:lstStyle/>
           <a:p>
-            <a:pPr indent="0" lvl="0" marL="0" rtl="0" algn="l">
-              <a:spcBef>
-                <a:spcPts val="0"/>
-              </a:spcBef>
-              <a:spcAft>
-                <a:spcPts val="0"/>
-              </a:spcAft>
-              <a:buNone/>
-            </a:pPr>
-            <a:r>
-              <a:t/>
-            </a:r>
+            <a:pPr marL="0" lvl="0" indent="0" algn="l" rtl="0">
+              <a:spcBef>
+                <a:spcPts val="0"/>
+              </a:spcBef>
+              <a:spcAft>
+                <a:spcPts val="0"/>
+              </a:spcAft>
+              <a:buNone/>
+            </a:pPr>
             <a:endParaRPr/>
           </a:p>
         </p:txBody>
@@ -8706,12 +9777,12 @@
           </a:ln>
         </p:spPr>
         <p:txBody>
-          <a:bodyPr anchorCtr="0" anchor="t" bIns="45700" lIns="91425" spcFirstLastPara="1" rIns="91425" wrap="square" tIns="45700">
+          <a:bodyPr spcFirstLastPara="1" wrap="square" lIns="91425" tIns="45700" rIns="91425" bIns="45700" anchor="t" anchorCtr="0">
             <a:noAutofit/>
           </a:bodyPr>
           <a:lstStyle/>
           <a:p>
-            <a:pPr indent="0" lvl="0" marL="0" marR="0" rtl="0" algn="l">
+            <a:pPr marL="0" marR="0" lvl="0" indent="0" algn="l" rtl="0">
               <a:lnSpc>
                 <a:spcPct val="126318"/>
               </a:lnSpc>
@@ -8729,7 +9800,7 @@
               <a:buNone/>
             </a:pPr>
             <a:r>
-              <a:rPr b="1" lang="en-US" sz="2200">
+              <a:rPr lang="en-US" sz="2200" b="1">
                 <a:solidFill>
                   <a:srgbClr val="272525"/>
                 </a:solidFill>
@@ -8772,12 +9843,12 @@
           </a:ln>
         </p:spPr>
         <p:txBody>
-          <a:bodyPr anchorCtr="0" anchor="t" bIns="45700" lIns="91425" spcFirstLastPara="1" rIns="91425" wrap="square" tIns="45700">
+          <a:bodyPr spcFirstLastPara="1" wrap="square" lIns="91425" tIns="45700" rIns="91425" bIns="45700" anchor="t" anchorCtr="0">
             <a:noAutofit/>
           </a:bodyPr>
           <a:lstStyle/>
           <a:p>
-            <a:pPr indent="0" lvl="0" marL="0" rtl="0" algn="l">
+            <a:pPr marL="0" lvl="0" indent="0" algn="l" rtl="0">
               <a:lnSpc>
                 <a:spcPct val="130000"/>
               </a:lnSpc>
@@ -8794,7 +9865,7 @@
               <a:buNone/>
             </a:pPr>
             <a:r>
-              <a:rPr b="1" lang="en-US" sz="2200">
+              <a:rPr lang="en-US" sz="2200" b="1">
                 <a:solidFill>
                   <a:schemeClr val="dk1"/>
                 </a:solidFill>
@@ -8837,12 +9908,12 @@
           </a:ln>
         </p:spPr>
         <p:txBody>
-          <a:bodyPr anchorCtr="0" anchor="t" bIns="45700" lIns="91425" spcFirstLastPara="1" rIns="91425" wrap="square" tIns="45700">
+          <a:bodyPr spcFirstLastPara="1" wrap="square" lIns="91425" tIns="45700" rIns="91425" bIns="45700" anchor="t" anchorCtr="0">
             <a:noAutofit/>
           </a:bodyPr>
           <a:lstStyle/>
           <a:p>
-            <a:pPr indent="0" lvl="0" marL="0" rtl="0" algn="l">
+            <a:pPr marL="0" lvl="0" indent="0" algn="l" rtl="0">
               <a:lnSpc>
                 <a:spcPct val="130000"/>
               </a:lnSpc>
@@ -8880,19 +9951,7 @@
                 <a:cs typeface="Calibri"/>
                 <a:sym typeface="Calibri"/>
               </a:rPr>
-              <a:t>- id / class </a:t>
-            </a:r>
-            <a:r>
-              <a:rPr lang="en-US" sz="1600">
-                <a:solidFill>
-                  <a:schemeClr val="dk1"/>
-                </a:solidFill>
-                <a:latin typeface="Calibri"/>
-                <a:ea typeface="Calibri"/>
-                <a:cs typeface="Calibri"/>
-                <a:sym typeface="Calibri"/>
-              </a:rPr>
-              <a:t>의  차이점</a:t>
+              <a:t>- id / class 의  차이점</a:t>
             </a:r>
             <a:endParaRPr>
               <a:solidFill>
@@ -8901,7 +9960,7 @@
             </a:endParaRPr>
           </a:p>
           <a:p>
-            <a:pPr indent="0" lvl="0" marL="0" rtl="0" algn="l">
+            <a:pPr marL="0" lvl="0" indent="0" algn="l" rtl="0">
               <a:lnSpc>
                 <a:spcPct val="130000"/>
               </a:lnSpc>
@@ -8940,7 +9999,7 @@
             </a:endParaRPr>
           </a:p>
           <a:p>
-            <a:pPr indent="0" lvl="0" marL="0" rtl="0" algn="l">
+            <a:pPr marL="0" lvl="0" indent="0" algn="l" rtl="0">
               <a:lnSpc>
                 <a:spcPct val="130000"/>
               </a:lnSpc>
@@ -8969,7 +10028,7 @@
               <a:t>    * </a:t>
             </a:r>
             <a:r>
-              <a:rPr b="1" lang="en-US" sz="1600" u="sng">
+              <a:rPr lang="en-US" sz="1600" b="1" u="sng">
                 <a:solidFill>
                   <a:schemeClr val="hlink"/>
                 </a:solidFill>
@@ -9013,12 +10072,12 @@
           </a:ln>
         </p:spPr>
         <p:txBody>
-          <a:bodyPr anchorCtr="0" anchor="t" bIns="91425" lIns="91425" spcFirstLastPara="1" rIns="91425" wrap="square" tIns="91425">
+          <a:bodyPr spcFirstLastPara="1" wrap="square" lIns="91425" tIns="91425" rIns="91425" bIns="91425" anchor="t" anchorCtr="0">
             <a:spAutoFit/>
           </a:bodyPr>
           <a:lstStyle/>
           <a:p>
-            <a:pPr indent="0" lvl="0" marL="0" rtl="0" algn="l">
+            <a:pPr marL="0" lvl="0" indent="0" algn="l" rtl="0">
               <a:lnSpc>
                 <a:spcPct val="150000"/>
               </a:lnSpc>
@@ -9031,7 +10090,7 @@
               <a:buNone/>
             </a:pPr>
             <a:r>
-              <a:rPr b="1" lang="en-US" sz="2000">
+              <a:rPr lang="en-US" sz="2000" b="1">
                 <a:solidFill>
                   <a:schemeClr val="dk1"/>
                 </a:solidFill>
@@ -9059,40 +10118,37 @@
           </a:xfrm>
           <a:prstGeom prst="roundRect">
             <a:avLst>
-              <a:gd fmla="val 4670" name="adj"/>
+              <a:gd name="adj" fmla="val 4670"/>
             </a:avLst>
           </a:prstGeom>
           <a:solidFill>
             <a:srgbClr val="E0E0E0"/>
           </a:solidFill>
-          <a:ln cap="flat" cmpd="sng" w="9525">
+          <a:ln w="9525" cap="flat" cmpd="sng">
             <a:solidFill>
               <a:srgbClr val="B5B7E3"/>
             </a:solidFill>
             <a:prstDash val="solid"/>
             <a:round/>
-            <a:headEnd len="sm" w="sm" type="none"/>
-            <a:tailEnd len="sm" w="sm" type="none"/>
+            <a:headEnd type="none" w="sm" len="sm"/>
+            <a:tailEnd type="none" w="sm" len="sm"/>
           </a:ln>
         </p:spPr>
         <p:txBody>
-          <a:bodyPr anchorCtr="0" anchor="ctr" bIns="45700" lIns="91425" spcFirstLastPara="1" rIns="91425" wrap="square" tIns="45700">
+          <a:bodyPr spcFirstLastPara="1" wrap="square" lIns="91425" tIns="45700" rIns="91425" bIns="45700" anchor="ctr" anchorCtr="0">
             <a:noAutofit/>
           </a:bodyPr>
           <a:lstStyle/>
           <a:p>
-            <a:pPr indent="0" lvl="0" marL="0" marR="0" rtl="0" algn="l">
-              <a:spcBef>
-                <a:spcPts val="0"/>
-              </a:spcBef>
-              <a:spcAft>
-                <a:spcPts val="0"/>
-              </a:spcAft>
-              <a:buNone/>
-            </a:pPr>
-            <a:r>
-              <a:t/>
-            </a:r>
+            <a:pPr marL="0" marR="0" lvl="0" indent="0" algn="l" rtl="0">
+              <a:spcBef>
+                <a:spcPts val="0"/>
+              </a:spcBef>
+              <a:spcAft>
+                <a:spcPts val="0"/>
+              </a:spcAft>
+              <a:buNone/>
+            </a:pPr>
             <a:endParaRPr sz="1800">
               <a:solidFill>
                 <a:schemeClr val="dk1"/>
@@ -9125,12 +10181,12 @@
           </a:ln>
         </p:spPr>
         <p:txBody>
-          <a:bodyPr anchorCtr="0" anchor="ctr" bIns="45700" lIns="91425" spcFirstLastPara="1" rIns="91425" wrap="square" tIns="45700">
+          <a:bodyPr spcFirstLastPara="1" wrap="square" lIns="91425" tIns="45700" rIns="91425" bIns="45700" anchor="ctr" anchorCtr="0">
             <a:spAutoFit/>
           </a:bodyPr>
           <a:lstStyle/>
           <a:p>
-            <a:pPr indent="0" lvl="0" marL="0" rtl="0" algn="l">
+            <a:pPr marL="0" lvl="0" indent="0" algn="l" rtl="0">
               <a:lnSpc>
                 <a:spcPct val="130000"/>
               </a:lnSpc>
@@ -9148,7 +10204,7 @@
               <a:buNone/>
             </a:pPr>
             <a:r>
-              <a:rPr b="1" lang="en-US" sz="1800">
+              <a:rPr lang="en-US" sz="1800" b="1">
                 <a:solidFill>
                   <a:srgbClr val="272525"/>
                 </a:solidFill>
@@ -9159,7 +10215,7 @@
               </a:rPr>
               <a:t>문서 제출</a:t>
             </a:r>
-            <a:endParaRPr b="1" sz="1800">
+            <a:endParaRPr sz="1800" b="1">
               <a:solidFill>
                 <a:srgbClr val="272525"/>
               </a:solidFill>
@@ -9170,7 +10226,7 @@
             </a:endParaRPr>
           </a:p>
           <a:p>
-            <a:pPr indent="0" lvl="0" marL="0" rtl="0" algn="l">
+            <a:pPr marL="0" lvl="0" indent="0" algn="l" rtl="0">
               <a:lnSpc>
                 <a:spcPct val="130000"/>
               </a:lnSpc>
@@ -9219,11 +10275,11 @@
 </file>
 
 <file path=ppt/slides/slide5.xml><?xml version="1.0" encoding="utf-8"?>
-<p:sld xmlns:a="http://schemas.openxmlformats.org/drawingml/2006/main" xmlns:r="http://schemas.openxmlformats.org/officeDocument/2006/relationships" xmlns:mc="http://schemas.openxmlformats.org/markup-compatibility/2006" xmlns:mv="urn:schemas-microsoft-com:mac:vml" xmlns:p="http://schemas.openxmlformats.org/presentationml/2006/main" xmlns:c="http://schemas.openxmlformats.org/drawingml/2006/chart" xmlns:dgm="http://schemas.openxmlformats.org/drawingml/2006/diagram" xmlns:o="urn:schemas-microsoft-com:office:office" xmlns:v="urn:schemas-microsoft-com:vml" xmlns:pvml="urn:schemas-microsoft-com:office:powerpoint" xmlns:com="http://schemas.openxmlformats.org/drawingml/2006/compatibility" xmlns:p14="http://schemas.microsoft.com/office/powerpoint/2010/main" xmlns:p15="http://schemas.microsoft.com/office/powerpoint/2012/main" xmlns:ahyp="http://schemas.microsoft.com/office/drawing/2018/hyperlinkcolor">
+<p:sld xmlns:a="http://schemas.openxmlformats.org/drawingml/2006/main" xmlns:r="http://schemas.openxmlformats.org/officeDocument/2006/relationships" xmlns:p="http://schemas.openxmlformats.org/presentationml/2006/main">
   <p:cSld>
     <p:spTree>
       <p:nvGrpSpPr>
-        <p:cNvPr id="84" name="Shape 84"/>
+        <p:cNvPr id="1" name="Shape 84"/>
         <p:cNvGrpSpPr/>
         <p:nvPr/>
       </p:nvGrpSpPr>
@@ -9255,12 +10311,12 @@
           </a:ln>
         </p:spPr>
         <p:txBody>
-          <a:bodyPr anchorCtr="0" anchor="t" bIns="45700" lIns="91425" spcFirstLastPara="1" rIns="91425" wrap="square" tIns="45700">
+          <a:bodyPr spcFirstLastPara="1" wrap="square" lIns="91425" tIns="45700" rIns="91425" bIns="45700" anchor="t" anchorCtr="0">
             <a:noAutofit/>
           </a:bodyPr>
           <a:lstStyle/>
           <a:p>
-            <a:pPr indent="0" lvl="0" marL="0" marR="0" rtl="0" algn="l">
+            <a:pPr marL="0" marR="0" lvl="0" indent="0" algn="l" rtl="0">
               <a:lnSpc>
                 <a:spcPct val="150000"/>
               </a:lnSpc>
@@ -9278,7 +10334,7 @@
               <a:buNone/>
             </a:pPr>
             <a:r>
-              <a:rPr b="1" lang="en-US" sz="1800">
+              <a:rPr lang="en-US" sz="1800" b="1">
                 <a:solidFill>
                   <a:srgbClr val="FF0000"/>
                 </a:solidFill>
@@ -9304,7 +10360,7 @@
             <a:endParaRPr/>
           </a:p>
           <a:p>
-            <a:pPr indent="0" lvl="0" marL="0" marR="0" rtl="0" algn="l">
+            <a:pPr marL="0" marR="0" lvl="0" indent="0" algn="l" rtl="0">
               <a:lnSpc>
                 <a:spcPct val="150000"/>
               </a:lnSpc>
@@ -9334,7 +10390,7 @@
               <a:t>이벤트는 없습니다. </a:t>
             </a:r>
             <a:r>
-              <a:rPr b="1" lang="en-US" sz="1800">
+              <a:rPr lang="en-US" sz="1800" b="1">
                 <a:solidFill>
                   <a:srgbClr val="00B050"/>
                 </a:solidFill>
@@ -9345,7 +10401,7 @@
               </a:rPr>
               <a:t>(html, css 사용)</a:t>
             </a:r>
-            <a:endParaRPr b="1" sz="1800">
+            <a:endParaRPr sz="1800" b="1">
               <a:solidFill>
                 <a:srgbClr val="00B050"/>
               </a:solidFill>
@@ -9370,40 +10426,37 @@
           </a:xfrm>
           <a:prstGeom prst="roundRect">
             <a:avLst>
-              <a:gd fmla="val 10974" name="adj"/>
+              <a:gd name="adj" fmla="val 10974"/>
             </a:avLst>
           </a:prstGeom>
           <a:solidFill>
             <a:srgbClr val="E0E0E0"/>
           </a:solidFill>
-          <a:ln cap="flat" cmpd="sng" w="9525">
+          <a:ln w="9525" cap="flat" cmpd="sng">
             <a:solidFill>
               <a:srgbClr val="B5B7E3"/>
             </a:solidFill>
             <a:prstDash val="solid"/>
             <a:round/>
-            <a:headEnd len="sm" w="sm" type="none"/>
-            <a:tailEnd len="sm" w="sm" type="none"/>
+            <a:headEnd type="none" w="sm" len="sm"/>
+            <a:tailEnd type="none" w="sm" len="sm"/>
           </a:ln>
         </p:spPr>
         <p:txBody>
-          <a:bodyPr anchorCtr="0" anchor="ctr" bIns="91425" lIns="91425" spcFirstLastPara="1" rIns="91425" wrap="square" tIns="91425">
+          <a:bodyPr spcFirstLastPara="1" wrap="square" lIns="91425" tIns="91425" rIns="91425" bIns="91425" anchor="ctr" anchorCtr="0">
             <a:noAutofit/>
           </a:bodyPr>
           <a:lstStyle/>
           <a:p>
-            <a:pPr indent="0" lvl="0" marL="0" rtl="0" algn="l">
-              <a:spcBef>
-                <a:spcPts val="0"/>
-              </a:spcBef>
-              <a:spcAft>
-                <a:spcPts val="0"/>
-              </a:spcAft>
-              <a:buNone/>
-            </a:pPr>
-            <a:r>
-              <a:t/>
-            </a:r>
+            <a:pPr marL="0" lvl="0" indent="0" algn="l" rtl="0">
+              <a:spcBef>
+                <a:spcPts val="0"/>
+              </a:spcBef>
+              <a:spcAft>
+                <a:spcPts val="0"/>
+              </a:spcAft>
+              <a:buNone/>
+            </a:pPr>
             <a:endParaRPr/>
           </a:p>
         </p:txBody>
@@ -9430,12 +10483,12 @@
           </a:ln>
         </p:spPr>
         <p:txBody>
-          <a:bodyPr anchorCtr="0" anchor="t" bIns="45700" lIns="91425" spcFirstLastPara="1" rIns="91425" wrap="square" tIns="45700">
+          <a:bodyPr spcFirstLastPara="1" wrap="square" lIns="91425" tIns="45700" rIns="91425" bIns="45700" anchor="t" anchorCtr="0">
             <a:noAutofit/>
           </a:bodyPr>
           <a:lstStyle/>
           <a:p>
-            <a:pPr indent="0" lvl="0" marL="0" marR="0" rtl="0" algn="ctr">
+            <a:pPr marL="0" marR="0" lvl="0" indent="0" algn="ctr" rtl="0">
               <a:lnSpc>
                 <a:spcPct val="126192"/>
               </a:lnSpc>
@@ -9453,7 +10506,7 @@
               <a:buNone/>
             </a:pPr>
             <a:r>
-              <a:rPr b="1" lang="en-US" sz="2600">
+              <a:rPr lang="en-US" sz="2600" b="1">
                 <a:solidFill>
                   <a:srgbClr val="272525"/>
                 </a:solidFill>
@@ -9496,12 +10549,12 @@
           </a:ln>
         </p:spPr>
         <p:txBody>
-          <a:bodyPr anchorCtr="0" anchor="t" bIns="45700" lIns="91425" spcFirstLastPara="1" rIns="91425" wrap="square" tIns="45700">
+          <a:bodyPr spcFirstLastPara="1" wrap="square" lIns="91425" tIns="45700" rIns="91425" bIns="45700" anchor="t" anchorCtr="0">
             <a:noAutofit/>
           </a:bodyPr>
           <a:lstStyle/>
           <a:p>
-            <a:pPr indent="0" lvl="0" marL="0" marR="0" rtl="0" algn="l">
+            <a:pPr marL="0" marR="0" lvl="0" indent="0" algn="l" rtl="0">
               <a:lnSpc>
                 <a:spcPct val="124272"/>
               </a:lnSpc>
@@ -9519,7 +10572,7 @@
               <a:buNone/>
             </a:pPr>
             <a:r>
-              <a:rPr b="1" lang="en-US" sz="2200">
+              <a:rPr lang="en-US" sz="2200" b="1">
                 <a:solidFill>
                   <a:srgbClr val="272525"/>
                 </a:solidFill>
@@ -9562,12 +10615,12 @@
           </a:ln>
         </p:spPr>
         <p:txBody>
-          <a:bodyPr anchorCtr="0" anchor="t" bIns="45700" lIns="91425" spcFirstLastPara="1" rIns="91425" wrap="square" tIns="45700">
+          <a:bodyPr spcFirstLastPara="1" wrap="square" lIns="91425" tIns="45700" rIns="91425" bIns="45700" anchor="t" anchorCtr="0">
             <a:noAutofit/>
           </a:bodyPr>
           <a:lstStyle/>
           <a:p>
-            <a:pPr indent="-342900" lvl="0" marL="342900" marR="0" rtl="0" algn="l">
+            <a:pPr marL="342900" marR="0" lvl="0" indent="-342900" algn="l" rtl="0">
               <a:lnSpc>
                 <a:spcPct val="150000"/>
               </a:lnSpc>
@@ -9607,7 +10660,7 @@
             </a:endParaRPr>
           </a:p>
           <a:p>
-            <a:pPr indent="-342900" lvl="0" marL="342900" marR="0" rtl="0" algn="l">
+            <a:pPr marL="342900" marR="0" lvl="0" indent="-342900" algn="l" rtl="0">
               <a:lnSpc>
                 <a:spcPct val="150000"/>
               </a:lnSpc>
@@ -9647,7 +10700,7 @@
             </a:endParaRPr>
           </a:p>
           <a:p>
-            <a:pPr indent="-342900" lvl="0" marL="342900" marR="0" rtl="0" algn="l">
+            <a:pPr marL="342900" marR="0" lvl="0" indent="-342900" algn="l" rtl="0">
               <a:lnSpc>
                 <a:spcPct val="150000"/>
               </a:lnSpc>
@@ -9701,40 +10754,37 @@
           </a:xfrm>
           <a:prstGeom prst="roundRect">
             <a:avLst>
-              <a:gd fmla="val 10974" name="adj"/>
+              <a:gd name="adj" fmla="val 10974"/>
             </a:avLst>
           </a:prstGeom>
           <a:solidFill>
             <a:srgbClr val="E0E0E0"/>
           </a:solidFill>
-          <a:ln cap="flat" cmpd="sng" w="9525">
+          <a:ln w="9525" cap="flat" cmpd="sng">
             <a:solidFill>
               <a:srgbClr val="B5B7E3"/>
             </a:solidFill>
             <a:prstDash val="solid"/>
             <a:round/>
-            <a:headEnd len="sm" w="sm" type="none"/>
-            <a:tailEnd len="sm" w="sm" type="none"/>
+            <a:headEnd type="none" w="sm" len="sm"/>
+            <a:tailEnd type="none" w="sm" len="sm"/>
           </a:ln>
         </p:spPr>
         <p:txBody>
-          <a:bodyPr anchorCtr="0" anchor="ctr" bIns="91425" lIns="91425" spcFirstLastPara="1" rIns="91425" wrap="square" tIns="91425">
+          <a:bodyPr spcFirstLastPara="1" wrap="square" lIns="91425" tIns="91425" rIns="91425" bIns="91425" anchor="ctr" anchorCtr="0">
             <a:noAutofit/>
           </a:bodyPr>
           <a:lstStyle/>
           <a:p>
-            <a:pPr indent="0" lvl="0" marL="0" rtl="0" algn="l">
-              <a:spcBef>
-                <a:spcPts val="0"/>
-              </a:spcBef>
-              <a:spcAft>
-                <a:spcPts val="0"/>
-              </a:spcAft>
-              <a:buNone/>
-            </a:pPr>
-            <a:r>
-              <a:t/>
-            </a:r>
+            <a:pPr marL="0" lvl="0" indent="0" algn="l" rtl="0">
+              <a:spcBef>
+                <a:spcPts val="0"/>
+              </a:spcBef>
+              <a:spcAft>
+                <a:spcPts val="0"/>
+              </a:spcAft>
+              <a:buNone/>
+            </a:pPr>
             <a:endParaRPr/>
           </a:p>
         </p:txBody>
@@ -9761,12 +10811,12 @@
           </a:ln>
         </p:spPr>
         <p:txBody>
-          <a:bodyPr anchorCtr="0" anchor="t" bIns="45700" lIns="91425" spcFirstLastPara="1" rIns="91425" wrap="square" tIns="45700">
+          <a:bodyPr spcFirstLastPara="1" wrap="square" lIns="91425" tIns="45700" rIns="91425" bIns="45700" anchor="t" anchorCtr="0">
             <a:noAutofit/>
           </a:bodyPr>
           <a:lstStyle/>
           <a:p>
-            <a:pPr indent="0" lvl="0" marL="0" marR="0" rtl="0" algn="ctr">
+            <a:pPr marL="0" marR="0" lvl="0" indent="0" algn="ctr" rtl="0">
               <a:lnSpc>
                 <a:spcPct val="126192"/>
               </a:lnSpc>
@@ -9784,7 +10834,7 @@
               <a:buNone/>
             </a:pPr>
             <a:r>
-              <a:rPr b="1" lang="en-US" sz="2600">
+              <a:rPr lang="en-US" sz="2600" b="1">
                 <a:solidFill>
                   <a:srgbClr val="272525"/>
                 </a:solidFill>
@@ -9827,12 +10877,12 @@
           </a:ln>
         </p:spPr>
         <p:txBody>
-          <a:bodyPr anchorCtr="0" anchor="t" bIns="45700" lIns="91425" spcFirstLastPara="1" rIns="91425" wrap="square" tIns="45700">
+          <a:bodyPr spcFirstLastPara="1" wrap="square" lIns="91425" tIns="45700" rIns="91425" bIns="45700" anchor="t" anchorCtr="0">
             <a:noAutofit/>
           </a:bodyPr>
           <a:lstStyle/>
           <a:p>
-            <a:pPr indent="0" lvl="0" marL="0" marR="0" rtl="0" algn="l">
+            <a:pPr marL="0" marR="0" lvl="0" indent="0" algn="l" rtl="0">
               <a:lnSpc>
                 <a:spcPct val="124272"/>
               </a:lnSpc>
@@ -9850,7 +10900,7 @@
               <a:buNone/>
             </a:pPr>
             <a:r>
-              <a:rPr b="1" lang="en-US" sz="2200">
+              <a:rPr lang="en-US" sz="2200" b="1">
                 <a:solidFill>
                   <a:srgbClr val="272525"/>
                 </a:solidFill>
@@ -9893,12 +10943,12 @@
           </a:ln>
         </p:spPr>
         <p:txBody>
-          <a:bodyPr anchorCtr="0" anchor="t" bIns="45700" lIns="91425" spcFirstLastPara="1" rIns="91425" wrap="square" tIns="45700">
+          <a:bodyPr spcFirstLastPara="1" wrap="square" lIns="91425" tIns="45700" rIns="91425" bIns="45700" anchor="t" anchorCtr="0">
             <a:noAutofit/>
           </a:bodyPr>
           <a:lstStyle/>
           <a:p>
-            <a:pPr indent="0" lvl="0" marL="0" marR="0" rtl="0" algn="l">
+            <a:pPr marL="0" marR="0" lvl="0" indent="0" algn="l" rtl="0">
               <a:lnSpc>
                 <a:spcPct val="126318"/>
               </a:lnSpc>
@@ -9916,7 +10966,7 @@
               <a:buNone/>
             </a:pPr>
             <a:r>
-              <a:rPr b="1" lang="en-US" sz="2200">
+              <a:rPr lang="en-US" sz="2200" b="1">
                 <a:solidFill>
                   <a:srgbClr val="000000"/>
                 </a:solidFill>
@@ -9925,34 +10975,10 @@
                 <a:cs typeface="Calibri"/>
                 <a:sym typeface="Calibri"/>
               </a:rPr>
-              <a:t>주제: 웹 사이트 </a:t>
-            </a:r>
-            <a:r>
-              <a:rPr b="1" lang="en-US" sz="2200">
-                <a:solidFill>
-                  <a:srgbClr val="000000"/>
-                </a:solidFill>
-                <a:latin typeface="Calibri"/>
-                <a:ea typeface="Calibri"/>
-                <a:cs typeface="Calibri"/>
-                <a:sym typeface="Calibri"/>
-              </a:rPr>
-              <a:t>화</a:t>
-            </a:r>
-            <a:r>
-              <a:rPr b="1" lang="en-US" sz="2200">
-                <a:solidFill>
-                  <a:srgbClr val="000000"/>
-                </a:solidFill>
-                <a:latin typeface="Calibri"/>
-                <a:ea typeface="Calibri"/>
-                <a:cs typeface="Calibri"/>
-                <a:sym typeface="Calibri"/>
-              </a:rPr>
-              <a:t>면 구</a:t>
-            </a:r>
-            <a:r>
-              <a:rPr b="1" lang="en-US" sz="2200">
+              <a:t>주제: 웹 사이트 화면 구</a:t>
+            </a:r>
+            <a:r>
+              <a:rPr lang="en-US" sz="2200" b="1">
                 <a:latin typeface="Calibri"/>
                 <a:ea typeface="Calibri"/>
                 <a:cs typeface="Calibri"/>
@@ -9992,12 +11018,12 @@
           </a:ln>
         </p:spPr>
         <p:txBody>
-          <a:bodyPr anchorCtr="0" anchor="t" bIns="45700" lIns="91425" spcFirstLastPara="1" rIns="91425" wrap="square" tIns="45700">
+          <a:bodyPr spcFirstLastPara="1" wrap="square" lIns="91425" tIns="45700" rIns="91425" bIns="45700" anchor="t" anchorCtr="0">
             <a:noAutofit/>
           </a:bodyPr>
           <a:lstStyle/>
           <a:p>
-            <a:pPr indent="0" lvl="0" marL="0" marR="0" rtl="0" algn="l">
+            <a:pPr marL="0" marR="0" lvl="0" indent="0" algn="l" rtl="0">
               <a:lnSpc>
                 <a:spcPct val="151444"/>
               </a:lnSpc>
@@ -10015,7 +11041,7 @@
               <a:buNone/>
             </a:pPr>
             <a:r>
-              <a:rPr b="1" lang="en-US" sz="3600">
+              <a:rPr lang="en-US" sz="3600" b="1">
                 <a:solidFill>
                   <a:srgbClr val="000000"/>
                 </a:solidFill>
@@ -10027,7 +11053,7 @@
               <a:t>2주 차 과제 안내(cont</a:t>
             </a:r>
             <a:r>
-              <a:rPr b="1" lang="en-US" sz="3600">
+              <a:rPr lang="en-US" sz="3600" b="1">
                 <a:latin typeface="Calibri"/>
                 <a:ea typeface="Calibri"/>
                 <a:cs typeface="Calibri"/>
@@ -10056,11 +11082,11 @@
 </file>
 
 <file path=ppt/slides/slide6.xml><?xml version="1.0" encoding="utf-8"?>
-<p:sld xmlns:a="http://schemas.openxmlformats.org/drawingml/2006/main" xmlns:r="http://schemas.openxmlformats.org/officeDocument/2006/relationships" xmlns:mc="http://schemas.openxmlformats.org/markup-compatibility/2006" xmlns:mv="urn:schemas-microsoft-com:mac:vml" xmlns:p="http://schemas.openxmlformats.org/presentationml/2006/main" xmlns:c="http://schemas.openxmlformats.org/drawingml/2006/chart" xmlns:dgm="http://schemas.openxmlformats.org/drawingml/2006/diagram" xmlns:o="urn:schemas-microsoft-com:office:office" xmlns:v="urn:schemas-microsoft-com:vml" xmlns:pvml="urn:schemas-microsoft-com:office:powerpoint" xmlns:com="http://schemas.openxmlformats.org/drawingml/2006/compatibility" xmlns:p14="http://schemas.microsoft.com/office/powerpoint/2010/main" xmlns:p15="http://schemas.microsoft.com/office/powerpoint/2012/main" xmlns:ahyp="http://schemas.microsoft.com/office/drawing/2018/hyperlinkcolor">
+<p:sld xmlns:a="http://schemas.openxmlformats.org/drawingml/2006/main" xmlns:r="http://schemas.openxmlformats.org/officeDocument/2006/relationships" xmlns:p="http://schemas.openxmlformats.org/presentationml/2006/main">
   <p:cSld>
     <p:spTree>
       <p:nvGrpSpPr>
-        <p:cNvPr id="99" name="Shape 99"/>
+        <p:cNvPr id="1" name="Shape 99"/>
         <p:cNvGrpSpPr/>
         <p:nvPr/>
       </p:nvGrpSpPr>
@@ -10092,12 +11118,12 @@
           </a:ln>
         </p:spPr>
         <p:txBody>
-          <a:bodyPr anchorCtr="0" anchor="t" bIns="45700" lIns="91425" spcFirstLastPara="1" rIns="91425" wrap="square" tIns="45700">
+          <a:bodyPr spcFirstLastPara="1" wrap="square" lIns="91425" tIns="45700" rIns="91425" bIns="45700" anchor="t" anchorCtr="0">
             <a:noAutofit/>
           </a:bodyPr>
           <a:lstStyle/>
           <a:p>
-            <a:pPr indent="0" lvl="0" marL="0" marR="0" rtl="0" algn="l">
+            <a:pPr marL="0" marR="0" lvl="0" indent="0" algn="l" rtl="0">
               <a:lnSpc>
                 <a:spcPct val="151444"/>
               </a:lnSpc>
@@ -10115,7 +11141,7 @@
               <a:buNone/>
             </a:pPr>
             <a:r>
-              <a:rPr b="1" lang="en-US" sz="3600">
+              <a:rPr lang="en-US" sz="3600" b="1">
                 <a:solidFill>
                   <a:srgbClr val="000000"/>
                 </a:solidFill>
@@ -10127,7 +11153,7 @@
               <a:t>2주 차 과제 안내(cont</a:t>
             </a:r>
             <a:r>
-              <a:rPr b="1" lang="en-US" sz="3600">
+              <a:rPr lang="en-US" sz="3600" b="1">
                 <a:latin typeface="Calibri"/>
                 <a:ea typeface="Calibri"/>
                 <a:cs typeface="Calibri"/>
@@ -10167,12 +11193,12 @@
           </a:ln>
         </p:spPr>
         <p:txBody>
-          <a:bodyPr anchorCtr="0" anchor="t" bIns="45700" lIns="91425" spcFirstLastPara="1" rIns="91425" wrap="square" tIns="45700">
+          <a:bodyPr spcFirstLastPara="1" wrap="square" lIns="91425" tIns="45700" rIns="91425" bIns="45700" anchor="t" anchorCtr="0">
             <a:noAutofit/>
           </a:bodyPr>
           <a:lstStyle/>
           <a:p>
-            <a:pPr indent="0" lvl="0" marL="0" marR="0" rtl="0" algn="l">
+            <a:pPr marL="0" marR="0" lvl="0" indent="0" algn="l" rtl="0">
               <a:lnSpc>
                 <a:spcPct val="126318"/>
               </a:lnSpc>
@@ -10190,7 +11216,7 @@
               <a:buNone/>
             </a:pPr>
             <a:r>
-              <a:rPr b="1" lang="en-US" sz="2200">
+              <a:rPr lang="en-US" sz="2200" b="1">
                 <a:solidFill>
                   <a:srgbClr val="FF0000"/>
                 </a:solidFill>
@@ -10226,40 +11252,37 @@
           </a:xfrm>
           <a:prstGeom prst="roundRect">
             <a:avLst>
-              <a:gd fmla="val 12958" name="adj"/>
+              <a:gd name="adj" fmla="val 12958"/>
             </a:avLst>
           </a:prstGeom>
           <a:solidFill>
             <a:srgbClr val="E0E0E0"/>
           </a:solidFill>
-          <a:ln cap="flat" cmpd="sng" w="9525">
+          <a:ln w="9525" cap="flat" cmpd="sng">
             <a:solidFill>
               <a:srgbClr val="B5B7E3"/>
             </a:solidFill>
             <a:prstDash val="solid"/>
             <a:round/>
-            <a:headEnd len="sm" w="sm" type="none"/>
-            <a:tailEnd len="sm" w="sm" type="none"/>
+            <a:headEnd type="none" w="sm" len="sm"/>
+            <a:tailEnd type="none" w="sm" len="sm"/>
           </a:ln>
         </p:spPr>
         <p:txBody>
-          <a:bodyPr anchorCtr="0" anchor="ctr" bIns="91425" lIns="91425" spcFirstLastPara="1" rIns="91425" wrap="square" tIns="91425">
+          <a:bodyPr spcFirstLastPara="1" wrap="square" lIns="91425" tIns="91425" rIns="91425" bIns="91425" anchor="ctr" anchorCtr="0">
             <a:noAutofit/>
           </a:bodyPr>
           <a:lstStyle/>
           <a:p>
-            <a:pPr indent="0" lvl="0" marL="0" rtl="0" algn="l">
-              <a:spcBef>
-                <a:spcPts val="0"/>
-              </a:spcBef>
-              <a:spcAft>
-                <a:spcPts val="0"/>
-              </a:spcAft>
-              <a:buNone/>
-            </a:pPr>
-            <a:r>
-              <a:t/>
-            </a:r>
+            <a:pPr marL="0" lvl="0" indent="0" algn="l" rtl="0">
+              <a:spcBef>
+                <a:spcPts val="0"/>
+              </a:spcBef>
+              <a:spcAft>
+                <a:spcPts val="0"/>
+              </a:spcAft>
+              <a:buNone/>
+            </a:pPr>
             <a:endParaRPr/>
           </a:p>
         </p:txBody>
@@ -10286,12 +11309,12 @@
           </a:ln>
         </p:spPr>
         <p:txBody>
-          <a:bodyPr anchorCtr="0" anchor="t" bIns="45700" lIns="91425" spcFirstLastPara="1" rIns="91425" wrap="square" tIns="45700">
+          <a:bodyPr spcFirstLastPara="1" wrap="square" lIns="91425" tIns="45700" rIns="91425" bIns="45700" anchor="t" anchorCtr="0">
             <a:noAutofit/>
           </a:bodyPr>
           <a:lstStyle/>
           <a:p>
-            <a:pPr indent="0" lvl="0" marL="0" marR="0" rtl="0" algn="ctr">
+            <a:pPr marL="0" marR="0" lvl="0" indent="0" algn="ctr" rtl="0">
               <a:lnSpc>
                 <a:spcPct val="126318"/>
               </a:lnSpc>
@@ -10309,7 +11332,7 @@
               <a:buNone/>
             </a:pPr>
             <a:r>
-              <a:rPr b="1" lang="en-US" sz="2200">
+              <a:rPr lang="en-US" sz="2200" b="1">
                 <a:solidFill>
                   <a:srgbClr val="272525"/>
                 </a:solidFill>
@@ -10352,12 +11375,12 @@
           </a:ln>
         </p:spPr>
         <p:txBody>
-          <a:bodyPr anchorCtr="0" anchor="t" bIns="45700" lIns="91425" spcFirstLastPara="1" rIns="91425" wrap="square" tIns="45700">
+          <a:bodyPr spcFirstLastPara="1" wrap="square" lIns="91425" tIns="45700" rIns="91425" bIns="45700" anchor="t" anchorCtr="0">
             <a:noAutofit/>
           </a:bodyPr>
           <a:lstStyle/>
           <a:p>
-            <a:pPr indent="0" lvl="0" marL="0" marR="0" rtl="0" algn="l">
+            <a:pPr marL="0" marR="0" lvl="0" indent="0" algn="l" rtl="0">
               <a:lnSpc>
                 <a:spcPct val="128666"/>
               </a:lnSpc>
@@ -10375,7 +11398,7 @@
               <a:buNone/>
             </a:pPr>
             <a:r>
-              <a:rPr b="1" lang="en-US" sz="1800">
+              <a:rPr lang="en-US" sz="1800" b="1">
                 <a:solidFill>
                   <a:srgbClr val="272525"/>
                 </a:solidFill>
@@ -10418,12 +11441,12 @@
           </a:ln>
         </p:spPr>
         <p:txBody>
-          <a:bodyPr anchorCtr="0" anchor="t" bIns="45700" lIns="91425" spcFirstLastPara="1" rIns="91425" wrap="square" tIns="45700">
+          <a:bodyPr spcFirstLastPara="1" wrap="square" lIns="91425" tIns="45700" rIns="91425" bIns="45700" anchor="t" anchorCtr="0">
             <a:noAutofit/>
           </a:bodyPr>
           <a:lstStyle/>
           <a:p>
-            <a:pPr indent="0" lvl="0" marL="0" rtl="0" algn="l">
+            <a:pPr marL="0" lvl="0" indent="0" algn="l" rtl="0">
               <a:lnSpc>
                 <a:spcPct val="130000"/>
               </a:lnSpc>
@@ -10458,7 +11481,7 @@
             </a:endParaRPr>
           </a:p>
           <a:p>
-            <a:pPr indent="0" lvl="0" marL="0" rtl="0" algn="l">
+            <a:pPr marL="0" lvl="0" indent="0" algn="l" rtl="0">
               <a:lnSpc>
                 <a:spcPct val="130000"/>
               </a:lnSpc>
@@ -10493,7 +11516,7 @@
             </a:endParaRPr>
           </a:p>
           <a:p>
-            <a:pPr indent="0" lvl="0" marL="0" rtl="0" algn="l">
+            <a:pPr marL="0" lvl="0" indent="0" algn="l" rtl="0">
               <a:lnSpc>
                 <a:spcPct val="130000"/>
               </a:lnSpc>
@@ -10528,7 +11551,7 @@
             </a:endParaRPr>
           </a:p>
           <a:p>
-            <a:pPr indent="0" lvl="0" marL="0" rtl="0" algn="l">
+            <a:pPr marL="0" lvl="0" indent="0" algn="l" rtl="0">
               <a:lnSpc>
                 <a:spcPct val="130000"/>
               </a:lnSpc>
@@ -10594,40 +11617,37 @@
           </a:xfrm>
           <a:prstGeom prst="roundRect">
             <a:avLst>
-              <a:gd fmla="val 12958" name="adj"/>
+              <a:gd name="adj" fmla="val 12958"/>
             </a:avLst>
           </a:prstGeom>
           <a:solidFill>
             <a:srgbClr val="E0E0E0"/>
           </a:solidFill>
-          <a:ln cap="flat" cmpd="sng" w="9525">
+          <a:ln w="9525" cap="flat" cmpd="sng">
             <a:solidFill>
               <a:srgbClr val="B5B7E3"/>
             </a:solidFill>
             <a:prstDash val="solid"/>
             <a:round/>
-            <a:headEnd len="sm" w="sm" type="none"/>
-            <a:tailEnd len="sm" w="sm" type="none"/>
+            <a:headEnd type="none" w="sm" len="sm"/>
+            <a:tailEnd type="none" w="sm" len="sm"/>
           </a:ln>
         </p:spPr>
         <p:txBody>
-          <a:bodyPr anchorCtr="0" anchor="ctr" bIns="91425" lIns="91425" spcFirstLastPara="1" rIns="91425" wrap="square" tIns="91425">
+          <a:bodyPr spcFirstLastPara="1" wrap="square" lIns="91425" tIns="91425" rIns="91425" bIns="91425" anchor="ctr" anchorCtr="0">
             <a:noAutofit/>
           </a:bodyPr>
           <a:lstStyle/>
           <a:p>
-            <a:pPr indent="0" lvl="0" marL="0" rtl="0" algn="l">
-              <a:spcBef>
-                <a:spcPts val="0"/>
-              </a:spcBef>
-              <a:spcAft>
-                <a:spcPts val="0"/>
-              </a:spcAft>
-              <a:buNone/>
-            </a:pPr>
-            <a:r>
-              <a:t/>
-            </a:r>
+            <a:pPr marL="0" lvl="0" indent="0" algn="l" rtl="0">
+              <a:spcBef>
+                <a:spcPts val="0"/>
+              </a:spcBef>
+              <a:spcAft>
+                <a:spcPts val="0"/>
+              </a:spcAft>
+              <a:buNone/>
+            </a:pPr>
             <a:endParaRPr/>
           </a:p>
         </p:txBody>
@@ -10654,12 +11674,12 @@
           </a:ln>
         </p:spPr>
         <p:txBody>
-          <a:bodyPr anchorCtr="0" anchor="t" bIns="45700" lIns="91425" spcFirstLastPara="1" rIns="91425" wrap="square" tIns="45700">
+          <a:bodyPr spcFirstLastPara="1" wrap="square" lIns="91425" tIns="45700" rIns="91425" bIns="45700" anchor="t" anchorCtr="0">
             <a:noAutofit/>
           </a:bodyPr>
           <a:lstStyle/>
           <a:p>
-            <a:pPr indent="0" lvl="0" marL="0" marR="0" rtl="0" algn="ctr">
+            <a:pPr marL="0" marR="0" lvl="0" indent="0" algn="ctr" rtl="0">
               <a:lnSpc>
                 <a:spcPct val="126318"/>
               </a:lnSpc>
@@ -10677,7 +11697,7 @@
               <a:buNone/>
             </a:pPr>
             <a:r>
-              <a:rPr b="1" lang="en-US" sz="2200">
+              <a:rPr lang="en-US" sz="2200" b="1">
                 <a:solidFill>
                   <a:srgbClr val="272525"/>
                 </a:solidFill>
@@ -10720,12 +11740,12 @@
           </a:ln>
         </p:spPr>
         <p:txBody>
-          <a:bodyPr anchorCtr="0" anchor="t" bIns="45700" lIns="91425" spcFirstLastPara="1" rIns="91425" wrap="square" tIns="45700">
+          <a:bodyPr spcFirstLastPara="1" wrap="square" lIns="91425" tIns="45700" rIns="91425" bIns="45700" anchor="t" anchorCtr="0">
             <a:noAutofit/>
           </a:bodyPr>
           <a:lstStyle/>
           <a:p>
-            <a:pPr indent="0" lvl="0" marL="0" marR="0" rtl="0" algn="l">
+            <a:pPr marL="0" marR="0" lvl="0" indent="0" algn="l" rtl="0">
               <a:lnSpc>
                 <a:spcPct val="128666"/>
               </a:lnSpc>
@@ -10743,7 +11763,7 @@
               <a:buNone/>
             </a:pPr>
             <a:r>
-              <a:rPr b="1" lang="en-US" sz="1800">
+              <a:rPr lang="en-US" sz="1800" b="1">
                 <a:solidFill>
                   <a:srgbClr val="272525"/>
                 </a:solidFill>
@@ -10786,12 +11806,12 @@
           </a:ln>
         </p:spPr>
         <p:txBody>
-          <a:bodyPr anchorCtr="0" anchor="t" bIns="45700" lIns="91425" spcFirstLastPara="1" rIns="91425" wrap="square" tIns="45700">
+          <a:bodyPr spcFirstLastPara="1" wrap="square" lIns="91425" tIns="45700" rIns="91425" bIns="45700" anchor="t" anchorCtr="0">
             <a:noAutofit/>
           </a:bodyPr>
           <a:lstStyle/>
           <a:p>
-            <a:pPr indent="0" lvl="0" marL="0" rtl="0" algn="l">
+            <a:pPr marL="0" lvl="0" indent="0" algn="l" rtl="0">
               <a:lnSpc>
                 <a:spcPct val="130000"/>
               </a:lnSpc>
@@ -10830,7 +11850,7 @@
             </a:endParaRPr>
           </a:p>
           <a:p>
-            <a:pPr indent="0" lvl="0" marL="0" rtl="0" algn="l">
+            <a:pPr marL="0" lvl="0" indent="0" algn="l" rtl="0">
               <a:lnSpc>
                 <a:spcPct val="130000"/>
               </a:lnSpc>
@@ -10894,7 +11914,7 @@
             </a:endParaRPr>
           </a:p>
           <a:p>
-            <a:pPr indent="0" lvl="0" marL="0" rtl="0" algn="l">
+            <a:pPr marL="0" lvl="0" indent="0" algn="l" rtl="0">
               <a:lnSpc>
                 <a:spcPct val="130000"/>
               </a:lnSpc>
@@ -10929,7 +11949,7 @@
             </a:endParaRPr>
           </a:p>
           <a:p>
-            <a:pPr indent="0" lvl="0" marL="0" rtl="0" algn="l">
+            <a:pPr marL="0" lvl="0" indent="0" algn="l" rtl="0">
               <a:lnSpc>
                 <a:spcPct val="130000"/>
               </a:lnSpc>
@@ -10964,7 +11984,7 @@
             </a:endParaRPr>
           </a:p>
           <a:p>
-            <a:pPr indent="0" lvl="0" marL="0" rtl="0" algn="l">
+            <a:pPr marL="0" lvl="0" indent="0" algn="l" rtl="0">
               <a:lnSpc>
                 <a:spcPct val="130000"/>
               </a:lnSpc>
@@ -11003,7 +12023,7 @@
             </a:endParaRPr>
           </a:p>
           <a:p>
-            <a:pPr indent="0" lvl="0" marL="0" rtl="0" algn="l">
+            <a:pPr marL="0" lvl="0" indent="0" algn="l" rtl="0">
               <a:lnSpc>
                 <a:spcPct val="130000"/>
               </a:lnSpc>
@@ -11042,7 +12062,7 @@
             </a:endParaRPr>
           </a:p>
           <a:p>
-            <a:pPr indent="0" lvl="0" marL="0" rtl="0" algn="l">
+            <a:pPr marL="0" lvl="0" indent="0" algn="l" rtl="0">
               <a:lnSpc>
                 <a:spcPct val="130000"/>
               </a:lnSpc>
@@ -11081,7 +12101,7 @@
             </a:endParaRPr>
           </a:p>
           <a:p>
-            <a:pPr indent="0" lvl="0" marL="0" rtl="0" algn="l">
+            <a:pPr marL="0" lvl="0" indent="0" algn="l" rtl="0">
               <a:lnSpc>
                 <a:spcPct val="130000"/>
               </a:lnSpc>
@@ -11120,7 +12140,7 @@
             </a:endParaRPr>
           </a:p>
           <a:p>
-            <a:pPr indent="0" lvl="0" marL="0" rtl="0" algn="l">
+            <a:pPr marL="0" lvl="0" indent="0" algn="l" rtl="0">
               <a:lnSpc>
                 <a:spcPct val="130000"/>
               </a:lnSpc>
@@ -11222,7 +12242,7 @@
             </a:endParaRPr>
           </a:p>
           <a:p>
-            <a:pPr indent="0" lvl="0" marL="0" rtl="0" algn="l">
+            <a:pPr marL="0" lvl="0" indent="0" algn="l" rtl="0">
               <a:lnSpc>
                 <a:spcPct val="158066"/>
               </a:lnSpc>
@@ -11239,9 +12259,6 @@
               <a:buFont typeface="Calibri"/>
               <a:buNone/>
             </a:pPr>
-            <a:r>
-              <a:t/>
-            </a:r>
             <a:endParaRPr sz="1500">
               <a:solidFill>
                 <a:srgbClr val="272525"/>
@@ -11263,11 +12280,11 @@
 </file>
 
 <file path=ppt/slides/slide7.xml><?xml version="1.0" encoding="utf-8"?>
-<p:sld xmlns:a="http://schemas.openxmlformats.org/drawingml/2006/main" xmlns:r="http://schemas.openxmlformats.org/officeDocument/2006/relationships" xmlns:mc="http://schemas.openxmlformats.org/markup-compatibility/2006" xmlns:mv="urn:schemas-microsoft-com:mac:vml" xmlns:p="http://schemas.openxmlformats.org/presentationml/2006/main" xmlns:c="http://schemas.openxmlformats.org/drawingml/2006/chart" xmlns:dgm="http://schemas.openxmlformats.org/drawingml/2006/diagram" xmlns:o="urn:schemas-microsoft-com:office:office" xmlns:v="urn:schemas-microsoft-com:vml" xmlns:pvml="urn:schemas-microsoft-com:office:powerpoint" xmlns:com="http://schemas.openxmlformats.org/drawingml/2006/compatibility" xmlns:p14="http://schemas.microsoft.com/office/powerpoint/2010/main" xmlns:p15="http://schemas.microsoft.com/office/powerpoint/2012/main" xmlns:ahyp="http://schemas.microsoft.com/office/drawing/2018/hyperlinkcolor">
+<p:sld xmlns:a="http://schemas.openxmlformats.org/drawingml/2006/main" xmlns:r="http://schemas.openxmlformats.org/officeDocument/2006/relationships" xmlns:p="http://schemas.openxmlformats.org/presentationml/2006/main">
   <p:cSld>
     <p:spTree>
       <p:nvGrpSpPr>
-        <p:cNvPr id="114" name="Shape 114"/>
+        <p:cNvPr id="1" name="Shape 114"/>
         <p:cNvGrpSpPr/>
         <p:nvPr/>
       </p:nvGrpSpPr>
@@ -11299,12 +12316,12 @@
           </a:ln>
         </p:spPr>
         <p:txBody>
-          <a:bodyPr anchorCtr="0" anchor="t" bIns="45700" lIns="91425" spcFirstLastPara="1" rIns="91425" wrap="square" tIns="45700">
+          <a:bodyPr spcFirstLastPara="1" wrap="square" lIns="91425" tIns="45700" rIns="91425" bIns="45700" anchor="t" anchorCtr="0">
             <a:noAutofit/>
           </a:bodyPr>
           <a:lstStyle/>
           <a:p>
-            <a:pPr indent="0" lvl="0" marL="0" marR="0" rtl="0" algn="l">
+            <a:pPr marL="0" marR="0" lvl="0" indent="0" algn="l" rtl="0">
               <a:lnSpc>
                 <a:spcPct val="151444"/>
               </a:lnSpc>
@@ -11322,7 +12339,7 @@
               <a:buNone/>
             </a:pPr>
             <a:r>
-              <a:rPr b="1" lang="en-US" sz="3600">
+              <a:rPr lang="en-US" sz="3600" b="1">
                 <a:solidFill>
                   <a:srgbClr val="000000"/>
                 </a:solidFill>
@@ -11358,40 +12375,37 @@
           </a:xfrm>
           <a:prstGeom prst="roundRect">
             <a:avLst>
-              <a:gd fmla="val 12958" name="adj"/>
+              <a:gd name="adj" fmla="val 12958"/>
             </a:avLst>
           </a:prstGeom>
           <a:solidFill>
             <a:srgbClr val="E0E0E0"/>
           </a:solidFill>
-          <a:ln cap="flat" cmpd="sng" w="9525">
+          <a:ln w="9525" cap="flat" cmpd="sng">
             <a:solidFill>
               <a:srgbClr val="B5B7E3"/>
             </a:solidFill>
             <a:prstDash val="solid"/>
             <a:round/>
-            <a:headEnd len="sm" w="sm" type="none"/>
-            <a:tailEnd len="sm" w="sm" type="none"/>
+            <a:headEnd type="none" w="sm" len="sm"/>
+            <a:tailEnd type="none" w="sm" len="sm"/>
           </a:ln>
         </p:spPr>
         <p:txBody>
-          <a:bodyPr anchorCtr="0" anchor="ctr" bIns="91425" lIns="91425" spcFirstLastPara="1" rIns="91425" wrap="square" tIns="91425">
+          <a:bodyPr spcFirstLastPara="1" wrap="square" lIns="91425" tIns="91425" rIns="91425" bIns="91425" anchor="ctr" anchorCtr="0">
             <a:noAutofit/>
           </a:bodyPr>
           <a:lstStyle/>
           <a:p>
-            <a:pPr indent="0" lvl="0" marL="0" rtl="0" algn="l">
-              <a:spcBef>
-                <a:spcPts val="0"/>
-              </a:spcBef>
-              <a:spcAft>
-                <a:spcPts val="0"/>
-              </a:spcAft>
-              <a:buNone/>
-            </a:pPr>
-            <a:r>
-              <a:t/>
-            </a:r>
+            <a:pPr marL="0" lvl="0" indent="0" algn="l" rtl="0">
+              <a:spcBef>
+                <a:spcPts val="0"/>
+              </a:spcBef>
+              <a:spcAft>
+                <a:spcPts val="0"/>
+              </a:spcAft>
+              <a:buNone/>
+            </a:pPr>
             <a:endParaRPr/>
           </a:p>
         </p:txBody>
@@ -11418,12 +12432,12 @@
           </a:ln>
         </p:spPr>
         <p:txBody>
-          <a:bodyPr anchorCtr="0" anchor="t" bIns="45700" lIns="91425" spcFirstLastPara="1" rIns="91425" wrap="square" tIns="45700">
+          <a:bodyPr spcFirstLastPara="1" wrap="square" lIns="91425" tIns="45700" rIns="91425" bIns="45700" anchor="t" anchorCtr="0">
             <a:noAutofit/>
           </a:bodyPr>
           <a:lstStyle/>
           <a:p>
-            <a:pPr indent="0" lvl="0" marL="0" marR="0" rtl="0" algn="l">
+            <a:pPr marL="0" marR="0" lvl="0" indent="0" algn="l" rtl="0">
               <a:lnSpc>
                 <a:spcPct val="126318"/>
               </a:lnSpc>
@@ -11441,7 +12455,7 @@
               <a:buNone/>
             </a:pPr>
             <a:r>
-              <a:rPr b="1" lang="en-US" sz="2200">
+              <a:rPr lang="en-US" sz="2200" b="1">
                 <a:solidFill>
                   <a:srgbClr val="272525"/>
                 </a:solidFill>
@@ -11484,12 +12498,12 @@
           </a:ln>
         </p:spPr>
         <p:txBody>
-          <a:bodyPr anchorCtr="0" anchor="t" bIns="45700" lIns="91425" spcFirstLastPara="1" rIns="91425" wrap="square" tIns="45700">
+          <a:bodyPr spcFirstLastPara="1" wrap="square" lIns="91425" tIns="45700" rIns="91425" bIns="45700" anchor="t" anchorCtr="0">
             <a:noAutofit/>
           </a:bodyPr>
           <a:lstStyle/>
           <a:p>
-            <a:pPr indent="0" lvl="0" marL="0" rtl="0" algn="l">
+            <a:pPr marL="0" lvl="0" indent="0" algn="l" rtl="0">
               <a:lnSpc>
                 <a:spcPct val="130000"/>
               </a:lnSpc>
@@ -11506,7 +12520,7 @@
               <a:buNone/>
             </a:pPr>
             <a:r>
-              <a:rPr b="1" lang="en-US" sz="1800">
+              <a:rPr lang="en-US" sz="1800" b="1">
                 <a:solidFill>
                   <a:schemeClr val="dk1"/>
                 </a:solidFill>
@@ -11549,12 +12563,12 @@
           </a:ln>
         </p:spPr>
         <p:txBody>
-          <a:bodyPr anchorCtr="0" anchor="t" bIns="45700" lIns="91425" spcFirstLastPara="1" rIns="91425" wrap="square" tIns="45700">
+          <a:bodyPr spcFirstLastPara="1" wrap="square" lIns="91425" tIns="45700" rIns="91425" bIns="45700" anchor="t" anchorCtr="0">
             <a:noAutofit/>
           </a:bodyPr>
           <a:lstStyle/>
           <a:p>
-            <a:pPr indent="0" lvl="0" marL="0" rtl="0" algn="l">
+            <a:pPr marL="0" lvl="0" indent="0" algn="l" rtl="0">
               <a:lnSpc>
                 <a:spcPct val="130000"/>
               </a:lnSpc>
@@ -11593,7 +12607,7 @@
             </a:endParaRPr>
           </a:p>
           <a:p>
-            <a:pPr indent="0" lvl="0" marL="0" rtl="0" algn="l">
+            <a:pPr marL="0" lvl="0" indent="0" algn="l" rtl="0">
               <a:lnSpc>
                 <a:spcPct val="130000"/>
               </a:lnSpc>
@@ -11646,7 +12660,7 @@
               </a:rPr>
               <a:t> </a:t>
             </a:r>
-            <a:endParaRPr b="1" sz="1800">
+            <a:endParaRPr sz="1800" b="1">
               <a:solidFill>
                 <a:schemeClr val="dk1"/>
               </a:solidFill>
@@ -11657,7 +12671,7 @@
             </a:endParaRPr>
           </a:p>
           <a:p>
-            <a:pPr indent="0" lvl="0" marL="0" rtl="0" algn="l">
+            <a:pPr marL="0" lvl="0" indent="0" algn="l" rtl="0">
               <a:lnSpc>
                 <a:spcPct val="130000"/>
               </a:lnSpc>
@@ -11685,7 +12699,7 @@
               </a:rPr>
               <a:t>아래 키워드는 중요한 개념입니다. 따로 조사해주세요. 예시 코드도 포함해주세요.</a:t>
             </a:r>
-            <a:endParaRPr b="1" sz="1800">
+            <a:endParaRPr sz="1800" b="1">
               <a:solidFill>
                 <a:schemeClr val="dk1"/>
               </a:solidFill>
@@ -11696,7 +12710,7 @@
             </a:endParaRPr>
           </a:p>
           <a:p>
-            <a:pPr indent="0" lvl="0" marL="0" rtl="0" algn="l">
+            <a:pPr marL="0" lvl="0" indent="0" algn="l" rtl="0">
               <a:lnSpc>
                 <a:spcPct val="130000"/>
               </a:lnSpc>
@@ -11760,7 +12774,7 @@
             </a:endParaRPr>
           </a:p>
           <a:p>
-            <a:pPr indent="0" lvl="0" marL="0" rtl="0" algn="l">
+            <a:pPr marL="0" lvl="0" indent="0" algn="l" rtl="0">
               <a:lnSpc>
                 <a:spcPct val="130000"/>
               </a:lnSpc>
@@ -11799,7 +12813,7 @@
             </a:endParaRPr>
           </a:p>
           <a:p>
-            <a:pPr indent="0" lvl="0" marL="0" rtl="0" algn="l">
+            <a:pPr marL="0" lvl="0" indent="0" algn="l" rtl="0">
               <a:lnSpc>
                 <a:spcPct val="130000"/>
               </a:lnSpc>
@@ -11838,7 +12852,7 @@
             </a:endParaRPr>
           </a:p>
           <a:p>
-            <a:pPr indent="0" lvl="0" marL="0" rtl="0" algn="l">
+            <a:pPr marL="0" lvl="0" indent="0" algn="l" rtl="0">
               <a:lnSpc>
                 <a:spcPct val="130000"/>
               </a:lnSpc>
@@ -11877,7 +12891,7 @@
             </a:endParaRPr>
           </a:p>
           <a:p>
-            <a:pPr indent="0" lvl="0" marL="0" rtl="0" algn="l">
+            <a:pPr marL="0" lvl="0" indent="0" algn="l" rtl="0">
               <a:lnSpc>
                 <a:spcPct val="130000"/>
               </a:lnSpc>
@@ -11916,7 +12930,7 @@
             </a:endParaRPr>
           </a:p>
           <a:p>
-            <a:pPr indent="0" lvl="0" marL="0" rtl="0" algn="l">
+            <a:pPr marL="0" lvl="0" indent="0" algn="l" rtl="0">
               <a:lnSpc>
                 <a:spcPct val="130000"/>
               </a:lnSpc>
@@ -11980,7 +12994,7 @@
             </a:endParaRPr>
           </a:p>
           <a:p>
-            <a:pPr indent="0" lvl="0" marL="0" rtl="0" algn="l">
+            <a:pPr marL="0" lvl="0" indent="0" algn="l" rtl="0">
               <a:lnSpc>
                 <a:spcPct val="130000"/>
               </a:lnSpc>
@@ -12033,40 +13047,37 @@
           </a:xfrm>
           <a:prstGeom prst="roundRect">
             <a:avLst>
-              <a:gd fmla="val 4670" name="adj"/>
+              <a:gd name="adj" fmla="val 4670"/>
             </a:avLst>
           </a:prstGeom>
           <a:solidFill>
             <a:srgbClr val="E0E0E0"/>
           </a:solidFill>
-          <a:ln cap="flat" cmpd="sng" w="9525">
+          <a:ln w="9525" cap="flat" cmpd="sng">
             <a:solidFill>
               <a:srgbClr val="B5B7E3"/>
             </a:solidFill>
             <a:prstDash val="solid"/>
             <a:round/>
-            <a:headEnd len="sm" w="sm" type="none"/>
-            <a:tailEnd len="sm" w="sm" type="none"/>
+            <a:headEnd type="none" w="sm" len="sm"/>
+            <a:tailEnd type="none" w="sm" len="sm"/>
           </a:ln>
         </p:spPr>
         <p:txBody>
-          <a:bodyPr anchorCtr="0" anchor="ctr" bIns="45700" lIns="91425" spcFirstLastPara="1" rIns="91425" wrap="square" tIns="45700">
+          <a:bodyPr spcFirstLastPara="1" wrap="square" lIns="91425" tIns="45700" rIns="91425" bIns="45700" anchor="ctr" anchorCtr="0">
             <a:noAutofit/>
           </a:bodyPr>
           <a:lstStyle/>
           <a:p>
-            <a:pPr indent="0" lvl="0" marL="0" marR="0" rtl="0" algn="l">
-              <a:spcBef>
-                <a:spcPts val="0"/>
-              </a:spcBef>
-              <a:spcAft>
-                <a:spcPts val="0"/>
-              </a:spcAft>
-              <a:buNone/>
-            </a:pPr>
-            <a:r>
-              <a:t/>
-            </a:r>
+            <a:pPr marL="0" marR="0" lvl="0" indent="0" algn="l" rtl="0">
+              <a:spcBef>
+                <a:spcPts val="0"/>
+              </a:spcBef>
+              <a:spcAft>
+                <a:spcPts val="0"/>
+              </a:spcAft>
+              <a:buNone/>
+            </a:pPr>
             <a:endParaRPr sz="1800">
               <a:solidFill>
                 <a:schemeClr val="dk1"/>
@@ -12099,12 +13110,12 @@
           </a:ln>
         </p:spPr>
         <p:txBody>
-          <a:bodyPr anchorCtr="0" anchor="ctr" bIns="45700" lIns="91425" spcFirstLastPara="1" rIns="91425" wrap="square" tIns="45700">
+          <a:bodyPr spcFirstLastPara="1" wrap="square" lIns="91425" tIns="45700" rIns="91425" bIns="45700" anchor="ctr" anchorCtr="0">
             <a:spAutoFit/>
           </a:bodyPr>
           <a:lstStyle/>
           <a:p>
-            <a:pPr indent="0" lvl="0" marL="0" rtl="0" algn="l">
+            <a:pPr marL="0" lvl="0" indent="0" algn="l" rtl="0">
               <a:lnSpc>
                 <a:spcPct val="130000"/>
               </a:lnSpc>
@@ -12122,7 +13133,7 @@
               <a:buNone/>
             </a:pPr>
             <a:r>
-              <a:rPr b="1" lang="en-US" sz="1800">
+              <a:rPr lang="en-US" sz="1800" b="1">
                 <a:solidFill>
                   <a:srgbClr val="272525"/>
                 </a:solidFill>
@@ -12144,7 +13155,7 @@
             </a:endParaRPr>
           </a:p>
           <a:p>
-            <a:pPr indent="0" lvl="0" marL="0" rtl="0" algn="l">
+            <a:pPr marL="0" lvl="0" indent="0" algn="l" rtl="0">
               <a:lnSpc>
                 <a:spcPct val="130000"/>
               </a:lnSpc>
@@ -12179,7 +13190,7 @@
             </a:endParaRPr>
           </a:p>
           <a:p>
-            <a:pPr indent="0" lvl="0" marL="0" rtl="0" algn="l">
+            <a:pPr marL="0" lvl="0" indent="0" algn="l" rtl="0">
               <a:lnSpc>
                 <a:spcPct val="130000"/>
               </a:lnSpc>
@@ -12195,9 +13206,6 @@
               <a:buFont typeface="Arial"/>
               <a:buNone/>
             </a:pPr>
-            <a:r>
-              <a:t/>
-            </a:r>
             <a:endParaRPr sz="1500">
               <a:solidFill>
                 <a:srgbClr val="272525"/>
@@ -12230,12 +13238,12 @@
           </a:ln>
         </p:spPr>
         <p:txBody>
-          <a:bodyPr anchorCtr="0" anchor="t" bIns="45700" lIns="91425" spcFirstLastPara="1" rIns="91425" wrap="square" tIns="45700">
+          <a:bodyPr spcFirstLastPara="1" wrap="square" lIns="91425" tIns="45700" rIns="91425" bIns="45700" anchor="t" anchorCtr="0">
             <a:noAutofit/>
           </a:bodyPr>
           <a:lstStyle/>
           <a:p>
-            <a:pPr indent="0" lvl="0" marL="0" marR="0" rtl="0" algn="l">
+            <a:pPr marL="0" marR="0" lvl="0" indent="0" algn="l" rtl="0">
               <a:lnSpc>
                 <a:spcPct val="126318"/>
               </a:lnSpc>
@@ -12253,7 +13261,7 @@
               <a:buNone/>
             </a:pPr>
             <a:r>
-              <a:rPr b="1" lang="en-US" sz="2200">
+              <a:rPr lang="en-US" sz="2200" b="1">
                 <a:solidFill>
                   <a:srgbClr val="FF0000"/>
                 </a:solidFill>
@@ -12296,12 +13304,12 @@
           </a:ln>
         </p:spPr>
         <p:txBody>
-          <a:bodyPr anchorCtr="0" anchor="t" bIns="91425" lIns="91425" spcFirstLastPara="1" rIns="91425" wrap="square" tIns="91425">
+          <a:bodyPr spcFirstLastPara="1" wrap="square" lIns="91425" tIns="91425" rIns="91425" bIns="91425" anchor="t" anchorCtr="0">
             <a:spAutoFit/>
           </a:bodyPr>
           <a:lstStyle/>
           <a:p>
-            <a:pPr indent="0" lvl="0" marL="0" rtl="0" algn="l">
+            <a:pPr marL="0" lvl="0" indent="0" algn="l" rtl="0">
               <a:lnSpc>
                 <a:spcPct val="150000"/>
               </a:lnSpc>
@@ -12314,7 +13322,7 @@
               <a:buNone/>
             </a:pPr>
             <a:r>
-              <a:rPr b="1" lang="en-US" sz="2000">
+              <a:rPr lang="en-US" sz="2000" b="1">
                 <a:solidFill>
                   <a:schemeClr val="dk1"/>
                 </a:solidFill>
@@ -12342,40 +13350,37 @@
           </a:xfrm>
           <a:prstGeom prst="roundRect">
             <a:avLst>
-              <a:gd fmla="val 4670" name="adj"/>
+              <a:gd name="adj" fmla="val 4670"/>
             </a:avLst>
           </a:prstGeom>
           <a:solidFill>
             <a:srgbClr val="E0E0E0"/>
           </a:solidFill>
-          <a:ln cap="flat" cmpd="sng" w="9525">
+          <a:ln w="9525" cap="flat" cmpd="sng">
             <a:solidFill>
               <a:srgbClr val="B5B7E3"/>
             </a:solidFill>
             <a:prstDash val="solid"/>
             <a:round/>
-            <a:headEnd len="sm" w="sm" type="none"/>
-            <a:tailEnd len="sm" w="sm" type="none"/>
+            <a:headEnd type="none" w="sm" len="sm"/>
+            <a:tailEnd type="none" w="sm" len="sm"/>
           </a:ln>
         </p:spPr>
         <p:txBody>
-          <a:bodyPr anchorCtr="0" anchor="ctr" bIns="45700" lIns="91425" spcFirstLastPara="1" rIns="91425" wrap="square" tIns="45700">
+          <a:bodyPr spcFirstLastPara="1" wrap="square" lIns="91425" tIns="45700" rIns="91425" bIns="45700" anchor="ctr" anchorCtr="0">
             <a:noAutofit/>
           </a:bodyPr>
           <a:lstStyle/>
           <a:p>
-            <a:pPr indent="0" lvl="0" marL="0" marR="0" rtl="0" algn="l">
-              <a:spcBef>
-                <a:spcPts val="0"/>
-              </a:spcBef>
-              <a:spcAft>
-                <a:spcPts val="0"/>
-              </a:spcAft>
-              <a:buNone/>
-            </a:pPr>
-            <a:r>
-              <a:t/>
-            </a:r>
+            <a:pPr marL="0" marR="0" lvl="0" indent="0" algn="l" rtl="0">
+              <a:spcBef>
+                <a:spcPts val="0"/>
+              </a:spcBef>
+              <a:spcAft>
+                <a:spcPts val="0"/>
+              </a:spcAft>
+              <a:buNone/>
+            </a:pPr>
             <a:endParaRPr sz="1800">
               <a:solidFill>
                 <a:schemeClr val="dk1"/>
@@ -12408,12 +13413,12 @@
           </a:ln>
         </p:spPr>
         <p:txBody>
-          <a:bodyPr anchorCtr="0" anchor="ctr" bIns="45700" lIns="91425" spcFirstLastPara="1" rIns="91425" wrap="square" tIns="45700">
+          <a:bodyPr spcFirstLastPara="1" wrap="square" lIns="91425" tIns="45700" rIns="91425" bIns="45700" anchor="ctr" anchorCtr="0">
             <a:spAutoFit/>
           </a:bodyPr>
           <a:lstStyle/>
           <a:p>
-            <a:pPr indent="0" lvl="0" marL="0" rtl="0" algn="l">
+            <a:pPr marL="0" lvl="0" indent="0" algn="l" rtl="0">
               <a:lnSpc>
                 <a:spcPct val="130000"/>
               </a:lnSpc>
@@ -12426,7 +13431,7 @@
               <a:buNone/>
             </a:pPr>
             <a:r>
-              <a:rPr b="1" lang="en-US" sz="1800">
+              <a:rPr lang="en-US" sz="1800" b="1">
                 <a:solidFill>
                   <a:srgbClr val="272525"/>
                 </a:solidFill>
@@ -12437,7 +13442,7 @@
               </a:rPr>
               <a:t>문서 제출</a:t>
             </a:r>
-            <a:endParaRPr b="1" sz="1800">
+            <a:endParaRPr sz="1800" b="1">
               <a:solidFill>
                 <a:srgbClr val="272525"/>
               </a:solidFill>
@@ -12448,7 +13453,7 @@
             </a:endParaRPr>
           </a:p>
           <a:p>
-            <a:pPr indent="0" lvl="0" marL="0" rtl="0" algn="l">
+            <a:pPr marL="0" lvl="0" indent="0" algn="l" rtl="0">
               <a:lnSpc>
                 <a:spcPct val="130000"/>
               </a:lnSpc>
@@ -12497,11 +13502,11 @@
 </file>
 
 <file path=ppt/slides/slide8.xml><?xml version="1.0" encoding="utf-8"?>
-<p:sld xmlns:a="http://schemas.openxmlformats.org/drawingml/2006/main" xmlns:r="http://schemas.openxmlformats.org/officeDocument/2006/relationships" xmlns:mc="http://schemas.openxmlformats.org/markup-compatibility/2006" xmlns:mv="urn:schemas-microsoft-com:mac:vml" xmlns:p="http://schemas.openxmlformats.org/presentationml/2006/main" xmlns:c="http://schemas.openxmlformats.org/drawingml/2006/chart" xmlns:dgm="http://schemas.openxmlformats.org/drawingml/2006/diagram" xmlns:o="urn:schemas-microsoft-com:office:office" xmlns:v="urn:schemas-microsoft-com:vml" xmlns:pvml="urn:schemas-microsoft-com:office:powerpoint" xmlns:com="http://schemas.openxmlformats.org/drawingml/2006/compatibility" xmlns:p14="http://schemas.microsoft.com/office/powerpoint/2010/main" xmlns:p15="http://schemas.microsoft.com/office/powerpoint/2012/main" xmlns:ahyp="http://schemas.microsoft.com/office/drawing/2018/hyperlinkcolor">
+<p:sld xmlns:a="http://schemas.openxmlformats.org/drawingml/2006/main" xmlns:r="http://schemas.openxmlformats.org/officeDocument/2006/relationships" xmlns:p="http://schemas.openxmlformats.org/presentationml/2006/main">
   <p:cSld>
     <p:spTree>
       <p:nvGrpSpPr>
-        <p:cNvPr id="130" name="Shape 130"/>
+        <p:cNvPr id="1" name="Shape 130"/>
         <p:cNvGrpSpPr/>
         <p:nvPr/>
       </p:nvGrpSpPr>
@@ -12533,12 +13538,12 @@
           </a:ln>
         </p:spPr>
         <p:txBody>
-          <a:bodyPr anchorCtr="0" anchor="t" bIns="45700" lIns="91425" spcFirstLastPara="1" rIns="91425" wrap="square" tIns="45700">
+          <a:bodyPr spcFirstLastPara="1" wrap="square" lIns="91425" tIns="45700" rIns="91425" bIns="45700" anchor="t" anchorCtr="0">
             <a:noAutofit/>
           </a:bodyPr>
           <a:lstStyle/>
           <a:p>
-            <a:pPr indent="0" lvl="0" marL="0" marR="0" rtl="0" algn="l">
+            <a:pPr marL="0" marR="0" lvl="0" indent="0" algn="l" rtl="0">
               <a:lnSpc>
                 <a:spcPct val="174500"/>
               </a:lnSpc>
@@ -12568,7 +13573,7 @@
               <a:t>실제 이벤트가 있는 웹 페이지를 </a:t>
             </a:r>
             <a:r>
-              <a:rPr b="1" lang="en-US" sz="1600">
+              <a:rPr lang="en-US" sz="1600" b="1">
                 <a:solidFill>
                   <a:srgbClr val="FF0000"/>
                 </a:solidFill>
@@ -12623,12 +13628,12 @@
           </a:ln>
         </p:spPr>
         <p:txBody>
-          <a:bodyPr anchorCtr="0" anchor="t" bIns="45700" lIns="91425" spcFirstLastPara="1" rIns="91425" wrap="square" tIns="45700">
+          <a:bodyPr spcFirstLastPara="1" wrap="square" lIns="91425" tIns="45700" rIns="91425" bIns="45700" anchor="t" anchorCtr="0">
             <a:noAutofit/>
           </a:bodyPr>
           <a:lstStyle/>
           <a:p>
-            <a:pPr indent="0" lvl="0" marL="0" marR="0" rtl="0" algn="l">
+            <a:pPr marL="0" marR="0" lvl="0" indent="0" algn="l" rtl="0">
               <a:lnSpc>
                 <a:spcPct val="123909"/>
               </a:lnSpc>
@@ -12646,7 +13651,7 @@
               <a:buNone/>
             </a:pPr>
             <a:r>
-              <a:rPr b="1" lang="en-US" sz="2200">
+              <a:rPr lang="en-US" sz="2200" b="1">
                 <a:solidFill>
                   <a:srgbClr val="000000"/>
                 </a:solidFill>
@@ -12689,12 +13694,12 @@
           </a:ln>
         </p:spPr>
         <p:txBody>
-          <a:bodyPr anchorCtr="0" anchor="t" bIns="45700" lIns="91425" spcFirstLastPara="1" rIns="91425" wrap="square" tIns="45700">
+          <a:bodyPr spcFirstLastPara="1" wrap="square" lIns="91425" tIns="45700" rIns="91425" bIns="45700" anchor="t" anchorCtr="0">
             <a:noAutofit/>
           </a:bodyPr>
           <a:lstStyle/>
           <a:p>
-            <a:pPr indent="0" lvl="0" marL="0" marR="0" rtl="0" algn="l">
+            <a:pPr marL="0" marR="0" lvl="0" indent="0" algn="l" rtl="0">
               <a:lnSpc>
                 <a:spcPct val="170375"/>
               </a:lnSpc>
@@ -12712,7 +13717,7 @@
               <a:buNone/>
             </a:pPr>
             <a:r>
-              <a:rPr b="1" lang="en-US" sz="1600">
+              <a:rPr lang="en-US" sz="1600" b="1">
                 <a:solidFill>
                   <a:srgbClr val="000000"/>
                 </a:solidFill>
@@ -12723,7 +13728,7 @@
               </a:rPr>
               <a:t>요구사항</a:t>
             </a:r>
-            <a:endParaRPr b="1" sz="1600">
+            <a:endParaRPr sz="1600" b="1">
               <a:solidFill>
                 <a:schemeClr val="dk1"/>
               </a:solidFill>
@@ -12755,12 +13760,12 @@
           </a:ln>
         </p:spPr>
         <p:txBody>
-          <a:bodyPr anchorCtr="0" anchor="t" bIns="45700" lIns="91425" spcFirstLastPara="1" rIns="91425" wrap="square" tIns="45700">
+          <a:bodyPr spcFirstLastPara="1" wrap="square" lIns="91425" tIns="45700" rIns="91425" bIns="45700" anchor="t" anchorCtr="0">
             <a:noAutofit/>
           </a:bodyPr>
           <a:lstStyle/>
           <a:p>
-            <a:pPr indent="0" lvl="0" marL="0" marR="0" rtl="0" algn="l">
+            <a:pPr marL="0" marR="0" lvl="0" indent="0" algn="l" rtl="0">
               <a:lnSpc>
                 <a:spcPct val="126318"/>
               </a:lnSpc>
@@ -12778,7 +13783,7 @@
               <a:buNone/>
             </a:pPr>
             <a:r>
-              <a:rPr b="1" lang="en-US" sz="2200">
+              <a:rPr lang="en-US" sz="2200" b="1">
                 <a:solidFill>
                   <a:srgbClr val="000000"/>
                 </a:solidFill>
@@ -12821,12 +13826,12 @@
           </a:ln>
         </p:spPr>
         <p:txBody>
-          <a:bodyPr anchorCtr="0" anchor="t" bIns="45700" lIns="91425" spcFirstLastPara="1" rIns="91425" wrap="square" tIns="45700">
+          <a:bodyPr spcFirstLastPara="1" wrap="square" lIns="91425" tIns="45700" rIns="91425" bIns="45700" anchor="t" anchorCtr="0">
             <a:noAutofit/>
           </a:bodyPr>
           <a:lstStyle/>
           <a:p>
-            <a:pPr indent="0" lvl="0" marL="0" marR="0" rtl="0" algn="l">
+            <a:pPr marL="0" marR="0" lvl="0" indent="0" algn="l" rtl="0">
               <a:lnSpc>
                 <a:spcPct val="151444"/>
               </a:lnSpc>
@@ -12844,7 +13849,7 @@
               <a:buNone/>
             </a:pPr>
             <a:r>
-              <a:rPr b="1" lang="en-US" sz="3600">
+              <a:rPr lang="en-US" sz="3600" b="1">
                 <a:solidFill>
                   <a:srgbClr val="000000"/>
                 </a:solidFill>
@@ -12880,13 +13885,25 @@
         <a:graphic>
           <a:graphicData uri="http://schemas.openxmlformats.org/drawingml/2006/table">
             <a:tbl>
-              <a:tblPr bandRow="1" firstRow="1">
+              <a:tblPr firstRow="1" bandRow="1">
                 <a:noFill/>
                 <a:tableStyleId>{F971A4A4-1EB2-4C0C-B97F-A777C13EA5F1}</a:tableStyleId>
               </a:tblPr>
               <a:tblGrid>
-                <a:gridCol w="1103400"/>
-                <a:gridCol w="9158450"/>
+                <a:gridCol w="1103400">
+                  <a:extLst>
+                    <a:ext uri="{9D8B030D-6E8A-4147-A177-3AD203B41FA5}">
+                      <a16:colId xmlns:a16="http://schemas.microsoft.com/office/drawing/2014/main" val="20000"/>
+                    </a:ext>
+                  </a:extLst>
+                </a:gridCol>
+                <a:gridCol w="9158450">
+                  <a:extLst>
+                    <a:ext uri="{9D8B030D-6E8A-4147-A177-3AD203B41FA5}">
+                      <a16:colId xmlns:a16="http://schemas.microsoft.com/office/drawing/2014/main" val="20001"/>
+                    </a:ext>
+                  </a:extLst>
+                </a:gridCol>
               </a:tblGrid>
               <a:tr h="445475">
                 <a:tc>
@@ -12894,7 +13911,7 @@
                     <a:bodyPr/>
                     <a:lstStyle/>
                     <a:p>
-                      <a:pPr indent="0" lvl="0" marL="0" marR="0" rtl="0" algn="ctr">
+                      <a:pPr marL="0" marR="0" lvl="0" indent="0" algn="ctr" rtl="0">
                         <a:lnSpc>
                           <a:spcPct val="150000"/>
                         </a:lnSpc>
@@ -12907,7 +13924,7 @@
                         <a:buNone/>
                       </a:pPr>
                       <a:r>
-                        <a:rPr b="1" lang="en-US" sz="1600" u="none" cap="none" strike="noStrike">
+                        <a:rPr lang="en-US" sz="1600" b="1" u="none" strike="noStrike" cap="none">
                           <a:solidFill>
                             <a:schemeClr val="dk1"/>
                           </a:solidFill>
@@ -12918,7 +13935,7 @@
                         </a:rPr>
                         <a:t>FR1</a:t>
                       </a:r>
-                      <a:endParaRPr b="1" sz="1600" u="none" cap="none" strike="noStrike">
+                      <a:endParaRPr sz="1600" b="1" u="none" strike="noStrike" cap="none">
                         <a:solidFill>
                           <a:schemeClr val="dk1"/>
                         </a:solidFill>
@@ -12929,7 +13946,7 @@
                       </a:endParaRPr>
                     </a:p>
                   </a:txBody>
-                  <a:tcPr marT="45725" marB="45725" marR="91450" marL="91450">
+                  <a:tcPr marL="91450" marR="91450" marT="45725" marB="45725">
                     <a:solidFill>
                       <a:srgbClr val="E0E0E0"/>
                     </a:solidFill>
@@ -12940,7 +13957,7 @@
                     <a:bodyPr/>
                     <a:lstStyle/>
                     <a:p>
-                      <a:pPr indent="0" lvl="0" marL="0" marR="0" rtl="0" algn="l">
+                      <a:pPr marL="0" marR="0" lvl="0" indent="0" algn="l" rtl="0">
                         <a:lnSpc>
                           <a:spcPct val="150000"/>
                         </a:lnSpc>
@@ -12958,7 +13975,7 @@
                         <a:buNone/>
                       </a:pPr>
                       <a:r>
-                        <a:rPr b="0" lang="en-US" sz="1600" u="none" cap="none" strike="noStrike">
+                        <a:rPr lang="en-US" sz="1600" b="0" u="none" strike="noStrike" cap="none">
                           <a:solidFill>
                             <a:srgbClr val="272525"/>
                           </a:solidFill>
@@ -12969,7 +13986,7 @@
                         </a:rPr>
                         <a:t>화면에 배터리가 표시되며, 처음에 동작시키면 100%이고, 1초에 1%씩 감소합니다.</a:t>
                       </a:r>
-                      <a:endParaRPr b="0" sz="1600" u="none" cap="none" strike="noStrike">
+                      <a:endParaRPr sz="1600" b="0" u="none" strike="noStrike" cap="none">
                         <a:solidFill>
                           <a:srgbClr val="272525"/>
                         </a:solidFill>
@@ -12980,7 +13997,7 @@
                       </a:endParaRPr>
                     </a:p>
                     <a:p>
-                      <a:pPr indent="0" lvl="0" marL="0" marR="0" rtl="0" algn="l">
+                      <a:pPr marL="0" marR="0" lvl="0" indent="0" algn="l" rtl="0">
                         <a:lnSpc>
                           <a:spcPct val="150000"/>
                         </a:lnSpc>
@@ -12998,26 +14015,31 @@
                         <a:buNone/>
                       </a:pPr>
                       <a:r>
-                        <a:rPr b="0" lang="en-US" sz="1600">
+                        <a:rPr lang="en-US" sz="1600" b="0">
                           <a:solidFill>
                             <a:srgbClr val="272525"/>
                           </a:solidFill>
                         </a:rPr>
                         <a:t>현재 시간을 보여줍니다. (yyyy-mm-dd   hh:mm:ss )</a:t>
                       </a:r>
-                      <a:endParaRPr b="0" sz="1600">
+                      <a:endParaRPr sz="1600" b="0">
                         <a:solidFill>
                           <a:srgbClr val="272525"/>
                         </a:solidFill>
                       </a:endParaRPr>
                     </a:p>
                   </a:txBody>
-                  <a:tcPr marT="45725" marB="45725" marR="91450" marL="91450">
+                  <a:tcPr marL="91450" marR="91450" marT="45725" marB="45725">
                     <a:solidFill>
                       <a:schemeClr val="lt1"/>
                     </a:solidFill>
                   </a:tcPr>
                 </a:tc>
+                <a:extLst>
+                  <a:ext uri="{0D108BD9-81ED-4DB2-BD59-A6C34878D82A}">
+                    <a16:rowId xmlns:a16="http://schemas.microsoft.com/office/drawing/2014/main" val="10000"/>
+                  </a:ext>
+                </a:extLst>
               </a:tr>
               <a:tr h="416900">
                 <a:tc>
@@ -13025,7 +14047,7 @@
                     <a:bodyPr/>
                     <a:lstStyle/>
                     <a:p>
-                      <a:pPr indent="0" lvl="0" marL="0" marR="0" rtl="0" algn="ctr">
+                      <a:pPr marL="0" marR="0" lvl="0" indent="0" algn="ctr" rtl="0">
                         <a:lnSpc>
                           <a:spcPct val="150000"/>
                         </a:lnSpc>
@@ -13043,7 +14065,7 @@
                         <a:buNone/>
                       </a:pPr>
                       <a:r>
-                        <a:rPr b="1" lang="en-US" sz="1600" u="none" cap="none" strike="noStrike">
+                        <a:rPr lang="en-US" sz="1600" b="1" u="none" strike="noStrike" cap="none">
                           <a:solidFill>
                             <a:schemeClr val="dk1"/>
                           </a:solidFill>
@@ -13054,7 +14076,7 @@
                         </a:rPr>
                         <a:t>FR2</a:t>
                       </a:r>
-                      <a:endParaRPr b="1" sz="1600" u="none" cap="none" strike="noStrike">
+                      <a:endParaRPr sz="1600" b="1" u="none" strike="noStrike" cap="none">
                         <a:solidFill>
                           <a:schemeClr val="dk1"/>
                         </a:solidFill>
@@ -13065,7 +14087,7 @@
                       </a:endParaRPr>
                     </a:p>
                   </a:txBody>
-                  <a:tcPr marT="45725" marB="45725" marR="91450" marL="91450">
+                  <a:tcPr marL="91450" marR="91450" marT="45725" marB="45725">
                     <a:solidFill>
                       <a:srgbClr val="E0E0E0"/>
                     </a:solidFill>
@@ -13076,7 +14098,7 @@
                     <a:bodyPr/>
                     <a:lstStyle/>
                     <a:p>
-                      <a:pPr indent="0" lvl="0" marL="0" marR="0" rtl="0" algn="l">
+                      <a:pPr marL="0" marR="0" lvl="0" indent="0" algn="l" rtl="0">
                         <a:lnSpc>
                           <a:spcPct val="150000"/>
                         </a:lnSpc>
@@ -13094,7 +14116,7 @@
                         <a:buNone/>
                       </a:pPr>
                       <a:r>
-                        <a:rPr lang="en-US" sz="1600" u="none" cap="none" strike="noStrike">
+                        <a:rPr lang="en-US" sz="1600" u="none" strike="noStrike" cap="none">
                           <a:solidFill>
                             <a:srgbClr val="272525"/>
                           </a:solidFill>
@@ -13113,7 +14135,7 @@
                         </a:rPr>
                         <a:t>는 부분만 검정색 배경으로 안 보이게 해줍니다.</a:t>
                       </a:r>
-                      <a:endParaRPr sz="1600" u="none" cap="none" strike="noStrike">
+                      <a:endParaRPr sz="1600" u="none" strike="noStrike" cap="none">
                         <a:solidFill>
                           <a:schemeClr val="dk1"/>
                         </a:solidFill>
@@ -13124,12 +14146,17 @@
                       </a:endParaRPr>
                     </a:p>
                   </a:txBody>
-                  <a:tcPr marT="45725" marB="45725" marR="91450" marL="91450">
+                  <a:tcPr marL="91450" marR="91450" marT="45725" marB="45725">
                     <a:solidFill>
                       <a:schemeClr val="lt1"/>
                     </a:solidFill>
                   </a:tcPr>
                 </a:tc>
+                <a:extLst>
+                  <a:ext uri="{0D108BD9-81ED-4DB2-BD59-A6C34878D82A}">
+                    <a16:rowId xmlns:a16="http://schemas.microsoft.com/office/drawing/2014/main" val="10001"/>
+                  </a:ext>
+                </a:extLst>
               </a:tr>
               <a:tr h="416900">
                 <a:tc>
@@ -13137,7 +14164,7 @@
                     <a:bodyPr/>
                     <a:lstStyle/>
                     <a:p>
-                      <a:pPr indent="0" lvl="0" marL="0" marR="0" rtl="0" algn="ctr">
+                      <a:pPr marL="0" marR="0" lvl="0" indent="0" algn="ctr" rtl="0">
                         <a:lnSpc>
                           <a:spcPct val="150000"/>
                         </a:lnSpc>
@@ -13155,7 +14182,7 @@
                         <a:buNone/>
                       </a:pPr>
                       <a:r>
-                        <a:rPr b="1" lang="en-US" sz="1600" u="none" cap="none" strike="noStrike">
+                        <a:rPr lang="en-US" sz="1600" b="1" u="none" strike="noStrike" cap="none">
                           <a:solidFill>
                             <a:schemeClr val="dk1"/>
                           </a:solidFill>
@@ -13166,7 +14193,7 @@
                         </a:rPr>
                         <a:t>FR3</a:t>
                       </a:r>
-                      <a:endParaRPr b="1" sz="1600" u="none" cap="none" strike="noStrike">
+                      <a:endParaRPr sz="1600" b="1" u="none" strike="noStrike" cap="none">
                         <a:solidFill>
                           <a:schemeClr val="dk1"/>
                         </a:solidFill>
@@ -13177,7 +14204,7 @@
                       </a:endParaRPr>
                     </a:p>
                   </a:txBody>
-                  <a:tcPr marT="45725" marB="45725" marR="91450" marL="91450">
+                  <a:tcPr marL="91450" marR="91450" marT="45725" marB="45725">
                     <a:solidFill>
                       <a:srgbClr val="E0E0E0"/>
                     </a:solidFill>
@@ -13188,7 +14215,7 @@
                     <a:bodyPr/>
                     <a:lstStyle/>
                     <a:p>
-                      <a:pPr indent="0" lvl="0" marL="0" marR="0" rtl="0" algn="l">
+                      <a:pPr marL="0" marR="0" lvl="0" indent="0" algn="l" rtl="0">
                         <a:lnSpc>
                           <a:spcPct val="150000"/>
                         </a:lnSpc>
@@ -13206,7 +14233,7 @@
                         <a:buNone/>
                       </a:pPr>
                       <a:r>
-                        <a:rPr lang="en-US" sz="1600" u="none" cap="none" strike="noStrike">
+                        <a:rPr lang="en-US" sz="1600" u="none" strike="noStrike" cap="none">
                           <a:solidFill>
                             <a:srgbClr val="272525"/>
                           </a:solidFill>
@@ -13217,7 +14244,7 @@
                         </a:rPr>
                         <a:t>시/분/초를 설정하고 추가를 누르면 알람이 추가됩니다.</a:t>
                       </a:r>
-                      <a:endParaRPr sz="1600" u="none" cap="none" strike="noStrike">
+                      <a:endParaRPr sz="1600" u="none" strike="noStrike" cap="none">
                         <a:solidFill>
                           <a:schemeClr val="dk1"/>
                         </a:solidFill>
@@ -13228,12 +14255,17 @@
                       </a:endParaRPr>
                     </a:p>
                   </a:txBody>
-                  <a:tcPr marT="45725" marB="45725" marR="91450" marL="91450">
+                  <a:tcPr marL="91450" marR="91450" marT="45725" marB="45725">
                     <a:solidFill>
                       <a:schemeClr val="lt1"/>
                     </a:solidFill>
                   </a:tcPr>
                 </a:tc>
+                <a:extLst>
+                  <a:ext uri="{0D108BD9-81ED-4DB2-BD59-A6C34878D82A}">
+                    <a16:rowId xmlns:a16="http://schemas.microsoft.com/office/drawing/2014/main" val="10002"/>
+                  </a:ext>
+                </a:extLst>
               </a:tr>
               <a:tr h="416900">
                 <a:tc>
@@ -13241,7 +14273,7 @@
                     <a:bodyPr/>
                     <a:lstStyle/>
                     <a:p>
-                      <a:pPr indent="0" lvl="0" marL="0" marR="0" rtl="0" algn="ctr">
+                      <a:pPr marL="0" marR="0" lvl="0" indent="0" algn="ctr" rtl="0">
                         <a:lnSpc>
                           <a:spcPct val="150000"/>
                         </a:lnSpc>
@@ -13259,7 +14291,7 @@
                         <a:buNone/>
                       </a:pPr>
                       <a:r>
-                        <a:rPr b="1" lang="en-US" sz="1600" u="none" cap="none" strike="noStrike">
+                        <a:rPr lang="en-US" sz="1600" b="1" u="none" strike="noStrike" cap="none">
                           <a:solidFill>
                             <a:schemeClr val="dk1"/>
                           </a:solidFill>
@@ -13270,7 +14302,7 @@
                         </a:rPr>
                         <a:t>FR4</a:t>
                       </a:r>
-                      <a:endParaRPr b="1" sz="1600" u="none" cap="none" strike="noStrike">
+                      <a:endParaRPr sz="1600" b="1" u="none" strike="noStrike" cap="none">
                         <a:solidFill>
                           <a:schemeClr val="dk1"/>
                         </a:solidFill>
@@ -13281,7 +14313,7 @@
                       </a:endParaRPr>
                     </a:p>
                   </a:txBody>
-                  <a:tcPr marT="45725" marB="45725" marR="91450" marL="91450">
+                  <a:tcPr marL="91450" marR="91450" marT="45725" marB="45725">
                     <a:solidFill>
                       <a:srgbClr val="E0E0E0"/>
                     </a:solidFill>
@@ -13292,7 +14324,7 @@
                     <a:bodyPr/>
                     <a:lstStyle/>
                     <a:p>
-                      <a:pPr indent="0" lvl="0" marL="0" marR="0" rtl="0" algn="l">
+                      <a:pPr marL="0" marR="0" lvl="0" indent="0" algn="l" rtl="0">
                         <a:lnSpc>
                           <a:spcPct val="150000"/>
                         </a:lnSpc>
@@ -13310,7 +14342,7 @@
                         <a:buNone/>
                       </a:pPr>
                       <a:r>
-                        <a:rPr lang="en-US" sz="1600" u="none" cap="none" strike="noStrike">
+                        <a:rPr lang="en-US" sz="1600" u="none" strike="noStrike" cap="none">
                           <a:solidFill>
                             <a:srgbClr val="272525"/>
                           </a:solidFill>
@@ -13322,7 +14354,7 @@
                         <a:t>알람 현황이 업데이트됩니다. </a:t>
                       </a:r>
                       <a:r>
-                        <a:rPr b="1" lang="en-US" sz="1600" u="none" cap="none" strike="noStrike">
+                        <a:rPr lang="en-US" sz="1600" b="1" u="none" strike="noStrike" cap="none">
                           <a:solidFill>
                             <a:srgbClr val="272525"/>
                           </a:solidFill>
@@ -13330,7 +14362,7 @@
                         <a:t>최대 3개 알람</a:t>
                       </a:r>
                       <a:r>
-                        <a:rPr lang="en-US" sz="1600" u="none" cap="none" strike="noStrike">
+                        <a:rPr lang="en-US" sz="1600" u="none" strike="noStrike" cap="none">
                           <a:solidFill>
                             <a:srgbClr val="272525"/>
                           </a:solidFill>
@@ -13341,7 +14373,7 @@
                         </a:rPr>
                         <a:t>까지 가능합니다.</a:t>
                       </a:r>
-                      <a:endParaRPr sz="1600" u="none" cap="none" strike="noStrike">
+                      <a:endParaRPr sz="1600" u="none" strike="noStrike" cap="none">
                         <a:solidFill>
                           <a:schemeClr val="dk1"/>
                         </a:solidFill>
@@ -13352,12 +14384,17 @@
                       </a:endParaRPr>
                     </a:p>
                   </a:txBody>
-                  <a:tcPr marT="45725" marB="45725" marR="91450" marL="91450">
+                  <a:tcPr marL="91450" marR="91450" marT="45725" marB="45725">
                     <a:solidFill>
                       <a:schemeClr val="lt1"/>
                     </a:solidFill>
                   </a:tcPr>
                 </a:tc>
+                <a:extLst>
+                  <a:ext uri="{0D108BD9-81ED-4DB2-BD59-A6C34878D82A}">
+                    <a16:rowId xmlns:a16="http://schemas.microsoft.com/office/drawing/2014/main" val="10003"/>
+                  </a:ext>
+                </a:extLst>
               </a:tr>
               <a:tr h="416900">
                 <a:tc>
@@ -13365,7 +14402,7 @@
                     <a:bodyPr/>
                     <a:lstStyle/>
                     <a:p>
-                      <a:pPr indent="0" lvl="0" marL="0" marR="0" rtl="0" algn="ctr">
+                      <a:pPr marL="0" marR="0" lvl="0" indent="0" algn="ctr" rtl="0">
                         <a:lnSpc>
                           <a:spcPct val="150000"/>
                         </a:lnSpc>
@@ -13383,7 +14420,7 @@
                         <a:buNone/>
                       </a:pPr>
                       <a:r>
-                        <a:rPr b="1" lang="en-US" sz="1600" u="none" cap="none" strike="noStrike">
+                        <a:rPr lang="en-US" sz="1600" b="1" u="none" strike="noStrike" cap="none">
                           <a:solidFill>
                             <a:schemeClr val="dk1"/>
                           </a:solidFill>
@@ -13394,7 +14431,7 @@
                         </a:rPr>
                         <a:t>FR5</a:t>
                       </a:r>
-                      <a:endParaRPr b="1" sz="1600" u="none" cap="none" strike="noStrike">
+                      <a:endParaRPr sz="1600" b="1" u="none" strike="noStrike" cap="none">
                         <a:solidFill>
                           <a:schemeClr val="dk1"/>
                         </a:solidFill>
@@ -13405,7 +14442,7 @@
                       </a:endParaRPr>
                     </a:p>
                   </a:txBody>
-                  <a:tcPr marT="45725" marB="45725" marR="91450" marL="91450">
+                  <a:tcPr marL="91450" marR="91450" marT="45725" marB="45725">
                     <a:solidFill>
                       <a:srgbClr val="E0E0E0"/>
                     </a:solidFill>
@@ -13416,7 +14453,7 @@
                     <a:bodyPr/>
                     <a:lstStyle/>
                     <a:p>
-                      <a:pPr indent="0" lvl="0" marL="0" marR="0" rtl="0" algn="l">
+                      <a:pPr marL="0" marR="0" lvl="0" indent="0" algn="l" rtl="0">
                         <a:lnSpc>
                           <a:spcPct val="150000"/>
                         </a:lnSpc>
@@ -13434,7 +14471,7 @@
                         <a:buNone/>
                       </a:pPr>
                       <a:r>
-                        <a:rPr b="1" lang="en-US" sz="1600" u="none" cap="none" strike="noStrike">
+                        <a:rPr lang="en-US" sz="1600" b="1" u="none" strike="noStrike" cap="none">
                           <a:solidFill>
                             <a:srgbClr val="272525"/>
                           </a:solidFill>
@@ -13442,7 +14479,7 @@
                         <a:t>본인만의 기능을 1개 추가</a:t>
                       </a:r>
                       <a:r>
-                        <a:rPr lang="en-US" sz="1600" u="none" cap="none" strike="noStrike">
+                        <a:rPr lang="en-US" sz="1600" u="none" strike="noStrike" cap="none">
                           <a:solidFill>
                             <a:srgbClr val="272525"/>
                           </a:solidFill>
@@ -13453,7 +14490,7 @@
                         </a:rPr>
                         <a:t>합니다.</a:t>
                       </a:r>
-                      <a:endParaRPr sz="1600" u="none" cap="none" strike="noStrike">
+                      <a:endParaRPr sz="1600" u="none" strike="noStrike" cap="none">
                         <a:solidFill>
                           <a:schemeClr val="dk1"/>
                         </a:solidFill>
@@ -13464,12 +14501,17 @@
                       </a:endParaRPr>
                     </a:p>
                   </a:txBody>
-                  <a:tcPr marT="45725" marB="45725" marR="91450" marL="91450">
+                  <a:tcPr marL="91450" marR="91450" marT="45725" marB="45725">
                     <a:solidFill>
                       <a:schemeClr val="lt1"/>
                     </a:solidFill>
                   </a:tcPr>
                 </a:tc>
+                <a:extLst>
+                  <a:ext uri="{0D108BD9-81ED-4DB2-BD59-A6C34878D82A}">
+                    <a16:rowId xmlns:a16="http://schemas.microsoft.com/office/drawing/2014/main" val="10004"/>
+                  </a:ext>
+                </a:extLst>
               </a:tr>
             </a:tbl>
           </a:graphicData>
@@ -13492,23 +14534,23 @@
           <a:solidFill>
             <a:srgbClr val="FFFFFF"/>
           </a:solidFill>
-          <a:ln cap="flat" cmpd="sng" w="9525">
+          <a:ln w="9525" cap="flat" cmpd="sng">
             <a:solidFill>
               <a:schemeClr val="dk2"/>
             </a:solidFill>
             <a:prstDash val="solid"/>
             <a:round/>
-            <a:headEnd len="sm" w="sm" type="none"/>
-            <a:tailEnd len="sm" w="sm" type="none"/>
+            <a:headEnd type="none" w="sm" len="sm"/>
+            <a:tailEnd type="none" w="sm" len="sm"/>
           </a:ln>
         </p:spPr>
         <p:txBody>
-          <a:bodyPr anchorCtr="0" anchor="ctr" bIns="91425" lIns="91425" spcFirstLastPara="1" rIns="91425" wrap="square" tIns="91425">
+          <a:bodyPr spcFirstLastPara="1" wrap="square" lIns="91425" tIns="91425" rIns="91425" bIns="91425" anchor="ctr" anchorCtr="0">
             <a:noAutofit/>
           </a:bodyPr>
           <a:lstStyle/>
           <a:p>
-            <a:pPr indent="0" lvl="0" marL="0" marR="0" rtl="0" algn="l">
+            <a:pPr marL="0" marR="0" lvl="0" indent="0" algn="l" rtl="0">
               <a:spcBef>
                 <a:spcPts val="0"/>
               </a:spcBef>
@@ -13522,9 +14564,6 @@
               <a:buFont typeface="Calibri"/>
               <a:buNone/>
             </a:pPr>
-            <a:r>
-              <a:t/>
-            </a:r>
             <a:endParaRPr sz="1800">
               <a:solidFill>
                 <a:schemeClr val="dk1"/>
@@ -13554,23 +14593,23 @@
           <a:solidFill>
             <a:schemeClr val="lt2"/>
           </a:solidFill>
-          <a:ln cap="flat" cmpd="sng" w="9525">
+          <a:ln w="9525" cap="flat" cmpd="sng">
             <a:solidFill>
               <a:schemeClr val="dk2"/>
             </a:solidFill>
             <a:prstDash val="solid"/>
             <a:round/>
-            <a:headEnd len="sm" w="sm" type="none"/>
-            <a:tailEnd len="sm" w="sm" type="none"/>
+            <a:headEnd type="none" w="sm" len="sm"/>
+            <a:tailEnd type="none" w="sm" len="sm"/>
           </a:ln>
         </p:spPr>
         <p:txBody>
-          <a:bodyPr anchorCtr="0" anchor="ctr" bIns="91425" lIns="91425" spcFirstLastPara="1" rIns="91425" wrap="square" tIns="91425">
+          <a:bodyPr spcFirstLastPara="1" wrap="square" lIns="91425" tIns="91425" rIns="91425" bIns="91425" anchor="ctr" anchorCtr="0">
             <a:noAutofit/>
           </a:bodyPr>
           <a:lstStyle/>
           <a:p>
-            <a:pPr indent="0" lvl="0" marL="0" marR="0" rtl="0" algn="l">
+            <a:pPr marL="0" marR="0" lvl="0" indent="0" algn="l" rtl="0">
               <a:spcBef>
                 <a:spcPts val="0"/>
               </a:spcBef>
@@ -13625,23 +14664,23 @@
           <a:solidFill>
             <a:schemeClr val="lt2"/>
           </a:solidFill>
-          <a:ln cap="flat" cmpd="sng" w="9525">
+          <a:ln w="9525" cap="flat" cmpd="sng">
             <a:solidFill>
               <a:schemeClr val="dk2"/>
             </a:solidFill>
             <a:prstDash val="solid"/>
             <a:round/>
-            <a:headEnd len="sm" w="sm" type="none"/>
-            <a:tailEnd len="sm" w="sm" type="none"/>
+            <a:headEnd type="none" w="sm" len="sm"/>
+            <a:tailEnd type="none" w="sm" len="sm"/>
           </a:ln>
         </p:spPr>
         <p:txBody>
-          <a:bodyPr anchorCtr="0" anchor="ctr" bIns="91425" lIns="91425" spcFirstLastPara="1" rIns="91425" wrap="square" tIns="91425">
+          <a:bodyPr spcFirstLastPara="1" wrap="square" lIns="91425" tIns="91425" rIns="91425" bIns="91425" anchor="ctr" anchorCtr="0">
             <a:noAutofit/>
           </a:bodyPr>
           <a:lstStyle/>
           <a:p>
-            <a:pPr indent="0" lvl="0" marL="0" marR="0" rtl="0" algn="ctr">
+            <a:pPr marL="0" marR="0" lvl="0" indent="0" algn="ctr" rtl="0">
               <a:spcBef>
                 <a:spcPts val="0"/>
               </a:spcBef>
@@ -13696,23 +14735,23 @@
           <a:solidFill>
             <a:schemeClr val="lt2"/>
           </a:solidFill>
-          <a:ln cap="flat" cmpd="sng" w="9525">
+          <a:ln w="9525" cap="flat" cmpd="sng">
             <a:solidFill>
               <a:schemeClr val="dk2"/>
             </a:solidFill>
             <a:prstDash val="solid"/>
             <a:round/>
-            <a:headEnd len="sm" w="sm" type="none"/>
-            <a:tailEnd len="sm" w="sm" type="none"/>
+            <a:headEnd type="none" w="sm" len="sm"/>
+            <a:tailEnd type="none" w="sm" len="sm"/>
           </a:ln>
         </p:spPr>
         <p:txBody>
-          <a:bodyPr anchorCtr="0" anchor="ctr" bIns="91425" lIns="91425" spcFirstLastPara="1" rIns="91425" wrap="square" tIns="91425">
+          <a:bodyPr spcFirstLastPara="1" wrap="square" lIns="91425" tIns="91425" rIns="91425" bIns="91425" anchor="ctr" anchorCtr="0">
             <a:noAutofit/>
           </a:bodyPr>
           <a:lstStyle/>
           <a:p>
-            <a:pPr indent="0" lvl="0" marL="0" marR="0" rtl="0" algn="ctr">
+            <a:pPr marL="0" marR="0" lvl="0" indent="0" algn="ctr" rtl="0">
               <a:spcBef>
                 <a:spcPts val="0"/>
               </a:spcBef>
@@ -13803,23 +14842,23 @@
           <a:solidFill>
             <a:schemeClr val="lt2"/>
           </a:solidFill>
-          <a:ln cap="flat" cmpd="sng" w="9525">
+          <a:ln w="9525" cap="flat" cmpd="sng">
             <a:solidFill>
               <a:schemeClr val="dk2"/>
             </a:solidFill>
             <a:prstDash val="solid"/>
             <a:round/>
-            <a:headEnd len="sm" w="sm" type="none"/>
-            <a:tailEnd len="sm" w="sm" type="none"/>
+            <a:headEnd type="none" w="sm" len="sm"/>
+            <a:tailEnd type="none" w="sm" len="sm"/>
           </a:ln>
         </p:spPr>
         <p:txBody>
-          <a:bodyPr anchorCtr="0" anchor="ctr" bIns="91425" lIns="91425" spcFirstLastPara="1" rIns="91425" wrap="square" tIns="91425">
+          <a:bodyPr spcFirstLastPara="1" wrap="square" lIns="91425" tIns="91425" rIns="91425" bIns="91425" anchor="ctr" anchorCtr="0">
             <a:noAutofit/>
           </a:bodyPr>
           <a:lstStyle/>
           <a:p>
-            <a:pPr indent="0" lvl="0" marL="0" marR="0" rtl="0" algn="ctr">
+            <a:pPr marL="0" marR="0" lvl="0" indent="0" algn="ctr" rtl="0">
               <a:spcBef>
                 <a:spcPts val="0"/>
               </a:spcBef>
@@ -13874,23 +14913,23 @@
           <a:solidFill>
             <a:schemeClr val="lt2"/>
           </a:solidFill>
-          <a:ln cap="flat" cmpd="sng" w="9525">
+          <a:ln w="9525" cap="flat" cmpd="sng">
             <a:solidFill>
               <a:schemeClr val="dk2"/>
             </a:solidFill>
             <a:prstDash val="solid"/>
             <a:round/>
-            <a:headEnd len="sm" w="sm" type="none"/>
-            <a:tailEnd len="sm" w="sm" type="none"/>
+            <a:headEnd type="none" w="sm" len="sm"/>
+            <a:tailEnd type="none" w="sm" len="sm"/>
           </a:ln>
         </p:spPr>
         <p:txBody>
-          <a:bodyPr anchorCtr="0" anchor="ctr" bIns="91425" lIns="91425" spcFirstLastPara="1" rIns="91425" wrap="square" tIns="91425">
+          <a:bodyPr spcFirstLastPara="1" wrap="square" lIns="91425" tIns="91425" rIns="91425" bIns="91425" anchor="ctr" anchorCtr="0">
             <a:noAutofit/>
           </a:bodyPr>
           <a:lstStyle/>
           <a:p>
-            <a:pPr indent="0" lvl="0" marL="0" marR="0" rtl="0" algn="ctr">
+            <a:pPr marL="0" marR="0" lvl="0" indent="0" algn="ctr" rtl="0">
               <a:spcBef>
                 <a:spcPts val="0"/>
               </a:spcBef>
@@ -13945,23 +14984,23 @@
           <a:solidFill>
             <a:schemeClr val="lt2"/>
           </a:solidFill>
-          <a:ln cap="flat" cmpd="sng" w="9525">
+          <a:ln w="9525" cap="flat" cmpd="sng">
             <a:solidFill>
               <a:schemeClr val="dk2"/>
             </a:solidFill>
             <a:prstDash val="solid"/>
             <a:round/>
-            <a:headEnd len="sm" w="sm" type="none"/>
-            <a:tailEnd len="sm" w="sm" type="none"/>
+            <a:headEnd type="none" w="sm" len="sm"/>
+            <a:tailEnd type="none" w="sm" len="sm"/>
           </a:ln>
         </p:spPr>
         <p:txBody>
-          <a:bodyPr anchorCtr="0" anchor="ctr" bIns="91425" lIns="91425" spcFirstLastPara="1" rIns="91425" wrap="square" tIns="91425">
+          <a:bodyPr spcFirstLastPara="1" wrap="square" lIns="91425" tIns="91425" rIns="91425" bIns="91425" anchor="ctr" anchorCtr="0">
             <a:noAutofit/>
           </a:bodyPr>
           <a:lstStyle/>
           <a:p>
-            <a:pPr indent="0" lvl="0" marL="0" marR="0" rtl="0" algn="ctr">
+            <a:pPr marL="0" marR="0" lvl="0" indent="0" algn="ctr" rtl="0">
               <a:spcBef>
                 <a:spcPts val="0"/>
               </a:spcBef>
@@ -14019,12 +15058,12 @@
           </a:ln>
         </p:spPr>
         <p:txBody>
-          <a:bodyPr anchorCtr="0" anchor="t" bIns="91425" lIns="91425" spcFirstLastPara="1" rIns="91425" wrap="square" tIns="91425">
+          <a:bodyPr spcFirstLastPara="1" wrap="square" lIns="91425" tIns="91425" rIns="91425" bIns="91425" anchor="t" anchorCtr="0">
             <a:spAutoFit/>
           </a:bodyPr>
           <a:lstStyle/>
           <a:p>
-            <a:pPr indent="0" lvl="0" marL="0" marR="0" rtl="0" algn="l">
+            <a:pPr marL="0" marR="0" lvl="0" indent="0" algn="l" rtl="0">
               <a:spcBef>
                 <a:spcPts val="0"/>
               </a:spcBef>
@@ -14079,23 +15118,23 @@
           <a:solidFill>
             <a:schemeClr val="lt2"/>
           </a:solidFill>
-          <a:ln cap="flat" cmpd="sng" w="9525">
+          <a:ln w="9525" cap="flat" cmpd="sng">
             <a:solidFill>
               <a:schemeClr val="dk2"/>
             </a:solidFill>
             <a:prstDash val="solid"/>
             <a:round/>
-            <a:headEnd len="sm" w="sm" type="none"/>
-            <a:tailEnd len="sm" w="sm" type="none"/>
+            <a:headEnd type="none" w="sm" len="sm"/>
+            <a:tailEnd type="none" w="sm" len="sm"/>
           </a:ln>
         </p:spPr>
         <p:txBody>
-          <a:bodyPr anchorCtr="0" anchor="ctr" bIns="91425" lIns="91425" spcFirstLastPara="1" rIns="91425" wrap="square" tIns="91425">
+          <a:bodyPr spcFirstLastPara="1" wrap="square" lIns="91425" tIns="91425" rIns="91425" bIns="91425" anchor="ctr" anchorCtr="0">
             <a:noAutofit/>
           </a:bodyPr>
           <a:lstStyle/>
           <a:p>
-            <a:pPr indent="0" lvl="0" marL="0" marR="0" rtl="0" algn="l">
+            <a:pPr marL="0" marR="0" lvl="0" indent="0" algn="l" rtl="0">
               <a:spcBef>
                 <a:spcPts val="0"/>
               </a:spcBef>
@@ -14109,9 +15148,6 @@
               <a:buFont typeface="Calibri"/>
               <a:buNone/>
             </a:pPr>
-            <a:r>
-              <a:t/>
-            </a:r>
             <a:endParaRPr sz="1400">
               <a:solidFill>
                 <a:schemeClr val="dk1"/>
@@ -14144,12 +15180,12 @@
           </a:ln>
         </p:spPr>
         <p:txBody>
-          <a:bodyPr anchorCtr="0" anchor="t" bIns="91425" lIns="91425" spcFirstLastPara="1" rIns="91425" wrap="square" tIns="91425">
+          <a:bodyPr spcFirstLastPara="1" wrap="square" lIns="91425" tIns="91425" rIns="91425" bIns="91425" anchor="t" anchorCtr="0">
             <a:spAutoFit/>
           </a:bodyPr>
           <a:lstStyle/>
           <a:p>
-            <a:pPr indent="0" lvl="0" marL="0" marR="0" rtl="0" algn="l">
+            <a:pPr marL="0" marR="0" lvl="0" indent="0" algn="l" rtl="0">
               <a:spcBef>
                 <a:spcPts val="0"/>
               </a:spcBef>
@@ -14207,12 +15243,12 @@
           </a:ln>
         </p:spPr>
         <p:txBody>
-          <a:bodyPr anchorCtr="0" anchor="t" bIns="91425" lIns="91425" spcFirstLastPara="1" rIns="91425" wrap="square" tIns="91425">
+          <a:bodyPr spcFirstLastPara="1" wrap="square" lIns="91425" tIns="91425" rIns="91425" bIns="91425" anchor="t" anchorCtr="0">
             <a:spAutoFit/>
           </a:bodyPr>
           <a:lstStyle/>
           <a:p>
-            <a:pPr indent="0" lvl="0" marL="0" marR="0" rtl="0" algn="l">
+            <a:pPr marL="0" marR="0" lvl="0" indent="0" algn="l" rtl="0">
               <a:spcBef>
                 <a:spcPts val="0"/>
               </a:spcBef>
@@ -14259,11 +15295,11 @@
 </file>
 
 <file path=ppt/slides/slide9.xml><?xml version="1.0" encoding="utf-8"?>
-<p:sld xmlns:a="http://schemas.openxmlformats.org/drawingml/2006/main" xmlns:r="http://schemas.openxmlformats.org/officeDocument/2006/relationships" xmlns:mc="http://schemas.openxmlformats.org/markup-compatibility/2006" xmlns:mv="urn:schemas-microsoft-com:mac:vml" xmlns:p="http://schemas.openxmlformats.org/presentationml/2006/main" xmlns:c="http://schemas.openxmlformats.org/drawingml/2006/chart" xmlns:dgm="http://schemas.openxmlformats.org/drawingml/2006/diagram" xmlns:o="urn:schemas-microsoft-com:office:office" xmlns:v="urn:schemas-microsoft-com:vml" xmlns:pvml="urn:schemas-microsoft-com:office:powerpoint" xmlns:com="http://schemas.openxmlformats.org/drawingml/2006/compatibility" xmlns:p14="http://schemas.microsoft.com/office/powerpoint/2010/main" xmlns:p15="http://schemas.microsoft.com/office/powerpoint/2012/main" xmlns:ahyp="http://schemas.microsoft.com/office/drawing/2018/hyperlinkcolor">
+<p:sld xmlns:a="http://schemas.openxmlformats.org/drawingml/2006/main" xmlns:r="http://schemas.openxmlformats.org/officeDocument/2006/relationships" xmlns:p="http://schemas.openxmlformats.org/presentationml/2006/main">
   <p:cSld>
     <p:spTree>
       <p:nvGrpSpPr>
-        <p:cNvPr id="152" name="Shape 152"/>
+        <p:cNvPr id="1" name="Shape 152"/>
         <p:cNvGrpSpPr/>
         <p:nvPr/>
       </p:nvGrpSpPr>
@@ -14295,12 +15331,12 @@
           </a:ln>
         </p:spPr>
         <p:txBody>
-          <a:bodyPr anchorCtr="0" anchor="t" bIns="45700" lIns="91425" spcFirstLastPara="1" rIns="91425" wrap="square" tIns="45700">
+          <a:bodyPr spcFirstLastPara="1" wrap="square" lIns="91425" tIns="45700" rIns="91425" bIns="45700" anchor="t" anchorCtr="0">
             <a:noAutofit/>
           </a:bodyPr>
           <a:lstStyle/>
           <a:p>
-            <a:pPr indent="0" lvl="0" marL="0" marR="0" rtl="0" algn="l">
+            <a:pPr marL="0" marR="0" lvl="0" indent="0" algn="l" rtl="0">
               <a:lnSpc>
                 <a:spcPct val="151444"/>
               </a:lnSpc>
@@ -14318,7 +15354,7 @@
               <a:buNone/>
             </a:pPr>
             <a:r>
-              <a:rPr b="1" lang="en-US" sz="3600">
+              <a:rPr lang="en-US" sz="3600" b="1">
                 <a:solidFill>
                   <a:srgbClr val="000000"/>
                 </a:solidFill>
@@ -14361,12 +15397,12 @@
           </a:ln>
         </p:spPr>
         <p:txBody>
-          <a:bodyPr anchorCtr="0" anchor="t" bIns="45700" lIns="91425" spcFirstLastPara="1" rIns="91425" wrap="square" tIns="45700">
+          <a:bodyPr spcFirstLastPara="1" wrap="square" lIns="91425" tIns="45700" rIns="91425" bIns="45700" anchor="t" anchorCtr="0">
             <a:noAutofit/>
           </a:bodyPr>
           <a:lstStyle/>
           <a:p>
-            <a:pPr indent="0" lvl="0" marL="0" marR="0" rtl="0" algn="l">
+            <a:pPr marL="0" marR="0" lvl="0" indent="0" algn="l" rtl="0">
               <a:lnSpc>
                 <a:spcPct val="123909"/>
               </a:lnSpc>
@@ -14384,7 +15420,7 @@
               <a:buNone/>
             </a:pPr>
             <a:r>
-              <a:rPr b="1" lang="en-US" sz="2200">
+              <a:rPr lang="en-US" sz="2200" b="1">
                 <a:solidFill>
                   <a:srgbClr val="000000"/>
                 </a:solidFill>
@@ -14427,12 +15463,12 @@
           </a:ln>
         </p:spPr>
         <p:txBody>
-          <a:bodyPr anchorCtr="0" anchor="t" bIns="45700" lIns="91425" spcFirstLastPara="1" rIns="91425" wrap="square" tIns="45700">
+          <a:bodyPr spcFirstLastPara="1" wrap="square" lIns="91425" tIns="45700" rIns="91425" bIns="45700" anchor="t" anchorCtr="0">
             <a:noAutofit/>
           </a:bodyPr>
           <a:lstStyle/>
           <a:p>
-            <a:pPr indent="0" lvl="0" marL="0" rtl="0" algn="l">
+            <a:pPr marL="0" lvl="0" indent="0" algn="l" rtl="0">
               <a:lnSpc>
                 <a:spcPct val="170875"/>
               </a:lnSpc>
@@ -14450,7 +15486,7 @@
               <a:buNone/>
             </a:pPr>
             <a:r>
-              <a:rPr b="1" lang="en-US" sz="1600">
+              <a:rPr lang="en-US" sz="1600" b="1">
                 <a:solidFill>
                   <a:schemeClr val="dk1"/>
                 </a:solidFill>
@@ -14461,7 +15497,7 @@
               </a:rPr>
               <a:t>요구사항(Function Requirement)</a:t>
             </a:r>
-            <a:endParaRPr b="1" sz="1600">
+            <a:endParaRPr sz="1600" b="1">
               <a:solidFill>
                 <a:schemeClr val="dk1"/>
               </a:solidFill>
@@ -14486,13 +15522,25 @@
         <a:graphic>
           <a:graphicData uri="http://schemas.openxmlformats.org/drawingml/2006/table">
             <a:tbl>
-              <a:tblPr bandRow="1" firstRow="1">
+              <a:tblPr firstRow="1" bandRow="1">
                 <a:noFill/>
                 <a:tableStyleId>{F971A4A4-1EB2-4C0C-B97F-A777C13EA5F1}</a:tableStyleId>
               </a:tblPr>
               <a:tblGrid>
-                <a:gridCol w="1113825"/>
-                <a:gridCol w="9245000"/>
+                <a:gridCol w="1113825">
+                  <a:extLst>
+                    <a:ext uri="{9D8B030D-6E8A-4147-A177-3AD203B41FA5}">
+                      <a16:colId xmlns:a16="http://schemas.microsoft.com/office/drawing/2014/main" val="20000"/>
+                    </a:ext>
+                  </a:extLst>
+                </a:gridCol>
+                <a:gridCol w="9245000">
+                  <a:extLst>
+                    <a:ext uri="{9D8B030D-6E8A-4147-A177-3AD203B41FA5}">
+                      <a16:colId xmlns:a16="http://schemas.microsoft.com/office/drawing/2014/main" val="20001"/>
+                    </a:ext>
+                  </a:extLst>
+                </a:gridCol>
               </a:tblGrid>
               <a:tr h="549100">
                 <a:tc>
@@ -14500,7 +15548,7 @@
                     <a:bodyPr/>
                     <a:lstStyle/>
                     <a:p>
-                      <a:pPr indent="0" lvl="0" marL="0" marR="0" rtl="0" algn="ctr">
+                      <a:pPr marL="0" marR="0" lvl="0" indent="0" algn="ctr" rtl="0">
                         <a:lnSpc>
                           <a:spcPct val="150000"/>
                         </a:lnSpc>
@@ -14513,7 +15561,7 @@
                         <a:buNone/>
                       </a:pPr>
                       <a:r>
-                        <a:rPr b="1" lang="en-US" sz="1600" u="none" cap="none" strike="noStrike">
+                        <a:rPr lang="en-US" sz="1600" b="1" u="none" strike="noStrike" cap="none">
                           <a:solidFill>
                             <a:schemeClr val="dk1"/>
                           </a:solidFill>
@@ -14524,7 +15572,7 @@
                         </a:rPr>
                         <a:t>FR1</a:t>
                       </a:r>
-                      <a:endParaRPr b="1" sz="1600" u="none" cap="none" strike="noStrike">
+                      <a:endParaRPr sz="1600" b="1" u="none" strike="noStrike" cap="none">
                         <a:solidFill>
                           <a:schemeClr val="dk1"/>
                         </a:solidFill>
@@ -14535,7 +15583,7 @@
                       </a:endParaRPr>
                     </a:p>
                   </a:txBody>
-                  <a:tcPr marT="45725" marB="45725" marR="91450" marL="91450">
+                  <a:tcPr marL="91450" marR="91450" marT="45725" marB="45725">
                     <a:solidFill>
                       <a:srgbClr val="E0E0E0"/>
                     </a:solidFill>
@@ -14546,7 +15594,7 @@
                     <a:bodyPr/>
                     <a:lstStyle/>
                     <a:p>
-                      <a:pPr indent="0" lvl="0" marL="0" marR="0" rtl="0" algn="l">
+                      <a:pPr marL="0" marR="0" lvl="0" indent="0" algn="l" rtl="0">
                         <a:lnSpc>
                           <a:spcPct val="150000"/>
                         </a:lnSpc>
@@ -14564,7 +15612,7 @@
                         <a:buNone/>
                       </a:pPr>
                       <a:r>
-                        <a:rPr b="0" lang="en-US" sz="1600" u="none" cap="none" strike="noStrike">
+                        <a:rPr lang="en-US" sz="1600" b="0" u="none" strike="noStrike" cap="none">
                           <a:solidFill>
                             <a:srgbClr val="272525"/>
                           </a:solidFill>
@@ -14575,7 +15623,7 @@
                         </a:rPr>
                         <a:t>화면에는 숫자 키패드(0-9)와 사칙연산 기호(+, -, *, /) 버튼이 있습니다.</a:t>
                       </a:r>
-                      <a:endParaRPr b="0" sz="1600" u="none" cap="none" strike="noStrike">
+                      <a:endParaRPr sz="1600" b="0" u="none" strike="noStrike" cap="none">
                         <a:solidFill>
                           <a:schemeClr val="lt1"/>
                         </a:solidFill>
@@ -14586,12 +15634,17 @@
                       </a:endParaRPr>
                     </a:p>
                   </a:txBody>
-                  <a:tcPr marT="45725" marB="45725" marR="91450" marL="91450">
+                  <a:tcPr marL="91450" marR="91450" marT="45725" marB="45725">
                     <a:solidFill>
                       <a:schemeClr val="lt1"/>
                     </a:solidFill>
                   </a:tcPr>
                 </a:tc>
+                <a:extLst>
+                  <a:ext uri="{0D108BD9-81ED-4DB2-BD59-A6C34878D82A}">
+                    <a16:rowId xmlns:a16="http://schemas.microsoft.com/office/drawing/2014/main" val="10000"/>
+                  </a:ext>
+                </a:extLst>
               </a:tr>
               <a:tr h="513875">
                 <a:tc>
@@ -14599,7 +15652,7 @@
                     <a:bodyPr/>
                     <a:lstStyle/>
                     <a:p>
-                      <a:pPr indent="0" lvl="0" marL="0" marR="0" rtl="0" algn="ctr">
+                      <a:pPr marL="0" marR="0" lvl="0" indent="0" algn="ctr" rtl="0">
                         <a:lnSpc>
                           <a:spcPct val="150000"/>
                         </a:lnSpc>
@@ -14617,7 +15670,7 @@
                         <a:buNone/>
                       </a:pPr>
                       <a:r>
-                        <a:rPr b="1" lang="en-US" sz="1600" u="none" cap="none" strike="noStrike">
+                        <a:rPr lang="en-US" sz="1600" b="1" u="none" strike="noStrike" cap="none">
                           <a:solidFill>
                             <a:schemeClr val="dk1"/>
                           </a:solidFill>
@@ -14628,7 +15681,7 @@
                         </a:rPr>
                         <a:t>FR2</a:t>
                       </a:r>
-                      <a:endParaRPr b="1" sz="1600" u="none" cap="none" strike="noStrike">
+                      <a:endParaRPr sz="1600" b="1" u="none" strike="noStrike" cap="none">
                         <a:solidFill>
                           <a:schemeClr val="dk1"/>
                         </a:solidFill>
@@ -14639,7 +15692,7 @@
                       </a:endParaRPr>
                     </a:p>
                   </a:txBody>
-                  <a:tcPr marT="45725" marB="45725" marR="91450" marL="91450">
+                  <a:tcPr marL="91450" marR="91450" marT="45725" marB="45725">
                     <a:solidFill>
                       <a:srgbClr val="E0E0E0"/>
                     </a:solidFill>
@@ -14650,7 +15703,7 @@
                     <a:bodyPr/>
                     <a:lstStyle/>
                     <a:p>
-                      <a:pPr indent="0" lvl="0" marL="0" marR="0" rtl="0" algn="l">
+                      <a:pPr marL="0" marR="0" lvl="0" indent="0" algn="l" rtl="0">
                         <a:lnSpc>
                           <a:spcPct val="150000"/>
                         </a:lnSpc>
@@ -14668,7 +15721,7 @@
                         <a:buNone/>
                       </a:pPr>
                       <a:r>
-                        <a:rPr lang="en-US" sz="1600" u="none" cap="none" strike="noStrike">
+                        <a:rPr lang="en-US" sz="1600" u="none" strike="noStrike" cap="none">
                           <a:solidFill>
                             <a:srgbClr val="272525"/>
                           </a:solidFill>
@@ -14679,7 +15732,7 @@
                         </a:rPr>
                         <a:t>입력된 숫자와 연산 기호를 화면의 상단에 표시하여 사용자가 현재 입력 상황 확인 가능</a:t>
                       </a:r>
-                      <a:endParaRPr sz="1600" u="none" cap="none" strike="noStrike">
+                      <a:endParaRPr sz="1600" u="none" strike="noStrike" cap="none">
                         <a:solidFill>
                           <a:schemeClr val="dk1"/>
                         </a:solidFill>
@@ -14690,12 +15743,17 @@
                       </a:endParaRPr>
                     </a:p>
                   </a:txBody>
-                  <a:tcPr marT="45725" marB="45725" marR="91450" marL="91450">
+                  <a:tcPr marL="91450" marR="91450" marT="45725" marB="45725">
                     <a:solidFill>
                       <a:schemeClr val="lt1"/>
                     </a:solidFill>
                   </a:tcPr>
                 </a:tc>
+                <a:extLst>
+                  <a:ext uri="{0D108BD9-81ED-4DB2-BD59-A6C34878D82A}">
+                    <a16:rowId xmlns:a16="http://schemas.microsoft.com/office/drawing/2014/main" val="10001"/>
+                  </a:ext>
+                </a:extLst>
               </a:tr>
               <a:tr h="513875">
                 <a:tc>
@@ -14703,7 +15761,7 @@
                     <a:bodyPr/>
                     <a:lstStyle/>
                     <a:p>
-                      <a:pPr indent="0" lvl="0" marL="0" marR="0" rtl="0" algn="ctr">
+                      <a:pPr marL="0" marR="0" lvl="0" indent="0" algn="ctr" rtl="0">
                         <a:lnSpc>
                           <a:spcPct val="150000"/>
                         </a:lnSpc>
@@ -14721,7 +15779,7 @@
                         <a:buNone/>
                       </a:pPr>
                       <a:r>
-                        <a:rPr b="1" lang="en-US" sz="1600" u="none" cap="none" strike="noStrike">
+                        <a:rPr lang="en-US" sz="1600" b="1" u="none" strike="noStrike" cap="none">
                           <a:solidFill>
                             <a:schemeClr val="dk1"/>
                           </a:solidFill>
@@ -14732,7 +15790,7 @@
                         </a:rPr>
                         <a:t>FR3</a:t>
                       </a:r>
-                      <a:endParaRPr b="1" sz="1600" u="none" cap="none" strike="noStrike">
+                      <a:endParaRPr sz="1600" b="1" u="none" strike="noStrike" cap="none">
                         <a:solidFill>
                           <a:schemeClr val="dk1"/>
                         </a:solidFill>
@@ -14743,7 +15801,7 @@
                       </a:endParaRPr>
                     </a:p>
                   </a:txBody>
-                  <a:tcPr marT="45725" marB="45725" marR="91450" marL="91450">
+                  <a:tcPr marL="91450" marR="91450" marT="45725" marB="45725">
                     <a:solidFill>
                       <a:srgbClr val="E0E0E0"/>
                     </a:solidFill>
@@ -14754,7 +15812,7 @@
                     <a:bodyPr/>
                     <a:lstStyle/>
                     <a:p>
-                      <a:pPr indent="0" lvl="0" marL="0" marR="0" rtl="0" algn="l">
+                      <a:pPr marL="0" marR="0" lvl="0" indent="0" algn="l" rtl="0">
                         <a:lnSpc>
                           <a:spcPct val="150000"/>
                         </a:lnSpc>
@@ -14772,7 +15830,7 @@
                         <a:buNone/>
                       </a:pPr>
                       <a:r>
-                        <a:rPr lang="en-US" sz="1600" u="none" cap="none" strike="noStrike">
+                        <a:rPr lang="en-US" sz="1600" u="none" strike="noStrike" cap="none">
                           <a:solidFill>
                             <a:srgbClr val="272525"/>
                           </a:solidFill>
@@ -14783,7 +15841,7 @@
                         </a:rPr>
                         <a:t>'=' 버튼을 누르면, 현재 까지의 연산 결과가 화면에 표시됩니다.</a:t>
                       </a:r>
-                      <a:endParaRPr sz="1600" u="none" cap="none" strike="noStrike">
+                      <a:endParaRPr sz="1600" u="none" strike="noStrike" cap="none">
                         <a:solidFill>
                           <a:schemeClr val="dk1"/>
                         </a:solidFill>
@@ -14794,12 +15852,17 @@
                       </a:endParaRPr>
                     </a:p>
                   </a:txBody>
-                  <a:tcPr marT="45725" marB="45725" marR="91450" marL="91450">
+                  <a:tcPr marL="91450" marR="91450" marT="45725" marB="45725">
                     <a:solidFill>
                       <a:schemeClr val="lt1"/>
                     </a:solidFill>
                   </a:tcPr>
                 </a:tc>
+                <a:extLst>
+                  <a:ext uri="{0D108BD9-81ED-4DB2-BD59-A6C34878D82A}">
+                    <a16:rowId xmlns:a16="http://schemas.microsoft.com/office/drawing/2014/main" val="10002"/>
+                  </a:ext>
+                </a:extLst>
               </a:tr>
               <a:tr h="513875">
                 <a:tc>
@@ -14807,7 +15870,7 @@
                     <a:bodyPr/>
                     <a:lstStyle/>
                     <a:p>
-                      <a:pPr indent="0" lvl="0" marL="0" marR="0" rtl="0" algn="ctr">
+                      <a:pPr marL="0" marR="0" lvl="0" indent="0" algn="ctr" rtl="0">
                         <a:lnSpc>
                           <a:spcPct val="150000"/>
                         </a:lnSpc>
@@ -14825,7 +15888,7 @@
                         <a:buNone/>
                       </a:pPr>
                       <a:r>
-                        <a:rPr b="1" lang="en-US" sz="1600" u="none" cap="none" strike="noStrike">
+                        <a:rPr lang="en-US" sz="1600" b="1" u="none" strike="noStrike" cap="none">
                           <a:solidFill>
                             <a:schemeClr val="dk1"/>
                           </a:solidFill>
@@ -14836,7 +15899,7 @@
                         </a:rPr>
                         <a:t>FR4</a:t>
                       </a:r>
-                      <a:endParaRPr b="1" sz="1600" u="none" cap="none" strike="noStrike">
+                      <a:endParaRPr sz="1600" b="1" u="none" strike="noStrike" cap="none">
                         <a:solidFill>
                           <a:schemeClr val="dk1"/>
                         </a:solidFill>
@@ -14847,7 +15910,7 @@
                       </a:endParaRPr>
                     </a:p>
                   </a:txBody>
-                  <a:tcPr marT="45725" marB="45725" marR="91450" marL="91450">
+                  <a:tcPr marL="91450" marR="91450" marT="45725" marB="45725">
                     <a:solidFill>
                       <a:srgbClr val="E0E0E0"/>
                     </a:solidFill>
@@ -14858,7 +15921,7 @@
                     <a:bodyPr/>
                     <a:lstStyle/>
                     <a:p>
-                      <a:pPr indent="0" lvl="0" marL="0" marR="0" rtl="0" algn="l">
+                      <a:pPr marL="0" marR="0" lvl="0" indent="0" algn="l" rtl="0">
                         <a:lnSpc>
                           <a:spcPct val="150000"/>
                         </a:lnSpc>
@@ -14876,7 +15939,7 @@
                         <a:buNone/>
                       </a:pPr>
                       <a:r>
-                        <a:rPr lang="en-US" sz="1600" u="none" cap="none" strike="noStrike">
+                        <a:rPr lang="en-US" sz="1600" u="none" strike="noStrike" cap="none">
                           <a:solidFill>
                             <a:srgbClr val="272525"/>
                           </a:solidFill>
@@ -14887,7 +15950,7 @@
                         </a:rPr>
                         <a:t>'C' 또는 'CE' 버튼을 통해 입력된 내용을 초기화할 수 있습니다.</a:t>
                       </a:r>
-                      <a:endParaRPr sz="1600" u="none" cap="none" strike="noStrike">
+                      <a:endParaRPr sz="1600" u="none" strike="noStrike" cap="none">
                         <a:solidFill>
                           <a:schemeClr val="dk1"/>
                         </a:solidFill>
@@ -14898,12 +15961,17 @@
                       </a:endParaRPr>
                     </a:p>
                   </a:txBody>
-                  <a:tcPr marT="45725" marB="45725" marR="91450" marL="91450">
+                  <a:tcPr marL="91450" marR="91450" marT="45725" marB="45725">
                     <a:solidFill>
                       <a:schemeClr val="lt1"/>
                     </a:solidFill>
                   </a:tcPr>
                 </a:tc>
+                <a:extLst>
+                  <a:ext uri="{0D108BD9-81ED-4DB2-BD59-A6C34878D82A}">
+                    <a16:rowId xmlns:a16="http://schemas.microsoft.com/office/drawing/2014/main" val="10003"/>
+                  </a:ext>
+                </a:extLst>
               </a:tr>
               <a:tr h="513875">
                 <a:tc>
@@ -14911,7 +15979,7 @@
                     <a:bodyPr/>
                     <a:lstStyle/>
                     <a:p>
-                      <a:pPr indent="0" lvl="0" marL="0" marR="0" rtl="0" algn="ctr">
+                      <a:pPr marL="0" marR="0" lvl="0" indent="0" algn="ctr" rtl="0">
                         <a:lnSpc>
                           <a:spcPct val="150000"/>
                         </a:lnSpc>
@@ -14929,7 +15997,7 @@
                         <a:buNone/>
                       </a:pPr>
                       <a:r>
-                        <a:rPr b="1" lang="en-US" sz="1600" u="none" cap="none" strike="noStrike">
+                        <a:rPr lang="en-US" sz="1600" b="1" u="none" strike="noStrike" cap="none">
                           <a:solidFill>
                             <a:schemeClr val="dk1"/>
                           </a:solidFill>
@@ -14940,7 +16008,7 @@
                         </a:rPr>
                         <a:t>FR5</a:t>
                       </a:r>
-                      <a:endParaRPr b="1" sz="1600" u="none" cap="none" strike="noStrike">
+                      <a:endParaRPr sz="1600" b="1" u="none" strike="noStrike" cap="none">
                         <a:solidFill>
                           <a:schemeClr val="dk1"/>
                         </a:solidFill>
@@ -14951,7 +16019,7 @@
                       </a:endParaRPr>
                     </a:p>
                     <a:p>
-                      <a:pPr indent="0" lvl="0" marL="0" marR="0" rtl="0" algn="ctr">
+                      <a:pPr marL="0" marR="0" lvl="0" indent="0" algn="ctr" rtl="0">
                         <a:lnSpc>
                           <a:spcPct val="150000"/>
                         </a:lnSpc>
@@ -14969,13 +16037,13 @@
                         <a:buNone/>
                       </a:pPr>
                       <a:r>
-                        <a:rPr b="1" lang="en-US" sz="1600"/>
+                        <a:rPr lang="en-US" sz="1600" b="1"/>
                         <a:t>(optional)</a:t>
                       </a:r>
-                      <a:endParaRPr b="1" sz="1600"/>
+                      <a:endParaRPr sz="1600" b="1"/>
                     </a:p>
                   </a:txBody>
-                  <a:tcPr marT="45725" marB="45725" marR="91450" marL="91450">
+                  <a:tcPr marL="91450" marR="91450" marT="45725" marB="45725">
                     <a:solidFill>
                       <a:srgbClr val="E0E0E0"/>
                     </a:solidFill>
@@ -14986,7 +16054,7 @@
                     <a:bodyPr/>
                     <a:lstStyle/>
                     <a:p>
-                      <a:pPr indent="0" lvl="0" marL="0" marR="0" rtl="0" algn="l">
+                      <a:pPr marL="0" marR="0" lvl="0" indent="0" algn="l" rtl="0">
                         <a:lnSpc>
                           <a:spcPct val="150000"/>
                         </a:lnSpc>
@@ -15012,7 +16080,7 @@
                         <a:t>-</a:t>
                       </a:r>
                       <a:r>
-                        <a:rPr lang="en-US" sz="1600" u="none" cap="none" strike="noStrike">
+                        <a:rPr lang="en-US" sz="1600" u="none" strike="noStrike" cap="none">
                           <a:solidFill>
                             <a:srgbClr val="272525"/>
                           </a:solidFill>
@@ -15032,7 +16100,7 @@
                         <a:t>다.</a:t>
                       </a:r>
                       <a:r>
-                        <a:rPr lang="en-US" sz="1600" u="none" cap="none" strike="noStrike">
+                        <a:rPr lang="en-US" sz="1600" u="none" strike="noStrike" cap="none">
                           <a:solidFill>
                             <a:srgbClr val="272525"/>
                           </a:solidFill>
@@ -15043,7 +16111,7 @@
                         </a:rPr>
                         <a:t> (예: 기존의 연산 기록을 저장하고 볼 수 있는 기능)</a:t>
                       </a:r>
-                      <a:endParaRPr sz="1600" u="none" cap="none" strike="noStrike">
+                      <a:endParaRPr sz="1600" u="none" strike="noStrike" cap="none">
                         <a:solidFill>
                           <a:srgbClr val="272525"/>
                         </a:solidFill>
@@ -15054,7 +16122,7 @@
                       </a:endParaRPr>
                     </a:p>
                     <a:p>
-                      <a:pPr indent="0" lvl="0" marL="0" marR="0" rtl="0" algn="l">
+                      <a:pPr marL="0" marR="0" lvl="0" indent="0" algn="l" rtl="0">
                         <a:lnSpc>
                           <a:spcPct val="150000"/>
                         </a:lnSpc>
@@ -15086,12 +16154,17 @@
                       </a:endParaRPr>
                     </a:p>
                   </a:txBody>
-                  <a:tcPr marT="45725" marB="45725" marR="91450" marL="91450">
+                  <a:tcPr marL="91450" marR="91450" marT="45725" marB="45725">
                     <a:solidFill>
                       <a:schemeClr val="lt1"/>
                     </a:solidFill>
                   </a:tcPr>
                 </a:tc>
+                <a:extLst>
+                  <a:ext uri="{0D108BD9-81ED-4DB2-BD59-A6C34878D82A}">
+                    <a16:rowId xmlns:a16="http://schemas.microsoft.com/office/drawing/2014/main" val="10004"/>
+                  </a:ext>
+                </a:extLst>
               </a:tr>
             </a:tbl>
           </a:graphicData>
@@ -15117,12 +16190,12 @@
           </a:ln>
         </p:spPr>
         <p:txBody>
-          <a:bodyPr anchorCtr="0" anchor="t" bIns="45700" lIns="91425" spcFirstLastPara="1" rIns="91425" wrap="square" tIns="45700">
+          <a:bodyPr spcFirstLastPara="1" wrap="square" lIns="91425" tIns="45700" rIns="91425" bIns="45700" anchor="t" anchorCtr="0">
             <a:noAutofit/>
           </a:bodyPr>
           <a:lstStyle/>
           <a:p>
-            <a:pPr indent="0" lvl="0" marL="0" marR="0" rtl="0" algn="l">
+            <a:pPr marL="0" marR="0" lvl="0" indent="0" algn="l" rtl="0">
               <a:lnSpc>
                 <a:spcPct val="124272"/>
               </a:lnSpc>
@@ -15140,7 +16213,7 @@
               <a:buNone/>
             </a:pPr>
             <a:r>
-              <a:rPr b="1" lang="en-US" sz="2200">
+              <a:rPr lang="en-US" sz="2200" b="1">
                 <a:solidFill>
                   <a:srgbClr val="000000"/>
                 </a:solidFill>
@@ -15176,40 +16249,37 @@
           </a:xfrm>
           <a:prstGeom prst="roundRect">
             <a:avLst>
-              <a:gd fmla="val 2829" name="adj"/>
+              <a:gd name="adj" fmla="val 2829"/>
             </a:avLst>
           </a:prstGeom>
           <a:solidFill>
             <a:srgbClr val="E0E0E0"/>
           </a:solidFill>
-          <a:ln cap="flat" cmpd="sng" w="9525">
+          <a:ln w="9525" cap="flat" cmpd="sng">
             <a:solidFill>
               <a:srgbClr val="B5B7E3"/>
             </a:solidFill>
             <a:prstDash val="solid"/>
             <a:round/>
-            <a:headEnd len="sm" w="sm" type="none"/>
-            <a:tailEnd len="sm" w="sm" type="none"/>
+            <a:headEnd type="none" w="sm" len="sm"/>
+            <a:tailEnd type="none" w="sm" len="sm"/>
           </a:ln>
         </p:spPr>
         <p:txBody>
-          <a:bodyPr anchorCtr="0" anchor="ctr" bIns="91425" lIns="91425" spcFirstLastPara="1" rIns="91425" wrap="square" tIns="91425">
+          <a:bodyPr spcFirstLastPara="1" wrap="square" lIns="91425" tIns="91425" rIns="91425" bIns="91425" anchor="ctr" anchorCtr="0">
             <a:noAutofit/>
           </a:bodyPr>
           <a:lstStyle/>
           <a:p>
-            <a:pPr indent="0" lvl="0" marL="0" rtl="0" algn="l">
-              <a:spcBef>
-                <a:spcPts val="0"/>
-              </a:spcBef>
-              <a:spcAft>
-                <a:spcPts val="0"/>
-              </a:spcAft>
-              <a:buNone/>
-            </a:pPr>
-            <a:r>
-              <a:t/>
-            </a:r>
+            <a:pPr marL="0" lvl="0" indent="0" algn="l" rtl="0">
+              <a:spcBef>
+                <a:spcPts val="0"/>
+              </a:spcBef>
+              <a:spcAft>
+                <a:spcPts val="0"/>
+              </a:spcAft>
+              <a:buNone/>
+            </a:pPr>
             <a:endParaRPr/>
           </a:p>
         </p:txBody>
@@ -15227,40 +16297,37 @@
           </a:xfrm>
           <a:prstGeom prst="roundRect">
             <a:avLst>
-              <a:gd fmla="val 2829" name="adj"/>
+              <a:gd name="adj" fmla="val 2829"/>
             </a:avLst>
           </a:prstGeom>
           <a:solidFill>
             <a:srgbClr val="E0E0E0"/>
           </a:solidFill>
-          <a:ln cap="flat" cmpd="sng" w="9525">
+          <a:ln w="9525" cap="flat" cmpd="sng">
             <a:solidFill>
               <a:srgbClr val="B5B7E3"/>
             </a:solidFill>
             <a:prstDash val="solid"/>
             <a:round/>
-            <a:headEnd len="sm" w="sm" type="none"/>
-            <a:tailEnd len="sm" w="sm" type="none"/>
+            <a:headEnd type="none" w="sm" len="sm"/>
+            <a:tailEnd type="none" w="sm" len="sm"/>
           </a:ln>
         </p:spPr>
         <p:txBody>
-          <a:bodyPr anchorCtr="0" anchor="ctr" bIns="91425" lIns="91425" spcFirstLastPara="1" rIns="91425" wrap="square" tIns="91425">
+          <a:bodyPr spcFirstLastPara="1" wrap="square" lIns="91425" tIns="91425" rIns="91425" bIns="91425" anchor="ctr" anchorCtr="0">
             <a:noAutofit/>
           </a:bodyPr>
           <a:lstStyle/>
           <a:p>
-            <a:pPr indent="0" lvl="0" marL="0" rtl="0" algn="l">
-              <a:spcBef>
-                <a:spcPts val="0"/>
-              </a:spcBef>
-              <a:spcAft>
-                <a:spcPts val="0"/>
-              </a:spcAft>
-              <a:buNone/>
-            </a:pPr>
-            <a:r>
-              <a:t/>
-            </a:r>
+            <a:pPr marL="0" lvl="0" indent="0" algn="l" rtl="0">
+              <a:spcBef>
+                <a:spcPts val="0"/>
+              </a:spcBef>
+              <a:spcAft>
+                <a:spcPts val="0"/>
+              </a:spcAft>
+              <a:buNone/>
+            </a:pPr>
             <a:endParaRPr/>
           </a:p>
         </p:txBody>
@@ -15287,12 +16354,12 @@
           </a:ln>
         </p:spPr>
         <p:txBody>
-          <a:bodyPr anchorCtr="0" anchor="t" bIns="45700" lIns="91425" spcFirstLastPara="1" rIns="91425" wrap="square" tIns="45700">
+          <a:bodyPr spcFirstLastPara="1" wrap="square" lIns="91425" tIns="45700" rIns="91425" bIns="45700" anchor="t" anchorCtr="0">
             <a:spAutoFit/>
           </a:bodyPr>
           <a:lstStyle/>
           <a:p>
-            <a:pPr indent="0" lvl="0" marL="0" marR="0" rtl="0" algn="l">
+            <a:pPr marL="0" marR="0" lvl="0" indent="0" algn="l" rtl="0">
               <a:lnSpc>
                 <a:spcPct val="130000"/>
               </a:lnSpc>
@@ -15310,7 +16377,7 @@
               <a:buNone/>
             </a:pPr>
             <a:r>
-              <a:rPr b="1" lang="en-US" sz="1800">
+              <a:rPr lang="en-US" sz="1800" b="1">
                 <a:solidFill>
                   <a:srgbClr val="272525"/>
                 </a:solidFill>
@@ -15321,7 +16388,7 @@
               </a:rPr>
               <a:t>문서 제출</a:t>
             </a:r>
-            <a:endParaRPr b="1" sz="1800">
+            <a:endParaRPr sz="1800" b="1">
               <a:solidFill>
                 <a:srgbClr val="272525"/>
               </a:solidFill>
@@ -15332,7 +16399,7 @@
             </a:endParaRPr>
           </a:p>
           <a:p>
-            <a:pPr indent="0" lvl="0" marL="0" marR="0" rtl="0" algn="l">
+            <a:pPr marL="0" marR="0" lvl="0" indent="0" algn="l" rtl="0">
               <a:lnSpc>
                 <a:spcPct val="130000"/>
               </a:lnSpc>
@@ -15364,7 +16431,7 @@
             <a:endParaRPr/>
           </a:p>
           <a:p>
-            <a:pPr indent="0" lvl="0" marL="0" marR="0" rtl="0" algn="l">
+            <a:pPr marL="0" marR="0" lvl="0" indent="0" algn="l" rtl="0">
               <a:lnSpc>
                 <a:spcPct val="130000"/>
               </a:lnSpc>
@@ -15404,7 +16471,7 @@
             </a:endParaRPr>
           </a:p>
           <a:p>
-            <a:pPr indent="0" lvl="0" marL="0" marR="0" rtl="0" algn="l">
+            <a:pPr marL="0" marR="0" lvl="0" indent="0" algn="l" rtl="0">
               <a:lnSpc>
                 <a:spcPct val="130000"/>
               </a:lnSpc>
@@ -15468,12 +16535,12 @@
           </a:ln>
         </p:spPr>
         <p:txBody>
-          <a:bodyPr anchorCtr="0" anchor="t" bIns="45700" lIns="91425" spcFirstLastPara="1" rIns="91425" wrap="square" tIns="45700">
+          <a:bodyPr spcFirstLastPara="1" wrap="square" lIns="91425" tIns="45700" rIns="91425" bIns="45700" anchor="t" anchorCtr="0">
             <a:spAutoFit/>
           </a:bodyPr>
           <a:lstStyle/>
           <a:p>
-            <a:pPr indent="0" lvl="0" marL="0" marR="0" rtl="0" algn="l">
+            <a:pPr marL="0" marR="0" lvl="0" indent="0" algn="l" rtl="0">
               <a:lnSpc>
                 <a:spcPct val="130000"/>
               </a:lnSpc>
@@ -15486,7 +16553,7 @@
               <a:buNone/>
             </a:pPr>
             <a:r>
-              <a:rPr b="1" lang="en-US" sz="1800">
+              <a:rPr lang="en-US" sz="1800" b="1">
                 <a:solidFill>
                   <a:srgbClr val="272525"/>
                 </a:solidFill>
@@ -15497,7 +16564,7 @@
               </a:rPr>
               <a:t>repository 주소</a:t>
             </a:r>
-            <a:endParaRPr b="1" sz="1800">
+            <a:endParaRPr sz="1800" b="1">
               <a:solidFill>
                 <a:srgbClr val="272525"/>
               </a:solidFill>
@@ -15508,7 +16575,7 @@
             </a:endParaRPr>
           </a:p>
           <a:p>
-            <a:pPr indent="0" lvl="0" marL="0" marR="0" rtl="0" algn="l">
+            <a:pPr marL="0" marR="0" lvl="0" indent="0" algn="l" rtl="0">
               <a:lnSpc>
                 <a:spcPct val="130000"/>
               </a:lnSpc>
@@ -15548,7 +16615,7 @@
             </a:endParaRPr>
           </a:p>
           <a:p>
-            <a:pPr indent="0" lvl="0" marL="0" marR="0" rtl="0" algn="l">
+            <a:pPr marL="0" marR="0" lvl="0" indent="0" algn="l" rtl="0">
               <a:lnSpc>
                 <a:spcPct val="130000"/>
               </a:lnSpc>
@@ -15593,7 +16660,7 @@
 </file>
 
 <file path=ppt/theme/theme1.xml><?xml version="1.0" encoding="utf-8"?>
-<a:theme xmlns:a="http://schemas.openxmlformats.org/drawingml/2006/main" xmlns:r="http://schemas.openxmlformats.org/officeDocument/2006/relationships" name="Office Theme">
+<a:theme xmlns:a="http://schemas.openxmlformats.org/drawingml/2006/main" name="Office Theme">
   <a:themeElements>
     <a:clrScheme name="Office">
       <a:dk1>
@@ -15868,11 +16935,13 @@
       </a:bgFillStyleLst>
     </a:fmtScheme>
   </a:themeElements>
+  <a:objectDefaults/>
+  <a:extraClrSchemeLst/>
 </a:theme>
 </file>
 
 <file path=ppt/theme/theme2.xml><?xml version="1.0" encoding="utf-8"?>
-<a:theme xmlns:a="http://schemas.openxmlformats.org/drawingml/2006/main" xmlns:r="http://schemas.openxmlformats.org/officeDocument/2006/relationships" name="Office 테마">
+<a:theme xmlns:a="http://schemas.openxmlformats.org/drawingml/2006/main" name="Office 테마">
   <a:themeElements>
     <a:clrScheme name="Office">
       <a:dk1>
@@ -16147,5 +17216,7 @@
       </a:bgFillStyleLst>
     </a:fmtScheme>
   </a:themeElements>
+  <a:objectDefaults/>
+  <a:extraClrSchemeLst/>
 </a:theme>
 </file>